--- a/slides.pptx
+++ b/slides.pptx
@@ -5,7 +5,7 @@
     <p:sldMasterId id="2147483648" r:id="rId1"/>
   </p:sldMasterIdLst>
   <p:notesMasterIdLst>
-    <p:notesMasterId r:id="rId12"/>
+    <p:notesMasterId r:id="rId13"/>
   </p:notesMasterIdLst>
   <p:sldIdLst>
     <p:sldId id="256" r:id="rId2"/>
@@ -13,11 +13,12 @@
     <p:sldId id="258" r:id="rId4"/>
     <p:sldId id="259" r:id="rId5"/>
     <p:sldId id="260" r:id="rId6"/>
-    <p:sldId id="261" r:id="rId7"/>
-    <p:sldId id="262" r:id="rId8"/>
-    <p:sldId id="263" r:id="rId9"/>
-    <p:sldId id="264" r:id="rId10"/>
-    <p:sldId id="265" r:id="rId11"/>
+    <p:sldId id="262" r:id="rId7"/>
+    <p:sldId id="261" r:id="rId8"/>
+    <p:sldId id="264" r:id="rId9"/>
+    <p:sldId id="263" r:id="rId10"/>
+    <p:sldId id="266" r:id="rId11"/>
+    <p:sldId id="265" r:id="rId12"/>
   </p:sldIdLst>
   <p:sldSz cx="12192000" cy="6858000"/>
   <p:notesSz cx="6858000" cy="9144000"/>
@@ -116,6 +117,11 @@
       </a:defRPr>
     </a:lvl9pPr>
   </p:defaultTextStyle>
+  <p:extLst>
+    <p:ext uri="{EFAFB233-063F-42B5-8137-9DF3F51BA10A}">
+      <p15:sldGuideLst xmlns:p15="http://schemas.microsoft.com/office/powerpoint/2012/main"/>
+    </p:ext>
+  </p:extLst>
 </p:presentation>
 </file>
 
@@ -3969,10 +3975,10 @@
       </p:grpSpPr>
       <p:sp>
         <p:nvSpPr>
-          <p:cNvPr id="2" name="Title 1">
-            <a:extLst>
-              <a:ext uri="{FF2B5EF4-FFF2-40B4-BE49-F238E27FC236}">
-                <a16:creationId xmlns:a16="http://schemas.microsoft.com/office/drawing/2014/main" id="{0C11BDFB-AEAB-4AB3-8681-7E889AE2EA39}"/>
+          <p:cNvPr id="4" name="Title 3">
+            <a:extLst>
+              <a:ext uri="{FF2B5EF4-FFF2-40B4-BE49-F238E27FC236}">
+                <a16:creationId xmlns:a16="http://schemas.microsoft.com/office/drawing/2014/main" id="{D5BEA218-7E74-431A-82D8-20DB9DB50549}"/>
               </a:ext>
             </a:extLst>
           </p:cNvPr>
@@ -3990,11 +3996,66 @@
           <a:p>
             <a:r>
               <a:rPr lang="en-GB" dirty="0"/>
-              <a:t>Experiment 1</a:t>
-            </a:r>
-          </a:p>
-        </p:txBody>
-      </p:sp>
+              <a:t>Experiments</a:t>
+            </a:r>
+          </a:p>
+        </p:txBody>
+      </p:sp>
+      <p:sp>
+        <p:nvSpPr>
+          <p:cNvPr id="5" name="Text Placeholder 4">
+            <a:extLst>
+              <a:ext uri="{FF2B5EF4-FFF2-40B4-BE49-F238E27FC236}">
+                <a16:creationId xmlns:a16="http://schemas.microsoft.com/office/drawing/2014/main" id="{F2086EAB-179D-4F73-9B1D-7F216566141C}"/>
+              </a:ext>
+            </a:extLst>
+          </p:cNvPr>
+          <p:cNvSpPr>
+            <a:spLocks noGrp="1"/>
+          </p:cNvSpPr>
+          <p:nvPr>
+            <p:ph type="body" idx="1"/>
+          </p:nvPr>
+        </p:nvSpPr>
+        <p:spPr/>
+        <p:txBody>
+          <a:bodyPr/>
+          <a:lstStyle/>
+          <a:p>
+            <a:endParaRPr lang="en-GB"/>
+          </a:p>
+        </p:txBody>
+      </p:sp>
+    </p:spTree>
+    <p:extLst>
+      <p:ext uri="{BB962C8B-B14F-4D97-AF65-F5344CB8AC3E}">
+        <p14:creationId xmlns:p14="http://schemas.microsoft.com/office/powerpoint/2010/main" val="1794600607"/>
+      </p:ext>
+    </p:extLst>
+  </p:cSld>
+  <p:clrMapOvr>
+    <a:masterClrMapping/>
+  </p:clrMapOvr>
+</p:sld>
+</file>
+
+<file path=ppt/slides/slide11.xml><?xml version="1.0" encoding="utf-8"?>
+<p:sld xmlns:a="http://schemas.openxmlformats.org/drawingml/2006/main" xmlns:r="http://schemas.openxmlformats.org/officeDocument/2006/relationships" xmlns:p="http://schemas.openxmlformats.org/presentationml/2006/main">
+  <p:cSld>
+    <p:spTree>
+      <p:nvGrpSpPr>
+        <p:cNvPr id="1" name=""/>
+        <p:cNvGrpSpPr/>
+        <p:nvPr/>
+      </p:nvGrpSpPr>
+      <p:grpSpPr>
+        <a:xfrm>
+          <a:off x="0" y="0"/>
+          <a:ext cx="0" cy="0"/>
+          <a:chOff x="0" y="0"/>
+          <a:chExt cx="0" cy="0"/>
+        </a:xfrm>
+      </p:grpSpPr>
       <p:sp>
         <p:nvSpPr>
           <p:cNvPr id="3" name="Content Placeholder 2">
@@ -4011,15 +4072,1151 @@
             <p:ph idx="1"/>
           </p:nvPr>
         </p:nvSpPr>
-        <p:spPr/>
-        <p:txBody>
-          <a:bodyPr/>
-          <a:lstStyle/>
-          <a:p>
-            <a:endParaRPr lang="en-GB"/>
-          </a:p>
-        </p:txBody>
-      </p:sp>
+        <p:spPr>
+          <a:xfrm>
+            <a:off x="689707" y="711200"/>
+            <a:ext cx="10515600" cy="5435600"/>
+          </a:xfrm>
+        </p:spPr>
+        <p:txBody>
+          <a:bodyPr>
+            <a:normAutofit lnSpcReduction="10000"/>
+          </a:bodyPr>
+          <a:lstStyle/>
+          <a:p>
+            <a:pPr marL="0" indent="0">
+              <a:buNone/>
+            </a:pPr>
+            <a:r>
+              <a:rPr lang="en-GB" dirty="0"/>
+              <a:t>Hypothesis: Using a 3 stage pipeline will reduce the total cycles by up to a maximum factor of 3. The less taken branches the closer it will be to the maximum of 3 (a taken branch flushes the pipeline).</a:t>
+            </a:r>
+          </a:p>
+          <a:p>
+            <a:pPr marL="0" indent="0">
+              <a:buNone/>
+            </a:pPr>
+            <a:r>
+              <a:rPr lang="en-GB" dirty="0"/>
+              <a:t>Experiment: I wrote two versions of the same function, one with and one without an unrolled loop, so that the unrolled has a lower number of branches taken. I tested both with and without the pipeline enabled.</a:t>
+            </a:r>
+          </a:p>
+          <a:p>
+            <a:pPr marL="0" indent="0">
+              <a:buNone/>
+            </a:pPr>
+            <a:endParaRPr lang="en-GB" dirty="0"/>
+          </a:p>
+          <a:p>
+            <a:pPr marL="0" indent="0">
+              <a:buNone/>
+            </a:pPr>
+            <a:endParaRPr lang="en-GB" dirty="0"/>
+          </a:p>
+          <a:p>
+            <a:pPr marL="0" indent="0">
+              <a:buNone/>
+            </a:pPr>
+            <a:endParaRPr lang="en-GB" dirty="0"/>
+          </a:p>
+          <a:p>
+            <a:pPr marL="0" indent="0">
+              <a:buNone/>
+            </a:pPr>
+            <a:r>
+              <a:rPr lang="en-GB" dirty="0"/>
+              <a:t>Result: Both programs did result in a reduction of cycles, but of less than 3x. The version with less taken branches had a very small improvement in the cycle reduction when enabling the pipelined mode.</a:t>
+            </a:r>
+          </a:p>
+        </p:txBody>
+      </p:sp>
+      <p:graphicFrame>
+        <p:nvGraphicFramePr>
+          <p:cNvPr id="5" name="Table 4">
+            <a:extLst>
+              <a:ext uri="{FF2B5EF4-FFF2-40B4-BE49-F238E27FC236}">
+                <a16:creationId xmlns:a16="http://schemas.microsoft.com/office/drawing/2014/main" id="{F599E938-98B3-4946-B648-B7F1D5749B2B}"/>
+              </a:ext>
+            </a:extLst>
+          </p:cNvPr>
+          <p:cNvGraphicFramePr>
+            <a:graphicFrameLocks noGrp="1"/>
+          </p:cNvGraphicFramePr>
+          <p:nvPr>
+            <p:extLst>
+              <p:ext uri="{D42A27DB-BD31-4B8C-83A1-F6EECF244321}">
+                <p14:modId xmlns:p14="http://schemas.microsoft.com/office/powerpoint/2010/main" val="4178991436"/>
+              </p:ext>
+            </p:extLst>
+          </p:nvPr>
+        </p:nvGraphicFramePr>
+        <p:xfrm>
+          <a:off x="838200" y="3122856"/>
+          <a:ext cx="10515600" cy="1131643"/>
+        </p:xfrm>
+        <a:graphic>
+          <a:graphicData uri="http://schemas.openxmlformats.org/drawingml/2006/table">
+            <a:tbl>
+              <a:tblPr/>
+              <a:tblGrid>
+                <a:gridCol w="1752600">
+                  <a:extLst>
+                    <a:ext uri="{9D8B030D-6E8A-4147-A177-3AD203B41FA5}">
+                      <a16:colId xmlns:a16="http://schemas.microsoft.com/office/drawing/2014/main" val="817624562"/>
+                    </a:ext>
+                  </a:extLst>
+                </a:gridCol>
+                <a:gridCol w="1752600">
+                  <a:extLst>
+                    <a:ext uri="{9D8B030D-6E8A-4147-A177-3AD203B41FA5}">
+                      <a16:colId xmlns:a16="http://schemas.microsoft.com/office/drawing/2014/main" val="507680696"/>
+                    </a:ext>
+                  </a:extLst>
+                </a:gridCol>
+                <a:gridCol w="1752600">
+                  <a:extLst>
+                    <a:ext uri="{9D8B030D-6E8A-4147-A177-3AD203B41FA5}">
+                      <a16:colId xmlns:a16="http://schemas.microsoft.com/office/drawing/2014/main" val="831206348"/>
+                    </a:ext>
+                  </a:extLst>
+                </a:gridCol>
+                <a:gridCol w="1752600">
+                  <a:extLst>
+                    <a:ext uri="{9D8B030D-6E8A-4147-A177-3AD203B41FA5}">
+                      <a16:colId xmlns:a16="http://schemas.microsoft.com/office/drawing/2014/main" val="3198983261"/>
+                    </a:ext>
+                  </a:extLst>
+                </a:gridCol>
+                <a:gridCol w="1752600">
+                  <a:extLst>
+                    <a:ext uri="{9D8B030D-6E8A-4147-A177-3AD203B41FA5}">
+                      <a16:colId xmlns:a16="http://schemas.microsoft.com/office/drawing/2014/main" val="4266044807"/>
+                    </a:ext>
+                  </a:extLst>
+                </a:gridCol>
+                <a:gridCol w="1752600">
+                  <a:extLst>
+                    <a:ext uri="{9D8B030D-6E8A-4147-A177-3AD203B41FA5}">
+                      <a16:colId xmlns:a16="http://schemas.microsoft.com/office/drawing/2014/main" val="2335363580"/>
+                    </a:ext>
+                  </a:extLst>
+                </a:gridCol>
+              </a:tblGrid>
+              <a:tr h="520915">
+                <a:tc>
+                  <a:txBody>
+                    <a:bodyPr/>
+                    <a:lstStyle/>
+                    <a:p>
+                      <a:r>
+                        <a:rPr lang="en-GB" sz="1400" b="1">
+                          <a:effectLst/>
+                        </a:rPr>
+                        <a:t>Program</a:t>
+                      </a:r>
+                    </a:p>
+                  </a:txBody>
+                  <a:tcPr marL="97297" marR="97297" marT="44906" marB="44906" anchor="ctr">
+                    <a:lnL w="9525" cap="flat" cmpd="sng" algn="ctr">
+                      <a:solidFill>
+                        <a:srgbClr val="DDDDDD"/>
+                      </a:solidFill>
+                      <a:prstDash val="solid"/>
+                      <a:round/>
+                      <a:headEnd type="none" w="med" len="med"/>
+                      <a:tailEnd type="none" w="med" len="med"/>
+                    </a:lnL>
+                    <a:lnR w="9525" cap="flat" cmpd="sng" algn="ctr">
+                      <a:solidFill>
+                        <a:srgbClr val="DDDDDD"/>
+                      </a:solidFill>
+                      <a:prstDash val="solid"/>
+                      <a:round/>
+                      <a:headEnd type="none" w="med" len="med"/>
+                      <a:tailEnd type="none" w="med" len="med"/>
+                    </a:lnR>
+                    <a:lnT w="9525" cap="flat" cmpd="sng" algn="ctr">
+                      <a:solidFill>
+                        <a:srgbClr val="DDDDDD"/>
+                      </a:solidFill>
+                      <a:prstDash val="solid"/>
+                      <a:round/>
+                      <a:headEnd type="none" w="med" len="med"/>
+                      <a:tailEnd type="none" w="med" len="med"/>
+                    </a:lnT>
+                    <a:lnB w="9525" cap="flat" cmpd="sng" algn="ctr">
+                      <a:solidFill>
+                        <a:srgbClr val="DDDDDD"/>
+                      </a:solidFill>
+                      <a:prstDash val="solid"/>
+                      <a:round/>
+                      <a:headEnd type="none" w="med" len="med"/>
+                      <a:tailEnd type="none" w="med" len="med"/>
+                    </a:lnB>
+                    <a:solidFill>
+                      <a:srgbClr val="FFFFFF"/>
+                    </a:solidFill>
+                  </a:tcPr>
+                </a:tc>
+                <a:tc>
+                  <a:txBody>
+                    <a:bodyPr/>
+                    <a:lstStyle/>
+                    <a:p>
+                      <a:r>
+                        <a:rPr lang="en-GB" sz="1400" b="1" dirty="0">
+                          <a:effectLst/>
+                        </a:rPr>
+                        <a:t>Instructions</a:t>
+                      </a:r>
+                    </a:p>
+                  </a:txBody>
+                  <a:tcPr marL="97297" marR="97297" marT="44906" marB="44906" anchor="ctr">
+                    <a:lnL w="9525" cap="flat" cmpd="sng" algn="ctr">
+                      <a:solidFill>
+                        <a:srgbClr val="DDDDDD"/>
+                      </a:solidFill>
+                      <a:prstDash val="solid"/>
+                      <a:round/>
+                      <a:headEnd type="none" w="med" len="med"/>
+                      <a:tailEnd type="none" w="med" len="med"/>
+                    </a:lnL>
+                    <a:lnR w="9525" cap="flat" cmpd="sng" algn="ctr">
+                      <a:solidFill>
+                        <a:srgbClr val="DDDDDD"/>
+                      </a:solidFill>
+                      <a:prstDash val="solid"/>
+                      <a:round/>
+                      <a:headEnd type="none" w="med" len="med"/>
+                      <a:tailEnd type="none" w="med" len="med"/>
+                    </a:lnR>
+                    <a:lnT w="9525" cap="flat" cmpd="sng" algn="ctr">
+                      <a:solidFill>
+                        <a:srgbClr val="DDDDDD"/>
+                      </a:solidFill>
+                      <a:prstDash val="solid"/>
+                      <a:round/>
+                      <a:headEnd type="none" w="med" len="med"/>
+                      <a:tailEnd type="none" w="med" len="med"/>
+                    </a:lnT>
+                    <a:lnB w="9525" cap="flat" cmpd="sng" algn="ctr">
+                      <a:solidFill>
+                        <a:srgbClr val="DDDDDD"/>
+                      </a:solidFill>
+                      <a:prstDash val="solid"/>
+                      <a:round/>
+                      <a:headEnd type="none" w="med" len="med"/>
+                      <a:tailEnd type="none" w="med" len="med"/>
+                    </a:lnB>
+                    <a:solidFill>
+                      <a:srgbClr val="FFFFFF"/>
+                    </a:solidFill>
+                  </a:tcPr>
+                </a:tc>
+                <a:tc>
+                  <a:txBody>
+                    <a:bodyPr/>
+                    <a:lstStyle/>
+                    <a:p>
+                      <a:r>
+                        <a:rPr lang="en-GB" sz="1400" b="1">
+                          <a:effectLst/>
+                        </a:rPr>
+                        <a:t>Branches Taken</a:t>
+                      </a:r>
+                    </a:p>
+                  </a:txBody>
+                  <a:tcPr marL="97297" marR="97297" marT="44906" marB="44906" anchor="ctr">
+                    <a:lnL w="9525" cap="flat" cmpd="sng" algn="ctr">
+                      <a:solidFill>
+                        <a:srgbClr val="DDDDDD"/>
+                      </a:solidFill>
+                      <a:prstDash val="solid"/>
+                      <a:round/>
+                      <a:headEnd type="none" w="med" len="med"/>
+                      <a:tailEnd type="none" w="med" len="med"/>
+                    </a:lnL>
+                    <a:lnR w="9525" cap="flat" cmpd="sng" algn="ctr">
+                      <a:solidFill>
+                        <a:srgbClr val="DDDDDD"/>
+                      </a:solidFill>
+                      <a:prstDash val="solid"/>
+                      <a:round/>
+                      <a:headEnd type="none" w="med" len="med"/>
+                      <a:tailEnd type="none" w="med" len="med"/>
+                    </a:lnR>
+                    <a:lnT w="9525" cap="flat" cmpd="sng" algn="ctr">
+                      <a:solidFill>
+                        <a:srgbClr val="DDDDDD"/>
+                      </a:solidFill>
+                      <a:prstDash val="solid"/>
+                      <a:round/>
+                      <a:headEnd type="none" w="med" len="med"/>
+                      <a:tailEnd type="none" w="med" len="med"/>
+                    </a:lnT>
+                    <a:lnB w="9525" cap="flat" cmpd="sng" algn="ctr">
+                      <a:solidFill>
+                        <a:srgbClr val="DDDDDD"/>
+                      </a:solidFill>
+                      <a:prstDash val="solid"/>
+                      <a:round/>
+                      <a:headEnd type="none" w="med" len="med"/>
+                      <a:tailEnd type="none" w="med" len="med"/>
+                    </a:lnB>
+                    <a:solidFill>
+                      <a:srgbClr val="FFFFFF"/>
+                    </a:solidFill>
+                  </a:tcPr>
+                </a:tc>
+                <a:tc>
+                  <a:txBody>
+                    <a:bodyPr/>
+                    <a:lstStyle/>
+                    <a:p>
+                      <a:r>
+                        <a:rPr lang="en-GB" sz="1400" b="1">
+                          <a:effectLst/>
+                        </a:rPr>
+                        <a:t>Non-Pipelined Cycles</a:t>
+                      </a:r>
+                    </a:p>
+                  </a:txBody>
+                  <a:tcPr marL="97297" marR="97297" marT="44906" marB="44906" anchor="ctr">
+                    <a:lnL w="9525" cap="flat" cmpd="sng" algn="ctr">
+                      <a:solidFill>
+                        <a:srgbClr val="DDDDDD"/>
+                      </a:solidFill>
+                      <a:prstDash val="solid"/>
+                      <a:round/>
+                      <a:headEnd type="none" w="med" len="med"/>
+                      <a:tailEnd type="none" w="med" len="med"/>
+                    </a:lnL>
+                    <a:lnR w="9525" cap="flat" cmpd="sng" algn="ctr">
+                      <a:solidFill>
+                        <a:srgbClr val="DDDDDD"/>
+                      </a:solidFill>
+                      <a:prstDash val="solid"/>
+                      <a:round/>
+                      <a:headEnd type="none" w="med" len="med"/>
+                      <a:tailEnd type="none" w="med" len="med"/>
+                    </a:lnR>
+                    <a:lnT w="9525" cap="flat" cmpd="sng" algn="ctr">
+                      <a:solidFill>
+                        <a:srgbClr val="DDDDDD"/>
+                      </a:solidFill>
+                      <a:prstDash val="solid"/>
+                      <a:round/>
+                      <a:headEnd type="none" w="med" len="med"/>
+                      <a:tailEnd type="none" w="med" len="med"/>
+                    </a:lnT>
+                    <a:lnB w="9525" cap="flat" cmpd="sng" algn="ctr">
+                      <a:solidFill>
+                        <a:srgbClr val="DDDDDD"/>
+                      </a:solidFill>
+                      <a:prstDash val="solid"/>
+                      <a:round/>
+                      <a:headEnd type="none" w="med" len="med"/>
+                      <a:tailEnd type="none" w="med" len="med"/>
+                    </a:lnB>
+                    <a:solidFill>
+                      <a:srgbClr val="FFFFFF"/>
+                    </a:solidFill>
+                  </a:tcPr>
+                </a:tc>
+                <a:tc>
+                  <a:txBody>
+                    <a:bodyPr/>
+                    <a:lstStyle/>
+                    <a:p>
+                      <a:r>
+                        <a:rPr lang="en-GB" sz="1400" b="1">
+                          <a:effectLst/>
+                        </a:rPr>
+                        <a:t>Pipelined Cycles</a:t>
+                      </a:r>
+                    </a:p>
+                  </a:txBody>
+                  <a:tcPr marL="97297" marR="97297" marT="44906" marB="44906" anchor="ctr">
+                    <a:lnL w="9525" cap="flat" cmpd="sng" algn="ctr">
+                      <a:solidFill>
+                        <a:srgbClr val="DDDDDD"/>
+                      </a:solidFill>
+                      <a:prstDash val="solid"/>
+                      <a:round/>
+                      <a:headEnd type="none" w="med" len="med"/>
+                      <a:tailEnd type="none" w="med" len="med"/>
+                    </a:lnL>
+                    <a:lnR w="9525" cap="flat" cmpd="sng" algn="ctr">
+                      <a:solidFill>
+                        <a:srgbClr val="DDDDDD"/>
+                      </a:solidFill>
+                      <a:prstDash val="solid"/>
+                      <a:round/>
+                      <a:headEnd type="none" w="med" len="med"/>
+                      <a:tailEnd type="none" w="med" len="med"/>
+                    </a:lnR>
+                    <a:lnT w="9525" cap="flat" cmpd="sng" algn="ctr">
+                      <a:solidFill>
+                        <a:srgbClr val="DDDDDD"/>
+                      </a:solidFill>
+                      <a:prstDash val="solid"/>
+                      <a:round/>
+                      <a:headEnd type="none" w="med" len="med"/>
+                      <a:tailEnd type="none" w="med" len="med"/>
+                    </a:lnT>
+                    <a:lnB w="9525" cap="flat" cmpd="sng" algn="ctr">
+                      <a:solidFill>
+                        <a:srgbClr val="DDDDDD"/>
+                      </a:solidFill>
+                      <a:prstDash val="solid"/>
+                      <a:round/>
+                      <a:headEnd type="none" w="med" len="med"/>
+                      <a:tailEnd type="none" w="med" len="med"/>
+                    </a:lnB>
+                    <a:solidFill>
+                      <a:srgbClr val="FFFFFF"/>
+                    </a:solidFill>
+                  </a:tcPr>
+                </a:tc>
+                <a:tc>
+                  <a:txBody>
+                    <a:bodyPr/>
+                    <a:lstStyle/>
+                    <a:p>
+                      <a:r>
+                        <a:rPr lang="en-GB" sz="1400" b="1">
+                          <a:effectLst/>
+                        </a:rPr>
+                        <a:t>Factor</a:t>
+                      </a:r>
+                    </a:p>
+                  </a:txBody>
+                  <a:tcPr marL="97297" marR="97297" marT="44906" marB="44906" anchor="ctr">
+                    <a:lnL w="9525" cap="flat" cmpd="sng" algn="ctr">
+                      <a:solidFill>
+                        <a:srgbClr val="DDDDDD"/>
+                      </a:solidFill>
+                      <a:prstDash val="solid"/>
+                      <a:round/>
+                      <a:headEnd type="none" w="med" len="med"/>
+                      <a:tailEnd type="none" w="med" len="med"/>
+                    </a:lnL>
+                    <a:lnR w="9525" cap="flat" cmpd="sng" algn="ctr">
+                      <a:solidFill>
+                        <a:srgbClr val="DDDDDD"/>
+                      </a:solidFill>
+                      <a:prstDash val="solid"/>
+                      <a:round/>
+                      <a:headEnd type="none" w="med" len="med"/>
+                      <a:tailEnd type="none" w="med" len="med"/>
+                    </a:lnR>
+                    <a:lnT w="9525" cap="flat" cmpd="sng" algn="ctr">
+                      <a:solidFill>
+                        <a:srgbClr val="DDDDDD"/>
+                      </a:solidFill>
+                      <a:prstDash val="solid"/>
+                      <a:round/>
+                      <a:headEnd type="none" w="med" len="med"/>
+                      <a:tailEnd type="none" w="med" len="med"/>
+                    </a:lnT>
+                    <a:lnB w="9525" cap="flat" cmpd="sng" algn="ctr">
+                      <a:solidFill>
+                        <a:srgbClr val="DDDDDD"/>
+                      </a:solidFill>
+                      <a:prstDash val="solid"/>
+                      <a:round/>
+                      <a:headEnd type="none" w="med" len="med"/>
+                      <a:tailEnd type="none" w="med" len="med"/>
+                    </a:lnB>
+                    <a:solidFill>
+                      <a:srgbClr val="FFFFFF"/>
+                    </a:solidFill>
+                  </a:tcPr>
+                </a:tc>
+                <a:extLst>
+                  <a:ext uri="{0D108BD9-81ED-4DB2-BD59-A6C34878D82A}">
+                    <a16:rowId xmlns:a16="http://schemas.microsoft.com/office/drawing/2014/main" val="2876953063"/>
+                  </a:ext>
+                </a:extLst>
+              </a:tr>
+              <a:tr h="305364">
+                <a:tc>
+                  <a:txBody>
+                    <a:bodyPr/>
+                    <a:lstStyle/>
+                    <a:p>
+                      <a:r>
+                        <a:rPr lang="en-GB" sz="1400">
+                          <a:effectLst/>
+                        </a:rPr>
+                        <a:t>Bitcount</a:t>
+                      </a:r>
+                    </a:p>
+                  </a:txBody>
+                  <a:tcPr marL="97297" marR="97297" marT="44906" marB="44906" anchor="ctr">
+                    <a:lnL w="9525" cap="flat" cmpd="sng" algn="ctr">
+                      <a:solidFill>
+                        <a:srgbClr val="DDDDDD"/>
+                      </a:solidFill>
+                      <a:prstDash val="solid"/>
+                      <a:round/>
+                      <a:headEnd type="none" w="med" len="med"/>
+                      <a:tailEnd type="none" w="med" len="med"/>
+                    </a:lnL>
+                    <a:lnR w="9525" cap="flat" cmpd="sng" algn="ctr">
+                      <a:solidFill>
+                        <a:srgbClr val="DDDDDD"/>
+                      </a:solidFill>
+                      <a:prstDash val="solid"/>
+                      <a:round/>
+                      <a:headEnd type="none" w="med" len="med"/>
+                      <a:tailEnd type="none" w="med" len="med"/>
+                    </a:lnR>
+                    <a:lnT w="9525" cap="flat" cmpd="sng" algn="ctr">
+                      <a:solidFill>
+                        <a:srgbClr val="DDDDDD"/>
+                      </a:solidFill>
+                      <a:prstDash val="solid"/>
+                      <a:round/>
+                      <a:headEnd type="none" w="med" len="med"/>
+                      <a:tailEnd type="none" w="med" len="med"/>
+                    </a:lnT>
+                    <a:lnB w="9525" cap="flat" cmpd="sng" algn="ctr">
+                      <a:solidFill>
+                        <a:srgbClr val="DDDDDD"/>
+                      </a:solidFill>
+                      <a:prstDash val="solid"/>
+                      <a:round/>
+                      <a:headEnd type="none" w="med" len="med"/>
+                      <a:tailEnd type="none" w="med" len="med"/>
+                    </a:lnB>
+                    <a:solidFill>
+                      <a:srgbClr val="FFFFFF"/>
+                    </a:solidFill>
+                  </a:tcPr>
+                </a:tc>
+                <a:tc>
+                  <a:txBody>
+                    <a:bodyPr/>
+                    <a:lstStyle/>
+                    <a:p>
+                      <a:r>
+                        <a:rPr lang="en-GB" sz="1400">
+                          <a:effectLst/>
+                        </a:rPr>
+                        <a:t>1611</a:t>
+                      </a:r>
+                    </a:p>
+                  </a:txBody>
+                  <a:tcPr marL="97297" marR="97297" marT="44906" marB="44906" anchor="ctr">
+                    <a:lnL w="9525" cap="flat" cmpd="sng" algn="ctr">
+                      <a:solidFill>
+                        <a:srgbClr val="DDDDDD"/>
+                      </a:solidFill>
+                      <a:prstDash val="solid"/>
+                      <a:round/>
+                      <a:headEnd type="none" w="med" len="med"/>
+                      <a:tailEnd type="none" w="med" len="med"/>
+                    </a:lnL>
+                    <a:lnR w="9525" cap="flat" cmpd="sng" algn="ctr">
+                      <a:solidFill>
+                        <a:srgbClr val="DDDDDD"/>
+                      </a:solidFill>
+                      <a:prstDash val="solid"/>
+                      <a:round/>
+                      <a:headEnd type="none" w="med" len="med"/>
+                      <a:tailEnd type="none" w="med" len="med"/>
+                    </a:lnR>
+                    <a:lnT w="9525" cap="flat" cmpd="sng" algn="ctr">
+                      <a:solidFill>
+                        <a:srgbClr val="DDDDDD"/>
+                      </a:solidFill>
+                      <a:prstDash val="solid"/>
+                      <a:round/>
+                      <a:headEnd type="none" w="med" len="med"/>
+                      <a:tailEnd type="none" w="med" len="med"/>
+                    </a:lnT>
+                    <a:lnB w="9525" cap="flat" cmpd="sng" algn="ctr">
+                      <a:solidFill>
+                        <a:srgbClr val="DDDDDD"/>
+                      </a:solidFill>
+                      <a:prstDash val="solid"/>
+                      <a:round/>
+                      <a:headEnd type="none" w="med" len="med"/>
+                      <a:tailEnd type="none" w="med" len="med"/>
+                    </a:lnB>
+                    <a:solidFill>
+                      <a:srgbClr val="FFFFFF"/>
+                    </a:solidFill>
+                  </a:tcPr>
+                </a:tc>
+                <a:tc>
+                  <a:txBody>
+                    <a:bodyPr/>
+                    <a:lstStyle/>
+                    <a:p>
+                      <a:r>
+                        <a:rPr lang="en-GB" sz="1400">
+                          <a:effectLst/>
+                        </a:rPr>
+                        <a:t>100</a:t>
+                      </a:r>
+                    </a:p>
+                  </a:txBody>
+                  <a:tcPr marL="97297" marR="97297" marT="44906" marB="44906" anchor="ctr">
+                    <a:lnL w="9525" cap="flat" cmpd="sng" algn="ctr">
+                      <a:solidFill>
+                        <a:srgbClr val="DDDDDD"/>
+                      </a:solidFill>
+                      <a:prstDash val="solid"/>
+                      <a:round/>
+                      <a:headEnd type="none" w="med" len="med"/>
+                      <a:tailEnd type="none" w="med" len="med"/>
+                    </a:lnL>
+                    <a:lnR w="9525" cap="flat" cmpd="sng" algn="ctr">
+                      <a:solidFill>
+                        <a:srgbClr val="DDDDDD"/>
+                      </a:solidFill>
+                      <a:prstDash val="solid"/>
+                      <a:round/>
+                      <a:headEnd type="none" w="med" len="med"/>
+                      <a:tailEnd type="none" w="med" len="med"/>
+                    </a:lnR>
+                    <a:lnT w="9525" cap="flat" cmpd="sng" algn="ctr">
+                      <a:solidFill>
+                        <a:srgbClr val="DDDDDD"/>
+                      </a:solidFill>
+                      <a:prstDash val="solid"/>
+                      <a:round/>
+                      <a:headEnd type="none" w="med" len="med"/>
+                      <a:tailEnd type="none" w="med" len="med"/>
+                    </a:lnT>
+                    <a:lnB w="9525" cap="flat" cmpd="sng" algn="ctr">
+                      <a:solidFill>
+                        <a:srgbClr val="DDDDDD"/>
+                      </a:solidFill>
+                      <a:prstDash val="solid"/>
+                      <a:round/>
+                      <a:headEnd type="none" w="med" len="med"/>
+                      <a:tailEnd type="none" w="med" len="med"/>
+                    </a:lnB>
+                    <a:solidFill>
+                      <a:srgbClr val="FFFFFF"/>
+                    </a:solidFill>
+                  </a:tcPr>
+                </a:tc>
+                <a:tc>
+                  <a:txBody>
+                    <a:bodyPr/>
+                    <a:lstStyle/>
+                    <a:p>
+                      <a:r>
+                        <a:rPr lang="en-GB" sz="1400">
+                          <a:effectLst/>
+                        </a:rPr>
+                        <a:t>5467</a:t>
+                      </a:r>
+                    </a:p>
+                  </a:txBody>
+                  <a:tcPr marL="97297" marR="97297" marT="44906" marB="44906" anchor="ctr">
+                    <a:lnL w="9525" cap="flat" cmpd="sng" algn="ctr">
+                      <a:solidFill>
+                        <a:srgbClr val="DDDDDD"/>
+                      </a:solidFill>
+                      <a:prstDash val="solid"/>
+                      <a:round/>
+                      <a:headEnd type="none" w="med" len="med"/>
+                      <a:tailEnd type="none" w="med" len="med"/>
+                    </a:lnL>
+                    <a:lnR w="9525" cap="flat" cmpd="sng" algn="ctr">
+                      <a:solidFill>
+                        <a:srgbClr val="DDDDDD"/>
+                      </a:solidFill>
+                      <a:prstDash val="solid"/>
+                      <a:round/>
+                      <a:headEnd type="none" w="med" len="med"/>
+                      <a:tailEnd type="none" w="med" len="med"/>
+                    </a:lnR>
+                    <a:lnT w="9525" cap="flat" cmpd="sng" algn="ctr">
+                      <a:solidFill>
+                        <a:srgbClr val="DDDDDD"/>
+                      </a:solidFill>
+                      <a:prstDash val="solid"/>
+                      <a:round/>
+                      <a:headEnd type="none" w="med" len="med"/>
+                      <a:tailEnd type="none" w="med" len="med"/>
+                    </a:lnT>
+                    <a:lnB w="9525" cap="flat" cmpd="sng" algn="ctr">
+                      <a:solidFill>
+                        <a:srgbClr val="DDDDDD"/>
+                      </a:solidFill>
+                      <a:prstDash val="solid"/>
+                      <a:round/>
+                      <a:headEnd type="none" w="med" len="med"/>
+                      <a:tailEnd type="none" w="med" len="med"/>
+                    </a:lnB>
+                    <a:solidFill>
+                      <a:srgbClr val="FFFFFF"/>
+                    </a:solidFill>
+                  </a:tcPr>
+                </a:tc>
+                <a:tc>
+                  <a:txBody>
+                    <a:bodyPr/>
+                    <a:lstStyle/>
+                    <a:p>
+                      <a:r>
+                        <a:rPr lang="en-GB" sz="1400">
+                          <a:effectLst/>
+                        </a:rPr>
+                        <a:t>2447</a:t>
+                      </a:r>
+                    </a:p>
+                  </a:txBody>
+                  <a:tcPr marL="97297" marR="97297" marT="44906" marB="44906" anchor="ctr">
+                    <a:lnL w="9525" cap="flat" cmpd="sng" algn="ctr">
+                      <a:solidFill>
+                        <a:srgbClr val="DDDDDD"/>
+                      </a:solidFill>
+                      <a:prstDash val="solid"/>
+                      <a:round/>
+                      <a:headEnd type="none" w="med" len="med"/>
+                      <a:tailEnd type="none" w="med" len="med"/>
+                    </a:lnL>
+                    <a:lnR w="9525" cap="flat" cmpd="sng" algn="ctr">
+                      <a:solidFill>
+                        <a:srgbClr val="DDDDDD"/>
+                      </a:solidFill>
+                      <a:prstDash val="solid"/>
+                      <a:round/>
+                      <a:headEnd type="none" w="med" len="med"/>
+                      <a:tailEnd type="none" w="med" len="med"/>
+                    </a:lnR>
+                    <a:lnT w="9525" cap="flat" cmpd="sng" algn="ctr">
+                      <a:solidFill>
+                        <a:srgbClr val="DDDDDD"/>
+                      </a:solidFill>
+                      <a:prstDash val="solid"/>
+                      <a:round/>
+                      <a:headEnd type="none" w="med" len="med"/>
+                      <a:tailEnd type="none" w="med" len="med"/>
+                    </a:lnT>
+                    <a:lnB w="9525" cap="flat" cmpd="sng" algn="ctr">
+                      <a:solidFill>
+                        <a:srgbClr val="DDDDDD"/>
+                      </a:solidFill>
+                      <a:prstDash val="solid"/>
+                      <a:round/>
+                      <a:headEnd type="none" w="med" len="med"/>
+                      <a:tailEnd type="none" w="med" len="med"/>
+                    </a:lnB>
+                    <a:solidFill>
+                      <a:srgbClr val="FFFFFF"/>
+                    </a:solidFill>
+                  </a:tcPr>
+                </a:tc>
+                <a:tc>
+                  <a:txBody>
+                    <a:bodyPr/>
+                    <a:lstStyle/>
+                    <a:p>
+                      <a:r>
+                        <a:rPr lang="en-GB" sz="1400">
+                          <a:effectLst/>
+                        </a:rPr>
+                        <a:t>2.234</a:t>
+                      </a:r>
+                    </a:p>
+                  </a:txBody>
+                  <a:tcPr marL="97297" marR="97297" marT="44906" marB="44906" anchor="ctr">
+                    <a:lnL w="9525" cap="flat" cmpd="sng" algn="ctr">
+                      <a:solidFill>
+                        <a:srgbClr val="DDDDDD"/>
+                      </a:solidFill>
+                      <a:prstDash val="solid"/>
+                      <a:round/>
+                      <a:headEnd type="none" w="med" len="med"/>
+                      <a:tailEnd type="none" w="med" len="med"/>
+                    </a:lnL>
+                    <a:lnR w="9525" cap="flat" cmpd="sng" algn="ctr">
+                      <a:solidFill>
+                        <a:srgbClr val="DDDDDD"/>
+                      </a:solidFill>
+                      <a:prstDash val="solid"/>
+                      <a:round/>
+                      <a:headEnd type="none" w="med" len="med"/>
+                      <a:tailEnd type="none" w="med" len="med"/>
+                    </a:lnR>
+                    <a:lnT w="9525" cap="flat" cmpd="sng" algn="ctr">
+                      <a:solidFill>
+                        <a:srgbClr val="DDDDDD"/>
+                      </a:solidFill>
+                      <a:prstDash val="solid"/>
+                      <a:round/>
+                      <a:headEnd type="none" w="med" len="med"/>
+                      <a:tailEnd type="none" w="med" len="med"/>
+                    </a:lnT>
+                    <a:lnB w="9525" cap="flat" cmpd="sng" algn="ctr">
+                      <a:solidFill>
+                        <a:srgbClr val="DDDDDD"/>
+                      </a:solidFill>
+                      <a:prstDash val="solid"/>
+                      <a:round/>
+                      <a:headEnd type="none" w="med" len="med"/>
+                      <a:tailEnd type="none" w="med" len="med"/>
+                    </a:lnB>
+                    <a:solidFill>
+                      <a:srgbClr val="FFFFFF"/>
+                    </a:solidFill>
+                  </a:tcPr>
+                </a:tc>
+                <a:extLst>
+                  <a:ext uri="{0D108BD9-81ED-4DB2-BD59-A6C34878D82A}">
+                    <a16:rowId xmlns:a16="http://schemas.microsoft.com/office/drawing/2014/main" val="1803007872"/>
+                  </a:ext>
+                </a:extLst>
+              </a:tr>
+              <a:tr h="305364">
+                <a:tc>
+                  <a:txBody>
+                    <a:bodyPr/>
+                    <a:lstStyle/>
+                    <a:p>
+                      <a:r>
+                        <a:rPr lang="en-GB" sz="1400">
+                          <a:effectLst/>
+                        </a:rPr>
+                        <a:t>Bitcount Unrolled</a:t>
+                      </a:r>
+                    </a:p>
+                  </a:txBody>
+                  <a:tcPr marL="97297" marR="97297" marT="44906" marB="44906" anchor="ctr">
+                    <a:lnL w="9525" cap="flat" cmpd="sng" algn="ctr">
+                      <a:solidFill>
+                        <a:srgbClr val="DDDDDD"/>
+                      </a:solidFill>
+                      <a:prstDash val="solid"/>
+                      <a:round/>
+                      <a:headEnd type="none" w="med" len="med"/>
+                      <a:tailEnd type="none" w="med" len="med"/>
+                    </a:lnL>
+                    <a:lnR w="9525" cap="flat" cmpd="sng" algn="ctr">
+                      <a:solidFill>
+                        <a:srgbClr val="DDDDDD"/>
+                      </a:solidFill>
+                      <a:prstDash val="solid"/>
+                      <a:round/>
+                      <a:headEnd type="none" w="med" len="med"/>
+                      <a:tailEnd type="none" w="med" len="med"/>
+                    </a:lnR>
+                    <a:lnT w="9525" cap="flat" cmpd="sng" algn="ctr">
+                      <a:solidFill>
+                        <a:srgbClr val="DDDDDD"/>
+                      </a:solidFill>
+                      <a:prstDash val="solid"/>
+                      <a:round/>
+                      <a:headEnd type="none" w="med" len="med"/>
+                      <a:tailEnd type="none" w="med" len="med"/>
+                    </a:lnT>
+                    <a:lnB w="9525" cap="flat" cmpd="sng" algn="ctr">
+                      <a:solidFill>
+                        <a:srgbClr val="DDDDDD"/>
+                      </a:solidFill>
+                      <a:prstDash val="solid"/>
+                      <a:round/>
+                      <a:headEnd type="none" w="med" len="med"/>
+                      <a:tailEnd type="none" w="med" len="med"/>
+                    </a:lnB>
+                    <a:solidFill>
+                      <a:srgbClr val="FFFFFF"/>
+                    </a:solidFill>
+                  </a:tcPr>
+                </a:tc>
+                <a:tc>
+                  <a:txBody>
+                    <a:bodyPr/>
+                    <a:lstStyle/>
+                    <a:p>
+                      <a:r>
+                        <a:rPr lang="en-GB" sz="1400">
+                          <a:effectLst/>
+                        </a:rPr>
+                        <a:t>1067</a:t>
+                      </a:r>
+                    </a:p>
+                  </a:txBody>
+                  <a:tcPr marL="97297" marR="97297" marT="44906" marB="44906" anchor="ctr">
+                    <a:lnL w="9525" cap="flat" cmpd="sng" algn="ctr">
+                      <a:solidFill>
+                        <a:srgbClr val="DDDDDD"/>
+                      </a:solidFill>
+                      <a:prstDash val="solid"/>
+                      <a:round/>
+                      <a:headEnd type="none" w="med" len="med"/>
+                      <a:tailEnd type="none" w="med" len="med"/>
+                    </a:lnL>
+                    <a:lnR w="9525" cap="flat" cmpd="sng" algn="ctr">
+                      <a:solidFill>
+                        <a:srgbClr val="DDDDDD"/>
+                      </a:solidFill>
+                      <a:prstDash val="solid"/>
+                      <a:round/>
+                      <a:headEnd type="none" w="med" len="med"/>
+                      <a:tailEnd type="none" w="med" len="med"/>
+                    </a:lnR>
+                    <a:lnT w="9525" cap="flat" cmpd="sng" algn="ctr">
+                      <a:solidFill>
+                        <a:srgbClr val="DDDDDD"/>
+                      </a:solidFill>
+                      <a:prstDash val="solid"/>
+                      <a:round/>
+                      <a:headEnd type="none" w="med" len="med"/>
+                      <a:tailEnd type="none" w="med" len="med"/>
+                    </a:lnT>
+                    <a:lnB w="9525" cap="flat" cmpd="sng" algn="ctr">
+                      <a:solidFill>
+                        <a:srgbClr val="DDDDDD"/>
+                      </a:solidFill>
+                      <a:prstDash val="solid"/>
+                      <a:round/>
+                      <a:headEnd type="none" w="med" len="med"/>
+                      <a:tailEnd type="none" w="med" len="med"/>
+                    </a:lnB>
+                    <a:solidFill>
+                      <a:srgbClr val="FFFFFF"/>
+                    </a:solidFill>
+                  </a:tcPr>
+                </a:tc>
+                <a:tc>
+                  <a:txBody>
+                    <a:bodyPr/>
+                    <a:lstStyle/>
+                    <a:p>
+                      <a:r>
+                        <a:rPr lang="en-GB" sz="1400">
+                          <a:effectLst/>
+                        </a:rPr>
+                        <a:t>56</a:t>
+                      </a:r>
+                    </a:p>
+                  </a:txBody>
+                  <a:tcPr marL="97297" marR="97297" marT="44906" marB="44906" anchor="ctr">
+                    <a:lnL w="9525" cap="flat" cmpd="sng" algn="ctr">
+                      <a:solidFill>
+                        <a:srgbClr val="DDDDDD"/>
+                      </a:solidFill>
+                      <a:prstDash val="solid"/>
+                      <a:round/>
+                      <a:headEnd type="none" w="med" len="med"/>
+                      <a:tailEnd type="none" w="med" len="med"/>
+                    </a:lnL>
+                    <a:lnR w="9525" cap="flat" cmpd="sng" algn="ctr">
+                      <a:solidFill>
+                        <a:srgbClr val="DDDDDD"/>
+                      </a:solidFill>
+                      <a:prstDash val="solid"/>
+                      <a:round/>
+                      <a:headEnd type="none" w="med" len="med"/>
+                      <a:tailEnd type="none" w="med" len="med"/>
+                    </a:lnR>
+                    <a:lnT w="9525" cap="flat" cmpd="sng" algn="ctr">
+                      <a:solidFill>
+                        <a:srgbClr val="DDDDDD"/>
+                      </a:solidFill>
+                      <a:prstDash val="solid"/>
+                      <a:round/>
+                      <a:headEnd type="none" w="med" len="med"/>
+                      <a:tailEnd type="none" w="med" len="med"/>
+                    </a:lnT>
+                    <a:lnB w="9525" cap="flat" cmpd="sng" algn="ctr">
+                      <a:solidFill>
+                        <a:srgbClr val="DDDDDD"/>
+                      </a:solidFill>
+                      <a:prstDash val="solid"/>
+                      <a:round/>
+                      <a:headEnd type="none" w="med" len="med"/>
+                      <a:tailEnd type="none" w="med" len="med"/>
+                    </a:lnB>
+                    <a:solidFill>
+                      <a:srgbClr val="FFFFFF"/>
+                    </a:solidFill>
+                  </a:tcPr>
+                </a:tc>
+                <a:tc>
+                  <a:txBody>
+                    <a:bodyPr/>
+                    <a:lstStyle/>
+                    <a:p>
+                      <a:r>
+                        <a:rPr lang="en-GB" sz="1400">
+                          <a:effectLst/>
+                        </a:rPr>
+                        <a:t>3649</a:t>
+                      </a:r>
+                    </a:p>
+                  </a:txBody>
+                  <a:tcPr marL="97297" marR="97297" marT="44906" marB="44906" anchor="ctr">
+                    <a:lnL w="9525" cap="flat" cmpd="sng" algn="ctr">
+                      <a:solidFill>
+                        <a:srgbClr val="DDDDDD"/>
+                      </a:solidFill>
+                      <a:prstDash val="solid"/>
+                      <a:round/>
+                      <a:headEnd type="none" w="med" len="med"/>
+                      <a:tailEnd type="none" w="med" len="med"/>
+                    </a:lnL>
+                    <a:lnR w="9525" cap="flat" cmpd="sng" algn="ctr">
+                      <a:solidFill>
+                        <a:srgbClr val="DDDDDD"/>
+                      </a:solidFill>
+                      <a:prstDash val="solid"/>
+                      <a:round/>
+                      <a:headEnd type="none" w="med" len="med"/>
+                      <a:tailEnd type="none" w="med" len="med"/>
+                    </a:lnR>
+                    <a:lnT w="9525" cap="flat" cmpd="sng" algn="ctr">
+                      <a:solidFill>
+                        <a:srgbClr val="DDDDDD"/>
+                      </a:solidFill>
+                      <a:prstDash val="solid"/>
+                      <a:round/>
+                      <a:headEnd type="none" w="med" len="med"/>
+                      <a:tailEnd type="none" w="med" len="med"/>
+                    </a:lnT>
+                    <a:lnB w="9525" cap="flat" cmpd="sng" algn="ctr">
+                      <a:solidFill>
+                        <a:srgbClr val="DDDDDD"/>
+                      </a:solidFill>
+                      <a:prstDash val="solid"/>
+                      <a:round/>
+                      <a:headEnd type="none" w="med" len="med"/>
+                      <a:tailEnd type="none" w="med" len="med"/>
+                    </a:lnB>
+                    <a:solidFill>
+                      <a:srgbClr val="FFFFFF"/>
+                    </a:solidFill>
+                  </a:tcPr>
+                </a:tc>
+                <a:tc>
+                  <a:txBody>
+                    <a:bodyPr/>
+                    <a:lstStyle/>
+                    <a:p>
+                      <a:r>
+                        <a:rPr lang="en-GB" sz="1400">
+                          <a:effectLst/>
+                        </a:rPr>
+                        <a:t>1629</a:t>
+                      </a:r>
+                    </a:p>
+                  </a:txBody>
+                  <a:tcPr marL="97297" marR="97297" marT="44906" marB="44906" anchor="ctr">
+                    <a:lnL w="9525" cap="flat" cmpd="sng" algn="ctr">
+                      <a:solidFill>
+                        <a:srgbClr val="DDDDDD"/>
+                      </a:solidFill>
+                      <a:prstDash val="solid"/>
+                      <a:round/>
+                      <a:headEnd type="none" w="med" len="med"/>
+                      <a:tailEnd type="none" w="med" len="med"/>
+                    </a:lnL>
+                    <a:lnR w="9525" cap="flat" cmpd="sng" algn="ctr">
+                      <a:solidFill>
+                        <a:srgbClr val="DDDDDD"/>
+                      </a:solidFill>
+                      <a:prstDash val="solid"/>
+                      <a:round/>
+                      <a:headEnd type="none" w="med" len="med"/>
+                      <a:tailEnd type="none" w="med" len="med"/>
+                    </a:lnR>
+                    <a:lnT w="9525" cap="flat" cmpd="sng" algn="ctr">
+                      <a:solidFill>
+                        <a:srgbClr val="DDDDDD"/>
+                      </a:solidFill>
+                      <a:prstDash val="solid"/>
+                      <a:round/>
+                      <a:headEnd type="none" w="med" len="med"/>
+                      <a:tailEnd type="none" w="med" len="med"/>
+                    </a:lnT>
+                    <a:lnB w="9525" cap="flat" cmpd="sng" algn="ctr">
+                      <a:solidFill>
+                        <a:srgbClr val="DDDDDD"/>
+                      </a:solidFill>
+                      <a:prstDash val="solid"/>
+                      <a:round/>
+                      <a:headEnd type="none" w="med" len="med"/>
+                      <a:tailEnd type="none" w="med" len="med"/>
+                    </a:lnB>
+                    <a:solidFill>
+                      <a:srgbClr val="FFFFFF"/>
+                    </a:solidFill>
+                  </a:tcPr>
+                </a:tc>
+                <a:tc>
+                  <a:txBody>
+                    <a:bodyPr/>
+                    <a:lstStyle/>
+                    <a:p>
+                      <a:r>
+                        <a:rPr lang="en-GB" sz="1400" dirty="0">
+                          <a:effectLst/>
+                        </a:rPr>
+                        <a:t>2.240</a:t>
+                      </a:r>
+                    </a:p>
+                  </a:txBody>
+                  <a:tcPr marL="97297" marR="97297" marT="44906" marB="44906" anchor="ctr">
+                    <a:lnL w="9525" cap="flat" cmpd="sng" algn="ctr">
+                      <a:solidFill>
+                        <a:srgbClr val="DDDDDD"/>
+                      </a:solidFill>
+                      <a:prstDash val="solid"/>
+                      <a:round/>
+                      <a:headEnd type="none" w="med" len="med"/>
+                      <a:tailEnd type="none" w="med" len="med"/>
+                    </a:lnL>
+                    <a:lnR w="9525" cap="flat" cmpd="sng" algn="ctr">
+                      <a:solidFill>
+                        <a:srgbClr val="DDDDDD"/>
+                      </a:solidFill>
+                      <a:prstDash val="solid"/>
+                      <a:round/>
+                      <a:headEnd type="none" w="med" len="med"/>
+                      <a:tailEnd type="none" w="med" len="med"/>
+                    </a:lnR>
+                    <a:lnT w="9525" cap="flat" cmpd="sng" algn="ctr">
+                      <a:solidFill>
+                        <a:srgbClr val="DDDDDD"/>
+                      </a:solidFill>
+                      <a:prstDash val="solid"/>
+                      <a:round/>
+                      <a:headEnd type="none" w="med" len="med"/>
+                      <a:tailEnd type="none" w="med" len="med"/>
+                    </a:lnT>
+                    <a:lnB w="9525" cap="flat" cmpd="sng" algn="ctr">
+                      <a:solidFill>
+                        <a:srgbClr val="DDDDDD"/>
+                      </a:solidFill>
+                      <a:prstDash val="solid"/>
+                      <a:round/>
+                      <a:headEnd type="none" w="med" len="med"/>
+                      <a:tailEnd type="none" w="med" len="med"/>
+                    </a:lnB>
+                    <a:solidFill>
+                      <a:srgbClr val="FFFFFF"/>
+                    </a:solidFill>
+                  </a:tcPr>
+                </a:tc>
+                <a:extLst>
+                  <a:ext uri="{0D108BD9-81ED-4DB2-BD59-A6C34878D82A}">
+                    <a16:rowId xmlns:a16="http://schemas.microsoft.com/office/drawing/2014/main" val="1629050902"/>
+                  </a:ext>
+                </a:extLst>
+              </a:tr>
+            </a:tbl>
+          </a:graphicData>
+        </a:graphic>
+      </p:graphicFrame>
     </p:spTree>
     <p:extLst>
       <p:ext uri="{BB962C8B-B14F-4D97-AF65-F5344CB8AC3E}">
@@ -6044,6 +7241,135 @@
           <p:cNvPr id="2" name="Title 1">
             <a:extLst>
               <a:ext uri="{FF2B5EF4-FFF2-40B4-BE49-F238E27FC236}">
+                <a16:creationId xmlns:a16="http://schemas.microsoft.com/office/drawing/2014/main" id="{4B24879C-46B7-402F-AD39-3813B0BB3135}"/>
+              </a:ext>
+            </a:extLst>
+          </p:cNvPr>
+          <p:cNvSpPr>
+            <a:spLocks noGrp="1"/>
+          </p:cNvSpPr>
+          <p:nvPr>
+            <p:ph type="title"/>
+          </p:nvPr>
+        </p:nvSpPr>
+        <p:spPr/>
+        <p:txBody>
+          <a:bodyPr/>
+          <a:lstStyle/>
+          <a:p>
+            <a:r>
+              <a:rPr lang="en-GB" dirty="0"/>
+              <a:t>Pipelined Simulator</a:t>
+            </a:r>
+          </a:p>
+        </p:txBody>
+      </p:sp>
+      <p:sp>
+        <p:nvSpPr>
+          <p:cNvPr id="3" name="Content Placeholder 2">
+            <a:extLst>
+              <a:ext uri="{FF2B5EF4-FFF2-40B4-BE49-F238E27FC236}">
+                <a16:creationId xmlns:a16="http://schemas.microsoft.com/office/drawing/2014/main" id="{5C29294C-FE85-498D-AEED-DA00B5482DE0}"/>
+              </a:ext>
+            </a:extLst>
+          </p:cNvPr>
+          <p:cNvSpPr>
+            <a:spLocks noGrp="1"/>
+          </p:cNvSpPr>
+          <p:nvPr>
+            <p:ph idx="1"/>
+          </p:nvPr>
+        </p:nvSpPr>
+        <p:spPr>
+          <a:xfrm>
+            <a:off x="838200" y="1578708"/>
+            <a:ext cx="10515600" cy="4767384"/>
+          </a:xfrm>
+        </p:spPr>
+        <p:txBody>
+          <a:bodyPr>
+            <a:normAutofit lnSpcReduction="10000"/>
+          </a:bodyPr>
+          <a:lstStyle/>
+          <a:p>
+            <a:r>
+              <a:rPr lang="en-GB" dirty="0"/>
+              <a:t>The pipelined simulator runs the fetch, decode, and execute steps in parallel. The code actually runs them concurrently on multiple threads.</a:t>
+            </a:r>
+          </a:p>
+          <a:p>
+            <a:r>
+              <a:rPr lang="en-GB" dirty="0"/>
+              <a:t>This is not actually faster in practice (overhead exceeds performance benefits!) but it does effectively demonstrate that the stages can indeed be executed in parallel.</a:t>
+            </a:r>
+          </a:p>
+          <a:p>
+            <a:r>
+              <a:rPr lang="en-GB" dirty="0"/>
+              <a:t>The pipeline means that instructions can be speculatively fetched and decoded – I am using a static predictor of </a:t>
+            </a:r>
+            <a:r>
+              <a:rPr lang="en-GB" b="1" dirty="0"/>
+              <a:t>not taken </a:t>
+            </a:r>
+            <a:r>
+              <a:rPr lang="en-GB" dirty="0"/>
+              <a:t>for any branching instruction.</a:t>
+            </a:r>
+          </a:p>
+          <a:p>
+            <a:r>
+              <a:rPr lang="en-GB" dirty="0"/>
+              <a:t>A not taken branch therefore requires only 1 cycle, and a taken requires 3 cycles due to flushing the pipeline (much like the </a:t>
+            </a:r>
+            <a:r>
+              <a:rPr lang="en-GB" dirty="0">
+                <a:hlinkClick r:id="rId2"/>
+              </a:rPr>
+              <a:t>actual Cortex-M0</a:t>
+            </a:r>
+            <a:r>
+              <a:rPr lang="en-GB" dirty="0"/>
+              <a:t>).</a:t>
+            </a:r>
+          </a:p>
+        </p:txBody>
+      </p:sp>
+    </p:spTree>
+    <p:extLst>
+      <p:ext uri="{BB962C8B-B14F-4D97-AF65-F5344CB8AC3E}">
+        <p14:creationId xmlns:p14="http://schemas.microsoft.com/office/powerpoint/2010/main" val="3330219916"/>
+      </p:ext>
+    </p:extLst>
+  </p:cSld>
+  <p:clrMapOvr>
+    <a:masterClrMapping/>
+  </p:clrMapOvr>
+</p:sld>
+</file>
+
+<file path=ppt/slides/slide7.xml><?xml version="1.0" encoding="utf-8"?>
+<p:sld xmlns:a="http://schemas.openxmlformats.org/drawingml/2006/main" xmlns:r="http://schemas.openxmlformats.org/officeDocument/2006/relationships" xmlns:p="http://schemas.openxmlformats.org/presentationml/2006/main">
+  <p:cSld>
+    <p:spTree>
+      <p:nvGrpSpPr>
+        <p:cNvPr id="1" name=""/>
+        <p:cNvGrpSpPr/>
+        <p:nvPr/>
+      </p:nvGrpSpPr>
+      <p:grpSpPr>
+        <a:xfrm>
+          <a:off x="0" y="0"/>
+          <a:ext cx="0" cy="0"/>
+          <a:chOff x="0" y="0"/>
+          <a:chExt cx="0" cy="0"/>
+        </a:xfrm>
+      </p:grpSpPr>
+      <p:sp>
+        <p:nvSpPr>
+          <p:cNvPr id="2" name="Title 1">
+            <a:extLst>
+              <a:ext uri="{FF2B5EF4-FFF2-40B4-BE49-F238E27FC236}">
                 <a16:creationId xmlns:a16="http://schemas.microsoft.com/office/drawing/2014/main" id="{AFCBBE46-C8EA-4E23-A8ED-F67F4CAE22D7}"/>
               </a:ext>
             </a:extLst>
@@ -7757,135 +9083,6 @@
 </p:sld>
 </file>
 
-<file path=ppt/slides/slide7.xml><?xml version="1.0" encoding="utf-8"?>
-<p:sld xmlns:a="http://schemas.openxmlformats.org/drawingml/2006/main" xmlns:r="http://schemas.openxmlformats.org/officeDocument/2006/relationships" xmlns:p="http://schemas.openxmlformats.org/presentationml/2006/main">
-  <p:cSld>
-    <p:spTree>
-      <p:nvGrpSpPr>
-        <p:cNvPr id="1" name=""/>
-        <p:cNvGrpSpPr/>
-        <p:nvPr/>
-      </p:nvGrpSpPr>
-      <p:grpSpPr>
-        <a:xfrm>
-          <a:off x="0" y="0"/>
-          <a:ext cx="0" cy="0"/>
-          <a:chOff x="0" y="0"/>
-          <a:chExt cx="0" cy="0"/>
-        </a:xfrm>
-      </p:grpSpPr>
-      <p:sp>
-        <p:nvSpPr>
-          <p:cNvPr id="2" name="Title 1">
-            <a:extLst>
-              <a:ext uri="{FF2B5EF4-FFF2-40B4-BE49-F238E27FC236}">
-                <a16:creationId xmlns:a16="http://schemas.microsoft.com/office/drawing/2014/main" id="{4B24879C-46B7-402F-AD39-3813B0BB3135}"/>
-              </a:ext>
-            </a:extLst>
-          </p:cNvPr>
-          <p:cNvSpPr>
-            <a:spLocks noGrp="1"/>
-          </p:cNvSpPr>
-          <p:nvPr>
-            <p:ph type="title"/>
-          </p:nvPr>
-        </p:nvSpPr>
-        <p:spPr/>
-        <p:txBody>
-          <a:bodyPr/>
-          <a:lstStyle/>
-          <a:p>
-            <a:r>
-              <a:rPr lang="en-GB" dirty="0"/>
-              <a:t>Pipelined Simulator</a:t>
-            </a:r>
-          </a:p>
-        </p:txBody>
-      </p:sp>
-      <p:sp>
-        <p:nvSpPr>
-          <p:cNvPr id="3" name="Content Placeholder 2">
-            <a:extLst>
-              <a:ext uri="{FF2B5EF4-FFF2-40B4-BE49-F238E27FC236}">
-                <a16:creationId xmlns:a16="http://schemas.microsoft.com/office/drawing/2014/main" id="{5C29294C-FE85-498D-AEED-DA00B5482DE0}"/>
-              </a:ext>
-            </a:extLst>
-          </p:cNvPr>
-          <p:cNvSpPr>
-            <a:spLocks noGrp="1"/>
-          </p:cNvSpPr>
-          <p:nvPr>
-            <p:ph idx="1"/>
-          </p:nvPr>
-        </p:nvSpPr>
-        <p:spPr>
-          <a:xfrm>
-            <a:off x="838200" y="1578708"/>
-            <a:ext cx="10515600" cy="4767384"/>
-          </a:xfrm>
-        </p:spPr>
-        <p:txBody>
-          <a:bodyPr>
-            <a:normAutofit lnSpcReduction="10000"/>
-          </a:bodyPr>
-          <a:lstStyle/>
-          <a:p>
-            <a:r>
-              <a:rPr lang="en-GB" dirty="0"/>
-              <a:t>The pipelined simulator runs the fetch, decode, and execute steps in parallel. The code actually runs them concurrently on multiple threads.</a:t>
-            </a:r>
-          </a:p>
-          <a:p>
-            <a:r>
-              <a:rPr lang="en-GB" dirty="0"/>
-              <a:t>This is not actually faster in practice (overhead exceeds performance benefits!) but it does effectively demonstrate that the stages can indeed be executed in parallel.</a:t>
-            </a:r>
-          </a:p>
-          <a:p>
-            <a:r>
-              <a:rPr lang="en-GB" dirty="0"/>
-              <a:t>The pipeline means that instructions can be speculatively fetched and decoded – I am using a static predictor of </a:t>
-            </a:r>
-            <a:r>
-              <a:rPr lang="en-GB" b="1" dirty="0"/>
-              <a:t>not taken </a:t>
-            </a:r>
-            <a:r>
-              <a:rPr lang="en-GB" dirty="0"/>
-              <a:t>for any branching instruction.</a:t>
-            </a:r>
-          </a:p>
-          <a:p>
-            <a:r>
-              <a:rPr lang="en-GB" dirty="0"/>
-              <a:t>A not taken branch therefore requires only 1 cycle, and a taken requires 3 cycles due to flushing the pipeline (much like the </a:t>
-            </a:r>
-            <a:r>
-              <a:rPr lang="en-GB" dirty="0">
-                <a:hlinkClick r:id="rId2"/>
-              </a:rPr>
-              <a:t>actual Cortex-M0</a:t>
-            </a:r>
-            <a:r>
-              <a:rPr lang="en-GB" dirty="0"/>
-              <a:t>).</a:t>
-            </a:r>
-          </a:p>
-        </p:txBody>
-      </p:sp>
-    </p:spTree>
-    <p:extLst>
-      <p:ext uri="{BB962C8B-B14F-4D97-AF65-F5344CB8AC3E}">
-        <p14:creationId xmlns:p14="http://schemas.microsoft.com/office/powerpoint/2010/main" val="3330219916"/>
-      </p:ext>
-    </p:extLst>
-  </p:cSld>
-  <p:clrMapOvr>
-    <a:masterClrMapping/>
-  </p:clrMapOvr>
-</p:sld>
-</file>
-
 <file path=ppt/slides/slide8.xml><?xml version="1.0" encoding="utf-8"?>
 <p:sld xmlns:a="http://schemas.openxmlformats.org/drawingml/2006/main" xmlns:r="http://schemas.openxmlformats.org/officeDocument/2006/relationships" xmlns:p="http://schemas.openxmlformats.org/presentationml/2006/main">
   <p:cSld>
@@ -7908,7 +9105,7 @@
           <p:cNvPr id="2" name="Title 1">
             <a:extLst>
               <a:ext uri="{FF2B5EF4-FFF2-40B4-BE49-F238E27FC236}">
-                <a16:creationId xmlns:a16="http://schemas.microsoft.com/office/drawing/2014/main" id="{AFCBBE46-C8EA-4E23-A8ED-F67F4CAE22D7}"/>
+                <a16:creationId xmlns:a16="http://schemas.microsoft.com/office/drawing/2014/main" id="{2395365D-BDBE-49CC-AA25-B7426EE67F26}"/>
               </a:ext>
             </a:extLst>
           </p:cNvPr>
@@ -7933,164 +9130,64 @@
       </p:sp>
       <p:sp>
         <p:nvSpPr>
-          <p:cNvPr id="4" name="Rectangle 3">
-            <a:extLst>
-              <a:ext uri="{FF2B5EF4-FFF2-40B4-BE49-F238E27FC236}">
-                <a16:creationId xmlns:a16="http://schemas.microsoft.com/office/drawing/2014/main" id="{12EB767F-EDB0-48B5-900C-30AE141AE715}"/>
-              </a:ext>
-            </a:extLst>
-          </p:cNvPr>
-          <p:cNvSpPr/>
-          <p:nvPr/>
-        </p:nvSpPr>
-        <p:spPr>
-          <a:xfrm>
-            <a:off x="4441030" y="2011475"/>
-            <a:ext cx="1453661" cy="1258277"/>
-          </a:xfrm>
-          <a:prstGeom prst="rect">
-            <a:avLst/>
-          </a:prstGeom>
-        </p:spPr>
-        <p:style>
-          <a:lnRef idx="2">
-            <a:schemeClr val="accent1">
-              <a:shade val="50000"/>
-            </a:schemeClr>
-          </a:lnRef>
-          <a:fillRef idx="1">
-            <a:schemeClr val="accent1"/>
-          </a:fillRef>
-          <a:effectRef idx="0">
-            <a:schemeClr val="accent1"/>
-          </a:effectRef>
-          <a:fontRef idx="minor">
-            <a:schemeClr val="lt1"/>
-          </a:fontRef>
-        </p:style>
-        <p:txBody>
-          <a:bodyPr rtlCol="0" anchor="ctr"/>
-          <a:lstStyle/>
-          <a:p>
-            <a:pPr algn="ctr"/>
+          <p:cNvPr id="3" name="Content Placeholder 2">
+            <a:extLst>
+              <a:ext uri="{FF2B5EF4-FFF2-40B4-BE49-F238E27FC236}">
+                <a16:creationId xmlns:a16="http://schemas.microsoft.com/office/drawing/2014/main" id="{2EB62407-2249-401E-AA02-8D865515CF7D}"/>
+              </a:ext>
+            </a:extLst>
+          </p:cNvPr>
+          <p:cNvSpPr>
+            <a:spLocks noGrp="1"/>
+          </p:cNvSpPr>
+          <p:nvPr>
+            <p:ph idx="1"/>
+          </p:nvPr>
+        </p:nvSpPr>
+        <p:spPr/>
+        <p:txBody>
+          <a:bodyPr/>
+          <a:lstStyle/>
+          <a:p>
             <a:r>
               <a:rPr lang="en-GB" dirty="0"/>
-              <a:t>Fetch()</a:t>
-            </a:r>
-          </a:p>
-        </p:txBody>
-      </p:sp>
-      <p:sp>
-        <p:nvSpPr>
-          <p:cNvPr id="6" name="Rectangle 5">
-            <a:extLst>
-              <a:ext uri="{FF2B5EF4-FFF2-40B4-BE49-F238E27FC236}">
-                <a16:creationId xmlns:a16="http://schemas.microsoft.com/office/drawing/2014/main" id="{1CB31456-0226-499D-AF32-9E54596C03C4}"/>
-              </a:ext>
-            </a:extLst>
-          </p:cNvPr>
-          <p:cNvSpPr/>
-          <p:nvPr/>
-        </p:nvSpPr>
-        <p:spPr>
-          <a:xfrm>
-            <a:off x="4446095" y="3694581"/>
-            <a:ext cx="1453661" cy="1258277"/>
-          </a:xfrm>
-          <a:prstGeom prst="rect">
-            <a:avLst/>
-          </a:prstGeom>
-        </p:spPr>
-        <p:style>
-          <a:lnRef idx="2">
-            <a:schemeClr val="accent1">
-              <a:shade val="50000"/>
-            </a:schemeClr>
-          </a:lnRef>
-          <a:fillRef idx="1">
-            <a:schemeClr val="accent1"/>
-          </a:fillRef>
-          <a:effectRef idx="0">
-            <a:schemeClr val="accent1"/>
-          </a:effectRef>
-          <a:fontRef idx="minor">
-            <a:schemeClr val="lt1"/>
-          </a:fontRef>
-        </p:style>
-        <p:txBody>
-          <a:bodyPr rtlCol="0" anchor="ctr"/>
-          <a:lstStyle/>
-          <a:p>
-            <a:pPr algn="ctr"/>
+              <a:t>The out of order simulator uses </a:t>
+            </a:r>
+            <a:r>
+              <a:rPr lang="en-GB" dirty="0" err="1"/>
+              <a:t>Tomasulo’s</a:t>
+            </a:r>
             <a:r>
               <a:rPr lang="en-GB" dirty="0"/>
-              <a:t>Decode()</a:t>
-            </a:r>
-          </a:p>
-        </p:txBody>
-      </p:sp>
-      <p:sp>
-        <p:nvSpPr>
-          <p:cNvPr id="7" name="Rectangle 6">
-            <a:extLst>
-              <a:ext uri="{FF2B5EF4-FFF2-40B4-BE49-F238E27FC236}">
-                <a16:creationId xmlns:a16="http://schemas.microsoft.com/office/drawing/2014/main" id="{26E47A8D-84CA-42AE-8E02-026BAC6EE368}"/>
-              </a:ext>
-            </a:extLst>
-          </p:cNvPr>
-          <p:cNvSpPr/>
-          <p:nvPr/>
-        </p:nvSpPr>
-        <p:spPr>
-          <a:xfrm>
-            <a:off x="4367924" y="5217795"/>
-            <a:ext cx="724938" cy="538558"/>
-          </a:xfrm>
-          <a:prstGeom prst="rect">
-            <a:avLst/>
-          </a:prstGeom>
-        </p:spPr>
-        <p:style>
-          <a:lnRef idx="2">
-            <a:schemeClr val="accent1">
-              <a:shade val="50000"/>
-            </a:schemeClr>
-          </a:lnRef>
-          <a:fillRef idx="1">
-            <a:schemeClr val="accent1"/>
-          </a:fillRef>
-          <a:effectRef idx="0">
-            <a:schemeClr val="accent1"/>
-          </a:effectRef>
-          <a:fontRef idx="minor">
-            <a:schemeClr val="lt1"/>
-          </a:fontRef>
-        </p:style>
-        <p:txBody>
-          <a:bodyPr rtlCol="0" anchor="ctr"/>
-          <a:lstStyle/>
-          <a:p>
-            <a:pPr algn="ctr"/>
-            <a:r>
-              <a:rPr lang="en-GB" sz="1100" dirty="0"/>
-              <a:t>Station 1</a:t>
-            </a:r>
-          </a:p>
-          <a:p>
-            <a:pPr algn="ctr"/>
-            <a:r>
-              <a:rPr lang="en-GB" sz="1100" dirty="0"/>
-              <a:t>Execute()</a:t>
-            </a:r>
-          </a:p>
-        </p:txBody>
-      </p:sp>
-      <p:sp>
-        <p:nvSpPr>
-          <p:cNvPr id="11" name="Rectangle 1">
-            <a:extLst>
-              <a:ext uri="{FF2B5EF4-FFF2-40B4-BE49-F238E27FC236}">
-                <a16:creationId xmlns:a16="http://schemas.microsoft.com/office/drawing/2014/main" id="{732FB6E7-95DB-423D-A38D-D321CDCA0175}"/>
+              <a:t> algorithm to deal with hazards and implement register renaming.</a:t>
+            </a:r>
+          </a:p>
+          <a:p>
+            <a:r>
+              <a:rPr lang="en-GB" dirty="0"/>
+              <a:t>Each input register is filled in as ready if it is already available, or pending if it is dependent on another station currently executing.</a:t>
+            </a:r>
+          </a:p>
+          <a:p>
+            <a:endParaRPr lang="en-GB" dirty="0"/>
+          </a:p>
+          <a:p>
+            <a:endParaRPr lang="en-GB" dirty="0"/>
+          </a:p>
+          <a:p>
+            <a:r>
+              <a:rPr lang="en-GB" dirty="0"/>
+              <a:t>When an instruction completes executing, its outputs are written back to the registers, as well as broadcast so that any other stations with pending registers for this station may be resolved.</a:t>
+            </a:r>
+          </a:p>
+        </p:txBody>
+      </p:sp>
+      <p:sp>
+        <p:nvSpPr>
+          <p:cNvPr id="4" name="Rectangle 1">
+            <a:extLst>
+              <a:ext uri="{FF2B5EF4-FFF2-40B4-BE49-F238E27FC236}">
+                <a16:creationId xmlns:a16="http://schemas.microsoft.com/office/drawing/2014/main" id="{6F2E9198-D9DB-4FB5-9EAB-EE57765C0C84}"/>
               </a:ext>
             </a:extLst>
           </p:cNvPr>
@@ -8101,8 +9198,8 @@
         </p:nvSpPr>
         <p:spPr bwMode="auto">
           <a:xfrm>
-            <a:off x="1741878" y="1732534"/>
-            <a:ext cx="184731" cy="369332"/>
+            <a:off x="1094152" y="3609968"/>
+            <a:ext cx="9223973" cy="923330"/>
           </a:xfrm>
           <a:prstGeom prst="rect">
             <a:avLst/>
@@ -8137,7 +9234,7 @@
           </a:extLst>
         </p:spPr>
         <p:txBody>
-          <a:bodyPr vert="horz" wrap="none" lIns="91440" tIns="45720" rIns="91440" bIns="45720" numCol="1" anchor="ctr" anchorCtr="0" compatLnSpc="1">
+          <a:bodyPr vert="horz" wrap="square" lIns="91440" tIns="45720" rIns="91440" bIns="45720" numCol="1" anchor="ctr" anchorCtr="0" compatLnSpc="1">
             <a:prstTxWarp prst="textNoShape">
               <a:avLst/>
             </a:prstTxWarp>
@@ -8145,22 +9242,425 @@
           </a:bodyPr>
           <a:lstStyle/>
           <a:p>
-            <a:pPr marL="0" marR="0" lvl="0" indent="0" algn="l" defTabSz="914400" rtl="0" eaLnBrk="0" fontAlgn="base" latinLnBrk="0" hangingPunct="0">
-              <a:lnSpc>
-                <a:spcPct val="100000"/>
-              </a:lnSpc>
+            <a:pPr eaLnBrk="0" fontAlgn="base" hangingPunct="0">
               <a:spcBef>
                 <a:spcPct val="0"/>
               </a:spcBef>
               <a:spcAft>
                 <a:spcPct val="0"/>
               </a:spcAft>
-              <a:buClrTx/>
-              <a:buSzTx/>
-              <a:buFontTx/>
-              <a:buNone/>
-              <a:tabLst/>
             </a:pPr>
+            <a:r>
+              <a:rPr kumimoji="0" lang="en-US" altLang="en-US" sz="900" b="0" i="0" u="none" strike="noStrike" cap="none" normalizeH="0" baseline="0" dirty="0">
+                <a:ln>
+                  <a:noFill/>
+                </a:ln>
+                <a:solidFill>
+                  <a:srgbClr val="0033B3"/>
+                </a:solidFill>
+                <a:effectLst/>
+                <a:latin typeface="Consolas" panose="020B0609020204030204" pitchFamily="49" charset="0"/>
+              </a:rPr>
+              <a:t>pub </a:t>
+            </a:r>
+            <a:r>
+              <a:rPr kumimoji="0" lang="en-US" altLang="en-US" sz="900" b="0" i="0" u="none" strike="noStrike" cap="none" normalizeH="0" baseline="0" dirty="0" err="1">
+                <a:ln>
+                  <a:noFill/>
+                </a:ln>
+                <a:solidFill>
+                  <a:srgbClr val="871094"/>
+                </a:solidFill>
+                <a:effectLst/>
+                <a:latin typeface="Consolas" panose="020B0609020204030204" pitchFamily="49" charset="0"/>
+              </a:rPr>
+              <a:t>source_registers</a:t>
+            </a:r>
+            <a:r>
+              <a:rPr kumimoji="0" lang="en-US" altLang="en-US" sz="900" b="0" i="0" u="none" strike="noStrike" cap="none" normalizeH="0" baseline="0" dirty="0">
+                <a:ln>
+                  <a:noFill/>
+                </a:ln>
+                <a:solidFill>
+                  <a:srgbClr val="080808"/>
+                </a:solidFill>
+                <a:effectLst/>
+                <a:latin typeface="Consolas" panose="020B0609020204030204" pitchFamily="49" charset="0"/>
+              </a:rPr>
+              <a:t>: </a:t>
+            </a:r>
+            <a:r>
+              <a:rPr kumimoji="0" lang="en-US" altLang="en-US" sz="900" b="0" i="0" u="none" strike="noStrike" cap="none" normalizeH="0" baseline="0" dirty="0">
+                <a:ln>
+                  <a:noFill/>
+                </a:ln>
+                <a:solidFill>
+                  <a:srgbClr val="000000"/>
+                </a:solidFill>
+                <a:effectLst/>
+                <a:latin typeface="Consolas" panose="020B0609020204030204" pitchFamily="49" charset="0"/>
+              </a:rPr>
+              <a:t>HashMap</a:t>
+            </a:r>
+            <a:r>
+              <a:rPr kumimoji="0" lang="en-US" altLang="en-US" sz="900" b="0" i="0" u="none" strike="noStrike" cap="none" normalizeH="0" baseline="0" dirty="0">
+                <a:ln>
+                  <a:noFill/>
+                </a:ln>
+                <a:solidFill>
+                  <a:srgbClr val="080808"/>
+                </a:solidFill>
+                <a:effectLst/>
+                <a:latin typeface="Consolas" panose="020B0609020204030204" pitchFamily="49" charset="0"/>
+              </a:rPr>
+              <a:t>&lt;</a:t>
+            </a:r>
+            <a:r>
+              <a:rPr kumimoji="0" lang="en-US" altLang="en-US" sz="900" b="0" i="0" u="none" strike="noStrike" cap="none" normalizeH="0" baseline="0" dirty="0" err="1">
+                <a:ln>
+                  <a:noFill/>
+                </a:ln>
+                <a:solidFill>
+                  <a:srgbClr val="000000"/>
+                </a:solidFill>
+                <a:effectLst/>
+                <a:latin typeface="Consolas" panose="020B0609020204030204" pitchFamily="49" charset="0"/>
+              </a:rPr>
+              <a:t>RegId</a:t>
+            </a:r>
+            <a:r>
+              <a:rPr kumimoji="0" lang="en-US" altLang="en-US" sz="900" b="0" i="0" u="none" strike="noStrike" cap="none" normalizeH="0" baseline="0" dirty="0">
+                <a:ln>
+                  <a:noFill/>
+                </a:ln>
+                <a:solidFill>
+                  <a:srgbClr val="080808"/>
+                </a:solidFill>
+                <a:effectLst/>
+                <a:latin typeface="Consolas" panose="020B0609020204030204" pitchFamily="49" charset="0"/>
+              </a:rPr>
+              <a:t>, </a:t>
+            </a:r>
+            <a:r>
+              <a:rPr kumimoji="0" lang="en-US" altLang="en-US" sz="900" b="0" i="0" u="none" strike="noStrike" cap="none" normalizeH="0" baseline="0" dirty="0">
+                <a:ln>
+                  <a:noFill/>
+                </a:ln>
+                <a:solidFill>
+                  <a:srgbClr val="000000"/>
+                </a:solidFill>
+                <a:effectLst/>
+                <a:latin typeface="Consolas" panose="020B0609020204030204" pitchFamily="49" charset="0"/>
+              </a:rPr>
+              <a:t>Register</a:t>
+            </a:r>
+            <a:r>
+              <a:rPr kumimoji="0" lang="en-US" altLang="en-US" sz="900" b="0" i="0" u="none" strike="noStrike" cap="none" normalizeH="0" baseline="0" dirty="0">
+                <a:ln>
+                  <a:noFill/>
+                </a:ln>
+                <a:solidFill>
+                  <a:srgbClr val="080808"/>
+                </a:solidFill>
+                <a:effectLst/>
+                <a:latin typeface="Consolas" panose="020B0609020204030204" pitchFamily="49" charset="0"/>
+              </a:rPr>
+              <a:t>&gt;,</a:t>
+            </a:r>
+            <a:br>
+              <a:rPr kumimoji="0" lang="en-US" altLang="en-US" sz="900" b="0" i="0" u="none" strike="noStrike" cap="none" normalizeH="0" baseline="0" dirty="0">
+                <a:ln>
+                  <a:noFill/>
+                </a:ln>
+                <a:solidFill>
+                  <a:srgbClr val="080808"/>
+                </a:solidFill>
+                <a:effectLst/>
+                <a:latin typeface="Consolas" panose="020B0609020204030204" pitchFamily="49" charset="0"/>
+              </a:rPr>
+            </a:br>
+            <a:br>
+              <a:rPr kumimoji="0" lang="en-US" altLang="en-US" sz="900" b="0" i="0" u="none" strike="noStrike" cap="none" normalizeH="0" baseline="0" dirty="0">
+                <a:ln>
+                  <a:noFill/>
+                </a:ln>
+                <a:solidFill>
+                  <a:srgbClr val="0033B3"/>
+                </a:solidFill>
+                <a:effectLst/>
+                <a:latin typeface="Consolas" panose="020B0609020204030204" pitchFamily="49" charset="0"/>
+              </a:rPr>
+            </a:br>
+            <a:r>
+              <a:rPr kumimoji="0" lang="en-US" altLang="en-US" sz="900" b="0" i="0" u="none" strike="noStrike" cap="none" normalizeH="0" baseline="0" dirty="0">
+                <a:ln>
+                  <a:noFill/>
+                </a:ln>
+                <a:solidFill>
+                  <a:srgbClr val="0033B3"/>
+                </a:solidFill>
+                <a:effectLst/>
+                <a:latin typeface="Consolas" panose="020B0609020204030204" pitchFamily="49" charset="0"/>
+              </a:rPr>
+              <a:t>pub </a:t>
+            </a:r>
+            <a:r>
+              <a:rPr kumimoji="0" lang="en-US" altLang="en-US" sz="900" b="0" i="0" u="none" strike="noStrike" cap="none" normalizeH="0" baseline="0" dirty="0" err="1">
+                <a:ln>
+                  <a:noFill/>
+                </a:ln>
+                <a:solidFill>
+                  <a:srgbClr val="0033B3"/>
+                </a:solidFill>
+                <a:effectLst/>
+                <a:latin typeface="Consolas" panose="020B0609020204030204" pitchFamily="49" charset="0"/>
+              </a:rPr>
+              <a:t>enum</a:t>
+            </a:r>
+            <a:r>
+              <a:rPr kumimoji="0" lang="en-US" altLang="en-US" sz="900" b="0" i="0" u="none" strike="noStrike" cap="none" normalizeH="0" baseline="0" dirty="0">
+                <a:ln>
+                  <a:noFill/>
+                </a:ln>
+                <a:solidFill>
+                  <a:srgbClr val="0033B3"/>
+                </a:solidFill>
+                <a:effectLst/>
+                <a:latin typeface="Consolas" panose="020B0609020204030204" pitchFamily="49" charset="0"/>
+              </a:rPr>
+              <a:t> </a:t>
+            </a:r>
+            <a:r>
+              <a:rPr kumimoji="0" lang="en-US" altLang="en-US" sz="900" b="0" i="0" u="none" strike="noStrike" cap="none" normalizeH="0" baseline="0" dirty="0">
+                <a:ln>
+                  <a:noFill/>
+                </a:ln>
+                <a:solidFill>
+                  <a:srgbClr val="000000"/>
+                </a:solidFill>
+                <a:effectLst/>
+                <a:latin typeface="Consolas" panose="020B0609020204030204" pitchFamily="49" charset="0"/>
+              </a:rPr>
+              <a:t>Register </a:t>
+            </a:r>
+            <a:r>
+              <a:rPr kumimoji="0" lang="en-US" altLang="en-US" sz="900" b="0" i="0" u="none" strike="noStrike" cap="none" normalizeH="0" baseline="0" dirty="0">
+                <a:ln>
+                  <a:noFill/>
+                </a:ln>
+                <a:solidFill>
+                  <a:srgbClr val="080808"/>
+                </a:solidFill>
+                <a:effectLst/>
+                <a:latin typeface="Consolas" panose="020B0609020204030204" pitchFamily="49" charset="0"/>
+              </a:rPr>
+              <a:t>{</a:t>
+            </a:r>
+            <a:br>
+              <a:rPr kumimoji="0" lang="en-US" altLang="en-US" sz="900" b="0" i="0" u="none" strike="noStrike" cap="none" normalizeH="0" baseline="0" dirty="0">
+                <a:ln>
+                  <a:noFill/>
+                </a:ln>
+                <a:solidFill>
+                  <a:srgbClr val="080808"/>
+                </a:solidFill>
+                <a:effectLst/>
+                <a:latin typeface="Consolas" panose="020B0609020204030204" pitchFamily="49" charset="0"/>
+              </a:rPr>
+            </a:br>
+            <a:r>
+              <a:rPr kumimoji="0" lang="en-US" altLang="en-US" sz="900" b="0" i="0" u="none" strike="noStrike" cap="none" normalizeH="0" baseline="0" dirty="0">
+                <a:ln>
+                  <a:noFill/>
+                </a:ln>
+                <a:solidFill>
+                  <a:srgbClr val="080808"/>
+                </a:solidFill>
+                <a:effectLst/>
+                <a:latin typeface="Consolas" panose="020B0609020204030204" pitchFamily="49" charset="0"/>
+              </a:rPr>
+              <a:t>    </a:t>
+            </a:r>
+            <a:r>
+              <a:rPr kumimoji="0" lang="en-US" altLang="en-US" sz="900" b="0" i="1" u="none" strike="noStrike" cap="none" normalizeH="0" baseline="0" dirty="0">
+                <a:ln>
+                  <a:noFill/>
+                </a:ln>
+                <a:solidFill>
+                  <a:srgbClr val="871094"/>
+                </a:solidFill>
+                <a:effectLst/>
+                <a:latin typeface="Consolas" panose="020B0609020204030204" pitchFamily="49" charset="0"/>
+              </a:rPr>
+              <a:t>Ready</a:t>
+            </a:r>
+            <a:r>
+              <a:rPr kumimoji="0" lang="en-US" altLang="en-US" sz="900" b="0" i="0" u="none" strike="noStrike" cap="none" normalizeH="0" baseline="0" dirty="0">
+                <a:ln>
+                  <a:noFill/>
+                </a:ln>
+                <a:solidFill>
+                  <a:srgbClr val="080808"/>
+                </a:solidFill>
+                <a:effectLst/>
+                <a:latin typeface="Consolas" panose="020B0609020204030204" pitchFamily="49" charset="0"/>
+              </a:rPr>
+              <a:t>(</a:t>
+            </a:r>
+            <a:r>
+              <a:rPr kumimoji="0" lang="en-US" altLang="en-US" sz="900" b="0" i="0" u="none" strike="noStrike" cap="none" normalizeH="0" baseline="0" dirty="0">
+                <a:ln>
+                  <a:noFill/>
+                </a:ln>
+                <a:solidFill>
+                  <a:srgbClr val="0033B3"/>
+                </a:solidFill>
+                <a:effectLst/>
+                <a:latin typeface="Consolas" panose="020B0609020204030204" pitchFamily="49" charset="0"/>
+              </a:rPr>
+              <a:t>u32</a:t>
+            </a:r>
+            <a:r>
+              <a:rPr kumimoji="0" lang="en-US" altLang="en-US" sz="900" b="0" i="0" u="none" strike="noStrike" cap="none" normalizeH="0" baseline="0" dirty="0">
+                <a:ln>
+                  <a:noFill/>
+                </a:ln>
+                <a:solidFill>
+                  <a:srgbClr val="080808"/>
+                </a:solidFill>
+                <a:effectLst/>
+                <a:latin typeface="Consolas" panose="020B0609020204030204" pitchFamily="49" charset="0"/>
+              </a:rPr>
+              <a:t>),</a:t>
+            </a:r>
+            <a:br>
+              <a:rPr kumimoji="0" lang="en-US" altLang="en-US" sz="900" b="0" i="0" u="none" strike="noStrike" cap="none" normalizeH="0" baseline="0" dirty="0">
+                <a:ln>
+                  <a:noFill/>
+                </a:ln>
+                <a:solidFill>
+                  <a:srgbClr val="080808"/>
+                </a:solidFill>
+                <a:effectLst/>
+                <a:latin typeface="Consolas" panose="020B0609020204030204" pitchFamily="49" charset="0"/>
+              </a:rPr>
+            </a:br>
+            <a:r>
+              <a:rPr kumimoji="0" lang="en-US" altLang="en-US" sz="900" b="0" i="0" u="none" strike="noStrike" cap="none" normalizeH="0" baseline="0" dirty="0">
+                <a:ln>
+                  <a:noFill/>
+                </a:ln>
+                <a:solidFill>
+                  <a:srgbClr val="080808"/>
+                </a:solidFill>
+                <a:effectLst/>
+                <a:latin typeface="Consolas" panose="020B0609020204030204" pitchFamily="49" charset="0"/>
+              </a:rPr>
+              <a:t>    </a:t>
+            </a:r>
+            <a:r>
+              <a:rPr kumimoji="0" lang="en-US" altLang="en-US" sz="900" b="0" i="1" u="none" strike="noStrike" cap="none" normalizeH="0" baseline="0" dirty="0">
+                <a:ln>
+                  <a:noFill/>
+                </a:ln>
+                <a:solidFill>
+                  <a:srgbClr val="871094"/>
+                </a:solidFill>
+                <a:effectLst/>
+                <a:latin typeface="Consolas" panose="020B0609020204030204" pitchFamily="49" charset="0"/>
+              </a:rPr>
+              <a:t>Pending</a:t>
+            </a:r>
+            <a:r>
+              <a:rPr kumimoji="0" lang="en-US" altLang="en-US" sz="900" b="0" i="0" u="none" strike="noStrike" cap="none" normalizeH="0" baseline="0" dirty="0">
+                <a:ln>
+                  <a:noFill/>
+                </a:ln>
+                <a:solidFill>
+                  <a:srgbClr val="080808"/>
+                </a:solidFill>
+                <a:effectLst/>
+                <a:latin typeface="Consolas" panose="020B0609020204030204" pitchFamily="49" charset="0"/>
+              </a:rPr>
+              <a:t>(</a:t>
+            </a:r>
+            <a:r>
+              <a:rPr kumimoji="0" lang="en-US" altLang="en-US" sz="900" b="0" i="0" u="none" strike="noStrike" cap="none" normalizeH="0" baseline="0" dirty="0" err="1">
+                <a:ln>
+                  <a:noFill/>
+                </a:ln>
+                <a:solidFill>
+                  <a:srgbClr val="000000"/>
+                </a:solidFill>
+                <a:effectLst/>
+                <a:latin typeface="Consolas" panose="020B0609020204030204" pitchFamily="49" charset="0"/>
+              </a:rPr>
+              <a:t>StationId</a:t>
+            </a:r>
+            <a:r>
+              <a:rPr kumimoji="0" lang="en-US" altLang="en-US" sz="900" b="0" i="0" u="none" strike="noStrike" cap="none" normalizeH="0" baseline="0" dirty="0">
+                <a:ln>
+                  <a:noFill/>
+                </a:ln>
+                <a:solidFill>
+                  <a:srgbClr val="080808"/>
+                </a:solidFill>
+                <a:effectLst/>
+                <a:latin typeface="Consolas" panose="020B0609020204030204" pitchFamily="49" charset="0"/>
+              </a:rPr>
+              <a:t>, </a:t>
+            </a:r>
+            <a:r>
+              <a:rPr kumimoji="0" lang="en-US" altLang="en-US" sz="900" b="0" i="0" u="none" strike="noStrike" cap="none" normalizeH="0" baseline="0" dirty="0" err="1">
+                <a:ln>
+                  <a:noFill/>
+                </a:ln>
+                <a:solidFill>
+                  <a:srgbClr val="000000"/>
+                </a:solidFill>
+                <a:effectLst/>
+                <a:latin typeface="Consolas" panose="020B0609020204030204" pitchFamily="49" charset="0"/>
+              </a:rPr>
+              <a:t>RegId</a:t>
+            </a:r>
+            <a:r>
+              <a:rPr kumimoji="0" lang="en-US" altLang="en-US" sz="900" b="0" i="0" u="none" strike="noStrike" cap="none" normalizeH="0" baseline="0" dirty="0">
+                <a:ln>
+                  <a:noFill/>
+                </a:ln>
+                <a:solidFill>
+                  <a:srgbClr val="080808"/>
+                </a:solidFill>
+                <a:effectLst/>
+                <a:latin typeface="Consolas" panose="020B0609020204030204" pitchFamily="49" charset="0"/>
+              </a:rPr>
+              <a:t>),</a:t>
+            </a:r>
+            <a:br>
+              <a:rPr kumimoji="0" lang="en-US" altLang="en-US" sz="900" b="0" i="0" u="none" strike="noStrike" cap="none" normalizeH="0" baseline="0" dirty="0">
+                <a:ln>
+                  <a:noFill/>
+                </a:ln>
+                <a:solidFill>
+                  <a:srgbClr val="080808"/>
+                </a:solidFill>
+                <a:effectLst/>
+                <a:latin typeface="Consolas" panose="020B0609020204030204" pitchFamily="49" charset="0"/>
+              </a:rPr>
+            </a:br>
+            <a:r>
+              <a:rPr kumimoji="0" lang="en-US" altLang="en-US" sz="900" b="0" i="0" u="none" strike="noStrike" cap="none" normalizeH="0" baseline="0" dirty="0">
+                <a:ln>
+                  <a:noFill/>
+                </a:ln>
+                <a:solidFill>
+                  <a:srgbClr val="080808"/>
+                </a:solidFill>
+                <a:effectLst/>
+                <a:latin typeface="Consolas" panose="020B0609020204030204" pitchFamily="49" charset="0"/>
+              </a:rPr>
+              <a:t>}</a:t>
+            </a:r>
             <a:endParaRPr kumimoji="0" lang="en-US" altLang="en-US" sz="1800" b="0" i="0" u="none" strike="noStrike" cap="none" normalizeH="0" baseline="0" dirty="0">
               <a:ln>
                 <a:noFill/>
@@ -8174,1747 +9674,10 @@
           </a:p>
         </p:txBody>
       </p:sp>
-      <p:sp>
-        <p:nvSpPr>
-          <p:cNvPr id="12" name="Rectangle 11">
-            <a:extLst>
-              <a:ext uri="{FF2B5EF4-FFF2-40B4-BE49-F238E27FC236}">
-                <a16:creationId xmlns:a16="http://schemas.microsoft.com/office/drawing/2014/main" id="{9AAF11CD-B7C0-4BDB-AD8D-6B078F1B82C6}"/>
-              </a:ext>
-            </a:extLst>
-          </p:cNvPr>
-          <p:cNvSpPr/>
-          <p:nvPr/>
-        </p:nvSpPr>
-        <p:spPr>
-          <a:xfrm>
-            <a:off x="877804" y="2421783"/>
-            <a:ext cx="1912877" cy="437661"/>
-          </a:xfrm>
-          <a:prstGeom prst="rect">
-            <a:avLst/>
-          </a:prstGeom>
-          <a:solidFill>
-            <a:schemeClr val="accent2">
-              <a:lumMod val="60000"/>
-              <a:lumOff val="40000"/>
-            </a:schemeClr>
-          </a:solidFill>
-        </p:spPr>
-        <p:style>
-          <a:lnRef idx="2">
-            <a:schemeClr val="accent1">
-              <a:shade val="50000"/>
-            </a:schemeClr>
-          </a:lnRef>
-          <a:fillRef idx="1">
-            <a:schemeClr val="accent1"/>
-          </a:fillRef>
-          <a:effectRef idx="0">
-            <a:schemeClr val="accent1"/>
-          </a:effectRef>
-          <a:fontRef idx="minor">
-            <a:schemeClr val="lt1"/>
-          </a:fontRef>
-        </p:style>
-        <p:txBody>
-          <a:bodyPr rtlCol="0" anchor="ctr"/>
-          <a:lstStyle/>
-          <a:p>
-            <a:pPr algn="ctr"/>
-            <a:r>
-              <a:rPr lang="en-GB" sz="1400" dirty="0" err="1"/>
-              <a:t>next_instr_addr</a:t>
-            </a:r>
-            <a:endParaRPr lang="en-GB" sz="1400" dirty="0"/>
-          </a:p>
-        </p:txBody>
-      </p:sp>
-      <p:sp>
-        <p:nvSpPr>
-          <p:cNvPr id="13" name="Rectangle 12">
-            <a:extLst>
-              <a:ext uri="{FF2B5EF4-FFF2-40B4-BE49-F238E27FC236}">
-                <a16:creationId xmlns:a16="http://schemas.microsoft.com/office/drawing/2014/main" id="{81B3749D-741D-4823-8D7D-C427981FCBB7}"/>
-              </a:ext>
-            </a:extLst>
-          </p:cNvPr>
-          <p:cNvSpPr/>
-          <p:nvPr/>
-        </p:nvSpPr>
-        <p:spPr>
-          <a:xfrm>
-            <a:off x="844885" y="4104888"/>
-            <a:ext cx="1912877" cy="437661"/>
-          </a:xfrm>
-          <a:prstGeom prst="rect">
-            <a:avLst/>
-          </a:prstGeom>
-          <a:solidFill>
-            <a:schemeClr val="accent2">
-              <a:lumMod val="60000"/>
-              <a:lumOff val="40000"/>
-            </a:schemeClr>
-          </a:solidFill>
-        </p:spPr>
-        <p:style>
-          <a:lnRef idx="2">
-            <a:schemeClr val="accent1">
-              <a:shade val="50000"/>
-            </a:schemeClr>
-          </a:lnRef>
-          <a:fillRef idx="1">
-            <a:schemeClr val="accent1"/>
-          </a:fillRef>
-          <a:effectRef idx="0">
-            <a:schemeClr val="accent1"/>
-          </a:effectRef>
-          <a:fontRef idx="minor">
-            <a:schemeClr val="lt1"/>
-          </a:fontRef>
-        </p:style>
-        <p:txBody>
-          <a:bodyPr rtlCol="0" anchor="ctr"/>
-          <a:lstStyle/>
-          <a:p>
-            <a:pPr algn="ctr"/>
-            <a:r>
-              <a:rPr lang="en-GB" sz="1400" dirty="0" err="1"/>
-              <a:t>fetched_instruction</a:t>
-            </a:r>
-            <a:endParaRPr lang="en-GB" sz="1400" dirty="0"/>
-          </a:p>
-        </p:txBody>
-      </p:sp>
-      <p:sp>
-        <p:nvSpPr>
-          <p:cNvPr id="16" name="Rectangle 15">
-            <a:extLst>
-              <a:ext uri="{FF2B5EF4-FFF2-40B4-BE49-F238E27FC236}">
-                <a16:creationId xmlns:a16="http://schemas.microsoft.com/office/drawing/2014/main" id="{B955A64D-A630-40CF-8465-97B624ED65AF}"/>
-              </a:ext>
-            </a:extLst>
-          </p:cNvPr>
-          <p:cNvSpPr/>
-          <p:nvPr/>
-        </p:nvSpPr>
-        <p:spPr>
-          <a:xfrm>
-            <a:off x="1454176" y="5268243"/>
-            <a:ext cx="1912877" cy="437661"/>
-          </a:xfrm>
-          <a:prstGeom prst="rect">
-            <a:avLst/>
-          </a:prstGeom>
-          <a:solidFill>
-            <a:schemeClr val="accent2">
-              <a:lumMod val="60000"/>
-              <a:lumOff val="40000"/>
-            </a:schemeClr>
-          </a:solidFill>
-        </p:spPr>
-        <p:style>
-          <a:lnRef idx="2">
-            <a:schemeClr val="accent1">
-              <a:shade val="50000"/>
-            </a:schemeClr>
-          </a:lnRef>
-          <a:fillRef idx="1">
-            <a:schemeClr val="accent1"/>
-          </a:fillRef>
-          <a:effectRef idx="0">
-            <a:schemeClr val="accent1"/>
-          </a:effectRef>
-          <a:fontRef idx="minor">
-            <a:schemeClr val="lt1"/>
-          </a:fontRef>
-        </p:style>
-        <p:txBody>
-          <a:bodyPr rtlCol="0" anchor="ctr"/>
-          <a:lstStyle/>
-          <a:p>
-            <a:pPr algn="ctr"/>
-            <a:r>
-              <a:rPr lang="en-GB" sz="1400" dirty="0" err="1"/>
-              <a:t>station.instruction</a:t>
-            </a:r>
-            <a:endParaRPr lang="en-GB" sz="1400" dirty="0"/>
-          </a:p>
-        </p:txBody>
-      </p:sp>
-      <p:sp>
-        <p:nvSpPr>
-          <p:cNvPr id="24" name="Arrow: Right 23">
-            <a:extLst>
-              <a:ext uri="{FF2B5EF4-FFF2-40B4-BE49-F238E27FC236}">
-                <a16:creationId xmlns:a16="http://schemas.microsoft.com/office/drawing/2014/main" id="{50C3D76A-FA9E-4401-B08E-CBA2EE0068DE}"/>
-              </a:ext>
-            </a:extLst>
-          </p:cNvPr>
-          <p:cNvSpPr/>
-          <p:nvPr/>
-        </p:nvSpPr>
-        <p:spPr>
-          <a:xfrm>
-            <a:off x="4439138" y="1352015"/>
-            <a:ext cx="1453661" cy="467879"/>
-          </a:xfrm>
-          <a:prstGeom prst="rightArrow">
-            <a:avLst/>
-          </a:prstGeom>
-        </p:spPr>
-        <p:style>
-          <a:lnRef idx="2">
-            <a:schemeClr val="accent1">
-              <a:shade val="50000"/>
-            </a:schemeClr>
-          </a:lnRef>
-          <a:fillRef idx="1">
-            <a:schemeClr val="accent1"/>
-          </a:fillRef>
-          <a:effectRef idx="0">
-            <a:schemeClr val="accent1"/>
-          </a:effectRef>
-          <a:fontRef idx="minor">
-            <a:schemeClr val="lt1"/>
-          </a:fontRef>
-        </p:style>
-        <p:txBody>
-          <a:bodyPr rtlCol="0" anchor="ctr"/>
-          <a:lstStyle/>
-          <a:p>
-            <a:pPr algn="ctr"/>
-            <a:r>
-              <a:rPr lang="en-GB" dirty="0"/>
-              <a:t>1 Cycle</a:t>
-            </a:r>
-          </a:p>
-        </p:txBody>
-      </p:sp>
-      <p:sp>
-        <p:nvSpPr>
-          <p:cNvPr id="49" name="TextBox 48">
-            <a:extLst>
-              <a:ext uri="{FF2B5EF4-FFF2-40B4-BE49-F238E27FC236}">
-                <a16:creationId xmlns:a16="http://schemas.microsoft.com/office/drawing/2014/main" id="{7B2349A1-C418-464D-8550-ACAC0231BFF0}"/>
-              </a:ext>
-            </a:extLst>
-          </p:cNvPr>
-          <p:cNvSpPr txBox="1"/>
-          <p:nvPr/>
-        </p:nvSpPr>
-        <p:spPr>
-          <a:xfrm>
-            <a:off x="6621791" y="1819894"/>
-            <a:ext cx="3225594" cy="261610"/>
-          </a:xfrm>
-          <a:prstGeom prst="rect">
-            <a:avLst/>
-          </a:prstGeom>
-          <a:noFill/>
-        </p:spPr>
-        <p:txBody>
-          <a:bodyPr wrap="square" rtlCol="0">
-            <a:spAutoFit/>
-          </a:bodyPr>
-          <a:lstStyle/>
-          <a:p>
-            <a:r>
-              <a:rPr lang="en-GB" sz="1100" dirty="0"/>
-              <a:t>Next address += length of fetched instruction</a:t>
-            </a:r>
-          </a:p>
-        </p:txBody>
-      </p:sp>
-      <p:sp>
-        <p:nvSpPr>
-          <p:cNvPr id="50" name="TextBox 49">
-            <a:extLst>
-              <a:ext uri="{FF2B5EF4-FFF2-40B4-BE49-F238E27FC236}">
-                <a16:creationId xmlns:a16="http://schemas.microsoft.com/office/drawing/2014/main" id="{90991431-EC83-4B91-905B-E888C95542FD}"/>
-              </a:ext>
-            </a:extLst>
-          </p:cNvPr>
-          <p:cNvSpPr txBox="1"/>
-          <p:nvPr/>
-        </p:nvSpPr>
-        <p:spPr>
-          <a:xfrm>
-            <a:off x="9639556" y="6321097"/>
-            <a:ext cx="2335100" cy="600164"/>
-          </a:xfrm>
-          <a:prstGeom prst="rect">
-            <a:avLst/>
-          </a:prstGeom>
-          <a:noFill/>
-        </p:spPr>
-        <p:txBody>
-          <a:bodyPr wrap="square" rtlCol="0">
-            <a:spAutoFit/>
-          </a:bodyPr>
-          <a:lstStyle/>
-          <a:p>
-            <a:r>
-              <a:rPr lang="en-GB" sz="1100" dirty="0"/>
-              <a:t>Completing a branch will cause the next address to be changed, and clear fetched/decoded instructions</a:t>
-            </a:r>
-          </a:p>
-        </p:txBody>
-      </p:sp>
-      <p:cxnSp>
-        <p:nvCxnSpPr>
-          <p:cNvPr id="33" name="Straight Arrow Connector 32">
-            <a:extLst>
-              <a:ext uri="{FF2B5EF4-FFF2-40B4-BE49-F238E27FC236}">
-                <a16:creationId xmlns:a16="http://schemas.microsoft.com/office/drawing/2014/main" id="{38F9FABE-6024-41E9-AB3E-288886070FAA}"/>
-              </a:ext>
-            </a:extLst>
-          </p:cNvPr>
-          <p:cNvCxnSpPr>
-            <a:cxnSpLocks/>
-            <a:stCxn id="12" idx="3"/>
-            <a:endCxn id="4" idx="1"/>
-          </p:cNvCxnSpPr>
-          <p:nvPr/>
-        </p:nvCxnSpPr>
-        <p:spPr>
-          <a:xfrm>
-            <a:off x="2790681" y="2640614"/>
-            <a:ext cx="1650349" cy="0"/>
-          </a:xfrm>
-          <a:prstGeom prst="straightConnector1">
-            <a:avLst/>
-          </a:prstGeom>
-          <a:ln>
-            <a:tailEnd type="triangle"/>
-          </a:ln>
-        </p:spPr>
-        <p:style>
-          <a:lnRef idx="1">
-            <a:schemeClr val="accent1"/>
-          </a:lnRef>
-          <a:fillRef idx="0">
-            <a:schemeClr val="accent1"/>
-          </a:fillRef>
-          <a:effectRef idx="0">
-            <a:schemeClr val="accent1"/>
-          </a:effectRef>
-          <a:fontRef idx="minor">
-            <a:schemeClr val="tx1"/>
-          </a:fontRef>
-        </p:style>
-      </p:cxnSp>
-      <p:sp>
-        <p:nvSpPr>
-          <p:cNvPr id="42" name="Rectangle 41">
-            <a:extLst>
-              <a:ext uri="{FF2B5EF4-FFF2-40B4-BE49-F238E27FC236}">
-                <a16:creationId xmlns:a16="http://schemas.microsoft.com/office/drawing/2014/main" id="{9774E25A-B7B1-450A-8E2B-CC4CC1DE7CA7}"/>
-              </a:ext>
-            </a:extLst>
-          </p:cNvPr>
-          <p:cNvSpPr/>
-          <p:nvPr/>
-        </p:nvSpPr>
-        <p:spPr>
-          <a:xfrm>
-            <a:off x="6621791" y="2101866"/>
-            <a:ext cx="1912877" cy="437661"/>
-          </a:xfrm>
-          <a:prstGeom prst="rect">
-            <a:avLst/>
-          </a:prstGeom>
-          <a:solidFill>
-            <a:schemeClr val="accent2">
-              <a:lumMod val="60000"/>
-              <a:lumOff val="40000"/>
-            </a:schemeClr>
-          </a:solidFill>
-        </p:spPr>
-        <p:style>
-          <a:lnRef idx="2">
-            <a:schemeClr val="accent1">
-              <a:shade val="50000"/>
-            </a:schemeClr>
-          </a:lnRef>
-          <a:fillRef idx="1">
-            <a:schemeClr val="accent1"/>
-          </a:fillRef>
-          <a:effectRef idx="0">
-            <a:schemeClr val="accent1"/>
-          </a:effectRef>
-          <a:fontRef idx="minor">
-            <a:schemeClr val="lt1"/>
-          </a:fontRef>
-        </p:style>
-        <p:txBody>
-          <a:bodyPr rtlCol="0" anchor="ctr"/>
-          <a:lstStyle/>
-          <a:p>
-            <a:pPr algn="ctr"/>
-            <a:r>
-              <a:rPr lang="en-GB" sz="1400" dirty="0" err="1"/>
-              <a:t>next_instr_addr</a:t>
-            </a:r>
-            <a:endParaRPr lang="en-GB" sz="1400" dirty="0"/>
-          </a:p>
-        </p:txBody>
-      </p:sp>
-      <p:sp>
-        <p:nvSpPr>
-          <p:cNvPr id="43" name="Rectangle 42">
-            <a:extLst>
-              <a:ext uri="{FF2B5EF4-FFF2-40B4-BE49-F238E27FC236}">
-                <a16:creationId xmlns:a16="http://schemas.microsoft.com/office/drawing/2014/main" id="{F2184D9B-F1FB-49DD-B78C-C8C9C2195D4F}"/>
-              </a:ext>
-            </a:extLst>
-          </p:cNvPr>
-          <p:cNvSpPr/>
-          <p:nvPr/>
-        </p:nvSpPr>
-        <p:spPr>
-          <a:xfrm>
-            <a:off x="6621791" y="2739557"/>
-            <a:ext cx="1912877" cy="437661"/>
-          </a:xfrm>
-          <a:prstGeom prst="rect">
-            <a:avLst/>
-          </a:prstGeom>
-          <a:solidFill>
-            <a:schemeClr val="accent2">
-              <a:lumMod val="60000"/>
-              <a:lumOff val="40000"/>
-            </a:schemeClr>
-          </a:solidFill>
-        </p:spPr>
-        <p:style>
-          <a:lnRef idx="2">
-            <a:schemeClr val="accent1">
-              <a:shade val="50000"/>
-            </a:schemeClr>
-          </a:lnRef>
-          <a:fillRef idx="1">
-            <a:schemeClr val="accent1"/>
-          </a:fillRef>
-          <a:effectRef idx="0">
-            <a:schemeClr val="accent1"/>
-          </a:effectRef>
-          <a:fontRef idx="minor">
-            <a:schemeClr val="lt1"/>
-          </a:fontRef>
-        </p:style>
-        <p:txBody>
-          <a:bodyPr rtlCol="0" anchor="ctr"/>
-          <a:lstStyle/>
-          <a:p>
-            <a:pPr algn="ctr"/>
-            <a:r>
-              <a:rPr lang="en-GB" sz="1400" dirty="0" err="1"/>
-              <a:t>fetched_instruction</a:t>
-            </a:r>
-            <a:endParaRPr lang="en-GB" sz="1400" dirty="0"/>
-          </a:p>
-        </p:txBody>
-      </p:sp>
-      <p:cxnSp>
-        <p:nvCxnSpPr>
-          <p:cNvPr id="36" name="Straight Arrow Connector 35">
-            <a:extLst>
-              <a:ext uri="{FF2B5EF4-FFF2-40B4-BE49-F238E27FC236}">
-                <a16:creationId xmlns:a16="http://schemas.microsoft.com/office/drawing/2014/main" id="{4FB4B143-936E-4FCB-8002-B8E69329757A}"/>
-              </a:ext>
-            </a:extLst>
-          </p:cNvPr>
-          <p:cNvCxnSpPr>
-            <a:stCxn id="4" idx="3"/>
-            <a:endCxn id="42" idx="1"/>
-          </p:cNvCxnSpPr>
-          <p:nvPr/>
-        </p:nvCxnSpPr>
-        <p:spPr>
-          <a:xfrm flipV="1">
-            <a:off x="5894691" y="2320697"/>
-            <a:ext cx="727100" cy="319917"/>
-          </a:xfrm>
-          <a:prstGeom prst="straightConnector1">
-            <a:avLst/>
-          </a:prstGeom>
-          <a:ln>
-            <a:tailEnd type="triangle"/>
-          </a:ln>
-        </p:spPr>
-        <p:style>
-          <a:lnRef idx="1">
-            <a:schemeClr val="accent1"/>
-          </a:lnRef>
-          <a:fillRef idx="0">
-            <a:schemeClr val="accent1"/>
-          </a:fillRef>
-          <a:effectRef idx="0">
-            <a:schemeClr val="accent1"/>
-          </a:effectRef>
-          <a:fontRef idx="minor">
-            <a:schemeClr val="tx1"/>
-          </a:fontRef>
-        </p:style>
-      </p:cxnSp>
-      <p:cxnSp>
-        <p:nvCxnSpPr>
-          <p:cNvPr id="39" name="Straight Arrow Connector 38">
-            <a:extLst>
-              <a:ext uri="{FF2B5EF4-FFF2-40B4-BE49-F238E27FC236}">
-                <a16:creationId xmlns:a16="http://schemas.microsoft.com/office/drawing/2014/main" id="{6F0078E7-53AF-45C7-9582-EF869BEB8B3D}"/>
-              </a:ext>
-            </a:extLst>
-          </p:cNvPr>
-          <p:cNvCxnSpPr>
-            <a:stCxn id="4" idx="3"/>
-            <a:endCxn id="43" idx="1"/>
-          </p:cNvCxnSpPr>
-          <p:nvPr/>
-        </p:nvCxnSpPr>
-        <p:spPr>
-          <a:xfrm>
-            <a:off x="5894691" y="2640614"/>
-            <a:ext cx="727100" cy="317774"/>
-          </a:xfrm>
-          <a:prstGeom prst="straightConnector1">
-            <a:avLst/>
-          </a:prstGeom>
-          <a:ln>
-            <a:tailEnd type="triangle"/>
-          </a:ln>
-        </p:spPr>
-        <p:style>
-          <a:lnRef idx="1">
-            <a:schemeClr val="accent1"/>
-          </a:lnRef>
-          <a:fillRef idx="0">
-            <a:schemeClr val="accent1"/>
-          </a:fillRef>
-          <a:effectRef idx="0">
-            <a:schemeClr val="accent1"/>
-          </a:effectRef>
-          <a:fontRef idx="minor">
-            <a:schemeClr val="tx1"/>
-          </a:fontRef>
-        </p:style>
-      </p:cxnSp>
-      <p:sp>
-        <p:nvSpPr>
-          <p:cNvPr id="44" name="TextBox 43">
-            <a:extLst>
-              <a:ext uri="{FF2B5EF4-FFF2-40B4-BE49-F238E27FC236}">
-                <a16:creationId xmlns:a16="http://schemas.microsoft.com/office/drawing/2014/main" id="{BDFD4A26-F622-4DF5-8687-1A4D465BB375}"/>
-              </a:ext>
-            </a:extLst>
-          </p:cNvPr>
-          <p:cNvSpPr txBox="1"/>
-          <p:nvPr/>
-        </p:nvSpPr>
-        <p:spPr>
-          <a:xfrm>
-            <a:off x="7020375" y="681682"/>
-            <a:ext cx="1969477" cy="400110"/>
-          </a:xfrm>
-          <a:prstGeom prst="rect">
-            <a:avLst/>
-          </a:prstGeom>
-          <a:noFill/>
-        </p:spPr>
-        <p:txBody>
-          <a:bodyPr wrap="square" rtlCol="0">
-            <a:spAutoFit/>
-          </a:bodyPr>
-          <a:lstStyle/>
-          <a:p>
-            <a:r>
-              <a:rPr lang="en-GB" sz="2000" b="1" dirty="0"/>
-              <a:t>Next State</a:t>
-            </a:r>
-          </a:p>
-        </p:txBody>
-      </p:sp>
-      <p:cxnSp>
-        <p:nvCxnSpPr>
-          <p:cNvPr id="48" name="Straight Arrow Connector 47">
-            <a:extLst>
-              <a:ext uri="{FF2B5EF4-FFF2-40B4-BE49-F238E27FC236}">
-                <a16:creationId xmlns:a16="http://schemas.microsoft.com/office/drawing/2014/main" id="{A05A6547-8851-469E-9D7A-F0E745059043}"/>
-              </a:ext>
-            </a:extLst>
-          </p:cNvPr>
-          <p:cNvCxnSpPr>
-            <a:stCxn id="13" idx="3"/>
-            <a:endCxn id="6" idx="1"/>
-          </p:cNvCxnSpPr>
-          <p:nvPr/>
-        </p:nvCxnSpPr>
-        <p:spPr>
-          <a:xfrm>
-            <a:off x="2757762" y="4323719"/>
-            <a:ext cx="1688333" cy="1"/>
-          </a:xfrm>
-          <a:prstGeom prst="straightConnector1">
-            <a:avLst/>
-          </a:prstGeom>
-          <a:ln>
-            <a:tailEnd type="triangle"/>
-          </a:ln>
-        </p:spPr>
-        <p:style>
-          <a:lnRef idx="1">
-            <a:schemeClr val="accent1"/>
-          </a:lnRef>
-          <a:fillRef idx="0">
-            <a:schemeClr val="accent1"/>
-          </a:fillRef>
-          <a:effectRef idx="0">
-            <a:schemeClr val="accent1"/>
-          </a:effectRef>
-          <a:fontRef idx="minor">
-            <a:schemeClr val="tx1"/>
-          </a:fontRef>
-        </p:style>
-      </p:cxnSp>
-      <p:sp>
-        <p:nvSpPr>
-          <p:cNvPr id="51" name="TextBox 50">
-            <a:extLst>
-              <a:ext uri="{FF2B5EF4-FFF2-40B4-BE49-F238E27FC236}">
-                <a16:creationId xmlns:a16="http://schemas.microsoft.com/office/drawing/2014/main" id="{7BEB217F-532C-4BEC-A4EB-7C246CCD50DD}"/>
-              </a:ext>
-            </a:extLst>
-          </p:cNvPr>
-          <p:cNvSpPr txBox="1"/>
-          <p:nvPr/>
-        </p:nvSpPr>
-        <p:spPr>
-          <a:xfrm>
-            <a:off x="629739" y="3565646"/>
-            <a:ext cx="2646408" cy="523220"/>
-          </a:xfrm>
-          <a:prstGeom prst="rect">
-            <a:avLst/>
-          </a:prstGeom>
-          <a:noFill/>
-        </p:spPr>
-        <p:txBody>
-          <a:bodyPr wrap="square" rtlCol="0">
-            <a:spAutoFit/>
-          </a:bodyPr>
-          <a:lstStyle/>
-          <a:p>
-            <a:r>
-              <a:rPr lang="en-GB" sz="1400" dirty="0"/>
-              <a:t>If present &amp; space for a decoded instruction – else do nothing</a:t>
-            </a:r>
-          </a:p>
-        </p:txBody>
-      </p:sp>
-      <p:sp>
-        <p:nvSpPr>
-          <p:cNvPr id="52" name="TextBox 51">
-            <a:extLst>
-              <a:ext uri="{FF2B5EF4-FFF2-40B4-BE49-F238E27FC236}">
-                <a16:creationId xmlns:a16="http://schemas.microsoft.com/office/drawing/2014/main" id="{8EBF5C0E-7533-453B-838F-3ABFBC8033C6}"/>
-              </a:ext>
-            </a:extLst>
-          </p:cNvPr>
-          <p:cNvSpPr txBox="1"/>
-          <p:nvPr/>
-        </p:nvSpPr>
-        <p:spPr>
-          <a:xfrm>
-            <a:off x="1349906" y="5759416"/>
-            <a:ext cx="2476904" cy="523220"/>
-          </a:xfrm>
-          <a:prstGeom prst="rect">
-            <a:avLst/>
-          </a:prstGeom>
-          <a:noFill/>
-        </p:spPr>
-        <p:txBody>
-          <a:bodyPr wrap="square" rtlCol="0">
-            <a:spAutoFit/>
-          </a:bodyPr>
-          <a:lstStyle/>
-          <a:p>
-            <a:r>
-              <a:rPr lang="en-GB" sz="1400" dirty="0"/>
-              <a:t>If present &amp; all input registers are ready – else do nothing</a:t>
-            </a:r>
-          </a:p>
-        </p:txBody>
-      </p:sp>
-      <p:sp>
-        <p:nvSpPr>
-          <p:cNvPr id="53" name="Rectangle 52">
-            <a:extLst>
-              <a:ext uri="{FF2B5EF4-FFF2-40B4-BE49-F238E27FC236}">
-                <a16:creationId xmlns:a16="http://schemas.microsoft.com/office/drawing/2014/main" id="{092706DF-2013-4E4C-89BC-DE5D483B4B77}"/>
-              </a:ext>
-            </a:extLst>
-          </p:cNvPr>
-          <p:cNvSpPr/>
-          <p:nvPr/>
-        </p:nvSpPr>
-        <p:spPr>
-          <a:xfrm>
-            <a:off x="6621790" y="3848468"/>
-            <a:ext cx="1912877" cy="437661"/>
-          </a:xfrm>
-          <a:prstGeom prst="rect">
-            <a:avLst/>
-          </a:prstGeom>
-          <a:solidFill>
-            <a:schemeClr val="accent2">
-              <a:lumMod val="60000"/>
-              <a:lumOff val="40000"/>
-            </a:schemeClr>
-          </a:solidFill>
-        </p:spPr>
-        <p:style>
-          <a:lnRef idx="2">
-            <a:schemeClr val="accent1">
-              <a:shade val="50000"/>
-            </a:schemeClr>
-          </a:lnRef>
-          <a:fillRef idx="1">
-            <a:schemeClr val="accent1"/>
-          </a:fillRef>
-          <a:effectRef idx="0">
-            <a:schemeClr val="accent1"/>
-          </a:effectRef>
-          <a:fontRef idx="minor">
-            <a:schemeClr val="lt1"/>
-          </a:fontRef>
-        </p:style>
-        <p:txBody>
-          <a:bodyPr rtlCol="0" anchor="ctr"/>
-          <a:lstStyle/>
-          <a:p>
-            <a:pPr algn="ctr"/>
-            <a:r>
-              <a:rPr lang="en-GB" sz="1400" dirty="0" err="1"/>
-              <a:t>decoded_instructions</a:t>
-            </a:r>
-            <a:endParaRPr lang="en-GB" sz="1400" dirty="0"/>
-          </a:p>
-        </p:txBody>
-      </p:sp>
-      <p:sp>
-        <p:nvSpPr>
-          <p:cNvPr id="54" name="Rectangle 53">
-            <a:extLst>
-              <a:ext uri="{FF2B5EF4-FFF2-40B4-BE49-F238E27FC236}">
-                <a16:creationId xmlns:a16="http://schemas.microsoft.com/office/drawing/2014/main" id="{ABDE5766-3517-4C8E-85B2-E733D4E58248}"/>
-              </a:ext>
-            </a:extLst>
-          </p:cNvPr>
-          <p:cNvSpPr/>
-          <p:nvPr/>
-        </p:nvSpPr>
-        <p:spPr>
-          <a:xfrm>
-            <a:off x="6567057" y="5306536"/>
-            <a:ext cx="1758437" cy="437661"/>
-          </a:xfrm>
-          <a:prstGeom prst="rect">
-            <a:avLst/>
-          </a:prstGeom>
-          <a:solidFill>
-            <a:schemeClr val="accent2">
-              <a:lumMod val="60000"/>
-              <a:lumOff val="40000"/>
-            </a:schemeClr>
-          </a:solidFill>
-        </p:spPr>
-        <p:style>
-          <a:lnRef idx="2">
-            <a:schemeClr val="accent1">
-              <a:shade val="50000"/>
-            </a:schemeClr>
-          </a:lnRef>
-          <a:fillRef idx="1">
-            <a:schemeClr val="accent1"/>
-          </a:fillRef>
-          <a:effectRef idx="0">
-            <a:schemeClr val="accent1"/>
-          </a:effectRef>
-          <a:fontRef idx="minor">
-            <a:schemeClr val="lt1"/>
-          </a:fontRef>
-        </p:style>
-        <p:txBody>
-          <a:bodyPr rtlCol="0" anchor="ctr"/>
-          <a:lstStyle/>
-          <a:p>
-            <a:pPr algn="ctr"/>
-            <a:r>
-              <a:rPr lang="en-GB" sz="1400" dirty="0" err="1"/>
-              <a:t>station.instruction</a:t>
-            </a:r>
-            <a:endParaRPr lang="en-GB" sz="1400" dirty="0"/>
-          </a:p>
-        </p:txBody>
-      </p:sp>
-      <p:sp>
-        <p:nvSpPr>
-          <p:cNvPr id="55" name="TextBox 54">
-            <a:extLst>
-              <a:ext uri="{FF2B5EF4-FFF2-40B4-BE49-F238E27FC236}">
-                <a16:creationId xmlns:a16="http://schemas.microsoft.com/office/drawing/2014/main" id="{8D343EDF-9CF9-4F7F-BD2F-C477D6305789}"/>
-              </a:ext>
-            </a:extLst>
-          </p:cNvPr>
-          <p:cNvSpPr txBox="1"/>
-          <p:nvPr/>
-        </p:nvSpPr>
-        <p:spPr>
-          <a:xfrm>
-            <a:off x="8402724" y="5323599"/>
-            <a:ext cx="2335100" cy="430887"/>
-          </a:xfrm>
-          <a:prstGeom prst="rect">
-            <a:avLst/>
-          </a:prstGeom>
-          <a:noFill/>
-        </p:spPr>
-        <p:txBody>
-          <a:bodyPr wrap="square" rtlCol="0">
-            <a:spAutoFit/>
-          </a:bodyPr>
-          <a:lstStyle/>
-          <a:p>
-            <a:r>
-              <a:rPr lang="en-GB" sz="1100" dirty="0"/>
-              <a:t>Only if instruction needs another cycle, otherwise empty if complete</a:t>
-            </a:r>
-          </a:p>
-        </p:txBody>
-      </p:sp>
-      <p:sp>
-        <p:nvSpPr>
-          <p:cNvPr id="59" name="Rectangle 58">
-            <a:extLst>
-              <a:ext uri="{FF2B5EF4-FFF2-40B4-BE49-F238E27FC236}">
-                <a16:creationId xmlns:a16="http://schemas.microsoft.com/office/drawing/2014/main" id="{E4CEDD7A-0C2C-4CCD-B394-9DB39DA32171}"/>
-              </a:ext>
-            </a:extLst>
-          </p:cNvPr>
-          <p:cNvSpPr/>
-          <p:nvPr/>
-        </p:nvSpPr>
-        <p:spPr>
-          <a:xfrm>
-            <a:off x="6621523" y="4424739"/>
-            <a:ext cx="1912877" cy="437661"/>
-          </a:xfrm>
-          <a:prstGeom prst="rect">
-            <a:avLst/>
-          </a:prstGeom>
-          <a:solidFill>
-            <a:schemeClr val="accent2">
-              <a:lumMod val="60000"/>
-              <a:lumOff val="40000"/>
-            </a:schemeClr>
-          </a:solidFill>
-        </p:spPr>
-        <p:style>
-          <a:lnRef idx="2">
-            <a:schemeClr val="accent1">
-              <a:shade val="50000"/>
-            </a:schemeClr>
-          </a:lnRef>
-          <a:fillRef idx="1">
-            <a:schemeClr val="accent1"/>
-          </a:fillRef>
-          <a:effectRef idx="0">
-            <a:schemeClr val="accent1"/>
-          </a:effectRef>
-          <a:fontRef idx="minor">
-            <a:schemeClr val="lt1"/>
-          </a:fontRef>
-        </p:style>
-        <p:txBody>
-          <a:bodyPr rtlCol="0" anchor="ctr"/>
-          <a:lstStyle/>
-          <a:p>
-            <a:pPr algn="ctr"/>
-            <a:r>
-              <a:rPr lang="en-GB" sz="1400" dirty="0" err="1"/>
-              <a:t>station.instruction</a:t>
-            </a:r>
-            <a:endParaRPr lang="en-GB" sz="1400" dirty="0"/>
-          </a:p>
-        </p:txBody>
-      </p:sp>
-      <p:cxnSp>
-        <p:nvCxnSpPr>
-          <p:cNvPr id="61" name="Straight Arrow Connector 60">
-            <a:extLst>
-              <a:ext uri="{FF2B5EF4-FFF2-40B4-BE49-F238E27FC236}">
-                <a16:creationId xmlns:a16="http://schemas.microsoft.com/office/drawing/2014/main" id="{46EEFE22-D639-4F51-B1A1-31D6C9DE86EA}"/>
-              </a:ext>
-            </a:extLst>
-          </p:cNvPr>
-          <p:cNvCxnSpPr>
-            <a:stCxn id="6" idx="3"/>
-            <a:endCxn id="53" idx="1"/>
-          </p:cNvCxnSpPr>
-          <p:nvPr/>
-        </p:nvCxnSpPr>
-        <p:spPr>
-          <a:xfrm flipV="1">
-            <a:off x="5899756" y="4067299"/>
-            <a:ext cx="722034" cy="256421"/>
-          </a:xfrm>
-          <a:prstGeom prst="straightConnector1">
-            <a:avLst/>
-          </a:prstGeom>
-          <a:ln>
-            <a:tailEnd type="triangle"/>
-          </a:ln>
-        </p:spPr>
-        <p:style>
-          <a:lnRef idx="1">
-            <a:schemeClr val="accent1"/>
-          </a:lnRef>
-          <a:fillRef idx="0">
-            <a:schemeClr val="accent1"/>
-          </a:fillRef>
-          <a:effectRef idx="0">
-            <a:schemeClr val="accent1"/>
-          </a:effectRef>
-          <a:fontRef idx="minor">
-            <a:schemeClr val="tx1"/>
-          </a:fontRef>
-        </p:style>
-      </p:cxnSp>
-      <p:cxnSp>
-        <p:nvCxnSpPr>
-          <p:cNvPr id="63" name="Straight Arrow Connector 62">
-            <a:extLst>
-              <a:ext uri="{FF2B5EF4-FFF2-40B4-BE49-F238E27FC236}">
-                <a16:creationId xmlns:a16="http://schemas.microsoft.com/office/drawing/2014/main" id="{B18924DB-699C-4F26-958E-E9DD894AF92F}"/>
-              </a:ext>
-            </a:extLst>
-          </p:cNvPr>
-          <p:cNvCxnSpPr>
-            <a:cxnSpLocks/>
-            <a:stCxn id="53" idx="2"/>
-            <a:endCxn id="59" idx="0"/>
-          </p:cNvCxnSpPr>
-          <p:nvPr/>
-        </p:nvCxnSpPr>
-        <p:spPr>
-          <a:xfrm flipH="1">
-            <a:off x="7577962" y="4286129"/>
-            <a:ext cx="267" cy="138610"/>
-          </a:xfrm>
-          <a:prstGeom prst="straightConnector1">
-            <a:avLst/>
-          </a:prstGeom>
-          <a:ln>
-            <a:tailEnd type="triangle"/>
-          </a:ln>
-        </p:spPr>
-        <p:style>
-          <a:lnRef idx="1">
-            <a:schemeClr val="accent1"/>
-          </a:lnRef>
-          <a:fillRef idx="0">
-            <a:schemeClr val="accent1"/>
-          </a:fillRef>
-          <a:effectRef idx="0">
-            <a:schemeClr val="accent1"/>
-          </a:effectRef>
-          <a:fontRef idx="minor">
-            <a:schemeClr val="tx1"/>
-          </a:fontRef>
-        </p:style>
-      </p:cxnSp>
-      <p:sp>
-        <p:nvSpPr>
-          <p:cNvPr id="65" name="TextBox 64">
-            <a:extLst>
-              <a:ext uri="{FF2B5EF4-FFF2-40B4-BE49-F238E27FC236}">
-                <a16:creationId xmlns:a16="http://schemas.microsoft.com/office/drawing/2014/main" id="{A58EF20C-BB8B-4D24-9363-2B713B383534}"/>
-              </a:ext>
-            </a:extLst>
-          </p:cNvPr>
-          <p:cNvSpPr txBox="1"/>
-          <p:nvPr/>
-        </p:nvSpPr>
-        <p:spPr>
-          <a:xfrm>
-            <a:off x="143500" y="2076366"/>
-            <a:ext cx="3834127" cy="307777"/>
-          </a:xfrm>
-          <a:prstGeom prst="rect">
-            <a:avLst/>
-          </a:prstGeom>
-          <a:noFill/>
-        </p:spPr>
-        <p:txBody>
-          <a:bodyPr wrap="none" rtlCol="0">
-            <a:spAutoFit/>
-          </a:bodyPr>
-          <a:lstStyle/>
-          <a:p>
-            <a:r>
-              <a:rPr lang="en-GB" sz="1400" dirty="0"/>
-              <a:t>If space for a fetched instruction – else do nothing</a:t>
-            </a:r>
-          </a:p>
-        </p:txBody>
-      </p:sp>
-      <p:sp>
-        <p:nvSpPr>
-          <p:cNvPr id="66" name="TextBox 65">
-            <a:extLst>
-              <a:ext uri="{FF2B5EF4-FFF2-40B4-BE49-F238E27FC236}">
-                <a16:creationId xmlns:a16="http://schemas.microsoft.com/office/drawing/2014/main" id="{1A597D9A-8AC0-482D-BD05-61F5267FA485}"/>
-              </a:ext>
-            </a:extLst>
-          </p:cNvPr>
-          <p:cNvSpPr txBox="1"/>
-          <p:nvPr/>
-        </p:nvSpPr>
-        <p:spPr>
-          <a:xfrm>
-            <a:off x="1213396" y="1495059"/>
-            <a:ext cx="1969477" cy="400110"/>
-          </a:xfrm>
-          <a:prstGeom prst="rect">
-            <a:avLst/>
-          </a:prstGeom>
-          <a:noFill/>
-        </p:spPr>
-        <p:txBody>
-          <a:bodyPr wrap="square" rtlCol="0">
-            <a:spAutoFit/>
-          </a:bodyPr>
-          <a:lstStyle/>
-          <a:p>
-            <a:r>
-              <a:rPr lang="en-GB" sz="2000" b="1" dirty="0"/>
-              <a:t>Current State</a:t>
-            </a:r>
-          </a:p>
-        </p:txBody>
-      </p:sp>
-      <p:cxnSp>
-        <p:nvCxnSpPr>
-          <p:cNvPr id="68" name="Straight Arrow Connector 67">
-            <a:extLst>
-              <a:ext uri="{FF2B5EF4-FFF2-40B4-BE49-F238E27FC236}">
-                <a16:creationId xmlns:a16="http://schemas.microsoft.com/office/drawing/2014/main" id="{931F1FDF-AD0E-45B7-878A-584DA9894A86}"/>
-              </a:ext>
-            </a:extLst>
-          </p:cNvPr>
-          <p:cNvCxnSpPr>
-            <a:cxnSpLocks/>
-            <a:stCxn id="16" idx="3"/>
-            <a:endCxn id="7" idx="1"/>
-          </p:cNvCxnSpPr>
-          <p:nvPr/>
-        </p:nvCxnSpPr>
-        <p:spPr>
-          <a:xfrm>
-            <a:off x="3367053" y="5487074"/>
-            <a:ext cx="1000871" cy="0"/>
-          </a:xfrm>
-          <a:prstGeom prst="straightConnector1">
-            <a:avLst/>
-          </a:prstGeom>
-          <a:ln>
-            <a:tailEnd type="triangle"/>
-          </a:ln>
-        </p:spPr>
-        <p:style>
-          <a:lnRef idx="1">
-            <a:schemeClr val="accent1"/>
-          </a:lnRef>
-          <a:fillRef idx="0">
-            <a:schemeClr val="accent1"/>
-          </a:fillRef>
-          <a:effectRef idx="0">
-            <a:schemeClr val="accent1"/>
-          </a:effectRef>
-          <a:fontRef idx="minor">
-            <a:schemeClr val="tx1"/>
-          </a:fontRef>
-        </p:style>
-      </p:cxnSp>
-      <p:sp>
-        <p:nvSpPr>
-          <p:cNvPr id="71" name="Rectangle 70">
-            <a:extLst>
-              <a:ext uri="{FF2B5EF4-FFF2-40B4-BE49-F238E27FC236}">
-                <a16:creationId xmlns:a16="http://schemas.microsoft.com/office/drawing/2014/main" id="{868E0094-1154-4BDD-B6CB-8DFD7AD7F8CB}"/>
-              </a:ext>
-            </a:extLst>
-          </p:cNvPr>
-          <p:cNvSpPr/>
-          <p:nvPr/>
-        </p:nvSpPr>
-        <p:spPr>
-          <a:xfrm>
-            <a:off x="10460227" y="5770619"/>
-            <a:ext cx="1422185" cy="534345"/>
-          </a:xfrm>
-          <a:prstGeom prst="rect">
-            <a:avLst/>
-          </a:prstGeom>
-        </p:spPr>
-        <p:style>
-          <a:lnRef idx="2">
-            <a:schemeClr val="accent3">
-              <a:shade val="50000"/>
-            </a:schemeClr>
-          </a:lnRef>
-          <a:fillRef idx="1">
-            <a:schemeClr val="accent3"/>
-          </a:fillRef>
-          <a:effectRef idx="0">
-            <a:schemeClr val="accent3"/>
-          </a:effectRef>
-          <a:fontRef idx="minor">
-            <a:schemeClr val="lt1"/>
-          </a:fontRef>
-        </p:style>
-        <p:txBody>
-          <a:bodyPr rtlCol="0" anchor="ctr"/>
-          <a:lstStyle/>
-          <a:p>
-            <a:pPr algn="ctr"/>
-            <a:r>
-              <a:rPr lang="en-GB" dirty="0"/>
-              <a:t>Flush()</a:t>
-            </a:r>
-          </a:p>
-        </p:txBody>
-      </p:sp>
-      <p:cxnSp>
-        <p:nvCxnSpPr>
-          <p:cNvPr id="75" name="Connector: Curved 74">
-            <a:extLst>
-              <a:ext uri="{FF2B5EF4-FFF2-40B4-BE49-F238E27FC236}">
-                <a16:creationId xmlns:a16="http://schemas.microsoft.com/office/drawing/2014/main" id="{32E2972F-AFE3-4550-82BE-05B9EE71646D}"/>
-              </a:ext>
-            </a:extLst>
-          </p:cNvPr>
-          <p:cNvCxnSpPr>
-            <a:stCxn id="71" idx="3"/>
-            <a:endCxn id="42" idx="3"/>
-          </p:cNvCxnSpPr>
-          <p:nvPr/>
-        </p:nvCxnSpPr>
-        <p:spPr>
-          <a:xfrm flipH="1" flipV="1">
-            <a:off x="8534668" y="2320697"/>
-            <a:ext cx="3347744" cy="3717095"/>
-          </a:xfrm>
-          <a:prstGeom prst="curvedConnector3">
-            <a:avLst>
-              <a:gd name="adj1" fmla="val -6828"/>
-            </a:avLst>
-          </a:prstGeom>
-          <a:ln>
-            <a:tailEnd type="triangle"/>
-          </a:ln>
-        </p:spPr>
-        <p:style>
-          <a:lnRef idx="1">
-            <a:schemeClr val="accent1"/>
-          </a:lnRef>
-          <a:fillRef idx="0">
-            <a:schemeClr val="accent1"/>
-          </a:fillRef>
-          <a:effectRef idx="0">
-            <a:schemeClr val="accent1"/>
-          </a:effectRef>
-          <a:fontRef idx="minor">
-            <a:schemeClr val="tx1"/>
-          </a:fontRef>
-        </p:style>
-      </p:cxnSp>
-      <p:cxnSp>
-        <p:nvCxnSpPr>
-          <p:cNvPr id="77" name="Connector: Curved 76">
-            <a:extLst>
-              <a:ext uri="{FF2B5EF4-FFF2-40B4-BE49-F238E27FC236}">
-                <a16:creationId xmlns:a16="http://schemas.microsoft.com/office/drawing/2014/main" id="{0DFEFACB-14D0-4BD2-BA5A-8B79A5CCA0C9}"/>
-              </a:ext>
-            </a:extLst>
-          </p:cNvPr>
-          <p:cNvCxnSpPr>
-            <a:stCxn id="71" idx="3"/>
-            <a:endCxn id="43" idx="3"/>
-          </p:cNvCxnSpPr>
-          <p:nvPr/>
-        </p:nvCxnSpPr>
-        <p:spPr>
-          <a:xfrm flipH="1" flipV="1">
-            <a:off x="8534668" y="2958388"/>
-            <a:ext cx="3347744" cy="3079404"/>
-          </a:xfrm>
-          <a:prstGeom prst="curvedConnector3">
-            <a:avLst>
-              <a:gd name="adj1" fmla="val -6828"/>
-            </a:avLst>
-          </a:prstGeom>
-          <a:ln>
-            <a:tailEnd type="triangle"/>
-          </a:ln>
-        </p:spPr>
-        <p:style>
-          <a:lnRef idx="1">
-            <a:schemeClr val="accent1"/>
-          </a:lnRef>
-          <a:fillRef idx="0">
-            <a:schemeClr val="accent1"/>
-          </a:fillRef>
-          <a:effectRef idx="0">
-            <a:schemeClr val="accent1"/>
-          </a:effectRef>
-          <a:fontRef idx="minor">
-            <a:schemeClr val="tx1"/>
-          </a:fontRef>
-        </p:style>
-      </p:cxnSp>
-      <p:cxnSp>
-        <p:nvCxnSpPr>
-          <p:cNvPr id="79" name="Connector: Curved 78">
-            <a:extLst>
-              <a:ext uri="{FF2B5EF4-FFF2-40B4-BE49-F238E27FC236}">
-                <a16:creationId xmlns:a16="http://schemas.microsoft.com/office/drawing/2014/main" id="{7E73F2D7-CCF1-4EDE-BA79-4A2B5D736241}"/>
-              </a:ext>
-            </a:extLst>
-          </p:cNvPr>
-          <p:cNvCxnSpPr>
-            <a:stCxn id="71" idx="3"/>
-            <a:endCxn id="53" idx="3"/>
-          </p:cNvCxnSpPr>
-          <p:nvPr/>
-        </p:nvCxnSpPr>
-        <p:spPr>
-          <a:xfrm flipH="1" flipV="1">
-            <a:off x="8534667" y="4067299"/>
-            <a:ext cx="3347745" cy="1970493"/>
-          </a:xfrm>
-          <a:prstGeom prst="curvedConnector3">
-            <a:avLst>
-              <a:gd name="adj1" fmla="val -6828"/>
-            </a:avLst>
-          </a:prstGeom>
-          <a:ln>
-            <a:tailEnd type="triangle"/>
-          </a:ln>
-        </p:spPr>
-        <p:style>
-          <a:lnRef idx="1">
-            <a:schemeClr val="accent1"/>
-          </a:lnRef>
-          <a:fillRef idx="0">
-            <a:schemeClr val="accent1"/>
-          </a:fillRef>
-          <a:effectRef idx="0">
-            <a:schemeClr val="accent1"/>
-          </a:effectRef>
-          <a:fontRef idx="minor">
-            <a:schemeClr val="tx1"/>
-          </a:fontRef>
-        </p:style>
-      </p:cxnSp>
-      <p:sp>
-        <p:nvSpPr>
-          <p:cNvPr id="41" name="Rectangle 40">
-            <a:extLst>
-              <a:ext uri="{FF2B5EF4-FFF2-40B4-BE49-F238E27FC236}">
-                <a16:creationId xmlns:a16="http://schemas.microsoft.com/office/drawing/2014/main" id="{7A464642-AECA-4E9E-AC91-49021497E568}"/>
-              </a:ext>
-            </a:extLst>
-          </p:cNvPr>
-          <p:cNvSpPr/>
-          <p:nvPr/>
-        </p:nvSpPr>
-        <p:spPr>
-          <a:xfrm>
-            <a:off x="5252806" y="5217795"/>
-            <a:ext cx="724938" cy="538558"/>
-          </a:xfrm>
-          <a:prstGeom prst="rect">
-            <a:avLst/>
-          </a:prstGeom>
-        </p:spPr>
-        <p:style>
-          <a:lnRef idx="2">
-            <a:schemeClr val="accent1">
-              <a:shade val="50000"/>
-            </a:schemeClr>
-          </a:lnRef>
-          <a:fillRef idx="1">
-            <a:schemeClr val="accent1"/>
-          </a:fillRef>
-          <a:effectRef idx="0">
-            <a:schemeClr val="accent1"/>
-          </a:effectRef>
-          <a:fontRef idx="minor">
-            <a:schemeClr val="lt1"/>
-          </a:fontRef>
-        </p:style>
-        <p:txBody>
-          <a:bodyPr rtlCol="0" anchor="ctr"/>
-          <a:lstStyle/>
-          <a:p>
-            <a:pPr algn="ctr"/>
-            <a:r>
-              <a:rPr lang="en-GB" sz="1100" dirty="0"/>
-              <a:t>Station 2</a:t>
-            </a:r>
-          </a:p>
-          <a:p>
-            <a:pPr algn="ctr"/>
-            <a:r>
-              <a:rPr lang="en-GB" sz="1100" dirty="0"/>
-              <a:t>Execute()</a:t>
-            </a:r>
-          </a:p>
-        </p:txBody>
-      </p:sp>
-      <p:sp>
-        <p:nvSpPr>
-          <p:cNvPr id="45" name="Rectangle 44">
-            <a:extLst>
-              <a:ext uri="{FF2B5EF4-FFF2-40B4-BE49-F238E27FC236}">
-                <a16:creationId xmlns:a16="http://schemas.microsoft.com/office/drawing/2014/main" id="{E15A5A53-715D-496E-98A5-60B23FE59E3B}"/>
-              </a:ext>
-            </a:extLst>
-          </p:cNvPr>
-          <p:cNvSpPr/>
-          <p:nvPr/>
-        </p:nvSpPr>
-        <p:spPr>
-          <a:xfrm>
-            <a:off x="4366030" y="5901876"/>
-            <a:ext cx="724938" cy="538558"/>
-          </a:xfrm>
-          <a:prstGeom prst="rect">
-            <a:avLst/>
-          </a:prstGeom>
-        </p:spPr>
-        <p:style>
-          <a:lnRef idx="2">
-            <a:schemeClr val="accent1">
-              <a:shade val="50000"/>
-            </a:schemeClr>
-          </a:lnRef>
-          <a:fillRef idx="1">
-            <a:schemeClr val="accent1"/>
-          </a:fillRef>
-          <a:effectRef idx="0">
-            <a:schemeClr val="accent1"/>
-          </a:effectRef>
-          <a:fontRef idx="minor">
-            <a:schemeClr val="lt1"/>
-          </a:fontRef>
-        </p:style>
-        <p:txBody>
-          <a:bodyPr rtlCol="0" anchor="ctr"/>
-          <a:lstStyle/>
-          <a:p>
-            <a:pPr algn="ctr"/>
-            <a:r>
-              <a:rPr lang="en-GB" sz="1100" dirty="0"/>
-              <a:t>Station 3</a:t>
-            </a:r>
-          </a:p>
-          <a:p>
-            <a:pPr algn="ctr"/>
-            <a:r>
-              <a:rPr lang="en-GB" sz="1100" dirty="0"/>
-              <a:t>Execute()</a:t>
-            </a:r>
-          </a:p>
-        </p:txBody>
-      </p:sp>
-      <p:sp>
-        <p:nvSpPr>
-          <p:cNvPr id="46" name="Rectangle 45">
-            <a:extLst>
-              <a:ext uri="{FF2B5EF4-FFF2-40B4-BE49-F238E27FC236}">
-                <a16:creationId xmlns:a16="http://schemas.microsoft.com/office/drawing/2014/main" id="{F84A20EB-1C6F-4951-B2CB-C54B75F60C56}"/>
-              </a:ext>
-            </a:extLst>
-          </p:cNvPr>
-          <p:cNvSpPr/>
-          <p:nvPr/>
-        </p:nvSpPr>
-        <p:spPr>
-          <a:xfrm>
-            <a:off x="5250912" y="5901876"/>
-            <a:ext cx="724938" cy="538558"/>
-          </a:xfrm>
-          <a:prstGeom prst="rect">
-            <a:avLst/>
-          </a:prstGeom>
-        </p:spPr>
-        <p:style>
-          <a:lnRef idx="2">
-            <a:schemeClr val="accent1">
-              <a:shade val="50000"/>
-            </a:schemeClr>
-          </a:lnRef>
-          <a:fillRef idx="1">
-            <a:schemeClr val="accent1"/>
-          </a:fillRef>
-          <a:effectRef idx="0">
-            <a:schemeClr val="accent1"/>
-          </a:effectRef>
-          <a:fontRef idx="minor">
-            <a:schemeClr val="lt1"/>
-          </a:fontRef>
-        </p:style>
-        <p:txBody>
-          <a:bodyPr rtlCol="0" anchor="ctr"/>
-          <a:lstStyle/>
-          <a:p>
-            <a:pPr algn="ctr"/>
-            <a:r>
-              <a:rPr lang="en-GB" sz="1100" dirty="0"/>
-              <a:t>Station N</a:t>
-            </a:r>
-          </a:p>
-          <a:p>
-            <a:pPr algn="ctr"/>
-            <a:r>
-              <a:rPr lang="en-GB" sz="1100" dirty="0"/>
-              <a:t>Execute()</a:t>
-            </a:r>
-          </a:p>
-        </p:txBody>
-      </p:sp>
-      <p:sp>
-        <p:nvSpPr>
-          <p:cNvPr id="47" name="TextBox 46">
-            <a:extLst>
-              <a:ext uri="{FF2B5EF4-FFF2-40B4-BE49-F238E27FC236}">
-                <a16:creationId xmlns:a16="http://schemas.microsoft.com/office/drawing/2014/main" id="{DCEBFA1C-93C9-4885-853E-B9F47AE881FF}"/>
-              </a:ext>
-            </a:extLst>
-          </p:cNvPr>
-          <p:cNvSpPr txBox="1"/>
-          <p:nvPr/>
-        </p:nvSpPr>
-        <p:spPr>
-          <a:xfrm>
-            <a:off x="252039" y="5602464"/>
-            <a:ext cx="828112" cy="523220"/>
-          </a:xfrm>
-          <a:prstGeom prst="rect">
-            <a:avLst/>
-          </a:prstGeom>
-          <a:noFill/>
-        </p:spPr>
-        <p:txBody>
-          <a:bodyPr wrap="none" rtlCol="0">
-            <a:spAutoFit/>
-          </a:bodyPr>
-          <a:lstStyle/>
-          <a:p>
-            <a:r>
-              <a:rPr lang="en-GB" sz="1400" b="1" dirty="0"/>
-              <a:t>(Foreach</a:t>
-            </a:r>
-          </a:p>
-          <a:p>
-            <a:r>
-              <a:rPr lang="en-GB" sz="1400" b="1" dirty="0"/>
-              <a:t>station)</a:t>
-            </a:r>
-          </a:p>
-        </p:txBody>
-      </p:sp>
-      <p:cxnSp>
-        <p:nvCxnSpPr>
-          <p:cNvPr id="15" name="Straight Arrow Connector 14">
-            <a:extLst>
-              <a:ext uri="{FF2B5EF4-FFF2-40B4-BE49-F238E27FC236}">
-                <a16:creationId xmlns:a16="http://schemas.microsoft.com/office/drawing/2014/main" id="{A51EB528-BEB9-421F-8418-884241665744}"/>
-              </a:ext>
-            </a:extLst>
-          </p:cNvPr>
-          <p:cNvCxnSpPr>
-            <a:cxnSpLocks/>
-            <a:stCxn id="7" idx="3"/>
-            <a:endCxn id="54" idx="1"/>
-          </p:cNvCxnSpPr>
-          <p:nvPr/>
-        </p:nvCxnSpPr>
-        <p:spPr>
-          <a:xfrm>
-            <a:off x="5092862" y="5487074"/>
-            <a:ext cx="1474195" cy="38293"/>
-          </a:xfrm>
-          <a:prstGeom prst="straightConnector1">
-            <a:avLst/>
-          </a:prstGeom>
-          <a:ln>
-            <a:tailEnd type="triangle"/>
-          </a:ln>
-        </p:spPr>
-        <p:style>
-          <a:lnRef idx="1">
-            <a:schemeClr val="accent1"/>
-          </a:lnRef>
-          <a:fillRef idx="0">
-            <a:schemeClr val="accent1"/>
-          </a:fillRef>
-          <a:effectRef idx="0">
-            <a:schemeClr val="accent1"/>
-          </a:effectRef>
-          <a:fontRef idx="minor">
-            <a:schemeClr val="tx1"/>
-          </a:fontRef>
-        </p:style>
-      </p:cxnSp>
-      <p:sp>
-        <p:nvSpPr>
-          <p:cNvPr id="56" name="TextBox 55">
-            <a:extLst>
-              <a:ext uri="{FF2B5EF4-FFF2-40B4-BE49-F238E27FC236}">
-                <a16:creationId xmlns:a16="http://schemas.microsoft.com/office/drawing/2014/main" id="{063BBFE1-49FF-4687-BE6F-574D6DC48701}"/>
-              </a:ext>
-            </a:extLst>
-          </p:cNvPr>
-          <p:cNvSpPr txBox="1"/>
-          <p:nvPr/>
-        </p:nvSpPr>
-        <p:spPr>
-          <a:xfrm>
-            <a:off x="8534399" y="4423386"/>
-            <a:ext cx="2812447" cy="430887"/>
-          </a:xfrm>
-          <a:prstGeom prst="rect">
-            <a:avLst/>
-          </a:prstGeom>
-          <a:noFill/>
-        </p:spPr>
-        <p:txBody>
-          <a:bodyPr wrap="square" rtlCol="0">
-            <a:spAutoFit/>
-          </a:bodyPr>
-          <a:lstStyle/>
-          <a:p>
-            <a:r>
-              <a:rPr lang="en-GB" sz="1100" dirty="0"/>
-              <a:t>If there is a free station and there are no control hazards issue the instruction</a:t>
-            </a:r>
-          </a:p>
-        </p:txBody>
-      </p:sp>
-      <p:sp>
-        <p:nvSpPr>
-          <p:cNvPr id="58" name="Rectangle 57">
-            <a:extLst>
-              <a:ext uri="{FF2B5EF4-FFF2-40B4-BE49-F238E27FC236}">
-                <a16:creationId xmlns:a16="http://schemas.microsoft.com/office/drawing/2014/main" id="{F304859C-D535-420C-92F4-55EAD30E5632}"/>
-              </a:ext>
-            </a:extLst>
-          </p:cNvPr>
-          <p:cNvSpPr/>
-          <p:nvPr/>
-        </p:nvSpPr>
-        <p:spPr>
-          <a:xfrm>
-            <a:off x="6842693" y="5882000"/>
-            <a:ext cx="2476904" cy="377859"/>
-          </a:xfrm>
-          <a:prstGeom prst="rect">
-            <a:avLst/>
-          </a:prstGeom>
-          <a:solidFill>
-            <a:schemeClr val="accent2">
-              <a:lumMod val="60000"/>
-              <a:lumOff val="40000"/>
-            </a:schemeClr>
-          </a:solidFill>
-        </p:spPr>
-        <p:style>
-          <a:lnRef idx="2">
-            <a:schemeClr val="accent1">
-              <a:shade val="50000"/>
-            </a:schemeClr>
-          </a:lnRef>
-          <a:fillRef idx="1">
-            <a:schemeClr val="accent1"/>
-          </a:fillRef>
-          <a:effectRef idx="0">
-            <a:schemeClr val="accent1"/>
-          </a:effectRef>
-          <a:fontRef idx="minor">
-            <a:schemeClr val="lt1"/>
-          </a:fontRef>
-        </p:style>
-        <p:txBody>
-          <a:bodyPr rtlCol="0" anchor="ctr"/>
-          <a:lstStyle/>
-          <a:p>
-            <a:pPr algn="ctr"/>
-            <a:r>
-              <a:rPr lang="en-GB" sz="1400" dirty="0"/>
-              <a:t>Broadcast result registers to other stations</a:t>
-            </a:r>
-          </a:p>
-        </p:txBody>
-      </p:sp>
-      <p:cxnSp>
-        <p:nvCxnSpPr>
-          <p:cNvPr id="29" name="Straight Arrow Connector 28">
-            <a:extLst>
-              <a:ext uri="{FF2B5EF4-FFF2-40B4-BE49-F238E27FC236}">
-                <a16:creationId xmlns:a16="http://schemas.microsoft.com/office/drawing/2014/main" id="{8016E66B-1D47-48D6-B1CA-9C67283D1671}"/>
-              </a:ext>
-            </a:extLst>
-          </p:cNvPr>
-          <p:cNvCxnSpPr>
-            <a:cxnSpLocks/>
-            <a:stCxn id="7" idx="3"/>
-            <a:endCxn id="58" idx="1"/>
-          </p:cNvCxnSpPr>
-          <p:nvPr/>
-        </p:nvCxnSpPr>
-        <p:spPr>
-          <a:xfrm>
-            <a:off x="5092862" y="5487074"/>
-            <a:ext cx="1749831" cy="583856"/>
-          </a:xfrm>
-          <a:prstGeom prst="straightConnector1">
-            <a:avLst/>
-          </a:prstGeom>
-          <a:ln>
-            <a:tailEnd type="triangle"/>
-          </a:ln>
-        </p:spPr>
-        <p:style>
-          <a:lnRef idx="1">
-            <a:schemeClr val="accent1"/>
-          </a:lnRef>
-          <a:fillRef idx="0">
-            <a:schemeClr val="accent1"/>
-          </a:fillRef>
-          <a:effectRef idx="0">
-            <a:schemeClr val="accent1"/>
-          </a:effectRef>
-          <a:fontRef idx="minor">
-            <a:schemeClr val="tx1"/>
-          </a:fontRef>
-        </p:style>
-      </p:cxnSp>
-      <p:sp>
-        <p:nvSpPr>
-          <p:cNvPr id="78" name="Rectangle 77">
-            <a:extLst>
-              <a:ext uri="{FF2B5EF4-FFF2-40B4-BE49-F238E27FC236}">
-                <a16:creationId xmlns:a16="http://schemas.microsoft.com/office/drawing/2014/main" id="{EEE937FE-8136-46D0-8CAE-8AC661114FD0}"/>
-              </a:ext>
-            </a:extLst>
-          </p:cNvPr>
-          <p:cNvSpPr/>
-          <p:nvPr/>
-        </p:nvSpPr>
-        <p:spPr>
-          <a:xfrm>
-            <a:off x="6842693" y="6355797"/>
-            <a:ext cx="2476904" cy="377859"/>
-          </a:xfrm>
-          <a:prstGeom prst="rect">
-            <a:avLst/>
-          </a:prstGeom>
-          <a:solidFill>
-            <a:schemeClr val="accent2">
-              <a:lumMod val="60000"/>
-              <a:lumOff val="40000"/>
-            </a:schemeClr>
-          </a:solidFill>
-        </p:spPr>
-        <p:style>
-          <a:lnRef idx="2">
-            <a:schemeClr val="accent1">
-              <a:shade val="50000"/>
-            </a:schemeClr>
-          </a:lnRef>
-          <a:fillRef idx="1">
-            <a:schemeClr val="accent1"/>
-          </a:fillRef>
-          <a:effectRef idx="0">
-            <a:schemeClr val="accent1"/>
-          </a:effectRef>
-          <a:fontRef idx="minor">
-            <a:schemeClr val="lt1"/>
-          </a:fontRef>
-        </p:style>
-        <p:txBody>
-          <a:bodyPr rtlCol="0" anchor="ctr"/>
-          <a:lstStyle/>
-          <a:p>
-            <a:pPr algn="ctr"/>
-            <a:r>
-              <a:rPr lang="en-GB" sz="1400" dirty="0"/>
-              <a:t>Writeback results to registers</a:t>
-            </a:r>
-          </a:p>
-        </p:txBody>
-      </p:sp>
-      <p:cxnSp>
-        <p:nvCxnSpPr>
-          <p:cNvPr id="81" name="Straight Arrow Connector 80">
-            <a:extLst>
-              <a:ext uri="{FF2B5EF4-FFF2-40B4-BE49-F238E27FC236}">
-                <a16:creationId xmlns:a16="http://schemas.microsoft.com/office/drawing/2014/main" id="{7DE15CC5-B5CC-4BF8-9CC7-3237C03A5D8C}"/>
-              </a:ext>
-            </a:extLst>
-          </p:cNvPr>
-          <p:cNvCxnSpPr>
-            <a:stCxn id="7" idx="3"/>
-            <a:endCxn id="78" idx="1"/>
-          </p:cNvCxnSpPr>
-          <p:nvPr/>
-        </p:nvCxnSpPr>
-        <p:spPr>
-          <a:xfrm>
-            <a:off x="5092862" y="5487074"/>
-            <a:ext cx="1749831" cy="1057653"/>
-          </a:xfrm>
-          <a:prstGeom prst="straightConnector1">
-            <a:avLst/>
-          </a:prstGeom>
-          <a:ln>
-            <a:tailEnd type="triangle"/>
-          </a:ln>
-        </p:spPr>
-        <p:style>
-          <a:lnRef idx="1">
-            <a:schemeClr val="accent1"/>
-          </a:lnRef>
-          <a:fillRef idx="0">
-            <a:schemeClr val="accent1"/>
-          </a:fillRef>
-          <a:effectRef idx="0">
-            <a:schemeClr val="accent1"/>
-          </a:effectRef>
-          <a:fontRef idx="minor">
-            <a:schemeClr val="tx1"/>
-          </a:fontRef>
-        </p:style>
-      </p:cxnSp>
     </p:spTree>
     <p:extLst>
       <p:ext uri="{BB962C8B-B14F-4D97-AF65-F5344CB8AC3E}">
-        <p14:creationId xmlns:p14="http://schemas.microsoft.com/office/powerpoint/2010/main" val="1864403357"/>
+        <p14:creationId xmlns:p14="http://schemas.microsoft.com/office/powerpoint/2010/main" val="3656616125"/>
       </p:ext>
     </p:extLst>
   </p:cSld>
@@ -9946,7 +9709,7 @@
           <p:cNvPr id="2" name="Title 1">
             <a:extLst>
               <a:ext uri="{FF2B5EF4-FFF2-40B4-BE49-F238E27FC236}">
-                <a16:creationId xmlns:a16="http://schemas.microsoft.com/office/drawing/2014/main" id="{2395365D-BDBE-49CC-AA25-B7426EE67F26}"/>
+                <a16:creationId xmlns:a16="http://schemas.microsoft.com/office/drawing/2014/main" id="{AFCBBE46-C8EA-4E23-A8ED-F67F4CAE22D7}"/>
               </a:ext>
             </a:extLst>
           </p:cNvPr>
@@ -9971,64 +9734,164 @@
       </p:sp>
       <p:sp>
         <p:nvSpPr>
-          <p:cNvPr id="3" name="Content Placeholder 2">
-            <a:extLst>
-              <a:ext uri="{FF2B5EF4-FFF2-40B4-BE49-F238E27FC236}">
-                <a16:creationId xmlns:a16="http://schemas.microsoft.com/office/drawing/2014/main" id="{2EB62407-2249-401E-AA02-8D865515CF7D}"/>
-              </a:ext>
-            </a:extLst>
-          </p:cNvPr>
-          <p:cNvSpPr>
-            <a:spLocks noGrp="1"/>
-          </p:cNvSpPr>
-          <p:nvPr>
-            <p:ph idx="1"/>
-          </p:nvPr>
-        </p:nvSpPr>
-        <p:spPr/>
-        <p:txBody>
-          <a:bodyPr/>
-          <a:lstStyle/>
-          <a:p>
+          <p:cNvPr id="4" name="Rectangle 3">
+            <a:extLst>
+              <a:ext uri="{FF2B5EF4-FFF2-40B4-BE49-F238E27FC236}">
+                <a16:creationId xmlns:a16="http://schemas.microsoft.com/office/drawing/2014/main" id="{12EB767F-EDB0-48B5-900C-30AE141AE715}"/>
+              </a:ext>
+            </a:extLst>
+          </p:cNvPr>
+          <p:cNvSpPr/>
+          <p:nvPr/>
+        </p:nvSpPr>
+        <p:spPr>
+          <a:xfrm>
+            <a:off x="4441030" y="2011475"/>
+            <a:ext cx="1453661" cy="1258277"/>
+          </a:xfrm>
+          <a:prstGeom prst="rect">
+            <a:avLst/>
+          </a:prstGeom>
+        </p:spPr>
+        <p:style>
+          <a:lnRef idx="2">
+            <a:schemeClr val="accent1">
+              <a:shade val="50000"/>
+            </a:schemeClr>
+          </a:lnRef>
+          <a:fillRef idx="1">
+            <a:schemeClr val="accent1"/>
+          </a:fillRef>
+          <a:effectRef idx="0">
+            <a:schemeClr val="accent1"/>
+          </a:effectRef>
+          <a:fontRef idx="minor">
+            <a:schemeClr val="lt1"/>
+          </a:fontRef>
+        </p:style>
+        <p:txBody>
+          <a:bodyPr rtlCol="0" anchor="ctr"/>
+          <a:lstStyle/>
+          <a:p>
+            <a:pPr algn="ctr"/>
             <a:r>
               <a:rPr lang="en-GB" dirty="0"/>
-              <a:t>The out of order simulator uses </a:t>
-            </a:r>
-            <a:r>
-              <a:rPr lang="en-GB" dirty="0" err="1"/>
-              <a:t>Tomasulo’s</a:t>
-            </a:r>
+              <a:t>Fetch()</a:t>
+            </a:r>
+          </a:p>
+        </p:txBody>
+      </p:sp>
+      <p:sp>
+        <p:nvSpPr>
+          <p:cNvPr id="6" name="Rectangle 5">
+            <a:extLst>
+              <a:ext uri="{FF2B5EF4-FFF2-40B4-BE49-F238E27FC236}">
+                <a16:creationId xmlns:a16="http://schemas.microsoft.com/office/drawing/2014/main" id="{1CB31456-0226-499D-AF32-9E54596C03C4}"/>
+              </a:ext>
+            </a:extLst>
+          </p:cNvPr>
+          <p:cNvSpPr/>
+          <p:nvPr/>
+        </p:nvSpPr>
+        <p:spPr>
+          <a:xfrm>
+            <a:off x="4446095" y="3694581"/>
+            <a:ext cx="1453661" cy="1258277"/>
+          </a:xfrm>
+          <a:prstGeom prst="rect">
+            <a:avLst/>
+          </a:prstGeom>
+        </p:spPr>
+        <p:style>
+          <a:lnRef idx="2">
+            <a:schemeClr val="accent1">
+              <a:shade val="50000"/>
+            </a:schemeClr>
+          </a:lnRef>
+          <a:fillRef idx="1">
+            <a:schemeClr val="accent1"/>
+          </a:fillRef>
+          <a:effectRef idx="0">
+            <a:schemeClr val="accent1"/>
+          </a:effectRef>
+          <a:fontRef idx="minor">
+            <a:schemeClr val="lt1"/>
+          </a:fontRef>
+        </p:style>
+        <p:txBody>
+          <a:bodyPr rtlCol="0" anchor="ctr"/>
+          <a:lstStyle/>
+          <a:p>
+            <a:pPr algn="ctr"/>
             <a:r>
               <a:rPr lang="en-GB" dirty="0"/>
-              <a:t> algorithm to deal with hazards and implement register renaming.</a:t>
-            </a:r>
-          </a:p>
-          <a:p>
-            <a:r>
-              <a:rPr lang="en-GB" dirty="0"/>
-              <a:t>Each input register is filled in as ready if it is already available, or pending if it is dependent on another station currently executing.</a:t>
-            </a:r>
-          </a:p>
-          <a:p>
-            <a:endParaRPr lang="en-GB" dirty="0"/>
-          </a:p>
-          <a:p>
-            <a:endParaRPr lang="en-GB" dirty="0"/>
-          </a:p>
-          <a:p>
-            <a:r>
-              <a:rPr lang="en-GB" dirty="0"/>
-              <a:t>When an instruction completes executing, its outputs are written back to the registers, as well as broadcast so that any other stations with pending registers for this station may be resolved.</a:t>
-            </a:r>
-          </a:p>
-        </p:txBody>
-      </p:sp>
-      <p:sp>
-        <p:nvSpPr>
-          <p:cNvPr id="4" name="Rectangle 1">
-            <a:extLst>
-              <a:ext uri="{FF2B5EF4-FFF2-40B4-BE49-F238E27FC236}">
-                <a16:creationId xmlns:a16="http://schemas.microsoft.com/office/drawing/2014/main" id="{6F2E9198-D9DB-4FB5-9EAB-EE57765C0C84}"/>
+              <a:t>Decode()</a:t>
+            </a:r>
+          </a:p>
+        </p:txBody>
+      </p:sp>
+      <p:sp>
+        <p:nvSpPr>
+          <p:cNvPr id="7" name="Rectangle 6">
+            <a:extLst>
+              <a:ext uri="{FF2B5EF4-FFF2-40B4-BE49-F238E27FC236}">
+                <a16:creationId xmlns:a16="http://schemas.microsoft.com/office/drawing/2014/main" id="{26E47A8D-84CA-42AE-8E02-026BAC6EE368}"/>
+              </a:ext>
+            </a:extLst>
+          </p:cNvPr>
+          <p:cNvSpPr/>
+          <p:nvPr/>
+        </p:nvSpPr>
+        <p:spPr>
+          <a:xfrm>
+            <a:off x="4367924" y="5217795"/>
+            <a:ext cx="724938" cy="538558"/>
+          </a:xfrm>
+          <a:prstGeom prst="rect">
+            <a:avLst/>
+          </a:prstGeom>
+        </p:spPr>
+        <p:style>
+          <a:lnRef idx="2">
+            <a:schemeClr val="accent1">
+              <a:shade val="50000"/>
+            </a:schemeClr>
+          </a:lnRef>
+          <a:fillRef idx="1">
+            <a:schemeClr val="accent1"/>
+          </a:fillRef>
+          <a:effectRef idx="0">
+            <a:schemeClr val="accent1"/>
+          </a:effectRef>
+          <a:fontRef idx="minor">
+            <a:schemeClr val="lt1"/>
+          </a:fontRef>
+        </p:style>
+        <p:txBody>
+          <a:bodyPr rtlCol="0" anchor="ctr"/>
+          <a:lstStyle/>
+          <a:p>
+            <a:pPr algn="ctr"/>
+            <a:r>
+              <a:rPr lang="en-GB" sz="1100" dirty="0"/>
+              <a:t>Station 1</a:t>
+            </a:r>
+          </a:p>
+          <a:p>
+            <a:pPr algn="ctr"/>
+            <a:r>
+              <a:rPr lang="en-GB" sz="1100" dirty="0"/>
+              <a:t>Execute()</a:t>
+            </a:r>
+          </a:p>
+        </p:txBody>
+      </p:sp>
+      <p:sp>
+        <p:nvSpPr>
+          <p:cNvPr id="11" name="Rectangle 1">
+            <a:extLst>
+              <a:ext uri="{FF2B5EF4-FFF2-40B4-BE49-F238E27FC236}">
+                <a16:creationId xmlns:a16="http://schemas.microsoft.com/office/drawing/2014/main" id="{732FB6E7-95DB-423D-A38D-D321CDCA0175}"/>
               </a:ext>
             </a:extLst>
           </p:cNvPr>
@@ -10039,8 +9902,8 @@
         </p:nvSpPr>
         <p:spPr bwMode="auto">
           <a:xfrm>
-            <a:off x="1094152" y="3609968"/>
-            <a:ext cx="9223973" cy="923330"/>
+            <a:off x="1741878" y="1732534"/>
+            <a:ext cx="184731" cy="369332"/>
           </a:xfrm>
           <a:prstGeom prst="rect">
             <a:avLst/>
@@ -10075,7 +9938,7 @@
           </a:extLst>
         </p:spPr>
         <p:txBody>
-          <a:bodyPr vert="horz" wrap="square" lIns="91440" tIns="45720" rIns="91440" bIns="45720" numCol="1" anchor="ctr" anchorCtr="0" compatLnSpc="1">
+          <a:bodyPr vert="horz" wrap="none" lIns="91440" tIns="45720" rIns="91440" bIns="45720" numCol="1" anchor="ctr" anchorCtr="0" compatLnSpc="1">
             <a:prstTxWarp prst="textNoShape">
               <a:avLst/>
             </a:prstTxWarp>
@@ -10083,425 +9946,22 @@
           </a:bodyPr>
           <a:lstStyle/>
           <a:p>
-            <a:pPr eaLnBrk="0" fontAlgn="base" hangingPunct="0">
+            <a:pPr marL="0" marR="0" lvl="0" indent="0" algn="l" defTabSz="914400" rtl="0" eaLnBrk="0" fontAlgn="base" latinLnBrk="0" hangingPunct="0">
+              <a:lnSpc>
+                <a:spcPct val="100000"/>
+              </a:lnSpc>
               <a:spcBef>
                 <a:spcPct val="0"/>
               </a:spcBef>
               <a:spcAft>
                 <a:spcPct val="0"/>
               </a:spcAft>
+              <a:buClrTx/>
+              <a:buSzTx/>
+              <a:buFontTx/>
+              <a:buNone/>
+              <a:tabLst/>
             </a:pPr>
-            <a:r>
-              <a:rPr kumimoji="0" lang="en-US" altLang="en-US" sz="900" b="0" i="0" u="none" strike="noStrike" cap="none" normalizeH="0" baseline="0" dirty="0">
-                <a:ln>
-                  <a:noFill/>
-                </a:ln>
-                <a:solidFill>
-                  <a:srgbClr val="0033B3"/>
-                </a:solidFill>
-                <a:effectLst/>
-                <a:latin typeface="Consolas" panose="020B0609020204030204" pitchFamily="49" charset="0"/>
-              </a:rPr>
-              <a:t>pub </a:t>
-            </a:r>
-            <a:r>
-              <a:rPr kumimoji="0" lang="en-US" altLang="en-US" sz="900" b="0" i="0" u="none" strike="noStrike" cap="none" normalizeH="0" baseline="0" dirty="0" err="1">
-                <a:ln>
-                  <a:noFill/>
-                </a:ln>
-                <a:solidFill>
-                  <a:srgbClr val="871094"/>
-                </a:solidFill>
-                <a:effectLst/>
-                <a:latin typeface="Consolas" panose="020B0609020204030204" pitchFamily="49" charset="0"/>
-              </a:rPr>
-              <a:t>source_registers</a:t>
-            </a:r>
-            <a:r>
-              <a:rPr kumimoji="0" lang="en-US" altLang="en-US" sz="900" b="0" i="0" u="none" strike="noStrike" cap="none" normalizeH="0" baseline="0" dirty="0">
-                <a:ln>
-                  <a:noFill/>
-                </a:ln>
-                <a:solidFill>
-                  <a:srgbClr val="080808"/>
-                </a:solidFill>
-                <a:effectLst/>
-                <a:latin typeface="Consolas" panose="020B0609020204030204" pitchFamily="49" charset="0"/>
-              </a:rPr>
-              <a:t>: </a:t>
-            </a:r>
-            <a:r>
-              <a:rPr kumimoji="0" lang="en-US" altLang="en-US" sz="900" b="0" i="0" u="none" strike="noStrike" cap="none" normalizeH="0" baseline="0" dirty="0">
-                <a:ln>
-                  <a:noFill/>
-                </a:ln>
-                <a:solidFill>
-                  <a:srgbClr val="000000"/>
-                </a:solidFill>
-                <a:effectLst/>
-                <a:latin typeface="Consolas" panose="020B0609020204030204" pitchFamily="49" charset="0"/>
-              </a:rPr>
-              <a:t>HashMap</a:t>
-            </a:r>
-            <a:r>
-              <a:rPr kumimoji="0" lang="en-US" altLang="en-US" sz="900" b="0" i="0" u="none" strike="noStrike" cap="none" normalizeH="0" baseline="0" dirty="0">
-                <a:ln>
-                  <a:noFill/>
-                </a:ln>
-                <a:solidFill>
-                  <a:srgbClr val="080808"/>
-                </a:solidFill>
-                <a:effectLst/>
-                <a:latin typeface="Consolas" panose="020B0609020204030204" pitchFamily="49" charset="0"/>
-              </a:rPr>
-              <a:t>&lt;</a:t>
-            </a:r>
-            <a:r>
-              <a:rPr kumimoji="0" lang="en-US" altLang="en-US" sz="900" b="0" i="0" u="none" strike="noStrike" cap="none" normalizeH="0" baseline="0" dirty="0" err="1">
-                <a:ln>
-                  <a:noFill/>
-                </a:ln>
-                <a:solidFill>
-                  <a:srgbClr val="000000"/>
-                </a:solidFill>
-                <a:effectLst/>
-                <a:latin typeface="Consolas" panose="020B0609020204030204" pitchFamily="49" charset="0"/>
-              </a:rPr>
-              <a:t>RegId</a:t>
-            </a:r>
-            <a:r>
-              <a:rPr kumimoji="0" lang="en-US" altLang="en-US" sz="900" b="0" i="0" u="none" strike="noStrike" cap="none" normalizeH="0" baseline="0" dirty="0">
-                <a:ln>
-                  <a:noFill/>
-                </a:ln>
-                <a:solidFill>
-                  <a:srgbClr val="080808"/>
-                </a:solidFill>
-                <a:effectLst/>
-                <a:latin typeface="Consolas" panose="020B0609020204030204" pitchFamily="49" charset="0"/>
-              </a:rPr>
-              <a:t>, </a:t>
-            </a:r>
-            <a:r>
-              <a:rPr kumimoji="0" lang="en-US" altLang="en-US" sz="900" b="0" i="0" u="none" strike="noStrike" cap="none" normalizeH="0" baseline="0" dirty="0">
-                <a:ln>
-                  <a:noFill/>
-                </a:ln>
-                <a:solidFill>
-                  <a:srgbClr val="000000"/>
-                </a:solidFill>
-                <a:effectLst/>
-                <a:latin typeface="Consolas" panose="020B0609020204030204" pitchFamily="49" charset="0"/>
-              </a:rPr>
-              <a:t>Register</a:t>
-            </a:r>
-            <a:r>
-              <a:rPr kumimoji="0" lang="en-US" altLang="en-US" sz="900" b="0" i="0" u="none" strike="noStrike" cap="none" normalizeH="0" baseline="0" dirty="0">
-                <a:ln>
-                  <a:noFill/>
-                </a:ln>
-                <a:solidFill>
-                  <a:srgbClr val="080808"/>
-                </a:solidFill>
-                <a:effectLst/>
-                <a:latin typeface="Consolas" panose="020B0609020204030204" pitchFamily="49" charset="0"/>
-              </a:rPr>
-              <a:t>&gt;,</a:t>
-            </a:r>
-            <a:br>
-              <a:rPr kumimoji="0" lang="en-US" altLang="en-US" sz="900" b="0" i="0" u="none" strike="noStrike" cap="none" normalizeH="0" baseline="0" dirty="0">
-                <a:ln>
-                  <a:noFill/>
-                </a:ln>
-                <a:solidFill>
-                  <a:srgbClr val="080808"/>
-                </a:solidFill>
-                <a:effectLst/>
-                <a:latin typeface="Consolas" panose="020B0609020204030204" pitchFamily="49" charset="0"/>
-              </a:rPr>
-            </a:br>
-            <a:br>
-              <a:rPr kumimoji="0" lang="en-US" altLang="en-US" sz="900" b="0" i="0" u="none" strike="noStrike" cap="none" normalizeH="0" baseline="0" dirty="0">
-                <a:ln>
-                  <a:noFill/>
-                </a:ln>
-                <a:solidFill>
-                  <a:srgbClr val="0033B3"/>
-                </a:solidFill>
-                <a:effectLst/>
-                <a:latin typeface="Consolas" panose="020B0609020204030204" pitchFamily="49" charset="0"/>
-              </a:rPr>
-            </a:br>
-            <a:r>
-              <a:rPr kumimoji="0" lang="en-US" altLang="en-US" sz="900" b="0" i="0" u="none" strike="noStrike" cap="none" normalizeH="0" baseline="0" dirty="0">
-                <a:ln>
-                  <a:noFill/>
-                </a:ln>
-                <a:solidFill>
-                  <a:srgbClr val="0033B3"/>
-                </a:solidFill>
-                <a:effectLst/>
-                <a:latin typeface="Consolas" panose="020B0609020204030204" pitchFamily="49" charset="0"/>
-              </a:rPr>
-              <a:t>pub </a:t>
-            </a:r>
-            <a:r>
-              <a:rPr kumimoji="0" lang="en-US" altLang="en-US" sz="900" b="0" i="0" u="none" strike="noStrike" cap="none" normalizeH="0" baseline="0" dirty="0" err="1">
-                <a:ln>
-                  <a:noFill/>
-                </a:ln>
-                <a:solidFill>
-                  <a:srgbClr val="0033B3"/>
-                </a:solidFill>
-                <a:effectLst/>
-                <a:latin typeface="Consolas" panose="020B0609020204030204" pitchFamily="49" charset="0"/>
-              </a:rPr>
-              <a:t>enum</a:t>
-            </a:r>
-            <a:r>
-              <a:rPr kumimoji="0" lang="en-US" altLang="en-US" sz="900" b="0" i="0" u="none" strike="noStrike" cap="none" normalizeH="0" baseline="0" dirty="0">
-                <a:ln>
-                  <a:noFill/>
-                </a:ln>
-                <a:solidFill>
-                  <a:srgbClr val="0033B3"/>
-                </a:solidFill>
-                <a:effectLst/>
-                <a:latin typeface="Consolas" panose="020B0609020204030204" pitchFamily="49" charset="0"/>
-              </a:rPr>
-              <a:t> </a:t>
-            </a:r>
-            <a:r>
-              <a:rPr kumimoji="0" lang="en-US" altLang="en-US" sz="900" b="0" i="0" u="none" strike="noStrike" cap="none" normalizeH="0" baseline="0" dirty="0">
-                <a:ln>
-                  <a:noFill/>
-                </a:ln>
-                <a:solidFill>
-                  <a:srgbClr val="000000"/>
-                </a:solidFill>
-                <a:effectLst/>
-                <a:latin typeface="Consolas" panose="020B0609020204030204" pitchFamily="49" charset="0"/>
-              </a:rPr>
-              <a:t>Register </a:t>
-            </a:r>
-            <a:r>
-              <a:rPr kumimoji="0" lang="en-US" altLang="en-US" sz="900" b="0" i="0" u="none" strike="noStrike" cap="none" normalizeH="0" baseline="0" dirty="0">
-                <a:ln>
-                  <a:noFill/>
-                </a:ln>
-                <a:solidFill>
-                  <a:srgbClr val="080808"/>
-                </a:solidFill>
-                <a:effectLst/>
-                <a:latin typeface="Consolas" panose="020B0609020204030204" pitchFamily="49" charset="0"/>
-              </a:rPr>
-              <a:t>{</a:t>
-            </a:r>
-            <a:br>
-              <a:rPr kumimoji="0" lang="en-US" altLang="en-US" sz="900" b="0" i="0" u="none" strike="noStrike" cap="none" normalizeH="0" baseline="0" dirty="0">
-                <a:ln>
-                  <a:noFill/>
-                </a:ln>
-                <a:solidFill>
-                  <a:srgbClr val="080808"/>
-                </a:solidFill>
-                <a:effectLst/>
-                <a:latin typeface="Consolas" panose="020B0609020204030204" pitchFamily="49" charset="0"/>
-              </a:rPr>
-            </a:br>
-            <a:r>
-              <a:rPr kumimoji="0" lang="en-US" altLang="en-US" sz="900" b="0" i="0" u="none" strike="noStrike" cap="none" normalizeH="0" baseline="0" dirty="0">
-                <a:ln>
-                  <a:noFill/>
-                </a:ln>
-                <a:solidFill>
-                  <a:srgbClr val="080808"/>
-                </a:solidFill>
-                <a:effectLst/>
-                <a:latin typeface="Consolas" panose="020B0609020204030204" pitchFamily="49" charset="0"/>
-              </a:rPr>
-              <a:t>    </a:t>
-            </a:r>
-            <a:r>
-              <a:rPr kumimoji="0" lang="en-US" altLang="en-US" sz="900" b="0" i="1" u="none" strike="noStrike" cap="none" normalizeH="0" baseline="0" dirty="0">
-                <a:ln>
-                  <a:noFill/>
-                </a:ln>
-                <a:solidFill>
-                  <a:srgbClr val="871094"/>
-                </a:solidFill>
-                <a:effectLst/>
-                <a:latin typeface="Consolas" panose="020B0609020204030204" pitchFamily="49" charset="0"/>
-              </a:rPr>
-              <a:t>Ready</a:t>
-            </a:r>
-            <a:r>
-              <a:rPr kumimoji="0" lang="en-US" altLang="en-US" sz="900" b="0" i="0" u="none" strike="noStrike" cap="none" normalizeH="0" baseline="0" dirty="0">
-                <a:ln>
-                  <a:noFill/>
-                </a:ln>
-                <a:solidFill>
-                  <a:srgbClr val="080808"/>
-                </a:solidFill>
-                <a:effectLst/>
-                <a:latin typeface="Consolas" panose="020B0609020204030204" pitchFamily="49" charset="0"/>
-              </a:rPr>
-              <a:t>(</a:t>
-            </a:r>
-            <a:r>
-              <a:rPr kumimoji="0" lang="en-US" altLang="en-US" sz="900" b="0" i="0" u="none" strike="noStrike" cap="none" normalizeH="0" baseline="0" dirty="0">
-                <a:ln>
-                  <a:noFill/>
-                </a:ln>
-                <a:solidFill>
-                  <a:srgbClr val="0033B3"/>
-                </a:solidFill>
-                <a:effectLst/>
-                <a:latin typeface="Consolas" panose="020B0609020204030204" pitchFamily="49" charset="0"/>
-              </a:rPr>
-              <a:t>u32</a:t>
-            </a:r>
-            <a:r>
-              <a:rPr kumimoji="0" lang="en-US" altLang="en-US" sz="900" b="0" i="0" u="none" strike="noStrike" cap="none" normalizeH="0" baseline="0" dirty="0">
-                <a:ln>
-                  <a:noFill/>
-                </a:ln>
-                <a:solidFill>
-                  <a:srgbClr val="080808"/>
-                </a:solidFill>
-                <a:effectLst/>
-                <a:latin typeface="Consolas" panose="020B0609020204030204" pitchFamily="49" charset="0"/>
-              </a:rPr>
-              <a:t>),</a:t>
-            </a:r>
-            <a:br>
-              <a:rPr kumimoji="0" lang="en-US" altLang="en-US" sz="900" b="0" i="0" u="none" strike="noStrike" cap="none" normalizeH="0" baseline="0" dirty="0">
-                <a:ln>
-                  <a:noFill/>
-                </a:ln>
-                <a:solidFill>
-                  <a:srgbClr val="080808"/>
-                </a:solidFill>
-                <a:effectLst/>
-                <a:latin typeface="Consolas" panose="020B0609020204030204" pitchFamily="49" charset="0"/>
-              </a:rPr>
-            </a:br>
-            <a:r>
-              <a:rPr kumimoji="0" lang="en-US" altLang="en-US" sz="900" b="0" i="0" u="none" strike="noStrike" cap="none" normalizeH="0" baseline="0" dirty="0">
-                <a:ln>
-                  <a:noFill/>
-                </a:ln>
-                <a:solidFill>
-                  <a:srgbClr val="080808"/>
-                </a:solidFill>
-                <a:effectLst/>
-                <a:latin typeface="Consolas" panose="020B0609020204030204" pitchFamily="49" charset="0"/>
-              </a:rPr>
-              <a:t>    </a:t>
-            </a:r>
-            <a:r>
-              <a:rPr kumimoji="0" lang="en-US" altLang="en-US" sz="900" b="0" i="1" u="none" strike="noStrike" cap="none" normalizeH="0" baseline="0" dirty="0">
-                <a:ln>
-                  <a:noFill/>
-                </a:ln>
-                <a:solidFill>
-                  <a:srgbClr val="871094"/>
-                </a:solidFill>
-                <a:effectLst/>
-                <a:latin typeface="Consolas" panose="020B0609020204030204" pitchFamily="49" charset="0"/>
-              </a:rPr>
-              <a:t>Pending</a:t>
-            </a:r>
-            <a:r>
-              <a:rPr kumimoji="0" lang="en-US" altLang="en-US" sz="900" b="0" i="0" u="none" strike="noStrike" cap="none" normalizeH="0" baseline="0" dirty="0">
-                <a:ln>
-                  <a:noFill/>
-                </a:ln>
-                <a:solidFill>
-                  <a:srgbClr val="080808"/>
-                </a:solidFill>
-                <a:effectLst/>
-                <a:latin typeface="Consolas" panose="020B0609020204030204" pitchFamily="49" charset="0"/>
-              </a:rPr>
-              <a:t>(</a:t>
-            </a:r>
-            <a:r>
-              <a:rPr kumimoji="0" lang="en-US" altLang="en-US" sz="900" b="0" i="0" u="none" strike="noStrike" cap="none" normalizeH="0" baseline="0" dirty="0" err="1">
-                <a:ln>
-                  <a:noFill/>
-                </a:ln>
-                <a:solidFill>
-                  <a:srgbClr val="000000"/>
-                </a:solidFill>
-                <a:effectLst/>
-                <a:latin typeface="Consolas" panose="020B0609020204030204" pitchFamily="49" charset="0"/>
-              </a:rPr>
-              <a:t>StationId</a:t>
-            </a:r>
-            <a:r>
-              <a:rPr kumimoji="0" lang="en-US" altLang="en-US" sz="900" b="0" i="0" u="none" strike="noStrike" cap="none" normalizeH="0" baseline="0" dirty="0">
-                <a:ln>
-                  <a:noFill/>
-                </a:ln>
-                <a:solidFill>
-                  <a:srgbClr val="080808"/>
-                </a:solidFill>
-                <a:effectLst/>
-                <a:latin typeface="Consolas" panose="020B0609020204030204" pitchFamily="49" charset="0"/>
-              </a:rPr>
-              <a:t>, </a:t>
-            </a:r>
-            <a:r>
-              <a:rPr kumimoji="0" lang="en-US" altLang="en-US" sz="900" b="0" i="0" u="none" strike="noStrike" cap="none" normalizeH="0" baseline="0" dirty="0" err="1">
-                <a:ln>
-                  <a:noFill/>
-                </a:ln>
-                <a:solidFill>
-                  <a:srgbClr val="000000"/>
-                </a:solidFill>
-                <a:effectLst/>
-                <a:latin typeface="Consolas" panose="020B0609020204030204" pitchFamily="49" charset="0"/>
-              </a:rPr>
-              <a:t>RegId</a:t>
-            </a:r>
-            <a:r>
-              <a:rPr kumimoji="0" lang="en-US" altLang="en-US" sz="900" b="0" i="0" u="none" strike="noStrike" cap="none" normalizeH="0" baseline="0" dirty="0">
-                <a:ln>
-                  <a:noFill/>
-                </a:ln>
-                <a:solidFill>
-                  <a:srgbClr val="080808"/>
-                </a:solidFill>
-                <a:effectLst/>
-                <a:latin typeface="Consolas" panose="020B0609020204030204" pitchFamily="49" charset="0"/>
-              </a:rPr>
-              <a:t>),</a:t>
-            </a:r>
-            <a:br>
-              <a:rPr kumimoji="0" lang="en-US" altLang="en-US" sz="900" b="0" i="0" u="none" strike="noStrike" cap="none" normalizeH="0" baseline="0" dirty="0">
-                <a:ln>
-                  <a:noFill/>
-                </a:ln>
-                <a:solidFill>
-                  <a:srgbClr val="080808"/>
-                </a:solidFill>
-                <a:effectLst/>
-                <a:latin typeface="Consolas" panose="020B0609020204030204" pitchFamily="49" charset="0"/>
-              </a:rPr>
-            </a:br>
-            <a:r>
-              <a:rPr kumimoji="0" lang="en-US" altLang="en-US" sz="900" b="0" i="0" u="none" strike="noStrike" cap="none" normalizeH="0" baseline="0" dirty="0">
-                <a:ln>
-                  <a:noFill/>
-                </a:ln>
-                <a:solidFill>
-                  <a:srgbClr val="080808"/>
-                </a:solidFill>
-                <a:effectLst/>
-                <a:latin typeface="Consolas" panose="020B0609020204030204" pitchFamily="49" charset="0"/>
-              </a:rPr>
-              <a:t>}</a:t>
-            </a:r>
             <a:endParaRPr kumimoji="0" lang="en-US" altLang="en-US" sz="1800" b="0" i="0" u="none" strike="noStrike" cap="none" normalizeH="0" baseline="0" dirty="0">
               <a:ln>
                 <a:noFill/>
@@ -10515,10 +9975,1747 @@
           </a:p>
         </p:txBody>
       </p:sp>
+      <p:sp>
+        <p:nvSpPr>
+          <p:cNvPr id="12" name="Rectangle 11">
+            <a:extLst>
+              <a:ext uri="{FF2B5EF4-FFF2-40B4-BE49-F238E27FC236}">
+                <a16:creationId xmlns:a16="http://schemas.microsoft.com/office/drawing/2014/main" id="{9AAF11CD-B7C0-4BDB-AD8D-6B078F1B82C6}"/>
+              </a:ext>
+            </a:extLst>
+          </p:cNvPr>
+          <p:cNvSpPr/>
+          <p:nvPr/>
+        </p:nvSpPr>
+        <p:spPr>
+          <a:xfrm>
+            <a:off x="877804" y="2421783"/>
+            <a:ext cx="1912877" cy="437661"/>
+          </a:xfrm>
+          <a:prstGeom prst="rect">
+            <a:avLst/>
+          </a:prstGeom>
+          <a:solidFill>
+            <a:schemeClr val="accent2">
+              <a:lumMod val="60000"/>
+              <a:lumOff val="40000"/>
+            </a:schemeClr>
+          </a:solidFill>
+        </p:spPr>
+        <p:style>
+          <a:lnRef idx="2">
+            <a:schemeClr val="accent1">
+              <a:shade val="50000"/>
+            </a:schemeClr>
+          </a:lnRef>
+          <a:fillRef idx="1">
+            <a:schemeClr val="accent1"/>
+          </a:fillRef>
+          <a:effectRef idx="0">
+            <a:schemeClr val="accent1"/>
+          </a:effectRef>
+          <a:fontRef idx="minor">
+            <a:schemeClr val="lt1"/>
+          </a:fontRef>
+        </p:style>
+        <p:txBody>
+          <a:bodyPr rtlCol="0" anchor="ctr"/>
+          <a:lstStyle/>
+          <a:p>
+            <a:pPr algn="ctr"/>
+            <a:r>
+              <a:rPr lang="en-GB" sz="1400" dirty="0" err="1"/>
+              <a:t>next_instr_addr</a:t>
+            </a:r>
+            <a:endParaRPr lang="en-GB" sz="1400" dirty="0"/>
+          </a:p>
+        </p:txBody>
+      </p:sp>
+      <p:sp>
+        <p:nvSpPr>
+          <p:cNvPr id="13" name="Rectangle 12">
+            <a:extLst>
+              <a:ext uri="{FF2B5EF4-FFF2-40B4-BE49-F238E27FC236}">
+                <a16:creationId xmlns:a16="http://schemas.microsoft.com/office/drawing/2014/main" id="{81B3749D-741D-4823-8D7D-C427981FCBB7}"/>
+              </a:ext>
+            </a:extLst>
+          </p:cNvPr>
+          <p:cNvSpPr/>
+          <p:nvPr/>
+        </p:nvSpPr>
+        <p:spPr>
+          <a:xfrm>
+            <a:off x="844885" y="4104888"/>
+            <a:ext cx="1912877" cy="437661"/>
+          </a:xfrm>
+          <a:prstGeom prst="rect">
+            <a:avLst/>
+          </a:prstGeom>
+          <a:solidFill>
+            <a:schemeClr val="accent2">
+              <a:lumMod val="60000"/>
+              <a:lumOff val="40000"/>
+            </a:schemeClr>
+          </a:solidFill>
+        </p:spPr>
+        <p:style>
+          <a:lnRef idx="2">
+            <a:schemeClr val="accent1">
+              <a:shade val="50000"/>
+            </a:schemeClr>
+          </a:lnRef>
+          <a:fillRef idx="1">
+            <a:schemeClr val="accent1"/>
+          </a:fillRef>
+          <a:effectRef idx="0">
+            <a:schemeClr val="accent1"/>
+          </a:effectRef>
+          <a:fontRef idx="minor">
+            <a:schemeClr val="lt1"/>
+          </a:fontRef>
+        </p:style>
+        <p:txBody>
+          <a:bodyPr rtlCol="0" anchor="ctr"/>
+          <a:lstStyle/>
+          <a:p>
+            <a:pPr algn="ctr"/>
+            <a:r>
+              <a:rPr lang="en-GB" sz="1400" dirty="0" err="1"/>
+              <a:t>fetched_instruction</a:t>
+            </a:r>
+            <a:endParaRPr lang="en-GB" sz="1400" dirty="0"/>
+          </a:p>
+        </p:txBody>
+      </p:sp>
+      <p:sp>
+        <p:nvSpPr>
+          <p:cNvPr id="16" name="Rectangle 15">
+            <a:extLst>
+              <a:ext uri="{FF2B5EF4-FFF2-40B4-BE49-F238E27FC236}">
+                <a16:creationId xmlns:a16="http://schemas.microsoft.com/office/drawing/2014/main" id="{B955A64D-A630-40CF-8465-97B624ED65AF}"/>
+              </a:ext>
+            </a:extLst>
+          </p:cNvPr>
+          <p:cNvSpPr/>
+          <p:nvPr/>
+        </p:nvSpPr>
+        <p:spPr>
+          <a:xfrm>
+            <a:off x="1454176" y="5268243"/>
+            <a:ext cx="1912877" cy="437661"/>
+          </a:xfrm>
+          <a:prstGeom prst="rect">
+            <a:avLst/>
+          </a:prstGeom>
+          <a:solidFill>
+            <a:schemeClr val="accent2">
+              <a:lumMod val="60000"/>
+              <a:lumOff val="40000"/>
+            </a:schemeClr>
+          </a:solidFill>
+        </p:spPr>
+        <p:style>
+          <a:lnRef idx="2">
+            <a:schemeClr val="accent1">
+              <a:shade val="50000"/>
+            </a:schemeClr>
+          </a:lnRef>
+          <a:fillRef idx="1">
+            <a:schemeClr val="accent1"/>
+          </a:fillRef>
+          <a:effectRef idx="0">
+            <a:schemeClr val="accent1"/>
+          </a:effectRef>
+          <a:fontRef idx="minor">
+            <a:schemeClr val="lt1"/>
+          </a:fontRef>
+        </p:style>
+        <p:txBody>
+          <a:bodyPr rtlCol="0" anchor="ctr"/>
+          <a:lstStyle/>
+          <a:p>
+            <a:pPr algn="ctr"/>
+            <a:r>
+              <a:rPr lang="en-GB" sz="1400" dirty="0" err="1"/>
+              <a:t>station.instruction</a:t>
+            </a:r>
+            <a:endParaRPr lang="en-GB" sz="1400" dirty="0"/>
+          </a:p>
+        </p:txBody>
+      </p:sp>
+      <p:sp>
+        <p:nvSpPr>
+          <p:cNvPr id="24" name="Arrow: Right 23">
+            <a:extLst>
+              <a:ext uri="{FF2B5EF4-FFF2-40B4-BE49-F238E27FC236}">
+                <a16:creationId xmlns:a16="http://schemas.microsoft.com/office/drawing/2014/main" id="{50C3D76A-FA9E-4401-B08E-CBA2EE0068DE}"/>
+              </a:ext>
+            </a:extLst>
+          </p:cNvPr>
+          <p:cNvSpPr/>
+          <p:nvPr/>
+        </p:nvSpPr>
+        <p:spPr>
+          <a:xfrm>
+            <a:off x="4439138" y="1352015"/>
+            <a:ext cx="1453661" cy="467879"/>
+          </a:xfrm>
+          <a:prstGeom prst="rightArrow">
+            <a:avLst/>
+          </a:prstGeom>
+        </p:spPr>
+        <p:style>
+          <a:lnRef idx="2">
+            <a:schemeClr val="accent1">
+              <a:shade val="50000"/>
+            </a:schemeClr>
+          </a:lnRef>
+          <a:fillRef idx="1">
+            <a:schemeClr val="accent1"/>
+          </a:fillRef>
+          <a:effectRef idx="0">
+            <a:schemeClr val="accent1"/>
+          </a:effectRef>
+          <a:fontRef idx="minor">
+            <a:schemeClr val="lt1"/>
+          </a:fontRef>
+        </p:style>
+        <p:txBody>
+          <a:bodyPr rtlCol="0" anchor="ctr"/>
+          <a:lstStyle/>
+          <a:p>
+            <a:pPr algn="ctr"/>
+            <a:r>
+              <a:rPr lang="en-GB" dirty="0"/>
+              <a:t>1 Cycle</a:t>
+            </a:r>
+          </a:p>
+        </p:txBody>
+      </p:sp>
+      <p:sp>
+        <p:nvSpPr>
+          <p:cNvPr id="49" name="TextBox 48">
+            <a:extLst>
+              <a:ext uri="{FF2B5EF4-FFF2-40B4-BE49-F238E27FC236}">
+                <a16:creationId xmlns:a16="http://schemas.microsoft.com/office/drawing/2014/main" id="{7B2349A1-C418-464D-8550-ACAC0231BFF0}"/>
+              </a:ext>
+            </a:extLst>
+          </p:cNvPr>
+          <p:cNvSpPr txBox="1"/>
+          <p:nvPr/>
+        </p:nvSpPr>
+        <p:spPr>
+          <a:xfrm>
+            <a:off x="6621791" y="1819894"/>
+            <a:ext cx="3225594" cy="261610"/>
+          </a:xfrm>
+          <a:prstGeom prst="rect">
+            <a:avLst/>
+          </a:prstGeom>
+          <a:noFill/>
+        </p:spPr>
+        <p:txBody>
+          <a:bodyPr wrap="square" rtlCol="0">
+            <a:spAutoFit/>
+          </a:bodyPr>
+          <a:lstStyle/>
+          <a:p>
+            <a:r>
+              <a:rPr lang="en-GB" sz="1100" dirty="0"/>
+              <a:t>Next address += length of fetched instruction</a:t>
+            </a:r>
+          </a:p>
+        </p:txBody>
+      </p:sp>
+      <p:sp>
+        <p:nvSpPr>
+          <p:cNvPr id="50" name="TextBox 49">
+            <a:extLst>
+              <a:ext uri="{FF2B5EF4-FFF2-40B4-BE49-F238E27FC236}">
+                <a16:creationId xmlns:a16="http://schemas.microsoft.com/office/drawing/2014/main" id="{90991431-EC83-4B91-905B-E888C95542FD}"/>
+              </a:ext>
+            </a:extLst>
+          </p:cNvPr>
+          <p:cNvSpPr txBox="1"/>
+          <p:nvPr/>
+        </p:nvSpPr>
+        <p:spPr>
+          <a:xfrm>
+            <a:off x="9639556" y="6321097"/>
+            <a:ext cx="2335100" cy="600164"/>
+          </a:xfrm>
+          <a:prstGeom prst="rect">
+            <a:avLst/>
+          </a:prstGeom>
+          <a:noFill/>
+        </p:spPr>
+        <p:txBody>
+          <a:bodyPr wrap="square" rtlCol="0">
+            <a:spAutoFit/>
+          </a:bodyPr>
+          <a:lstStyle/>
+          <a:p>
+            <a:r>
+              <a:rPr lang="en-GB" sz="1100" dirty="0"/>
+              <a:t>Completing a branch will cause the next address to be changed, and clear fetched/decoded instructions</a:t>
+            </a:r>
+          </a:p>
+        </p:txBody>
+      </p:sp>
+      <p:cxnSp>
+        <p:nvCxnSpPr>
+          <p:cNvPr id="33" name="Straight Arrow Connector 32">
+            <a:extLst>
+              <a:ext uri="{FF2B5EF4-FFF2-40B4-BE49-F238E27FC236}">
+                <a16:creationId xmlns:a16="http://schemas.microsoft.com/office/drawing/2014/main" id="{38F9FABE-6024-41E9-AB3E-288886070FAA}"/>
+              </a:ext>
+            </a:extLst>
+          </p:cNvPr>
+          <p:cNvCxnSpPr>
+            <a:cxnSpLocks/>
+            <a:stCxn id="12" idx="3"/>
+            <a:endCxn id="4" idx="1"/>
+          </p:cNvCxnSpPr>
+          <p:nvPr/>
+        </p:nvCxnSpPr>
+        <p:spPr>
+          <a:xfrm>
+            <a:off x="2790681" y="2640614"/>
+            <a:ext cx="1650349" cy="0"/>
+          </a:xfrm>
+          <a:prstGeom prst="straightConnector1">
+            <a:avLst/>
+          </a:prstGeom>
+          <a:ln>
+            <a:tailEnd type="triangle"/>
+          </a:ln>
+        </p:spPr>
+        <p:style>
+          <a:lnRef idx="1">
+            <a:schemeClr val="accent1"/>
+          </a:lnRef>
+          <a:fillRef idx="0">
+            <a:schemeClr val="accent1"/>
+          </a:fillRef>
+          <a:effectRef idx="0">
+            <a:schemeClr val="accent1"/>
+          </a:effectRef>
+          <a:fontRef idx="minor">
+            <a:schemeClr val="tx1"/>
+          </a:fontRef>
+        </p:style>
+      </p:cxnSp>
+      <p:sp>
+        <p:nvSpPr>
+          <p:cNvPr id="42" name="Rectangle 41">
+            <a:extLst>
+              <a:ext uri="{FF2B5EF4-FFF2-40B4-BE49-F238E27FC236}">
+                <a16:creationId xmlns:a16="http://schemas.microsoft.com/office/drawing/2014/main" id="{9774E25A-B7B1-450A-8E2B-CC4CC1DE7CA7}"/>
+              </a:ext>
+            </a:extLst>
+          </p:cNvPr>
+          <p:cNvSpPr/>
+          <p:nvPr/>
+        </p:nvSpPr>
+        <p:spPr>
+          <a:xfrm>
+            <a:off x="6621791" y="2101866"/>
+            <a:ext cx="1912877" cy="437661"/>
+          </a:xfrm>
+          <a:prstGeom prst="rect">
+            <a:avLst/>
+          </a:prstGeom>
+          <a:solidFill>
+            <a:schemeClr val="accent2">
+              <a:lumMod val="60000"/>
+              <a:lumOff val="40000"/>
+            </a:schemeClr>
+          </a:solidFill>
+        </p:spPr>
+        <p:style>
+          <a:lnRef idx="2">
+            <a:schemeClr val="accent1">
+              <a:shade val="50000"/>
+            </a:schemeClr>
+          </a:lnRef>
+          <a:fillRef idx="1">
+            <a:schemeClr val="accent1"/>
+          </a:fillRef>
+          <a:effectRef idx="0">
+            <a:schemeClr val="accent1"/>
+          </a:effectRef>
+          <a:fontRef idx="minor">
+            <a:schemeClr val="lt1"/>
+          </a:fontRef>
+        </p:style>
+        <p:txBody>
+          <a:bodyPr rtlCol="0" anchor="ctr"/>
+          <a:lstStyle/>
+          <a:p>
+            <a:pPr algn="ctr"/>
+            <a:r>
+              <a:rPr lang="en-GB" sz="1400" dirty="0" err="1"/>
+              <a:t>next_instr_addr</a:t>
+            </a:r>
+            <a:endParaRPr lang="en-GB" sz="1400" dirty="0"/>
+          </a:p>
+        </p:txBody>
+      </p:sp>
+      <p:sp>
+        <p:nvSpPr>
+          <p:cNvPr id="43" name="Rectangle 42">
+            <a:extLst>
+              <a:ext uri="{FF2B5EF4-FFF2-40B4-BE49-F238E27FC236}">
+                <a16:creationId xmlns:a16="http://schemas.microsoft.com/office/drawing/2014/main" id="{F2184D9B-F1FB-49DD-B78C-C8C9C2195D4F}"/>
+              </a:ext>
+            </a:extLst>
+          </p:cNvPr>
+          <p:cNvSpPr/>
+          <p:nvPr/>
+        </p:nvSpPr>
+        <p:spPr>
+          <a:xfrm>
+            <a:off x="6621791" y="2739557"/>
+            <a:ext cx="1912877" cy="437661"/>
+          </a:xfrm>
+          <a:prstGeom prst="rect">
+            <a:avLst/>
+          </a:prstGeom>
+          <a:solidFill>
+            <a:schemeClr val="accent2">
+              <a:lumMod val="60000"/>
+              <a:lumOff val="40000"/>
+            </a:schemeClr>
+          </a:solidFill>
+        </p:spPr>
+        <p:style>
+          <a:lnRef idx="2">
+            <a:schemeClr val="accent1">
+              <a:shade val="50000"/>
+            </a:schemeClr>
+          </a:lnRef>
+          <a:fillRef idx="1">
+            <a:schemeClr val="accent1"/>
+          </a:fillRef>
+          <a:effectRef idx="0">
+            <a:schemeClr val="accent1"/>
+          </a:effectRef>
+          <a:fontRef idx="minor">
+            <a:schemeClr val="lt1"/>
+          </a:fontRef>
+        </p:style>
+        <p:txBody>
+          <a:bodyPr rtlCol="0" anchor="ctr"/>
+          <a:lstStyle/>
+          <a:p>
+            <a:pPr algn="ctr"/>
+            <a:r>
+              <a:rPr lang="en-GB" sz="1400" dirty="0" err="1"/>
+              <a:t>fetched_instruction</a:t>
+            </a:r>
+            <a:endParaRPr lang="en-GB" sz="1400" dirty="0"/>
+          </a:p>
+        </p:txBody>
+      </p:sp>
+      <p:cxnSp>
+        <p:nvCxnSpPr>
+          <p:cNvPr id="36" name="Straight Arrow Connector 35">
+            <a:extLst>
+              <a:ext uri="{FF2B5EF4-FFF2-40B4-BE49-F238E27FC236}">
+                <a16:creationId xmlns:a16="http://schemas.microsoft.com/office/drawing/2014/main" id="{4FB4B143-936E-4FCB-8002-B8E69329757A}"/>
+              </a:ext>
+            </a:extLst>
+          </p:cNvPr>
+          <p:cNvCxnSpPr>
+            <a:stCxn id="4" idx="3"/>
+            <a:endCxn id="42" idx="1"/>
+          </p:cNvCxnSpPr>
+          <p:nvPr/>
+        </p:nvCxnSpPr>
+        <p:spPr>
+          <a:xfrm flipV="1">
+            <a:off x="5894691" y="2320697"/>
+            <a:ext cx="727100" cy="319917"/>
+          </a:xfrm>
+          <a:prstGeom prst="straightConnector1">
+            <a:avLst/>
+          </a:prstGeom>
+          <a:ln>
+            <a:tailEnd type="triangle"/>
+          </a:ln>
+        </p:spPr>
+        <p:style>
+          <a:lnRef idx="1">
+            <a:schemeClr val="accent1"/>
+          </a:lnRef>
+          <a:fillRef idx="0">
+            <a:schemeClr val="accent1"/>
+          </a:fillRef>
+          <a:effectRef idx="0">
+            <a:schemeClr val="accent1"/>
+          </a:effectRef>
+          <a:fontRef idx="minor">
+            <a:schemeClr val="tx1"/>
+          </a:fontRef>
+        </p:style>
+      </p:cxnSp>
+      <p:cxnSp>
+        <p:nvCxnSpPr>
+          <p:cNvPr id="39" name="Straight Arrow Connector 38">
+            <a:extLst>
+              <a:ext uri="{FF2B5EF4-FFF2-40B4-BE49-F238E27FC236}">
+                <a16:creationId xmlns:a16="http://schemas.microsoft.com/office/drawing/2014/main" id="{6F0078E7-53AF-45C7-9582-EF869BEB8B3D}"/>
+              </a:ext>
+            </a:extLst>
+          </p:cNvPr>
+          <p:cNvCxnSpPr>
+            <a:stCxn id="4" idx="3"/>
+            <a:endCxn id="43" idx="1"/>
+          </p:cNvCxnSpPr>
+          <p:nvPr/>
+        </p:nvCxnSpPr>
+        <p:spPr>
+          <a:xfrm>
+            <a:off x="5894691" y="2640614"/>
+            <a:ext cx="727100" cy="317774"/>
+          </a:xfrm>
+          <a:prstGeom prst="straightConnector1">
+            <a:avLst/>
+          </a:prstGeom>
+          <a:ln>
+            <a:tailEnd type="triangle"/>
+          </a:ln>
+        </p:spPr>
+        <p:style>
+          <a:lnRef idx="1">
+            <a:schemeClr val="accent1"/>
+          </a:lnRef>
+          <a:fillRef idx="0">
+            <a:schemeClr val="accent1"/>
+          </a:fillRef>
+          <a:effectRef idx="0">
+            <a:schemeClr val="accent1"/>
+          </a:effectRef>
+          <a:fontRef idx="minor">
+            <a:schemeClr val="tx1"/>
+          </a:fontRef>
+        </p:style>
+      </p:cxnSp>
+      <p:sp>
+        <p:nvSpPr>
+          <p:cNvPr id="44" name="TextBox 43">
+            <a:extLst>
+              <a:ext uri="{FF2B5EF4-FFF2-40B4-BE49-F238E27FC236}">
+                <a16:creationId xmlns:a16="http://schemas.microsoft.com/office/drawing/2014/main" id="{BDFD4A26-F622-4DF5-8687-1A4D465BB375}"/>
+              </a:ext>
+            </a:extLst>
+          </p:cNvPr>
+          <p:cNvSpPr txBox="1"/>
+          <p:nvPr/>
+        </p:nvSpPr>
+        <p:spPr>
+          <a:xfrm>
+            <a:off x="7020375" y="681682"/>
+            <a:ext cx="1969477" cy="400110"/>
+          </a:xfrm>
+          <a:prstGeom prst="rect">
+            <a:avLst/>
+          </a:prstGeom>
+          <a:noFill/>
+        </p:spPr>
+        <p:txBody>
+          <a:bodyPr wrap="square" rtlCol="0">
+            <a:spAutoFit/>
+          </a:bodyPr>
+          <a:lstStyle/>
+          <a:p>
+            <a:r>
+              <a:rPr lang="en-GB" sz="2000" b="1" dirty="0"/>
+              <a:t>Next State</a:t>
+            </a:r>
+          </a:p>
+        </p:txBody>
+      </p:sp>
+      <p:cxnSp>
+        <p:nvCxnSpPr>
+          <p:cNvPr id="48" name="Straight Arrow Connector 47">
+            <a:extLst>
+              <a:ext uri="{FF2B5EF4-FFF2-40B4-BE49-F238E27FC236}">
+                <a16:creationId xmlns:a16="http://schemas.microsoft.com/office/drawing/2014/main" id="{A05A6547-8851-469E-9D7A-F0E745059043}"/>
+              </a:ext>
+            </a:extLst>
+          </p:cNvPr>
+          <p:cNvCxnSpPr>
+            <a:stCxn id="13" idx="3"/>
+            <a:endCxn id="6" idx="1"/>
+          </p:cNvCxnSpPr>
+          <p:nvPr/>
+        </p:nvCxnSpPr>
+        <p:spPr>
+          <a:xfrm>
+            <a:off x="2757762" y="4323719"/>
+            <a:ext cx="1688333" cy="1"/>
+          </a:xfrm>
+          <a:prstGeom prst="straightConnector1">
+            <a:avLst/>
+          </a:prstGeom>
+          <a:ln>
+            <a:tailEnd type="triangle"/>
+          </a:ln>
+        </p:spPr>
+        <p:style>
+          <a:lnRef idx="1">
+            <a:schemeClr val="accent1"/>
+          </a:lnRef>
+          <a:fillRef idx="0">
+            <a:schemeClr val="accent1"/>
+          </a:fillRef>
+          <a:effectRef idx="0">
+            <a:schemeClr val="accent1"/>
+          </a:effectRef>
+          <a:fontRef idx="minor">
+            <a:schemeClr val="tx1"/>
+          </a:fontRef>
+        </p:style>
+      </p:cxnSp>
+      <p:sp>
+        <p:nvSpPr>
+          <p:cNvPr id="51" name="TextBox 50">
+            <a:extLst>
+              <a:ext uri="{FF2B5EF4-FFF2-40B4-BE49-F238E27FC236}">
+                <a16:creationId xmlns:a16="http://schemas.microsoft.com/office/drawing/2014/main" id="{7BEB217F-532C-4BEC-A4EB-7C246CCD50DD}"/>
+              </a:ext>
+            </a:extLst>
+          </p:cNvPr>
+          <p:cNvSpPr txBox="1"/>
+          <p:nvPr/>
+        </p:nvSpPr>
+        <p:spPr>
+          <a:xfrm>
+            <a:off x="629739" y="3565646"/>
+            <a:ext cx="2646408" cy="523220"/>
+          </a:xfrm>
+          <a:prstGeom prst="rect">
+            <a:avLst/>
+          </a:prstGeom>
+          <a:noFill/>
+        </p:spPr>
+        <p:txBody>
+          <a:bodyPr wrap="square" rtlCol="0">
+            <a:spAutoFit/>
+          </a:bodyPr>
+          <a:lstStyle/>
+          <a:p>
+            <a:r>
+              <a:rPr lang="en-GB" sz="1400" dirty="0"/>
+              <a:t>If present &amp; space for a decoded instruction – else do nothing</a:t>
+            </a:r>
+          </a:p>
+        </p:txBody>
+      </p:sp>
+      <p:sp>
+        <p:nvSpPr>
+          <p:cNvPr id="52" name="TextBox 51">
+            <a:extLst>
+              <a:ext uri="{FF2B5EF4-FFF2-40B4-BE49-F238E27FC236}">
+                <a16:creationId xmlns:a16="http://schemas.microsoft.com/office/drawing/2014/main" id="{8EBF5C0E-7533-453B-838F-3ABFBC8033C6}"/>
+              </a:ext>
+            </a:extLst>
+          </p:cNvPr>
+          <p:cNvSpPr txBox="1"/>
+          <p:nvPr/>
+        </p:nvSpPr>
+        <p:spPr>
+          <a:xfrm>
+            <a:off x="1349906" y="5759416"/>
+            <a:ext cx="2476904" cy="523220"/>
+          </a:xfrm>
+          <a:prstGeom prst="rect">
+            <a:avLst/>
+          </a:prstGeom>
+          <a:noFill/>
+        </p:spPr>
+        <p:txBody>
+          <a:bodyPr wrap="square" rtlCol="0">
+            <a:spAutoFit/>
+          </a:bodyPr>
+          <a:lstStyle/>
+          <a:p>
+            <a:r>
+              <a:rPr lang="en-GB" sz="1400" dirty="0"/>
+              <a:t>If present &amp; all input registers are ready – else do nothing</a:t>
+            </a:r>
+          </a:p>
+        </p:txBody>
+      </p:sp>
+      <p:sp>
+        <p:nvSpPr>
+          <p:cNvPr id="53" name="Rectangle 52">
+            <a:extLst>
+              <a:ext uri="{FF2B5EF4-FFF2-40B4-BE49-F238E27FC236}">
+                <a16:creationId xmlns:a16="http://schemas.microsoft.com/office/drawing/2014/main" id="{092706DF-2013-4E4C-89BC-DE5D483B4B77}"/>
+              </a:ext>
+            </a:extLst>
+          </p:cNvPr>
+          <p:cNvSpPr/>
+          <p:nvPr/>
+        </p:nvSpPr>
+        <p:spPr>
+          <a:xfrm>
+            <a:off x="6621790" y="3848468"/>
+            <a:ext cx="1912877" cy="437661"/>
+          </a:xfrm>
+          <a:prstGeom prst="rect">
+            <a:avLst/>
+          </a:prstGeom>
+          <a:solidFill>
+            <a:schemeClr val="accent2">
+              <a:lumMod val="60000"/>
+              <a:lumOff val="40000"/>
+            </a:schemeClr>
+          </a:solidFill>
+        </p:spPr>
+        <p:style>
+          <a:lnRef idx="2">
+            <a:schemeClr val="accent1">
+              <a:shade val="50000"/>
+            </a:schemeClr>
+          </a:lnRef>
+          <a:fillRef idx="1">
+            <a:schemeClr val="accent1"/>
+          </a:fillRef>
+          <a:effectRef idx="0">
+            <a:schemeClr val="accent1"/>
+          </a:effectRef>
+          <a:fontRef idx="minor">
+            <a:schemeClr val="lt1"/>
+          </a:fontRef>
+        </p:style>
+        <p:txBody>
+          <a:bodyPr rtlCol="0" anchor="ctr"/>
+          <a:lstStyle/>
+          <a:p>
+            <a:pPr algn="ctr"/>
+            <a:r>
+              <a:rPr lang="en-GB" sz="1400" dirty="0" err="1"/>
+              <a:t>decoded_instructions</a:t>
+            </a:r>
+            <a:endParaRPr lang="en-GB" sz="1400" dirty="0"/>
+          </a:p>
+        </p:txBody>
+      </p:sp>
+      <p:sp>
+        <p:nvSpPr>
+          <p:cNvPr id="54" name="Rectangle 53">
+            <a:extLst>
+              <a:ext uri="{FF2B5EF4-FFF2-40B4-BE49-F238E27FC236}">
+                <a16:creationId xmlns:a16="http://schemas.microsoft.com/office/drawing/2014/main" id="{ABDE5766-3517-4C8E-85B2-E733D4E58248}"/>
+              </a:ext>
+            </a:extLst>
+          </p:cNvPr>
+          <p:cNvSpPr/>
+          <p:nvPr/>
+        </p:nvSpPr>
+        <p:spPr>
+          <a:xfrm>
+            <a:off x="6567057" y="5306536"/>
+            <a:ext cx="1758437" cy="437661"/>
+          </a:xfrm>
+          <a:prstGeom prst="rect">
+            <a:avLst/>
+          </a:prstGeom>
+          <a:solidFill>
+            <a:schemeClr val="accent2">
+              <a:lumMod val="60000"/>
+              <a:lumOff val="40000"/>
+            </a:schemeClr>
+          </a:solidFill>
+        </p:spPr>
+        <p:style>
+          <a:lnRef idx="2">
+            <a:schemeClr val="accent1">
+              <a:shade val="50000"/>
+            </a:schemeClr>
+          </a:lnRef>
+          <a:fillRef idx="1">
+            <a:schemeClr val="accent1"/>
+          </a:fillRef>
+          <a:effectRef idx="0">
+            <a:schemeClr val="accent1"/>
+          </a:effectRef>
+          <a:fontRef idx="minor">
+            <a:schemeClr val="lt1"/>
+          </a:fontRef>
+        </p:style>
+        <p:txBody>
+          <a:bodyPr rtlCol="0" anchor="ctr"/>
+          <a:lstStyle/>
+          <a:p>
+            <a:pPr algn="ctr"/>
+            <a:r>
+              <a:rPr lang="en-GB" sz="1400" dirty="0" err="1"/>
+              <a:t>station.instruction</a:t>
+            </a:r>
+            <a:endParaRPr lang="en-GB" sz="1400" dirty="0"/>
+          </a:p>
+        </p:txBody>
+      </p:sp>
+      <p:sp>
+        <p:nvSpPr>
+          <p:cNvPr id="55" name="TextBox 54">
+            <a:extLst>
+              <a:ext uri="{FF2B5EF4-FFF2-40B4-BE49-F238E27FC236}">
+                <a16:creationId xmlns:a16="http://schemas.microsoft.com/office/drawing/2014/main" id="{8D343EDF-9CF9-4F7F-BD2F-C477D6305789}"/>
+              </a:ext>
+            </a:extLst>
+          </p:cNvPr>
+          <p:cNvSpPr txBox="1"/>
+          <p:nvPr/>
+        </p:nvSpPr>
+        <p:spPr>
+          <a:xfrm>
+            <a:off x="8402724" y="5323599"/>
+            <a:ext cx="2335100" cy="430887"/>
+          </a:xfrm>
+          <a:prstGeom prst="rect">
+            <a:avLst/>
+          </a:prstGeom>
+          <a:noFill/>
+        </p:spPr>
+        <p:txBody>
+          <a:bodyPr wrap="square" rtlCol="0">
+            <a:spAutoFit/>
+          </a:bodyPr>
+          <a:lstStyle/>
+          <a:p>
+            <a:r>
+              <a:rPr lang="en-GB" sz="1100" dirty="0"/>
+              <a:t>Only if instruction needs another cycle, otherwise empty if complete</a:t>
+            </a:r>
+          </a:p>
+        </p:txBody>
+      </p:sp>
+      <p:sp>
+        <p:nvSpPr>
+          <p:cNvPr id="59" name="Rectangle 58">
+            <a:extLst>
+              <a:ext uri="{FF2B5EF4-FFF2-40B4-BE49-F238E27FC236}">
+                <a16:creationId xmlns:a16="http://schemas.microsoft.com/office/drawing/2014/main" id="{E4CEDD7A-0C2C-4CCD-B394-9DB39DA32171}"/>
+              </a:ext>
+            </a:extLst>
+          </p:cNvPr>
+          <p:cNvSpPr/>
+          <p:nvPr/>
+        </p:nvSpPr>
+        <p:spPr>
+          <a:xfrm>
+            <a:off x="6621523" y="4424739"/>
+            <a:ext cx="1912877" cy="437661"/>
+          </a:xfrm>
+          <a:prstGeom prst="rect">
+            <a:avLst/>
+          </a:prstGeom>
+          <a:solidFill>
+            <a:schemeClr val="accent2">
+              <a:lumMod val="60000"/>
+              <a:lumOff val="40000"/>
+            </a:schemeClr>
+          </a:solidFill>
+        </p:spPr>
+        <p:style>
+          <a:lnRef idx="2">
+            <a:schemeClr val="accent1">
+              <a:shade val="50000"/>
+            </a:schemeClr>
+          </a:lnRef>
+          <a:fillRef idx="1">
+            <a:schemeClr val="accent1"/>
+          </a:fillRef>
+          <a:effectRef idx="0">
+            <a:schemeClr val="accent1"/>
+          </a:effectRef>
+          <a:fontRef idx="minor">
+            <a:schemeClr val="lt1"/>
+          </a:fontRef>
+        </p:style>
+        <p:txBody>
+          <a:bodyPr rtlCol="0" anchor="ctr"/>
+          <a:lstStyle/>
+          <a:p>
+            <a:pPr algn="ctr"/>
+            <a:r>
+              <a:rPr lang="en-GB" sz="1400" dirty="0" err="1"/>
+              <a:t>station.instruction</a:t>
+            </a:r>
+            <a:endParaRPr lang="en-GB" sz="1400" dirty="0"/>
+          </a:p>
+        </p:txBody>
+      </p:sp>
+      <p:cxnSp>
+        <p:nvCxnSpPr>
+          <p:cNvPr id="61" name="Straight Arrow Connector 60">
+            <a:extLst>
+              <a:ext uri="{FF2B5EF4-FFF2-40B4-BE49-F238E27FC236}">
+                <a16:creationId xmlns:a16="http://schemas.microsoft.com/office/drawing/2014/main" id="{46EEFE22-D639-4F51-B1A1-31D6C9DE86EA}"/>
+              </a:ext>
+            </a:extLst>
+          </p:cNvPr>
+          <p:cNvCxnSpPr>
+            <a:stCxn id="6" idx="3"/>
+            <a:endCxn id="53" idx="1"/>
+          </p:cNvCxnSpPr>
+          <p:nvPr/>
+        </p:nvCxnSpPr>
+        <p:spPr>
+          <a:xfrm flipV="1">
+            <a:off x="5899756" y="4067299"/>
+            <a:ext cx="722034" cy="256421"/>
+          </a:xfrm>
+          <a:prstGeom prst="straightConnector1">
+            <a:avLst/>
+          </a:prstGeom>
+          <a:ln>
+            <a:tailEnd type="triangle"/>
+          </a:ln>
+        </p:spPr>
+        <p:style>
+          <a:lnRef idx="1">
+            <a:schemeClr val="accent1"/>
+          </a:lnRef>
+          <a:fillRef idx="0">
+            <a:schemeClr val="accent1"/>
+          </a:fillRef>
+          <a:effectRef idx="0">
+            <a:schemeClr val="accent1"/>
+          </a:effectRef>
+          <a:fontRef idx="minor">
+            <a:schemeClr val="tx1"/>
+          </a:fontRef>
+        </p:style>
+      </p:cxnSp>
+      <p:cxnSp>
+        <p:nvCxnSpPr>
+          <p:cNvPr id="63" name="Straight Arrow Connector 62">
+            <a:extLst>
+              <a:ext uri="{FF2B5EF4-FFF2-40B4-BE49-F238E27FC236}">
+                <a16:creationId xmlns:a16="http://schemas.microsoft.com/office/drawing/2014/main" id="{B18924DB-699C-4F26-958E-E9DD894AF92F}"/>
+              </a:ext>
+            </a:extLst>
+          </p:cNvPr>
+          <p:cNvCxnSpPr>
+            <a:cxnSpLocks/>
+            <a:stCxn id="53" idx="2"/>
+            <a:endCxn id="59" idx="0"/>
+          </p:cNvCxnSpPr>
+          <p:nvPr/>
+        </p:nvCxnSpPr>
+        <p:spPr>
+          <a:xfrm flipH="1">
+            <a:off x="7577962" y="4286129"/>
+            <a:ext cx="267" cy="138610"/>
+          </a:xfrm>
+          <a:prstGeom prst="straightConnector1">
+            <a:avLst/>
+          </a:prstGeom>
+          <a:ln>
+            <a:tailEnd type="triangle"/>
+          </a:ln>
+        </p:spPr>
+        <p:style>
+          <a:lnRef idx="1">
+            <a:schemeClr val="accent1"/>
+          </a:lnRef>
+          <a:fillRef idx="0">
+            <a:schemeClr val="accent1"/>
+          </a:fillRef>
+          <a:effectRef idx="0">
+            <a:schemeClr val="accent1"/>
+          </a:effectRef>
+          <a:fontRef idx="minor">
+            <a:schemeClr val="tx1"/>
+          </a:fontRef>
+        </p:style>
+      </p:cxnSp>
+      <p:sp>
+        <p:nvSpPr>
+          <p:cNvPr id="65" name="TextBox 64">
+            <a:extLst>
+              <a:ext uri="{FF2B5EF4-FFF2-40B4-BE49-F238E27FC236}">
+                <a16:creationId xmlns:a16="http://schemas.microsoft.com/office/drawing/2014/main" id="{A58EF20C-BB8B-4D24-9363-2B713B383534}"/>
+              </a:ext>
+            </a:extLst>
+          </p:cNvPr>
+          <p:cNvSpPr txBox="1"/>
+          <p:nvPr/>
+        </p:nvSpPr>
+        <p:spPr>
+          <a:xfrm>
+            <a:off x="143500" y="2076366"/>
+            <a:ext cx="3834127" cy="307777"/>
+          </a:xfrm>
+          <a:prstGeom prst="rect">
+            <a:avLst/>
+          </a:prstGeom>
+          <a:noFill/>
+        </p:spPr>
+        <p:txBody>
+          <a:bodyPr wrap="none" rtlCol="0">
+            <a:spAutoFit/>
+          </a:bodyPr>
+          <a:lstStyle/>
+          <a:p>
+            <a:r>
+              <a:rPr lang="en-GB" sz="1400" dirty="0"/>
+              <a:t>If space for a fetched instruction – else do nothing</a:t>
+            </a:r>
+          </a:p>
+        </p:txBody>
+      </p:sp>
+      <p:sp>
+        <p:nvSpPr>
+          <p:cNvPr id="66" name="TextBox 65">
+            <a:extLst>
+              <a:ext uri="{FF2B5EF4-FFF2-40B4-BE49-F238E27FC236}">
+                <a16:creationId xmlns:a16="http://schemas.microsoft.com/office/drawing/2014/main" id="{1A597D9A-8AC0-482D-BD05-61F5267FA485}"/>
+              </a:ext>
+            </a:extLst>
+          </p:cNvPr>
+          <p:cNvSpPr txBox="1"/>
+          <p:nvPr/>
+        </p:nvSpPr>
+        <p:spPr>
+          <a:xfrm>
+            <a:off x="1213396" y="1495059"/>
+            <a:ext cx="1969477" cy="400110"/>
+          </a:xfrm>
+          <a:prstGeom prst="rect">
+            <a:avLst/>
+          </a:prstGeom>
+          <a:noFill/>
+        </p:spPr>
+        <p:txBody>
+          <a:bodyPr wrap="square" rtlCol="0">
+            <a:spAutoFit/>
+          </a:bodyPr>
+          <a:lstStyle/>
+          <a:p>
+            <a:r>
+              <a:rPr lang="en-GB" sz="2000" b="1" dirty="0"/>
+              <a:t>Current State</a:t>
+            </a:r>
+          </a:p>
+        </p:txBody>
+      </p:sp>
+      <p:cxnSp>
+        <p:nvCxnSpPr>
+          <p:cNvPr id="68" name="Straight Arrow Connector 67">
+            <a:extLst>
+              <a:ext uri="{FF2B5EF4-FFF2-40B4-BE49-F238E27FC236}">
+                <a16:creationId xmlns:a16="http://schemas.microsoft.com/office/drawing/2014/main" id="{931F1FDF-AD0E-45B7-878A-584DA9894A86}"/>
+              </a:ext>
+            </a:extLst>
+          </p:cNvPr>
+          <p:cNvCxnSpPr>
+            <a:cxnSpLocks/>
+            <a:stCxn id="16" idx="3"/>
+            <a:endCxn id="7" idx="1"/>
+          </p:cNvCxnSpPr>
+          <p:nvPr/>
+        </p:nvCxnSpPr>
+        <p:spPr>
+          <a:xfrm>
+            <a:off x="3367053" y="5487074"/>
+            <a:ext cx="1000871" cy="0"/>
+          </a:xfrm>
+          <a:prstGeom prst="straightConnector1">
+            <a:avLst/>
+          </a:prstGeom>
+          <a:ln>
+            <a:tailEnd type="triangle"/>
+          </a:ln>
+        </p:spPr>
+        <p:style>
+          <a:lnRef idx="1">
+            <a:schemeClr val="accent1"/>
+          </a:lnRef>
+          <a:fillRef idx="0">
+            <a:schemeClr val="accent1"/>
+          </a:fillRef>
+          <a:effectRef idx="0">
+            <a:schemeClr val="accent1"/>
+          </a:effectRef>
+          <a:fontRef idx="minor">
+            <a:schemeClr val="tx1"/>
+          </a:fontRef>
+        </p:style>
+      </p:cxnSp>
+      <p:sp>
+        <p:nvSpPr>
+          <p:cNvPr id="71" name="Rectangle 70">
+            <a:extLst>
+              <a:ext uri="{FF2B5EF4-FFF2-40B4-BE49-F238E27FC236}">
+                <a16:creationId xmlns:a16="http://schemas.microsoft.com/office/drawing/2014/main" id="{868E0094-1154-4BDD-B6CB-8DFD7AD7F8CB}"/>
+              </a:ext>
+            </a:extLst>
+          </p:cNvPr>
+          <p:cNvSpPr/>
+          <p:nvPr/>
+        </p:nvSpPr>
+        <p:spPr>
+          <a:xfrm>
+            <a:off x="10460227" y="5770619"/>
+            <a:ext cx="1422185" cy="534345"/>
+          </a:xfrm>
+          <a:prstGeom prst="rect">
+            <a:avLst/>
+          </a:prstGeom>
+        </p:spPr>
+        <p:style>
+          <a:lnRef idx="2">
+            <a:schemeClr val="accent3">
+              <a:shade val="50000"/>
+            </a:schemeClr>
+          </a:lnRef>
+          <a:fillRef idx="1">
+            <a:schemeClr val="accent3"/>
+          </a:fillRef>
+          <a:effectRef idx="0">
+            <a:schemeClr val="accent3"/>
+          </a:effectRef>
+          <a:fontRef idx="minor">
+            <a:schemeClr val="lt1"/>
+          </a:fontRef>
+        </p:style>
+        <p:txBody>
+          <a:bodyPr rtlCol="0" anchor="ctr"/>
+          <a:lstStyle/>
+          <a:p>
+            <a:pPr algn="ctr"/>
+            <a:r>
+              <a:rPr lang="en-GB" dirty="0"/>
+              <a:t>Flush()</a:t>
+            </a:r>
+          </a:p>
+        </p:txBody>
+      </p:sp>
+      <p:cxnSp>
+        <p:nvCxnSpPr>
+          <p:cNvPr id="75" name="Connector: Curved 74">
+            <a:extLst>
+              <a:ext uri="{FF2B5EF4-FFF2-40B4-BE49-F238E27FC236}">
+                <a16:creationId xmlns:a16="http://schemas.microsoft.com/office/drawing/2014/main" id="{32E2972F-AFE3-4550-82BE-05B9EE71646D}"/>
+              </a:ext>
+            </a:extLst>
+          </p:cNvPr>
+          <p:cNvCxnSpPr>
+            <a:stCxn id="71" idx="3"/>
+            <a:endCxn id="42" idx="3"/>
+          </p:cNvCxnSpPr>
+          <p:nvPr/>
+        </p:nvCxnSpPr>
+        <p:spPr>
+          <a:xfrm flipH="1" flipV="1">
+            <a:off x="8534668" y="2320697"/>
+            <a:ext cx="3347744" cy="3717095"/>
+          </a:xfrm>
+          <a:prstGeom prst="curvedConnector3">
+            <a:avLst>
+              <a:gd name="adj1" fmla="val -6828"/>
+            </a:avLst>
+          </a:prstGeom>
+          <a:ln>
+            <a:tailEnd type="triangle"/>
+          </a:ln>
+        </p:spPr>
+        <p:style>
+          <a:lnRef idx="1">
+            <a:schemeClr val="accent1"/>
+          </a:lnRef>
+          <a:fillRef idx="0">
+            <a:schemeClr val="accent1"/>
+          </a:fillRef>
+          <a:effectRef idx="0">
+            <a:schemeClr val="accent1"/>
+          </a:effectRef>
+          <a:fontRef idx="minor">
+            <a:schemeClr val="tx1"/>
+          </a:fontRef>
+        </p:style>
+      </p:cxnSp>
+      <p:cxnSp>
+        <p:nvCxnSpPr>
+          <p:cNvPr id="77" name="Connector: Curved 76">
+            <a:extLst>
+              <a:ext uri="{FF2B5EF4-FFF2-40B4-BE49-F238E27FC236}">
+                <a16:creationId xmlns:a16="http://schemas.microsoft.com/office/drawing/2014/main" id="{0DFEFACB-14D0-4BD2-BA5A-8B79A5CCA0C9}"/>
+              </a:ext>
+            </a:extLst>
+          </p:cNvPr>
+          <p:cNvCxnSpPr>
+            <a:stCxn id="71" idx="3"/>
+            <a:endCxn id="43" idx="3"/>
+          </p:cNvCxnSpPr>
+          <p:nvPr/>
+        </p:nvCxnSpPr>
+        <p:spPr>
+          <a:xfrm flipH="1" flipV="1">
+            <a:off x="8534668" y="2958388"/>
+            <a:ext cx="3347744" cy="3079404"/>
+          </a:xfrm>
+          <a:prstGeom prst="curvedConnector3">
+            <a:avLst>
+              <a:gd name="adj1" fmla="val -6828"/>
+            </a:avLst>
+          </a:prstGeom>
+          <a:ln>
+            <a:tailEnd type="triangle"/>
+          </a:ln>
+        </p:spPr>
+        <p:style>
+          <a:lnRef idx="1">
+            <a:schemeClr val="accent1"/>
+          </a:lnRef>
+          <a:fillRef idx="0">
+            <a:schemeClr val="accent1"/>
+          </a:fillRef>
+          <a:effectRef idx="0">
+            <a:schemeClr val="accent1"/>
+          </a:effectRef>
+          <a:fontRef idx="minor">
+            <a:schemeClr val="tx1"/>
+          </a:fontRef>
+        </p:style>
+      </p:cxnSp>
+      <p:cxnSp>
+        <p:nvCxnSpPr>
+          <p:cNvPr id="79" name="Connector: Curved 78">
+            <a:extLst>
+              <a:ext uri="{FF2B5EF4-FFF2-40B4-BE49-F238E27FC236}">
+                <a16:creationId xmlns:a16="http://schemas.microsoft.com/office/drawing/2014/main" id="{7E73F2D7-CCF1-4EDE-BA79-4A2B5D736241}"/>
+              </a:ext>
+            </a:extLst>
+          </p:cNvPr>
+          <p:cNvCxnSpPr>
+            <a:stCxn id="71" idx="3"/>
+            <a:endCxn id="53" idx="3"/>
+          </p:cNvCxnSpPr>
+          <p:nvPr/>
+        </p:nvCxnSpPr>
+        <p:spPr>
+          <a:xfrm flipH="1" flipV="1">
+            <a:off x="8534667" y="4067299"/>
+            <a:ext cx="3347745" cy="1970493"/>
+          </a:xfrm>
+          <a:prstGeom prst="curvedConnector3">
+            <a:avLst>
+              <a:gd name="adj1" fmla="val -6828"/>
+            </a:avLst>
+          </a:prstGeom>
+          <a:ln>
+            <a:tailEnd type="triangle"/>
+          </a:ln>
+        </p:spPr>
+        <p:style>
+          <a:lnRef idx="1">
+            <a:schemeClr val="accent1"/>
+          </a:lnRef>
+          <a:fillRef idx="0">
+            <a:schemeClr val="accent1"/>
+          </a:fillRef>
+          <a:effectRef idx="0">
+            <a:schemeClr val="accent1"/>
+          </a:effectRef>
+          <a:fontRef idx="minor">
+            <a:schemeClr val="tx1"/>
+          </a:fontRef>
+        </p:style>
+      </p:cxnSp>
+      <p:sp>
+        <p:nvSpPr>
+          <p:cNvPr id="41" name="Rectangle 40">
+            <a:extLst>
+              <a:ext uri="{FF2B5EF4-FFF2-40B4-BE49-F238E27FC236}">
+                <a16:creationId xmlns:a16="http://schemas.microsoft.com/office/drawing/2014/main" id="{7A464642-AECA-4E9E-AC91-49021497E568}"/>
+              </a:ext>
+            </a:extLst>
+          </p:cNvPr>
+          <p:cNvSpPr/>
+          <p:nvPr/>
+        </p:nvSpPr>
+        <p:spPr>
+          <a:xfrm>
+            <a:off x="5252806" y="5217795"/>
+            <a:ext cx="724938" cy="538558"/>
+          </a:xfrm>
+          <a:prstGeom prst="rect">
+            <a:avLst/>
+          </a:prstGeom>
+        </p:spPr>
+        <p:style>
+          <a:lnRef idx="2">
+            <a:schemeClr val="accent1">
+              <a:shade val="50000"/>
+            </a:schemeClr>
+          </a:lnRef>
+          <a:fillRef idx="1">
+            <a:schemeClr val="accent1"/>
+          </a:fillRef>
+          <a:effectRef idx="0">
+            <a:schemeClr val="accent1"/>
+          </a:effectRef>
+          <a:fontRef idx="minor">
+            <a:schemeClr val="lt1"/>
+          </a:fontRef>
+        </p:style>
+        <p:txBody>
+          <a:bodyPr rtlCol="0" anchor="ctr"/>
+          <a:lstStyle/>
+          <a:p>
+            <a:pPr algn="ctr"/>
+            <a:r>
+              <a:rPr lang="en-GB" sz="1100" dirty="0"/>
+              <a:t>Station 2</a:t>
+            </a:r>
+          </a:p>
+          <a:p>
+            <a:pPr algn="ctr"/>
+            <a:r>
+              <a:rPr lang="en-GB" sz="1100" dirty="0"/>
+              <a:t>Execute()</a:t>
+            </a:r>
+          </a:p>
+        </p:txBody>
+      </p:sp>
+      <p:sp>
+        <p:nvSpPr>
+          <p:cNvPr id="45" name="Rectangle 44">
+            <a:extLst>
+              <a:ext uri="{FF2B5EF4-FFF2-40B4-BE49-F238E27FC236}">
+                <a16:creationId xmlns:a16="http://schemas.microsoft.com/office/drawing/2014/main" id="{E15A5A53-715D-496E-98A5-60B23FE59E3B}"/>
+              </a:ext>
+            </a:extLst>
+          </p:cNvPr>
+          <p:cNvSpPr/>
+          <p:nvPr/>
+        </p:nvSpPr>
+        <p:spPr>
+          <a:xfrm>
+            <a:off x="4366030" y="5901876"/>
+            <a:ext cx="724938" cy="538558"/>
+          </a:xfrm>
+          <a:prstGeom prst="rect">
+            <a:avLst/>
+          </a:prstGeom>
+        </p:spPr>
+        <p:style>
+          <a:lnRef idx="2">
+            <a:schemeClr val="accent1">
+              <a:shade val="50000"/>
+            </a:schemeClr>
+          </a:lnRef>
+          <a:fillRef idx="1">
+            <a:schemeClr val="accent1"/>
+          </a:fillRef>
+          <a:effectRef idx="0">
+            <a:schemeClr val="accent1"/>
+          </a:effectRef>
+          <a:fontRef idx="minor">
+            <a:schemeClr val="lt1"/>
+          </a:fontRef>
+        </p:style>
+        <p:txBody>
+          <a:bodyPr rtlCol="0" anchor="ctr"/>
+          <a:lstStyle/>
+          <a:p>
+            <a:pPr algn="ctr"/>
+            <a:r>
+              <a:rPr lang="en-GB" sz="1100" dirty="0"/>
+              <a:t>Station 3</a:t>
+            </a:r>
+          </a:p>
+          <a:p>
+            <a:pPr algn="ctr"/>
+            <a:r>
+              <a:rPr lang="en-GB" sz="1100" dirty="0"/>
+              <a:t>Execute()</a:t>
+            </a:r>
+          </a:p>
+        </p:txBody>
+      </p:sp>
+      <p:sp>
+        <p:nvSpPr>
+          <p:cNvPr id="46" name="Rectangle 45">
+            <a:extLst>
+              <a:ext uri="{FF2B5EF4-FFF2-40B4-BE49-F238E27FC236}">
+                <a16:creationId xmlns:a16="http://schemas.microsoft.com/office/drawing/2014/main" id="{F84A20EB-1C6F-4951-B2CB-C54B75F60C56}"/>
+              </a:ext>
+            </a:extLst>
+          </p:cNvPr>
+          <p:cNvSpPr/>
+          <p:nvPr/>
+        </p:nvSpPr>
+        <p:spPr>
+          <a:xfrm>
+            <a:off x="5250912" y="5901876"/>
+            <a:ext cx="724938" cy="538558"/>
+          </a:xfrm>
+          <a:prstGeom prst="rect">
+            <a:avLst/>
+          </a:prstGeom>
+        </p:spPr>
+        <p:style>
+          <a:lnRef idx="2">
+            <a:schemeClr val="accent1">
+              <a:shade val="50000"/>
+            </a:schemeClr>
+          </a:lnRef>
+          <a:fillRef idx="1">
+            <a:schemeClr val="accent1"/>
+          </a:fillRef>
+          <a:effectRef idx="0">
+            <a:schemeClr val="accent1"/>
+          </a:effectRef>
+          <a:fontRef idx="minor">
+            <a:schemeClr val="lt1"/>
+          </a:fontRef>
+        </p:style>
+        <p:txBody>
+          <a:bodyPr rtlCol="0" anchor="ctr"/>
+          <a:lstStyle/>
+          <a:p>
+            <a:pPr algn="ctr"/>
+            <a:r>
+              <a:rPr lang="en-GB" sz="1100" dirty="0"/>
+              <a:t>Station N</a:t>
+            </a:r>
+          </a:p>
+          <a:p>
+            <a:pPr algn="ctr"/>
+            <a:r>
+              <a:rPr lang="en-GB" sz="1100" dirty="0"/>
+              <a:t>Execute()</a:t>
+            </a:r>
+          </a:p>
+        </p:txBody>
+      </p:sp>
+      <p:sp>
+        <p:nvSpPr>
+          <p:cNvPr id="47" name="TextBox 46">
+            <a:extLst>
+              <a:ext uri="{FF2B5EF4-FFF2-40B4-BE49-F238E27FC236}">
+                <a16:creationId xmlns:a16="http://schemas.microsoft.com/office/drawing/2014/main" id="{DCEBFA1C-93C9-4885-853E-B9F47AE881FF}"/>
+              </a:ext>
+            </a:extLst>
+          </p:cNvPr>
+          <p:cNvSpPr txBox="1"/>
+          <p:nvPr/>
+        </p:nvSpPr>
+        <p:spPr>
+          <a:xfrm>
+            <a:off x="252039" y="5602464"/>
+            <a:ext cx="828112" cy="523220"/>
+          </a:xfrm>
+          <a:prstGeom prst="rect">
+            <a:avLst/>
+          </a:prstGeom>
+          <a:noFill/>
+        </p:spPr>
+        <p:txBody>
+          <a:bodyPr wrap="none" rtlCol="0">
+            <a:spAutoFit/>
+          </a:bodyPr>
+          <a:lstStyle/>
+          <a:p>
+            <a:r>
+              <a:rPr lang="en-GB" sz="1400" b="1" dirty="0"/>
+              <a:t>(Foreach</a:t>
+            </a:r>
+          </a:p>
+          <a:p>
+            <a:r>
+              <a:rPr lang="en-GB" sz="1400" b="1" dirty="0"/>
+              <a:t>station)</a:t>
+            </a:r>
+          </a:p>
+        </p:txBody>
+      </p:sp>
+      <p:cxnSp>
+        <p:nvCxnSpPr>
+          <p:cNvPr id="15" name="Straight Arrow Connector 14">
+            <a:extLst>
+              <a:ext uri="{FF2B5EF4-FFF2-40B4-BE49-F238E27FC236}">
+                <a16:creationId xmlns:a16="http://schemas.microsoft.com/office/drawing/2014/main" id="{A51EB528-BEB9-421F-8418-884241665744}"/>
+              </a:ext>
+            </a:extLst>
+          </p:cNvPr>
+          <p:cNvCxnSpPr>
+            <a:cxnSpLocks/>
+            <a:stCxn id="7" idx="3"/>
+            <a:endCxn id="54" idx="1"/>
+          </p:cNvCxnSpPr>
+          <p:nvPr/>
+        </p:nvCxnSpPr>
+        <p:spPr>
+          <a:xfrm>
+            <a:off x="5092862" y="5487074"/>
+            <a:ext cx="1474195" cy="38293"/>
+          </a:xfrm>
+          <a:prstGeom prst="straightConnector1">
+            <a:avLst/>
+          </a:prstGeom>
+          <a:ln>
+            <a:tailEnd type="triangle"/>
+          </a:ln>
+        </p:spPr>
+        <p:style>
+          <a:lnRef idx="1">
+            <a:schemeClr val="accent1"/>
+          </a:lnRef>
+          <a:fillRef idx="0">
+            <a:schemeClr val="accent1"/>
+          </a:fillRef>
+          <a:effectRef idx="0">
+            <a:schemeClr val="accent1"/>
+          </a:effectRef>
+          <a:fontRef idx="minor">
+            <a:schemeClr val="tx1"/>
+          </a:fontRef>
+        </p:style>
+      </p:cxnSp>
+      <p:sp>
+        <p:nvSpPr>
+          <p:cNvPr id="56" name="TextBox 55">
+            <a:extLst>
+              <a:ext uri="{FF2B5EF4-FFF2-40B4-BE49-F238E27FC236}">
+                <a16:creationId xmlns:a16="http://schemas.microsoft.com/office/drawing/2014/main" id="{063BBFE1-49FF-4687-BE6F-574D6DC48701}"/>
+              </a:ext>
+            </a:extLst>
+          </p:cNvPr>
+          <p:cNvSpPr txBox="1"/>
+          <p:nvPr/>
+        </p:nvSpPr>
+        <p:spPr>
+          <a:xfrm>
+            <a:off x="8534399" y="4423386"/>
+            <a:ext cx="2812447" cy="430887"/>
+          </a:xfrm>
+          <a:prstGeom prst="rect">
+            <a:avLst/>
+          </a:prstGeom>
+          <a:noFill/>
+        </p:spPr>
+        <p:txBody>
+          <a:bodyPr wrap="square" rtlCol="0">
+            <a:spAutoFit/>
+          </a:bodyPr>
+          <a:lstStyle/>
+          <a:p>
+            <a:r>
+              <a:rPr lang="en-GB" sz="1100" dirty="0"/>
+              <a:t>If there is a free station and there are no control hazards issue the instruction</a:t>
+            </a:r>
+          </a:p>
+        </p:txBody>
+      </p:sp>
+      <p:sp>
+        <p:nvSpPr>
+          <p:cNvPr id="58" name="Rectangle 57">
+            <a:extLst>
+              <a:ext uri="{FF2B5EF4-FFF2-40B4-BE49-F238E27FC236}">
+                <a16:creationId xmlns:a16="http://schemas.microsoft.com/office/drawing/2014/main" id="{F304859C-D535-420C-92F4-55EAD30E5632}"/>
+              </a:ext>
+            </a:extLst>
+          </p:cNvPr>
+          <p:cNvSpPr/>
+          <p:nvPr/>
+        </p:nvSpPr>
+        <p:spPr>
+          <a:xfrm>
+            <a:off x="6842693" y="5882000"/>
+            <a:ext cx="2476904" cy="377859"/>
+          </a:xfrm>
+          <a:prstGeom prst="rect">
+            <a:avLst/>
+          </a:prstGeom>
+          <a:solidFill>
+            <a:schemeClr val="accent2">
+              <a:lumMod val="60000"/>
+              <a:lumOff val="40000"/>
+            </a:schemeClr>
+          </a:solidFill>
+        </p:spPr>
+        <p:style>
+          <a:lnRef idx="2">
+            <a:schemeClr val="accent1">
+              <a:shade val="50000"/>
+            </a:schemeClr>
+          </a:lnRef>
+          <a:fillRef idx="1">
+            <a:schemeClr val="accent1"/>
+          </a:fillRef>
+          <a:effectRef idx="0">
+            <a:schemeClr val="accent1"/>
+          </a:effectRef>
+          <a:fontRef idx="minor">
+            <a:schemeClr val="lt1"/>
+          </a:fontRef>
+        </p:style>
+        <p:txBody>
+          <a:bodyPr rtlCol="0" anchor="ctr"/>
+          <a:lstStyle/>
+          <a:p>
+            <a:pPr algn="ctr"/>
+            <a:r>
+              <a:rPr lang="en-GB" sz="1400" dirty="0"/>
+              <a:t>Broadcast result registers to other stations</a:t>
+            </a:r>
+          </a:p>
+        </p:txBody>
+      </p:sp>
+      <p:cxnSp>
+        <p:nvCxnSpPr>
+          <p:cNvPr id="29" name="Straight Arrow Connector 28">
+            <a:extLst>
+              <a:ext uri="{FF2B5EF4-FFF2-40B4-BE49-F238E27FC236}">
+                <a16:creationId xmlns:a16="http://schemas.microsoft.com/office/drawing/2014/main" id="{8016E66B-1D47-48D6-B1CA-9C67283D1671}"/>
+              </a:ext>
+            </a:extLst>
+          </p:cNvPr>
+          <p:cNvCxnSpPr>
+            <a:cxnSpLocks/>
+            <a:stCxn id="7" idx="3"/>
+            <a:endCxn id="58" idx="1"/>
+          </p:cNvCxnSpPr>
+          <p:nvPr/>
+        </p:nvCxnSpPr>
+        <p:spPr>
+          <a:xfrm>
+            <a:off x="5092862" y="5487074"/>
+            <a:ext cx="1749831" cy="583856"/>
+          </a:xfrm>
+          <a:prstGeom prst="straightConnector1">
+            <a:avLst/>
+          </a:prstGeom>
+          <a:ln>
+            <a:tailEnd type="triangle"/>
+          </a:ln>
+        </p:spPr>
+        <p:style>
+          <a:lnRef idx="1">
+            <a:schemeClr val="accent1"/>
+          </a:lnRef>
+          <a:fillRef idx="0">
+            <a:schemeClr val="accent1"/>
+          </a:fillRef>
+          <a:effectRef idx="0">
+            <a:schemeClr val="accent1"/>
+          </a:effectRef>
+          <a:fontRef idx="minor">
+            <a:schemeClr val="tx1"/>
+          </a:fontRef>
+        </p:style>
+      </p:cxnSp>
+      <p:sp>
+        <p:nvSpPr>
+          <p:cNvPr id="78" name="Rectangle 77">
+            <a:extLst>
+              <a:ext uri="{FF2B5EF4-FFF2-40B4-BE49-F238E27FC236}">
+                <a16:creationId xmlns:a16="http://schemas.microsoft.com/office/drawing/2014/main" id="{EEE937FE-8136-46D0-8CAE-8AC661114FD0}"/>
+              </a:ext>
+            </a:extLst>
+          </p:cNvPr>
+          <p:cNvSpPr/>
+          <p:nvPr/>
+        </p:nvSpPr>
+        <p:spPr>
+          <a:xfrm>
+            <a:off x="6842693" y="6355797"/>
+            <a:ext cx="2476904" cy="377859"/>
+          </a:xfrm>
+          <a:prstGeom prst="rect">
+            <a:avLst/>
+          </a:prstGeom>
+          <a:solidFill>
+            <a:schemeClr val="accent2">
+              <a:lumMod val="60000"/>
+              <a:lumOff val="40000"/>
+            </a:schemeClr>
+          </a:solidFill>
+        </p:spPr>
+        <p:style>
+          <a:lnRef idx="2">
+            <a:schemeClr val="accent1">
+              <a:shade val="50000"/>
+            </a:schemeClr>
+          </a:lnRef>
+          <a:fillRef idx="1">
+            <a:schemeClr val="accent1"/>
+          </a:fillRef>
+          <a:effectRef idx="0">
+            <a:schemeClr val="accent1"/>
+          </a:effectRef>
+          <a:fontRef idx="minor">
+            <a:schemeClr val="lt1"/>
+          </a:fontRef>
+        </p:style>
+        <p:txBody>
+          <a:bodyPr rtlCol="0" anchor="ctr"/>
+          <a:lstStyle/>
+          <a:p>
+            <a:pPr algn="ctr"/>
+            <a:r>
+              <a:rPr lang="en-GB" sz="1400" dirty="0"/>
+              <a:t>Writeback results to registers</a:t>
+            </a:r>
+          </a:p>
+        </p:txBody>
+      </p:sp>
+      <p:cxnSp>
+        <p:nvCxnSpPr>
+          <p:cNvPr id="81" name="Straight Arrow Connector 80">
+            <a:extLst>
+              <a:ext uri="{FF2B5EF4-FFF2-40B4-BE49-F238E27FC236}">
+                <a16:creationId xmlns:a16="http://schemas.microsoft.com/office/drawing/2014/main" id="{7DE15CC5-B5CC-4BF8-9CC7-3237C03A5D8C}"/>
+              </a:ext>
+            </a:extLst>
+          </p:cNvPr>
+          <p:cNvCxnSpPr>
+            <a:stCxn id="7" idx="3"/>
+            <a:endCxn id="78" idx="1"/>
+          </p:cNvCxnSpPr>
+          <p:nvPr/>
+        </p:nvCxnSpPr>
+        <p:spPr>
+          <a:xfrm>
+            <a:off x="5092862" y="5487074"/>
+            <a:ext cx="1749831" cy="1057653"/>
+          </a:xfrm>
+          <a:prstGeom prst="straightConnector1">
+            <a:avLst/>
+          </a:prstGeom>
+          <a:ln>
+            <a:tailEnd type="triangle"/>
+          </a:ln>
+        </p:spPr>
+        <p:style>
+          <a:lnRef idx="1">
+            <a:schemeClr val="accent1"/>
+          </a:lnRef>
+          <a:fillRef idx="0">
+            <a:schemeClr val="accent1"/>
+          </a:fillRef>
+          <a:effectRef idx="0">
+            <a:schemeClr val="accent1"/>
+          </a:effectRef>
+          <a:fontRef idx="minor">
+            <a:schemeClr val="tx1"/>
+          </a:fontRef>
+        </p:style>
+      </p:cxnSp>
     </p:spTree>
     <p:extLst>
       <p:ext uri="{BB962C8B-B14F-4D97-AF65-F5344CB8AC3E}">
-        <p14:creationId xmlns:p14="http://schemas.microsoft.com/office/powerpoint/2010/main" val="3656616125"/>
+        <p14:creationId xmlns:p14="http://schemas.microsoft.com/office/powerpoint/2010/main" val="1864403357"/>
       </p:ext>
     </p:extLst>
   </p:cSld>

--- a/slides.pptx
+++ b/slides.pptx
@@ -5,7 +5,7 @@
     <p:sldMasterId id="2147483648" r:id="rId1"/>
   </p:sldMasterIdLst>
   <p:notesMasterIdLst>
-    <p:notesMasterId r:id="rId13"/>
+    <p:notesMasterId r:id="rId14"/>
   </p:notesMasterIdLst>
   <p:sldIdLst>
     <p:sldId id="256" r:id="rId2"/>
@@ -19,6 +19,7 @@
     <p:sldId id="263" r:id="rId10"/>
     <p:sldId id="266" r:id="rId11"/>
     <p:sldId id="265" r:id="rId12"/>
+    <p:sldId id="267" r:id="rId13"/>
   </p:sldIdLst>
   <p:sldSz cx="12192000" cy="6858000"/>
   <p:notesSz cx="6858000" cy="9144000"/>
@@ -5221,6 +5222,1997 @@
     <p:extLst>
       <p:ext uri="{BB962C8B-B14F-4D97-AF65-F5344CB8AC3E}">
         <p14:creationId xmlns:p14="http://schemas.microsoft.com/office/powerpoint/2010/main" val="1930297025"/>
+      </p:ext>
+    </p:extLst>
+  </p:cSld>
+  <p:clrMapOvr>
+    <a:masterClrMapping/>
+  </p:clrMapOvr>
+</p:sld>
+</file>
+
+<file path=ppt/slides/slide12.xml><?xml version="1.0" encoding="utf-8"?>
+<p:sld xmlns:a="http://schemas.openxmlformats.org/drawingml/2006/main" xmlns:r="http://schemas.openxmlformats.org/officeDocument/2006/relationships" xmlns:p="http://schemas.openxmlformats.org/presentationml/2006/main">
+  <p:cSld>
+    <p:spTree>
+      <p:nvGrpSpPr>
+        <p:cNvPr id="1" name=""/>
+        <p:cNvGrpSpPr/>
+        <p:nvPr/>
+      </p:nvGrpSpPr>
+      <p:grpSpPr>
+        <a:xfrm>
+          <a:off x="0" y="0"/>
+          <a:ext cx="0" cy="0"/>
+          <a:chOff x="0" y="0"/>
+          <a:chExt cx="0" cy="0"/>
+        </a:xfrm>
+      </p:grpSpPr>
+      <p:sp>
+        <p:nvSpPr>
+          <p:cNvPr id="3" name="Content Placeholder 2">
+            <a:extLst>
+              <a:ext uri="{FF2B5EF4-FFF2-40B4-BE49-F238E27FC236}">
+                <a16:creationId xmlns:a16="http://schemas.microsoft.com/office/drawing/2014/main" id="{C117342A-5411-4766-A79A-8305A34CF3D5}"/>
+              </a:ext>
+            </a:extLst>
+          </p:cNvPr>
+          <p:cNvSpPr>
+            <a:spLocks noGrp="1"/>
+          </p:cNvSpPr>
+          <p:nvPr>
+            <p:ph idx="1"/>
+          </p:nvPr>
+        </p:nvSpPr>
+        <p:spPr>
+          <a:xfrm>
+            <a:off x="689707" y="711200"/>
+            <a:ext cx="10515600" cy="5435600"/>
+          </a:xfrm>
+        </p:spPr>
+        <p:txBody>
+          <a:bodyPr>
+            <a:normAutofit lnSpcReduction="10000"/>
+          </a:bodyPr>
+          <a:lstStyle/>
+          <a:p>
+            <a:pPr marL="0" indent="0">
+              <a:buNone/>
+            </a:pPr>
+            <a:r>
+              <a:rPr lang="en-GB" dirty="0"/>
+              <a:t>Hypothesis: Adding an execution unit / reservation station will increase the instructions per cycle rate, each time by a decreasing amount, until reaching zero.</a:t>
+            </a:r>
+          </a:p>
+          <a:p>
+            <a:pPr marL="0" indent="0">
+              <a:buNone/>
+            </a:pPr>
+            <a:r>
+              <a:rPr lang="en-GB" dirty="0"/>
+              <a:t>Experiment: I ran the test2.elf program (which contains a large variety of instructions and patterns) with different numbers of execution units:</a:t>
+            </a:r>
+          </a:p>
+          <a:p>
+            <a:pPr marL="0" indent="0">
+              <a:buNone/>
+            </a:pPr>
+            <a:endParaRPr lang="en-GB" dirty="0"/>
+          </a:p>
+          <a:p>
+            <a:pPr marL="0" indent="0">
+              <a:buNone/>
+            </a:pPr>
+            <a:endParaRPr lang="en-GB" dirty="0"/>
+          </a:p>
+          <a:p>
+            <a:pPr marL="0" indent="0">
+              <a:buNone/>
+            </a:pPr>
+            <a:endParaRPr lang="en-GB" dirty="0"/>
+          </a:p>
+          <a:p>
+            <a:pPr marL="0" indent="0">
+              <a:buNone/>
+            </a:pPr>
+            <a:endParaRPr lang="en-GB" dirty="0"/>
+          </a:p>
+          <a:p>
+            <a:pPr marL="0" indent="0">
+              <a:buNone/>
+            </a:pPr>
+            <a:endParaRPr lang="en-GB" dirty="0"/>
+          </a:p>
+          <a:p>
+            <a:pPr marL="0" indent="0">
+              <a:buNone/>
+            </a:pPr>
+            <a:r>
+              <a:rPr lang="en-GB" dirty="0"/>
+              <a:t>Result: As expected the first increase in units leads to a larger reduction in processor cycles, but this then diminishes until we reach a limit where we cannot run any more instructions in parallel.</a:t>
+            </a:r>
+          </a:p>
+        </p:txBody>
+      </p:sp>
+      <p:graphicFrame>
+        <p:nvGraphicFramePr>
+          <p:cNvPr id="4" name="Table 3">
+            <a:extLst>
+              <a:ext uri="{FF2B5EF4-FFF2-40B4-BE49-F238E27FC236}">
+                <a16:creationId xmlns:a16="http://schemas.microsoft.com/office/drawing/2014/main" id="{0CB0FF62-3D9B-412B-852B-49FA47FA7761}"/>
+              </a:ext>
+            </a:extLst>
+          </p:cNvPr>
+          <p:cNvGraphicFramePr>
+            <a:graphicFrameLocks noGrp="1"/>
+          </p:cNvGraphicFramePr>
+          <p:nvPr>
+            <p:extLst>
+              <p:ext uri="{D42A27DB-BD31-4B8C-83A1-F6EECF244321}">
+                <p14:modId xmlns:p14="http://schemas.microsoft.com/office/powerpoint/2010/main" val="4003382702"/>
+              </p:ext>
+            </p:extLst>
+          </p:nvPr>
+        </p:nvGraphicFramePr>
+        <p:xfrm>
+          <a:off x="838200" y="2999946"/>
+          <a:ext cx="10515600" cy="1666794"/>
+        </p:xfrm>
+        <a:graphic>
+          <a:graphicData uri="http://schemas.openxmlformats.org/drawingml/2006/table">
+            <a:tbl>
+              <a:tblPr/>
+              <a:tblGrid>
+                <a:gridCol w="1314450">
+                  <a:extLst>
+                    <a:ext uri="{9D8B030D-6E8A-4147-A177-3AD203B41FA5}">
+                      <a16:colId xmlns:a16="http://schemas.microsoft.com/office/drawing/2014/main" val="2626647368"/>
+                    </a:ext>
+                  </a:extLst>
+                </a:gridCol>
+                <a:gridCol w="1314450">
+                  <a:extLst>
+                    <a:ext uri="{9D8B030D-6E8A-4147-A177-3AD203B41FA5}">
+                      <a16:colId xmlns:a16="http://schemas.microsoft.com/office/drawing/2014/main" val="2698415921"/>
+                    </a:ext>
+                  </a:extLst>
+                </a:gridCol>
+                <a:gridCol w="1314450">
+                  <a:extLst>
+                    <a:ext uri="{9D8B030D-6E8A-4147-A177-3AD203B41FA5}">
+                      <a16:colId xmlns:a16="http://schemas.microsoft.com/office/drawing/2014/main" val="779408045"/>
+                    </a:ext>
+                  </a:extLst>
+                </a:gridCol>
+                <a:gridCol w="1314450">
+                  <a:extLst>
+                    <a:ext uri="{9D8B030D-6E8A-4147-A177-3AD203B41FA5}">
+                      <a16:colId xmlns:a16="http://schemas.microsoft.com/office/drawing/2014/main" val="3867601744"/>
+                    </a:ext>
+                  </a:extLst>
+                </a:gridCol>
+                <a:gridCol w="1314450">
+                  <a:extLst>
+                    <a:ext uri="{9D8B030D-6E8A-4147-A177-3AD203B41FA5}">
+                      <a16:colId xmlns:a16="http://schemas.microsoft.com/office/drawing/2014/main" val="233928624"/>
+                    </a:ext>
+                  </a:extLst>
+                </a:gridCol>
+                <a:gridCol w="1314450">
+                  <a:extLst>
+                    <a:ext uri="{9D8B030D-6E8A-4147-A177-3AD203B41FA5}">
+                      <a16:colId xmlns:a16="http://schemas.microsoft.com/office/drawing/2014/main" val="1133357772"/>
+                    </a:ext>
+                  </a:extLst>
+                </a:gridCol>
+                <a:gridCol w="1314450">
+                  <a:extLst>
+                    <a:ext uri="{9D8B030D-6E8A-4147-A177-3AD203B41FA5}">
+                      <a16:colId xmlns:a16="http://schemas.microsoft.com/office/drawing/2014/main" val="2151131576"/>
+                    </a:ext>
+                  </a:extLst>
+                </a:gridCol>
+                <a:gridCol w="1314450">
+                  <a:extLst>
+                    <a:ext uri="{9D8B030D-6E8A-4147-A177-3AD203B41FA5}">
+                      <a16:colId xmlns:a16="http://schemas.microsoft.com/office/drawing/2014/main" val="3501183444"/>
+                    </a:ext>
+                  </a:extLst>
+                </a:gridCol>
+              </a:tblGrid>
+              <a:tr h="525402">
+                <a:tc>
+                  <a:txBody>
+                    <a:bodyPr/>
+                    <a:lstStyle/>
+                    <a:p>
+                      <a:r>
+                        <a:rPr lang="en-GB" sz="1400" b="1">
+                          <a:effectLst/>
+                        </a:rPr>
+                        <a:t>Stations / Units</a:t>
+                      </a:r>
+                    </a:p>
+                  </a:txBody>
+                  <a:tcPr marL="98136" marR="98136" marT="45293" marB="45293" anchor="ctr">
+                    <a:lnL w="9525" cap="flat" cmpd="sng" algn="ctr">
+                      <a:solidFill>
+                        <a:srgbClr val="DDDDDD"/>
+                      </a:solidFill>
+                      <a:prstDash val="solid"/>
+                      <a:round/>
+                      <a:headEnd type="none" w="med" len="med"/>
+                      <a:tailEnd type="none" w="med" len="med"/>
+                    </a:lnL>
+                    <a:lnR w="9525" cap="flat" cmpd="sng" algn="ctr">
+                      <a:solidFill>
+                        <a:srgbClr val="DDDDDD"/>
+                      </a:solidFill>
+                      <a:prstDash val="solid"/>
+                      <a:round/>
+                      <a:headEnd type="none" w="med" len="med"/>
+                      <a:tailEnd type="none" w="med" len="med"/>
+                    </a:lnR>
+                    <a:lnT w="9525" cap="flat" cmpd="sng" algn="ctr">
+                      <a:solidFill>
+                        <a:srgbClr val="DDDDDD"/>
+                      </a:solidFill>
+                      <a:prstDash val="solid"/>
+                      <a:round/>
+                      <a:headEnd type="none" w="med" len="med"/>
+                      <a:tailEnd type="none" w="med" len="med"/>
+                    </a:lnT>
+                    <a:lnB w="9525" cap="flat" cmpd="sng" algn="ctr">
+                      <a:solidFill>
+                        <a:srgbClr val="DDDDDD"/>
+                      </a:solidFill>
+                      <a:prstDash val="solid"/>
+                      <a:round/>
+                      <a:headEnd type="none" w="med" len="med"/>
+                      <a:tailEnd type="none" w="med" len="med"/>
+                    </a:lnB>
+                    <a:solidFill>
+                      <a:srgbClr val="FFFFFF"/>
+                    </a:solidFill>
+                  </a:tcPr>
+                </a:tc>
+                <a:tc>
+                  <a:txBody>
+                    <a:bodyPr/>
+                    <a:lstStyle/>
+                    <a:p>
+                      <a:r>
+                        <a:rPr lang="en-GB" sz="1400" b="1">
+                          <a:effectLst/>
+                        </a:rPr>
+                        <a:t>1</a:t>
+                      </a:r>
+                    </a:p>
+                  </a:txBody>
+                  <a:tcPr marL="98136" marR="98136" marT="45293" marB="45293" anchor="ctr">
+                    <a:lnL w="9525" cap="flat" cmpd="sng" algn="ctr">
+                      <a:solidFill>
+                        <a:srgbClr val="DDDDDD"/>
+                      </a:solidFill>
+                      <a:prstDash val="solid"/>
+                      <a:round/>
+                      <a:headEnd type="none" w="med" len="med"/>
+                      <a:tailEnd type="none" w="med" len="med"/>
+                    </a:lnL>
+                    <a:lnR w="9525" cap="flat" cmpd="sng" algn="ctr">
+                      <a:solidFill>
+                        <a:srgbClr val="DDDDDD"/>
+                      </a:solidFill>
+                      <a:prstDash val="solid"/>
+                      <a:round/>
+                      <a:headEnd type="none" w="med" len="med"/>
+                      <a:tailEnd type="none" w="med" len="med"/>
+                    </a:lnR>
+                    <a:lnT w="9525" cap="flat" cmpd="sng" algn="ctr">
+                      <a:solidFill>
+                        <a:srgbClr val="DDDDDD"/>
+                      </a:solidFill>
+                      <a:prstDash val="solid"/>
+                      <a:round/>
+                      <a:headEnd type="none" w="med" len="med"/>
+                      <a:tailEnd type="none" w="med" len="med"/>
+                    </a:lnT>
+                    <a:lnB w="9525" cap="flat" cmpd="sng" algn="ctr">
+                      <a:solidFill>
+                        <a:srgbClr val="DDDDDD"/>
+                      </a:solidFill>
+                      <a:prstDash val="solid"/>
+                      <a:round/>
+                      <a:headEnd type="none" w="med" len="med"/>
+                      <a:tailEnd type="none" w="med" len="med"/>
+                    </a:lnB>
+                    <a:solidFill>
+                      <a:srgbClr val="FFFFFF"/>
+                    </a:solidFill>
+                  </a:tcPr>
+                </a:tc>
+                <a:tc>
+                  <a:txBody>
+                    <a:bodyPr/>
+                    <a:lstStyle/>
+                    <a:p>
+                      <a:r>
+                        <a:rPr lang="en-GB" sz="1400" b="1">
+                          <a:effectLst/>
+                        </a:rPr>
+                        <a:t>2</a:t>
+                      </a:r>
+                    </a:p>
+                  </a:txBody>
+                  <a:tcPr marL="98136" marR="98136" marT="45293" marB="45293" anchor="ctr">
+                    <a:lnL w="9525" cap="flat" cmpd="sng" algn="ctr">
+                      <a:solidFill>
+                        <a:srgbClr val="DDDDDD"/>
+                      </a:solidFill>
+                      <a:prstDash val="solid"/>
+                      <a:round/>
+                      <a:headEnd type="none" w="med" len="med"/>
+                      <a:tailEnd type="none" w="med" len="med"/>
+                    </a:lnL>
+                    <a:lnR w="9525" cap="flat" cmpd="sng" algn="ctr">
+                      <a:solidFill>
+                        <a:srgbClr val="DDDDDD"/>
+                      </a:solidFill>
+                      <a:prstDash val="solid"/>
+                      <a:round/>
+                      <a:headEnd type="none" w="med" len="med"/>
+                      <a:tailEnd type="none" w="med" len="med"/>
+                    </a:lnR>
+                    <a:lnT w="9525" cap="flat" cmpd="sng" algn="ctr">
+                      <a:solidFill>
+                        <a:srgbClr val="DDDDDD"/>
+                      </a:solidFill>
+                      <a:prstDash val="solid"/>
+                      <a:round/>
+                      <a:headEnd type="none" w="med" len="med"/>
+                      <a:tailEnd type="none" w="med" len="med"/>
+                    </a:lnT>
+                    <a:lnB w="9525" cap="flat" cmpd="sng" algn="ctr">
+                      <a:solidFill>
+                        <a:srgbClr val="DDDDDD"/>
+                      </a:solidFill>
+                      <a:prstDash val="solid"/>
+                      <a:round/>
+                      <a:headEnd type="none" w="med" len="med"/>
+                      <a:tailEnd type="none" w="med" len="med"/>
+                    </a:lnB>
+                    <a:solidFill>
+                      <a:srgbClr val="FFFFFF"/>
+                    </a:solidFill>
+                  </a:tcPr>
+                </a:tc>
+                <a:tc>
+                  <a:txBody>
+                    <a:bodyPr/>
+                    <a:lstStyle/>
+                    <a:p>
+                      <a:r>
+                        <a:rPr lang="en-GB" sz="1400" b="1">
+                          <a:effectLst/>
+                        </a:rPr>
+                        <a:t>3</a:t>
+                      </a:r>
+                    </a:p>
+                  </a:txBody>
+                  <a:tcPr marL="98136" marR="98136" marT="45293" marB="45293" anchor="ctr">
+                    <a:lnL w="9525" cap="flat" cmpd="sng" algn="ctr">
+                      <a:solidFill>
+                        <a:srgbClr val="DDDDDD"/>
+                      </a:solidFill>
+                      <a:prstDash val="solid"/>
+                      <a:round/>
+                      <a:headEnd type="none" w="med" len="med"/>
+                      <a:tailEnd type="none" w="med" len="med"/>
+                    </a:lnL>
+                    <a:lnR w="9525" cap="flat" cmpd="sng" algn="ctr">
+                      <a:solidFill>
+                        <a:srgbClr val="DDDDDD"/>
+                      </a:solidFill>
+                      <a:prstDash val="solid"/>
+                      <a:round/>
+                      <a:headEnd type="none" w="med" len="med"/>
+                      <a:tailEnd type="none" w="med" len="med"/>
+                    </a:lnR>
+                    <a:lnT w="9525" cap="flat" cmpd="sng" algn="ctr">
+                      <a:solidFill>
+                        <a:srgbClr val="DDDDDD"/>
+                      </a:solidFill>
+                      <a:prstDash val="solid"/>
+                      <a:round/>
+                      <a:headEnd type="none" w="med" len="med"/>
+                      <a:tailEnd type="none" w="med" len="med"/>
+                    </a:lnT>
+                    <a:lnB w="9525" cap="flat" cmpd="sng" algn="ctr">
+                      <a:solidFill>
+                        <a:srgbClr val="DDDDDD"/>
+                      </a:solidFill>
+                      <a:prstDash val="solid"/>
+                      <a:round/>
+                      <a:headEnd type="none" w="med" len="med"/>
+                      <a:tailEnd type="none" w="med" len="med"/>
+                    </a:lnB>
+                    <a:solidFill>
+                      <a:srgbClr val="FFFFFF"/>
+                    </a:solidFill>
+                  </a:tcPr>
+                </a:tc>
+                <a:tc>
+                  <a:txBody>
+                    <a:bodyPr/>
+                    <a:lstStyle/>
+                    <a:p>
+                      <a:r>
+                        <a:rPr lang="en-GB" sz="1400" b="1">
+                          <a:effectLst/>
+                        </a:rPr>
+                        <a:t>4</a:t>
+                      </a:r>
+                    </a:p>
+                  </a:txBody>
+                  <a:tcPr marL="98136" marR="98136" marT="45293" marB="45293" anchor="ctr">
+                    <a:lnL w="9525" cap="flat" cmpd="sng" algn="ctr">
+                      <a:solidFill>
+                        <a:srgbClr val="DDDDDD"/>
+                      </a:solidFill>
+                      <a:prstDash val="solid"/>
+                      <a:round/>
+                      <a:headEnd type="none" w="med" len="med"/>
+                      <a:tailEnd type="none" w="med" len="med"/>
+                    </a:lnL>
+                    <a:lnR w="9525" cap="flat" cmpd="sng" algn="ctr">
+                      <a:solidFill>
+                        <a:srgbClr val="DDDDDD"/>
+                      </a:solidFill>
+                      <a:prstDash val="solid"/>
+                      <a:round/>
+                      <a:headEnd type="none" w="med" len="med"/>
+                      <a:tailEnd type="none" w="med" len="med"/>
+                    </a:lnR>
+                    <a:lnT w="9525" cap="flat" cmpd="sng" algn="ctr">
+                      <a:solidFill>
+                        <a:srgbClr val="DDDDDD"/>
+                      </a:solidFill>
+                      <a:prstDash val="solid"/>
+                      <a:round/>
+                      <a:headEnd type="none" w="med" len="med"/>
+                      <a:tailEnd type="none" w="med" len="med"/>
+                    </a:lnT>
+                    <a:lnB w="9525" cap="flat" cmpd="sng" algn="ctr">
+                      <a:solidFill>
+                        <a:srgbClr val="DDDDDD"/>
+                      </a:solidFill>
+                      <a:prstDash val="solid"/>
+                      <a:round/>
+                      <a:headEnd type="none" w="med" len="med"/>
+                      <a:tailEnd type="none" w="med" len="med"/>
+                    </a:lnB>
+                    <a:solidFill>
+                      <a:srgbClr val="FFFFFF"/>
+                    </a:solidFill>
+                  </a:tcPr>
+                </a:tc>
+                <a:tc>
+                  <a:txBody>
+                    <a:bodyPr/>
+                    <a:lstStyle/>
+                    <a:p>
+                      <a:r>
+                        <a:rPr lang="en-GB" sz="1400" b="1">
+                          <a:effectLst/>
+                        </a:rPr>
+                        <a:t>5</a:t>
+                      </a:r>
+                    </a:p>
+                  </a:txBody>
+                  <a:tcPr marL="98136" marR="98136" marT="45293" marB="45293" anchor="ctr">
+                    <a:lnL w="9525" cap="flat" cmpd="sng" algn="ctr">
+                      <a:solidFill>
+                        <a:srgbClr val="DDDDDD"/>
+                      </a:solidFill>
+                      <a:prstDash val="solid"/>
+                      <a:round/>
+                      <a:headEnd type="none" w="med" len="med"/>
+                      <a:tailEnd type="none" w="med" len="med"/>
+                    </a:lnL>
+                    <a:lnR w="9525" cap="flat" cmpd="sng" algn="ctr">
+                      <a:solidFill>
+                        <a:srgbClr val="DDDDDD"/>
+                      </a:solidFill>
+                      <a:prstDash val="solid"/>
+                      <a:round/>
+                      <a:headEnd type="none" w="med" len="med"/>
+                      <a:tailEnd type="none" w="med" len="med"/>
+                    </a:lnR>
+                    <a:lnT w="9525" cap="flat" cmpd="sng" algn="ctr">
+                      <a:solidFill>
+                        <a:srgbClr val="DDDDDD"/>
+                      </a:solidFill>
+                      <a:prstDash val="solid"/>
+                      <a:round/>
+                      <a:headEnd type="none" w="med" len="med"/>
+                      <a:tailEnd type="none" w="med" len="med"/>
+                    </a:lnT>
+                    <a:lnB w="9525" cap="flat" cmpd="sng" algn="ctr">
+                      <a:solidFill>
+                        <a:srgbClr val="DDDDDD"/>
+                      </a:solidFill>
+                      <a:prstDash val="solid"/>
+                      <a:round/>
+                      <a:headEnd type="none" w="med" len="med"/>
+                      <a:tailEnd type="none" w="med" len="med"/>
+                    </a:lnB>
+                    <a:solidFill>
+                      <a:srgbClr val="FFFFFF"/>
+                    </a:solidFill>
+                  </a:tcPr>
+                </a:tc>
+                <a:tc>
+                  <a:txBody>
+                    <a:bodyPr/>
+                    <a:lstStyle/>
+                    <a:p>
+                      <a:r>
+                        <a:rPr lang="en-GB" sz="1400" b="1">
+                          <a:effectLst/>
+                        </a:rPr>
+                        <a:t>6</a:t>
+                      </a:r>
+                    </a:p>
+                  </a:txBody>
+                  <a:tcPr marL="98136" marR="98136" marT="45293" marB="45293" anchor="ctr">
+                    <a:lnL w="9525" cap="flat" cmpd="sng" algn="ctr">
+                      <a:solidFill>
+                        <a:srgbClr val="DDDDDD"/>
+                      </a:solidFill>
+                      <a:prstDash val="solid"/>
+                      <a:round/>
+                      <a:headEnd type="none" w="med" len="med"/>
+                      <a:tailEnd type="none" w="med" len="med"/>
+                    </a:lnL>
+                    <a:lnR w="9525" cap="flat" cmpd="sng" algn="ctr">
+                      <a:solidFill>
+                        <a:srgbClr val="DDDDDD"/>
+                      </a:solidFill>
+                      <a:prstDash val="solid"/>
+                      <a:round/>
+                      <a:headEnd type="none" w="med" len="med"/>
+                      <a:tailEnd type="none" w="med" len="med"/>
+                    </a:lnR>
+                    <a:lnT w="9525" cap="flat" cmpd="sng" algn="ctr">
+                      <a:solidFill>
+                        <a:srgbClr val="DDDDDD"/>
+                      </a:solidFill>
+                      <a:prstDash val="solid"/>
+                      <a:round/>
+                      <a:headEnd type="none" w="med" len="med"/>
+                      <a:tailEnd type="none" w="med" len="med"/>
+                    </a:lnT>
+                    <a:lnB w="9525" cap="flat" cmpd="sng" algn="ctr">
+                      <a:solidFill>
+                        <a:srgbClr val="DDDDDD"/>
+                      </a:solidFill>
+                      <a:prstDash val="solid"/>
+                      <a:round/>
+                      <a:headEnd type="none" w="med" len="med"/>
+                      <a:tailEnd type="none" w="med" len="med"/>
+                    </a:lnB>
+                    <a:solidFill>
+                      <a:srgbClr val="FFFFFF"/>
+                    </a:solidFill>
+                  </a:tcPr>
+                </a:tc>
+                <a:tc>
+                  <a:txBody>
+                    <a:bodyPr/>
+                    <a:lstStyle/>
+                    <a:p>
+                      <a:r>
+                        <a:rPr lang="en-GB" sz="1400" b="1">
+                          <a:effectLst/>
+                        </a:rPr>
+                        <a:t>7</a:t>
+                      </a:r>
+                    </a:p>
+                  </a:txBody>
+                  <a:tcPr marL="98136" marR="98136" marT="45293" marB="45293" anchor="ctr">
+                    <a:lnL w="9525" cap="flat" cmpd="sng" algn="ctr">
+                      <a:solidFill>
+                        <a:srgbClr val="DDDDDD"/>
+                      </a:solidFill>
+                      <a:prstDash val="solid"/>
+                      <a:round/>
+                      <a:headEnd type="none" w="med" len="med"/>
+                      <a:tailEnd type="none" w="med" len="med"/>
+                    </a:lnL>
+                    <a:lnR w="9525" cap="flat" cmpd="sng" algn="ctr">
+                      <a:solidFill>
+                        <a:srgbClr val="DDDDDD"/>
+                      </a:solidFill>
+                      <a:prstDash val="solid"/>
+                      <a:round/>
+                      <a:headEnd type="none" w="med" len="med"/>
+                      <a:tailEnd type="none" w="med" len="med"/>
+                    </a:lnR>
+                    <a:lnT w="9525" cap="flat" cmpd="sng" algn="ctr">
+                      <a:solidFill>
+                        <a:srgbClr val="DDDDDD"/>
+                      </a:solidFill>
+                      <a:prstDash val="solid"/>
+                      <a:round/>
+                      <a:headEnd type="none" w="med" len="med"/>
+                      <a:tailEnd type="none" w="med" len="med"/>
+                    </a:lnT>
+                    <a:lnB w="9525" cap="flat" cmpd="sng" algn="ctr">
+                      <a:solidFill>
+                        <a:srgbClr val="DDDDDD"/>
+                      </a:solidFill>
+                      <a:prstDash val="solid"/>
+                      <a:round/>
+                      <a:headEnd type="none" w="med" len="med"/>
+                      <a:tailEnd type="none" w="med" len="med"/>
+                    </a:lnB>
+                    <a:solidFill>
+                      <a:srgbClr val="FFFFFF"/>
+                    </a:solidFill>
+                  </a:tcPr>
+                </a:tc>
+                <a:extLst>
+                  <a:ext uri="{0D108BD9-81ED-4DB2-BD59-A6C34878D82A}">
+                    <a16:rowId xmlns:a16="http://schemas.microsoft.com/office/drawing/2014/main" val="2591078981"/>
+                  </a:ext>
+                </a:extLst>
+              </a:tr>
+              <a:tr h="307995">
+                <a:tc>
+                  <a:txBody>
+                    <a:bodyPr/>
+                    <a:lstStyle/>
+                    <a:p>
+                      <a:r>
+                        <a:rPr lang="en-GB" sz="1400">
+                          <a:effectLst/>
+                        </a:rPr>
+                        <a:t>Cycles</a:t>
+                      </a:r>
+                    </a:p>
+                  </a:txBody>
+                  <a:tcPr marL="98136" marR="98136" marT="45293" marB="45293" anchor="ctr">
+                    <a:lnL w="9525" cap="flat" cmpd="sng" algn="ctr">
+                      <a:solidFill>
+                        <a:srgbClr val="DDDDDD"/>
+                      </a:solidFill>
+                      <a:prstDash val="solid"/>
+                      <a:round/>
+                      <a:headEnd type="none" w="med" len="med"/>
+                      <a:tailEnd type="none" w="med" len="med"/>
+                    </a:lnL>
+                    <a:lnR w="9525" cap="flat" cmpd="sng" algn="ctr">
+                      <a:solidFill>
+                        <a:srgbClr val="DDDDDD"/>
+                      </a:solidFill>
+                      <a:prstDash val="solid"/>
+                      <a:round/>
+                      <a:headEnd type="none" w="med" len="med"/>
+                      <a:tailEnd type="none" w="med" len="med"/>
+                    </a:lnR>
+                    <a:lnT w="9525" cap="flat" cmpd="sng" algn="ctr">
+                      <a:solidFill>
+                        <a:srgbClr val="DDDDDD"/>
+                      </a:solidFill>
+                      <a:prstDash val="solid"/>
+                      <a:round/>
+                      <a:headEnd type="none" w="med" len="med"/>
+                      <a:tailEnd type="none" w="med" len="med"/>
+                    </a:lnT>
+                    <a:lnB w="9525" cap="flat" cmpd="sng" algn="ctr">
+                      <a:solidFill>
+                        <a:srgbClr val="DDDDDD"/>
+                      </a:solidFill>
+                      <a:prstDash val="solid"/>
+                      <a:round/>
+                      <a:headEnd type="none" w="med" len="med"/>
+                      <a:tailEnd type="none" w="med" len="med"/>
+                    </a:lnB>
+                    <a:solidFill>
+                      <a:srgbClr val="FFFFFF"/>
+                    </a:solidFill>
+                  </a:tcPr>
+                </a:tc>
+                <a:tc>
+                  <a:txBody>
+                    <a:bodyPr/>
+                    <a:lstStyle/>
+                    <a:p>
+                      <a:r>
+                        <a:rPr lang="en-GB" sz="1400">
+                          <a:effectLst/>
+                        </a:rPr>
+                        <a:t>34294</a:t>
+                      </a:r>
+                    </a:p>
+                  </a:txBody>
+                  <a:tcPr marL="98136" marR="98136" marT="45293" marB="45293" anchor="ctr">
+                    <a:lnL w="9525" cap="flat" cmpd="sng" algn="ctr">
+                      <a:solidFill>
+                        <a:srgbClr val="DDDDDD"/>
+                      </a:solidFill>
+                      <a:prstDash val="solid"/>
+                      <a:round/>
+                      <a:headEnd type="none" w="med" len="med"/>
+                      <a:tailEnd type="none" w="med" len="med"/>
+                    </a:lnL>
+                    <a:lnR w="9525" cap="flat" cmpd="sng" algn="ctr">
+                      <a:solidFill>
+                        <a:srgbClr val="DDDDDD"/>
+                      </a:solidFill>
+                      <a:prstDash val="solid"/>
+                      <a:round/>
+                      <a:headEnd type="none" w="med" len="med"/>
+                      <a:tailEnd type="none" w="med" len="med"/>
+                    </a:lnR>
+                    <a:lnT w="9525" cap="flat" cmpd="sng" algn="ctr">
+                      <a:solidFill>
+                        <a:srgbClr val="DDDDDD"/>
+                      </a:solidFill>
+                      <a:prstDash val="solid"/>
+                      <a:round/>
+                      <a:headEnd type="none" w="med" len="med"/>
+                      <a:tailEnd type="none" w="med" len="med"/>
+                    </a:lnT>
+                    <a:lnB w="9525" cap="flat" cmpd="sng" algn="ctr">
+                      <a:solidFill>
+                        <a:srgbClr val="DDDDDD"/>
+                      </a:solidFill>
+                      <a:prstDash val="solid"/>
+                      <a:round/>
+                      <a:headEnd type="none" w="med" len="med"/>
+                      <a:tailEnd type="none" w="med" len="med"/>
+                    </a:lnB>
+                    <a:solidFill>
+                      <a:srgbClr val="FFFFFF"/>
+                    </a:solidFill>
+                  </a:tcPr>
+                </a:tc>
+                <a:tc>
+                  <a:txBody>
+                    <a:bodyPr/>
+                    <a:lstStyle/>
+                    <a:p>
+                      <a:r>
+                        <a:rPr lang="en-GB" sz="1400">
+                          <a:effectLst/>
+                        </a:rPr>
+                        <a:t>30847</a:t>
+                      </a:r>
+                    </a:p>
+                  </a:txBody>
+                  <a:tcPr marL="98136" marR="98136" marT="45293" marB="45293" anchor="ctr">
+                    <a:lnL w="9525" cap="flat" cmpd="sng" algn="ctr">
+                      <a:solidFill>
+                        <a:srgbClr val="DDDDDD"/>
+                      </a:solidFill>
+                      <a:prstDash val="solid"/>
+                      <a:round/>
+                      <a:headEnd type="none" w="med" len="med"/>
+                      <a:tailEnd type="none" w="med" len="med"/>
+                    </a:lnL>
+                    <a:lnR w="9525" cap="flat" cmpd="sng" algn="ctr">
+                      <a:solidFill>
+                        <a:srgbClr val="DDDDDD"/>
+                      </a:solidFill>
+                      <a:prstDash val="solid"/>
+                      <a:round/>
+                      <a:headEnd type="none" w="med" len="med"/>
+                      <a:tailEnd type="none" w="med" len="med"/>
+                    </a:lnR>
+                    <a:lnT w="9525" cap="flat" cmpd="sng" algn="ctr">
+                      <a:solidFill>
+                        <a:srgbClr val="DDDDDD"/>
+                      </a:solidFill>
+                      <a:prstDash val="solid"/>
+                      <a:round/>
+                      <a:headEnd type="none" w="med" len="med"/>
+                      <a:tailEnd type="none" w="med" len="med"/>
+                    </a:lnT>
+                    <a:lnB w="9525" cap="flat" cmpd="sng" algn="ctr">
+                      <a:solidFill>
+                        <a:srgbClr val="DDDDDD"/>
+                      </a:solidFill>
+                      <a:prstDash val="solid"/>
+                      <a:round/>
+                      <a:headEnd type="none" w="med" len="med"/>
+                      <a:tailEnd type="none" w="med" len="med"/>
+                    </a:lnB>
+                    <a:solidFill>
+                      <a:srgbClr val="FFFFFF"/>
+                    </a:solidFill>
+                  </a:tcPr>
+                </a:tc>
+                <a:tc>
+                  <a:txBody>
+                    <a:bodyPr/>
+                    <a:lstStyle/>
+                    <a:p>
+                      <a:r>
+                        <a:rPr lang="en-GB" sz="1400">
+                          <a:effectLst/>
+                        </a:rPr>
+                        <a:t>29924</a:t>
+                      </a:r>
+                    </a:p>
+                  </a:txBody>
+                  <a:tcPr marL="98136" marR="98136" marT="45293" marB="45293" anchor="ctr">
+                    <a:lnL w="9525" cap="flat" cmpd="sng" algn="ctr">
+                      <a:solidFill>
+                        <a:srgbClr val="DDDDDD"/>
+                      </a:solidFill>
+                      <a:prstDash val="solid"/>
+                      <a:round/>
+                      <a:headEnd type="none" w="med" len="med"/>
+                      <a:tailEnd type="none" w="med" len="med"/>
+                    </a:lnL>
+                    <a:lnR w="9525" cap="flat" cmpd="sng" algn="ctr">
+                      <a:solidFill>
+                        <a:srgbClr val="DDDDDD"/>
+                      </a:solidFill>
+                      <a:prstDash val="solid"/>
+                      <a:round/>
+                      <a:headEnd type="none" w="med" len="med"/>
+                      <a:tailEnd type="none" w="med" len="med"/>
+                    </a:lnR>
+                    <a:lnT w="9525" cap="flat" cmpd="sng" algn="ctr">
+                      <a:solidFill>
+                        <a:srgbClr val="DDDDDD"/>
+                      </a:solidFill>
+                      <a:prstDash val="solid"/>
+                      <a:round/>
+                      <a:headEnd type="none" w="med" len="med"/>
+                      <a:tailEnd type="none" w="med" len="med"/>
+                    </a:lnT>
+                    <a:lnB w="9525" cap="flat" cmpd="sng" algn="ctr">
+                      <a:solidFill>
+                        <a:srgbClr val="DDDDDD"/>
+                      </a:solidFill>
+                      <a:prstDash val="solid"/>
+                      <a:round/>
+                      <a:headEnd type="none" w="med" len="med"/>
+                      <a:tailEnd type="none" w="med" len="med"/>
+                    </a:lnB>
+                    <a:solidFill>
+                      <a:srgbClr val="FFFFFF"/>
+                    </a:solidFill>
+                  </a:tcPr>
+                </a:tc>
+                <a:tc>
+                  <a:txBody>
+                    <a:bodyPr/>
+                    <a:lstStyle/>
+                    <a:p>
+                      <a:r>
+                        <a:rPr lang="en-GB" sz="1400">
+                          <a:effectLst/>
+                        </a:rPr>
+                        <a:t>29793</a:t>
+                      </a:r>
+                    </a:p>
+                  </a:txBody>
+                  <a:tcPr marL="98136" marR="98136" marT="45293" marB="45293" anchor="ctr">
+                    <a:lnL w="9525" cap="flat" cmpd="sng" algn="ctr">
+                      <a:solidFill>
+                        <a:srgbClr val="DDDDDD"/>
+                      </a:solidFill>
+                      <a:prstDash val="solid"/>
+                      <a:round/>
+                      <a:headEnd type="none" w="med" len="med"/>
+                      <a:tailEnd type="none" w="med" len="med"/>
+                    </a:lnL>
+                    <a:lnR w="9525" cap="flat" cmpd="sng" algn="ctr">
+                      <a:solidFill>
+                        <a:srgbClr val="DDDDDD"/>
+                      </a:solidFill>
+                      <a:prstDash val="solid"/>
+                      <a:round/>
+                      <a:headEnd type="none" w="med" len="med"/>
+                      <a:tailEnd type="none" w="med" len="med"/>
+                    </a:lnR>
+                    <a:lnT w="9525" cap="flat" cmpd="sng" algn="ctr">
+                      <a:solidFill>
+                        <a:srgbClr val="DDDDDD"/>
+                      </a:solidFill>
+                      <a:prstDash val="solid"/>
+                      <a:round/>
+                      <a:headEnd type="none" w="med" len="med"/>
+                      <a:tailEnd type="none" w="med" len="med"/>
+                    </a:lnT>
+                    <a:lnB w="9525" cap="flat" cmpd="sng" algn="ctr">
+                      <a:solidFill>
+                        <a:srgbClr val="DDDDDD"/>
+                      </a:solidFill>
+                      <a:prstDash val="solid"/>
+                      <a:round/>
+                      <a:headEnd type="none" w="med" len="med"/>
+                      <a:tailEnd type="none" w="med" len="med"/>
+                    </a:lnB>
+                    <a:solidFill>
+                      <a:srgbClr val="FFFFFF"/>
+                    </a:solidFill>
+                  </a:tcPr>
+                </a:tc>
+                <a:tc>
+                  <a:txBody>
+                    <a:bodyPr/>
+                    <a:lstStyle/>
+                    <a:p>
+                      <a:r>
+                        <a:rPr lang="en-GB" sz="1400">
+                          <a:effectLst/>
+                        </a:rPr>
+                        <a:t>29780</a:t>
+                      </a:r>
+                    </a:p>
+                  </a:txBody>
+                  <a:tcPr marL="98136" marR="98136" marT="45293" marB="45293" anchor="ctr">
+                    <a:lnL w="9525" cap="flat" cmpd="sng" algn="ctr">
+                      <a:solidFill>
+                        <a:srgbClr val="DDDDDD"/>
+                      </a:solidFill>
+                      <a:prstDash val="solid"/>
+                      <a:round/>
+                      <a:headEnd type="none" w="med" len="med"/>
+                      <a:tailEnd type="none" w="med" len="med"/>
+                    </a:lnL>
+                    <a:lnR w="9525" cap="flat" cmpd="sng" algn="ctr">
+                      <a:solidFill>
+                        <a:srgbClr val="DDDDDD"/>
+                      </a:solidFill>
+                      <a:prstDash val="solid"/>
+                      <a:round/>
+                      <a:headEnd type="none" w="med" len="med"/>
+                      <a:tailEnd type="none" w="med" len="med"/>
+                    </a:lnR>
+                    <a:lnT w="9525" cap="flat" cmpd="sng" algn="ctr">
+                      <a:solidFill>
+                        <a:srgbClr val="DDDDDD"/>
+                      </a:solidFill>
+                      <a:prstDash val="solid"/>
+                      <a:round/>
+                      <a:headEnd type="none" w="med" len="med"/>
+                      <a:tailEnd type="none" w="med" len="med"/>
+                    </a:lnT>
+                    <a:lnB w="9525" cap="flat" cmpd="sng" algn="ctr">
+                      <a:solidFill>
+                        <a:srgbClr val="DDDDDD"/>
+                      </a:solidFill>
+                      <a:prstDash val="solid"/>
+                      <a:round/>
+                      <a:headEnd type="none" w="med" len="med"/>
+                      <a:tailEnd type="none" w="med" len="med"/>
+                    </a:lnB>
+                    <a:solidFill>
+                      <a:srgbClr val="FFFFFF"/>
+                    </a:solidFill>
+                  </a:tcPr>
+                </a:tc>
+                <a:tc>
+                  <a:txBody>
+                    <a:bodyPr/>
+                    <a:lstStyle/>
+                    <a:p>
+                      <a:r>
+                        <a:rPr lang="en-GB" sz="1400">
+                          <a:effectLst/>
+                        </a:rPr>
+                        <a:t>29772</a:t>
+                      </a:r>
+                    </a:p>
+                  </a:txBody>
+                  <a:tcPr marL="98136" marR="98136" marT="45293" marB="45293" anchor="ctr">
+                    <a:lnL w="9525" cap="flat" cmpd="sng" algn="ctr">
+                      <a:solidFill>
+                        <a:srgbClr val="DDDDDD"/>
+                      </a:solidFill>
+                      <a:prstDash val="solid"/>
+                      <a:round/>
+                      <a:headEnd type="none" w="med" len="med"/>
+                      <a:tailEnd type="none" w="med" len="med"/>
+                    </a:lnL>
+                    <a:lnR w="9525" cap="flat" cmpd="sng" algn="ctr">
+                      <a:solidFill>
+                        <a:srgbClr val="DDDDDD"/>
+                      </a:solidFill>
+                      <a:prstDash val="solid"/>
+                      <a:round/>
+                      <a:headEnd type="none" w="med" len="med"/>
+                      <a:tailEnd type="none" w="med" len="med"/>
+                    </a:lnR>
+                    <a:lnT w="9525" cap="flat" cmpd="sng" algn="ctr">
+                      <a:solidFill>
+                        <a:srgbClr val="DDDDDD"/>
+                      </a:solidFill>
+                      <a:prstDash val="solid"/>
+                      <a:round/>
+                      <a:headEnd type="none" w="med" len="med"/>
+                      <a:tailEnd type="none" w="med" len="med"/>
+                    </a:lnT>
+                    <a:lnB w="9525" cap="flat" cmpd="sng" algn="ctr">
+                      <a:solidFill>
+                        <a:srgbClr val="DDDDDD"/>
+                      </a:solidFill>
+                      <a:prstDash val="solid"/>
+                      <a:round/>
+                      <a:headEnd type="none" w="med" len="med"/>
+                      <a:tailEnd type="none" w="med" len="med"/>
+                    </a:lnB>
+                    <a:solidFill>
+                      <a:srgbClr val="FFFFFF"/>
+                    </a:solidFill>
+                  </a:tcPr>
+                </a:tc>
+                <a:tc>
+                  <a:txBody>
+                    <a:bodyPr/>
+                    <a:lstStyle/>
+                    <a:p>
+                      <a:r>
+                        <a:rPr lang="en-GB" sz="1400">
+                          <a:effectLst/>
+                        </a:rPr>
+                        <a:t>29772</a:t>
+                      </a:r>
+                    </a:p>
+                  </a:txBody>
+                  <a:tcPr marL="98136" marR="98136" marT="45293" marB="45293" anchor="ctr">
+                    <a:lnL w="9525" cap="flat" cmpd="sng" algn="ctr">
+                      <a:solidFill>
+                        <a:srgbClr val="DDDDDD"/>
+                      </a:solidFill>
+                      <a:prstDash val="solid"/>
+                      <a:round/>
+                      <a:headEnd type="none" w="med" len="med"/>
+                      <a:tailEnd type="none" w="med" len="med"/>
+                    </a:lnL>
+                    <a:lnR w="9525" cap="flat" cmpd="sng" algn="ctr">
+                      <a:solidFill>
+                        <a:srgbClr val="DDDDDD"/>
+                      </a:solidFill>
+                      <a:prstDash val="solid"/>
+                      <a:round/>
+                      <a:headEnd type="none" w="med" len="med"/>
+                      <a:tailEnd type="none" w="med" len="med"/>
+                    </a:lnR>
+                    <a:lnT w="9525" cap="flat" cmpd="sng" algn="ctr">
+                      <a:solidFill>
+                        <a:srgbClr val="DDDDDD"/>
+                      </a:solidFill>
+                      <a:prstDash val="solid"/>
+                      <a:round/>
+                      <a:headEnd type="none" w="med" len="med"/>
+                      <a:tailEnd type="none" w="med" len="med"/>
+                    </a:lnT>
+                    <a:lnB w="9525" cap="flat" cmpd="sng" algn="ctr">
+                      <a:solidFill>
+                        <a:srgbClr val="DDDDDD"/>
+                      </a:solidFill>
+                      <a:prstDash val="solid"/>
+                      <a:round/>
+                      <a:headEnd type="none" w="med" len="med"/>
+                      <a:tailEnd type="none" w="med" len="med"/>
+                    </a:lnB>
+                    <a:solidFill>
+                      <a:srgbClr val="FFFFFF"/>
+                    </a:solidFill>
+                  </a:tcPr>
+                </a:tc>
+                <a:extLst>
+                  <a:ext uri="{0D108BD9-81ED-4DB2-BD59-A6C34878D82A}">
+                    <a16:rowId xmlns:a16="http://schemas.microsoft.com/office/drawing/2014/main" val="3272355272"/>
+                  </a:ext>
+                </a:extLst>
+              </a:tr>
+              <a:tr h="307995">
+                <a:tc>
+                  <a:txBody>
+                    <a:bodyPr/>
+                    <a:lstStyle/>
+                    <a:p>
+                      <a:r>
+                        <a:rPr lang="en-GB" sz="1400">
+                          <a:effectLst/>
+                        </a:rPr>
+                        <a:t>Change</a:t>
+                      </a:r>
+                    </a:p>
+                  </a:txBody>
+                  <a:tcPr marL="98136" marR="98136" marT="45293" marB="45293" anchor="ctr">
+                    <a:lnL w="9525" cap="flat" cmpd="sng" algn="ctr">
+                      <a:solidFill>
+                        <a:srgbClr val="DDDDDD"/>
+                      </a:solidFill>
+                      <a:prstDash val="solid"/>
+                      <a:round/>
+                      <a:headEnd type="none" w="med" len="med"/>
+                      <a:tailEnd type="none" w="med" len="med"/>
+                    </a:lnL>
+                    <a:lnR w="9525" cap="flat" cmpd="sng" algn="ctr">
+                      <a:solidFill>
+                        <a:srgbClr val="DDDDDD"/>
+                      </a:solidFill>
+                      <a:prstDash val="solid"/>
+                      <a:round/>
+                      <a:headEnd type="none" w="med" len="med"/>
+                      <a:tailEnd type="none" w="med" len="med"/>
+                    </a:lnR>
+                    <a:lnT w="9525" cap="flat" cmpd="sng" algn="ctr">
+                      <a:solidFill>
+                        <a:srgbClr val="DDDDDD"/>
+                      </a:solidFill>
+                      <a:prstDash val="solid"/>
+                      <a:round/>
+                      <a:headEnd type="none" w="med" len="med"/>
+                      <a:tailEnd type="none" w="med" len="med"/>
+                    </a:lnT>
+                    <a:lnB w="9525" cap="flat" cmpd="sng" algn="ctr">
+                      <a:solidFill>
+                        <a:srgbClr val="DDDDDD"/>
+                      </a:solidFill>
+                      <a:prstDash val="solid"/>
+                      <a:round/>
+                      <a:headEnd type="none" w="med" len="med"/>
+                      <a:tailEnd type="none" w="med" len="med"/>
+                    </a:lnB>
+                    <a:solidFill>
+                      <a:srgbClr val="FFFFFF"/>
+                    </a:solidFill>
+                  </a:tcPr>
+                </a:tc>
+                <a:tc>
+                  <a:txBody>
+                    <a:bodyPr/>
+                    <a:lstStyle/>
+                    <a:p>
+                      <a:endParaRPr lang="en-GB" sz="1400">
+                        <a:effectLst/>
+                      </a:endParaRPr>
+                    </a:p>
+                  </a:txBody>
+                  <a:tcPr marL="98136" marR="98136" marT="45293" marB="45293" anchor="ctr">
+                    <a:lnL w="9525" cap="flat" cmpd="sng" algn="ctr">
+                      <a:solidFill>
+                        <a:srgbClr val="DDDDDD"/>
+                      </a:solidFill>
+                      <a:prstDash val="solid"/>
+                      <a:round/>
+                      <a:headEnd type="none" w="med" len="med"/>
+                      <a:tailEnd type="none" w="med" len="med"/>
+                    </a:lnL>
+                    <a:lnR w="9525" cap="flat" cmpd="sng" algn="ctr">
+                      <a:solidFill>
+                        <a:srgbClr val="DDDDDD"/>
+                      </a:solidFill>
+                      <a:prstDash val="solid"/>
+                      <a:round/>
+                      <a:headEnd type="none" w="med" len="med"/>
+                      <a:tailEnd type="none" w="med" len="med"/>
+                    </a:lnR>
+                    <a:lnT w="9525" cap="flat" cmpd="sng" algn="ctr">
+                      <a:solidFill>
+                        <a:srgbClr val="DDDDDD"/>
+                      </a:solidFill>
+                      <a:prstDash val="solid"/>
+                      <a:round/>
+                      <a:headEnd type="none" w="med" len="med"/>
+                      <a:tailEnd type="none" w="med" len="med"/>
+                    </a:lnT>
+                    <a:lnB w="9525" cap="flat" cmpd="sng" algn="ctr">
+                      <a:solidFill>
+                        <a:srgbClr val="DDDDDD"/>
+                      </a:solidFill>
+                      <a:prstDash val="solid"/>
+                      <a:round/>
+                      <a:headEnd type="none" w="med" len="med"/>
+                      <a:tailEnd type="none" w="med" len="med"/>
+                    </a:lnB>
+                    <a:solidFill>
+                      <a:srgbClr val="FFFFFF"/>
+                    </a:solidFill>
+                  </a:tcPr>
+                </a:tc>
+                <a:tc>
+                  <a:txBody>
+                    <a:bodyPr/>
+                    <a:lstStyle/>
+                    <a:p>
+                      <a:r>
+                        <a:rPr lang="en-GB" sz="1400">
+                          <a:effectLst/>
+                        </a:rPr>
+                        <a:t>-3447</a:t>
+                      </a:r>
+                    </a:p>
+                  </a:txBody>
+                  <a:tcPr marL="98136" marR="98136" marT="45293" marB="45293" anchor="ctr">
+                    <a:lnL w="9525" cap="flat" cmpd="sng" algn="ctr">
+                      <a:solidFill>
+                        <a:srgbClr val="DDDDDD"/>
+                      </a:solidFill>
+                      <a:prstDash val="solid"/>
+                      <a:round/>
+                      <a:headEnd type="none" w="med" len="med"/>
+                      <a:tailEnd type="none" w="med" len="med"/>
+                    </a:lnL>
+                    <a:lnR w="9525" cap="flat" cmpd="sng" algn="ctr">
+                      <a:solidFill>
+                        <a:srgbClr val="DDDDDD"/>
+                      </a:solidFill>
+                      <a:prstDash val="solid"/>
+                      <a:round/>
+                      <a:headEnd type="none" w="med" len="med"/>
+                      <a:tailEnd type="none" w="med" len="med"/>
+                    </a:lnR>
+                    <a:lnT w="9525" cap="flat" cmpd="sng" algn="ctr">
+                      <a:solidFill>
+                        <a:srgbClr val="DDDDDD"/>
+                      </a:solidFill>
+                      <a:prstDash val="solid"/>
+                      <a:round/>
+                      <a:headEnd type="none" w="med" len="med"/>
+                      <a:tailEnd type="none" w="med" len="med"/>
+                    </a:lnT>
+                    <a:lnB w="9525" cap="flat" cmpd="sng" algn="ctr">
+                      <a:solidFill>
+                        <a:srgbClr val="DDDDDD"/>
+                      </a:solidFill>
+                      <a:prstDash val="solid"/>
+                      <a:round/>
+                      <a:headEnd type="none" w="med" len="med"/>
+                      <a:tailEnd type="none" w="med" len="med"/>
+                    </a:lnB>
+                    <a:solidFill>
+                      <a:srgbClr val="FFFFFF"/>
+                    </a:solidFill>
+                  </a:tcPr>
+                </a:tc>
+                <a:tc>
+                  <a:txBody>
+                    <a:bodyPr/>
+                    <a:lstStyle/>
+                    <a:p>
+                      <a:r>
+                        <a:rPr lang="en-GB" sz="1400">
+                          <a:effectLst/>
+                        </a:rPr>
+                        <a:t>-923</a:t>
+                      </a:r>
+                    </a:p>
+                  </a:txBody>
+                  <a:tcPr marL="98136" marR="98136" marT="45293" marB="45293" anchor="ctr">
+                    <a:lnL w="9525" cap="flat" cmpd="sng" algn="ctr">
+                      <a:solidFill>
+                        <a:srgbClr val="DDDDDD"/>
+                      </a:solidFill>
+                      <a:prstDash val="solid"/>
+                      <a:round/>
+                      <a:headEnd type="none" w="med" len="med"/>
+                      <a:tailEnd type="none" w="med" len="med"/>
+                    </a:lnL>
+                    <a:lnR w="9525" cap="flat" cmpd="sng" algn="ctr">
+                      <a:solidFill>
+                        <a:srgbClr val="DDDDDD"/>
+                      </a:solidFill>
+                      <a:prstDash val="solid"/>
+                      <a:round/>
+                      <a:headEnd type="none" w="med" len="med"/>
+                      <a:tailEnd type="none" w="med" len="med"/>
+                    </a:lnR>
+                    <a:lnT w="9525" cap="flat" cmpd="sng" algn="ctr">
+                      <a:solidFill>
+                        <a:srgbClr val="DDDDDD"/>
+                      </a:solidFill>
+                      <a:prstDash val="solid"/>
+                      <a:round/>
+                      <a:headEnd type="none" w="med" len="med"/>
+                      <a:tailEnd type="none" w="med" len="med"/>
+                    </a:lnT>
+                    <a:lnB w="9525" cap="flat" cmpd="sng" algn="ctr">
+                      <a:solidFill>
+                        <a:srgbClr val="DDDDDD"/>
+                      </a:solidFill>
+                      <a:prstDash val="solid"/>
+                      <a:round/>
+                      <a:headEnd type="none" w="med" len="med"/>
+                      <a:tailEnd type="none" w="med" len="med"/>
+                    </a:lnB>
+                    <a:solidFill>
+                      <a:srgbClr val="FFFFFF"/>
+                    </a:solidFill>
+                  </a:tcPr>
+                </a:tc>
+                <a:tc>
+                  <a:txBody>
+                    <a:bodyPr/>
+                    <a:lstStyle/>
+                    <a:p>
+                      <a:r>
+                        <a:rPr lang="en-GB" sz="1400">
+                          <a:effectLst/>
+                        </a:rPr>
+                        <a:t>-131</a:t>
+                      </a:r>
+                    </a:p>
+                  </a:txBody>
+                  <a:tcPr marL="98136" marR="98136" marT="45293" marB="45293" anchor="ctr">
+                    <a:lnL w="9525" cap="flat" cmpd="sng" algn="ctr">
+                      <a:solidFill>
+                        <a:srgbClr val="DDDDDD"/>
+                      </a:solidFill>
+                      <a:prstDash val="solid"/>
+                      <a:round/>
+                      <a:headEnd type="none" w="med" len="med"/>
+                      <a:tailEnd type="none" w="med" len="med"/>
+                    </a:lnL>
+                    <a:lnR w="9525" cap="flat" cmpd="sng" algn="ctr">
+                      <a:solidFill>
+                        <a:srgbClr val="DDDDDD"/>
+                      </a:solidFill>
+                      <a:prstDash val="solid"/>
+                      <a:round/>
+                      <a:headEnd type="none" w="med" len="med"/>
+                      <a:tailEnd type="none" w="med" len="med"/>
+                    </a:lnR>
+                    <a:lnT w="9525" cap="flat" cmpd="sng" algn="ctr">
+                      <a:solidFill>
+                        <a:srgbClr val="DDDDDD"/>
+                      </a:solidFill>
+                      <a:prstDash val="solid"/>
+                      <a:round/>
+                      <a:headEnd type="none" w="med" len="med"/>
+                      <a:tailEnd type="none" w="med" len="med"/>
+                    </a:lnT>
+                    <a:lnB w="9525" cap="flat" cmpd="sng" algn="ctr">
+                      <a:solidFill>
+                        <a:srgbClr val="DDDDDD"/>
+                      </a:solidFill>
+                      <a:prstDash val="solid"/>
+                      <a:round/>
+                      <a:headEnd type="none" w="med" len="med"/>
+                      <a:tailEnd type="none" w="med" len="med"/>
+                    </a:lnB>
+                    <a:solidFill>
+                      <a:srgbClr val="FFFFFF"/>
+                    </a:solidFill>
+                  </a:tcPr>
+                </a:tc>
+                <a:tc>
+                  <a:txBody>
+                    <a:bodyPr/>
+                    <a:lstStyle/>
+                    <a:p>
+                      <a:r>
+                        <a:rPr lang="en-GB" sz="1400">
+                          <a:effectLst/>
+                        </a:rPr>
+                        <a:t>-13</a:t>
+                      </a:r>
+                    </a:p>
+                  </a:txBody>
+                  <a:tcPr marL="98136" marR="98136" marT="45293" marB="45293" anchor="ctr">
+                    <a:lnL w="9525" cap="flat" cmpd="sng" algn="ctr">
+                      <a:solidFill>
+                        <a:srgbClr val="DDDDDD"/>
+                      </a:solidFill>
+                      <a:prstDash val="solid"/>
+                      <a:round/>
+                      <a:headEnd type="none" w="med" len="med"/>
+                      <a:tailEnd type="none" w="med" len="med"/>
+                    </a:lnL>
+                    <a:lnR w="9525" cap="flat" cmpd="sng" algn="ctr">
+                      <a:solidFill>
+                        <a:srgbClr val="DDDDDD"/>
+                      </a:solidFill>
+                      <a:prstDash val="solid"/>
+                      <a:round/>
+                      <a:headEnd type="none" w="med" len="med"/>
+                      <a:tailEnd type="none" w="med" len="med"/>
+                    </a:lnR>
+                    <a:lnT w="9525" cap="flat" cmpd="sng" algn="ctr">
+                      <a:solidFill>
+                        <a:srgbClr val="DDDDDD"/>
+                      </a:solidFill>
+                      <a:prstDash val="solid"/>
+                      <a:round/>
+                      <a:headEnd type="none" w="med" len="med"/>
+                      <a:tailEnd type="none" w="med" len="med"/>
+                    </a:lnT>
+                    <a:lnB w="9525" cap="flat" cmpd="sng" algn="ctr">
+                      <a:solidFill>
+                        <a:srgbClr val="DDDDDD"/>
+                      </a:solidFill>
+                      <a:prstDash val="solid"/>
+                      <a:round/>
+                      <a:headEnd type="none" w="med" len="med"/>
+                      <a:tailEnd type="none" w="med" len="med"/>
+                    </a:lnB>
+                    <a:solidFill>
+                      <a:srgbClr val="FFFFFF"/>
+                    </a:solidFill>
+                  </a:tcPr>
+                </a:tc>
+                <a:tc>
+                  <a:txBody>
+                    <a:bodyPr/>
+                    <a:lstStyle/>
+                    <a:p>
+                      <a:r>
+                        <a:rPr lang="en-GB" sz="1400">
+                          <a:effectLst/>
+                        </a:rPr>
+                        <a:t>-8</a:t>
+                      </a:r>
+                    </a:p>
+                  </a:txBody>
+                  <a:tcPr marL="98136" marR="98136" marT="45293" marB="45293" anchor="ctr">
+                    <a:lnL w="9525" cap="flat" cmpd="sng" algn="ctr">
+                      <a:solidFill>
+                        <a:srgbClr val="DDDDDD"/>
+                      </a:solidFill>
+                      <a:prstDash val="solid"/>
+                      <a:round/>
+                      <a:headEnd type="none" w="med" len="med"/>
+                      <a:tailEnd type="none" w="med" len="med"/>
+                    </a:lnL>
+                    <a:lnR w="9525" cap="flat" cmpd="sng" algn="ctr">
+                      <a:solidFill>
+                        <a:srgbClr val="DDDDDD"/>
+                      </a:solidFill>
+                      <a:prstDash val="solid"/>
+                      <a:round/>
+                      <a:headEnd type="none" w="med" len="med"/>
+                      <a:tailEnd type="none" w="med" len="med"/>
+                    </a:lnR>
+                    <a:lnT w="9525" cap="flat" cmpd="sng" algn="ctr">
+                      <a:solidFill>
+                        <a:srgbClr val="DDDDDD"/>
+                      </a:solidFill>
+                      <a:prstDash val="solid"/>
+                      <a:round/>
+                      <a:headEnd type="none" w="med" len="med"/>
+                      <a:tailEnd type="none" w="med" len="med"/>
+                    </a:lnT>
+                    <a:lnB w="9525" cap="flat" cmpd="sng" algn="ctr">
+                      <a:solidFill>
+                        <a:srgbClr val="DDDDDD"/>
+                      </a:solidFill>
+                      <a:prstDash val="solid"/>
+                      <a:round/>
+                      <a:headEnd type="none" w="med" len="med"/>
+                      <a:tailEnd type="none" w="med" len="med"/>
+                    </a:lnB>
+                    <a:solidFill>
+                      <a:srgbClr val="FFFFFF"/>
+                    </a:solidFill>
+                  </a:tcPr>
+                </a:tc>
+                <a:tc>
+                  <a:txBody>
+                    <a:bodyPr/>
+                    <a:lstStyle/>
+                    <a:p>
+                      <a:r>
+                        <a:rPr lang="en-GB" sz="1400">
+                          <a:effectLst/>
+                        </a:rPr>
+                        <a:t>0</a:t>
+                      </a:r>
+                    </a:p>
+                  </a:txBody>
+                  <a:tcPr marL="98136" marR="98136" marT="45293" marB="45293" anchor="ctr">
+                    <a:lnL w="9525" cap="flat" cmpd="sng" algn="ctr">
+                      <a:solidFill>
+                        <a:srgbClr val="DDDDDD"/>
+                      </a:solidFill>
+                      <a:prstDash val="solid"/>
+                      <a:round/>
+                      <a:headEnd type="none" w="med" len="med"/>
+                      <a:tailEnd type="none" w="med" len="med"/>
+                    </a:lnL>
+                    <a:lnR w="9525" cap="flat" cmpd="sng" algn="ctr">
+                      <a:solidFill>
+                        <a:srgbClr val="DDDDDD"/>
+                      </a:solidFill>
+                      <a:prstDash val="solid"/>
+                      <a:round/>
+                      <a:headEnd type="none" w="med" len="med"/>
+                      <a:tailEnd type="none" w="med" len="med"/>
+                    </a:lnR>
+                    <a:lnT w="9525" cap="flat" cmpd="sng" algn="ctr">
+                      <a:solidFill>
+                        <a:srgbClr val="DDDDDD"/>
+                      </a:solidFill>
+                      <a:prstDash val="solid"/>
+                      <a:round/>
+                      <a:headEnd type="none" w="med" len="med"/>
+                      <a:tailEnd type="none" w="med" len="med"/>
+                    </a:lnT>
+                    <a:lnB w="9525" cap="flat" cmpd="sng" algn="ctr">
+                      <a:solidFill>
+                        <a:srgbClr val="DDDDDD"/>
+                      </a:solidFill>
+                      <a:prstDash val="solid"/>
+                      <a:round/>
+                      <a:headEnd type="none" w="med" len="med"/>
+                      <a:tailEnd type="none" w="med" len="med"/>
+                    </a:lnB>
+                    <a:solidFill>
+                      <a:srgbClr val="FFFFFF"/>
+                    </a:solidFill>
+                  </a:tcPr>
+                </a:tc>
+                <a:extLst>
+                  <a:ext uri="{0D108BD9-81ED-4DB2-BD59-A6C34878D82A}">
+                    <a16:rowId xmlns:a16="http://schemas.microsoft.com/office/drawing/2014/main" val="2820796710"/>
+                  </a:ext>
+                </a:extLst>
+              </a:tr>
+              <a:tr h="525402">
+                <a:tc>
+                  <a:txBody>
+                    <a:bodyPr/>
+                    <a:lstStyle/>
+                    <a:p>
+                      <a:r>
+                        <a:rPr lang="en-GB" sz="1400">
+                          <a:effectLst/>
+                        </a:rPr>
+                        <a:t>Instructions / Cycle</a:t>
+                      </a:r>
+                    </a:p>
+                  </a:txBody>
+                  <a:tcPr marL="98136" marR="98136" marT="45293" marB="45293" anchor="ctr">
+                    <a:lnL w="9525" cap="flat" cmpd="sng" algn="ctr">
+                      <a:solidFill>
+                        <a:srgbClr val="DDDDDD"/>
+                      </a:solidFill>
+                      <a:prstDash val="solid"/>
+                      <a:round/>
+                      <a:headEnd type="none" w="med" len="med"/>
+                      <a:tailEnd type="none" w="med" len="med"/>
+                    </a:lnL>
+                    <a:lnR w="9525" cap="flat" cmpd="sng" algn="ctr">
+                      <a:solidFill>
+                        <a:srgbClr val="DDDDDD"/>
+                      </a:solidFill>
+                      <a:prstDash val="solid"/>
+                      <a:round/>
+                      <a:headEnd type="none" w="med" len="med"/>
+                      <a:tailEnd type="none" w="med" len="med"/>
+                    </a:lnR>
+                    <a:lnT w="9525" cap="flat" cmpd="sng" algn="ctr">
+                      <a:solidFill>
+                        <a:srgbClr val="DDDDDD"/>
+                      </a:solidFill>
+                      <a:prstDash val="solid"/>
+                      <a:round/>
+                      <a:headEnd type="none" w="med" len="med"/>
+                      <a:tailEnd type="none" w="med" len="med"/>
+                    </a:lnT>
+                    <a:lnB w="9525" cap="flat" cmpd="sng" algn="ctr">
+                      <a:solidFill>
+                        <a:srgbClr val="DDDDDD"/>
+                      </a:solidFill>
+                      <a:prstDash val="solid"/>
+                      <a:round/>
+                      <a:headEnd type="none" w="med" len="med"/>
+                      <a:tailEnd type="none" w="med" len="med"/>
+                    </a:lnB>
+                    <a:solidFill>
+                      <a:srgbClr val="FFFFFF"/>
+                    </a:solidFill>
+                  </a:tcPr>
+                </a:tc>
+                <a:tc>
+                  <a:txBody>
+                    <a:bodyPr/>
+                    <a:lstStyle/>
+                    <a:p>
+                      <a:r>
+                        <a:rPr lang="en-GB" sz="1400">
+                          <a:effectLst/>
+                        </a:rPr>
+                        <a:t>0.581</a:t>
+                      </a:r>
+                    </a:p>
+                  </a:txBody>
+                  <a:tcPr marL="98136" marR="98136" marT="45293" marB="45293" anchor="ctr">
+                    <a:lnL w="9525" cap="flat" cmpd="sng" algn="ctr">
+                      <a:solidFill>
+                        <a:srgbClr val="DDDDDD"/>
+                      </a:solidFill>
+                      <a:prstDash val="solid"/>
+                      <a:round/>
+                      <a:headEnd type="none" w="med" len="med"/>
+                      <a:tailEnd type="none" w="med" len="med"/>
+                    </a:lnL>
+                    <a:lnR w="9525" cap="flat" cmpd="sng" algn="ctr">
+                      <a:solidFill>
+                        <a:srgbClr val="DDDDDD"/>
+                      </a:solidFill>
+                      <a:prstDash val="solid"/>
+                      <a:round/>
+                      <a:headEnd type="none" w="med" len="med"/>
+                      <a:tailEnd type="none" w="med" len="med"/>
+                    </a:lnR>
+                    <a:lnT w="9525" cap="flat" cmpd="sng" algn="ctr">
+                      <a:solidFill>
+                        <a:srgbClr val="DDDDDD"/>
+                      </a:solidFill>
+                      <a:prstDash val="solid"/>
+                      <a:round/>
+                      <a:headEnd type="none" w="med" len="med"/>
+                      <a:tailEnd type="none" w="med" len="med"/>
+                    </a:lnT>
+                    <a:lnB w="9525" cap="flat" cmpd="sng" algn="ctr">
+                      <a:solidFill>
+                        <a:srgbClr val="DDDDDD"/>
+                      </a:solidFill>
+                      <a:prstDash val="solid"/>
+                      <a:round/>
+                      <a:headEnd type="none" w="med" len="med"/>
+                      <a:tailEnd type="none" w="med" len="med"/>
+                    </a:lnB>
+                    <a:solidFill>
+                      <a:srgbClr val="FFFFFF"/>
+                    </a:solidFill>
+                  </a:tcPr>
+                </a:tc>
+                <a:tc>
+                  <a:txBody>
+                    <a:bodyPr/>
+                    <a:lstStyle/>
+                    <a:p>
+                      <a:r>
+                        <a:rPr lang="en-GB" sz="1400">
+                          <a:effectLst/>
+                        </a:rPr>
+                        <a:t>0.646</a:t>
+                      </a:r>
+                    </a:p>
+                  </a:txBody>
+                  <a:tcPr marL="98136" marR="98136" marT="45293" marB="45293" anchor="ctr">
+                    <a:lnL w="9525" cap="flat" cmpd="sng" algn="ctr">
+                      <a:solidFill>
+                        <a:srgbClr val="DDDDDD"/>
+                      </a:solidFill>
+                      <a:prstDash val="solid"/>
+                      <a:round/>
+                      <a:headEnd type="none" w="med" len="med"/>
+                      <a:tailEnd type="none" w="med" len="med"/>
+                    </a:lnL>
+                    <a:lnR w="9525" cap="flat" cmpd="sng" algn="ctr">
+                      <a:solidFill>
+                        <a:srgbClr val="DDDDDD"/>
+                      </a:solidFill>
+                      <a:prstDash val="solid"/>
+                      <a:round/>
+                      <a:headEnd type="none" w="med" len="med"/>
+                      <a:tailEnd type="none" w="med" len="med"/>
+                    </a:lnR>
+                    <a:lnT w="9525" cap="flat" cmpd="sng" algn="ctr">
+                      <a:solidFill>
+                        <a:srgbClr val="DDDDDD"/>
+                      </a:solidFill>
+                      <a:prstDash val="solid"/>
+                      <a:round/>
+                      <a:headEnd type="none" w="med" len="med"/>
+                      <a:tailEnd type="none" w="med" len="med"/>
+                    </a:lnT>
+                    <a:lnB w="9525" cap="flat" cmpd="sng" algn="ctr">
+                      <a:solidFill>
+                        <a:srgbClr val="DDDDDD"/>
+                      </a:solidFill>
+                      <a:prstDash val="solid"/>
+                      <a:round/>
+                      <a:headEnd type="none" w="med" len="med"/>
+                      <a:tailEnd type="none" w="med" len="med"/>
+                    </a:lnB>
+                    <a:solidFill>
+                      <a:srgbClr val="FFFFFF"/>
+                    </a:solidFill>
+                  </a:tcPr>
+                </a:tc>
+                <a:tc>
+                  <a:txBody>
+                    <a:bodyPr/>
+                    <a:lstStyle/>
+                    <a:p>
+                      <a:r>
+                        <a:rPr lang="en-GB" sz="1400">
+                          <a:effectLst/>
+                        </a:rPr>
+                        <a:t>0.651</a:t>
+                      </a:r>
+                    </a:p>
+                  </a:txBody>
+                  <a:tcPr marL="98136" marR="98136" marT="45293" marB="45293" anchor="ctr">
+                    <a:lnL w="9525" cap="flat" cmpd="sng" algn="ctr">
+                      <a:solidFill>
+                        <a:srgbClr val="DDDDDD"/>
+                      </a:solidFill>
+                      <a:prstDash val="solid"/>
+                      <a:round/>
+                      <a:headEnd type="none" w="med" len="med"/>
+                      <a:tailEnd type="none" w="med" len="med"/>
+                    </a:lnL>
+                    <a:lnR w="9525" cap="flat" cmpd="sng" algn="ctr">
+                      <a:solidFill>
+                        <a:srgbClr val="DDDDDD"/>
+                      </a:solidFill>
+                      <a:prstDash val="solid"/>
+                      <a:round/>
+                      <a:headEnd type="none" w="med" len="med"/>
+                      <a:tailEnd type="none" w="med" len="med"/>
+                    </a:lnR>
+                    <a:lnT w="9525" cap="flat" cmpd="sng" algn="ctr">
+                      <a:solidFill>
+                        <a:srgbClr val="DDDDDD"/>
+                      </a:solidFill>
+                      <a:prstDash val="solid"/>
+                      <a:round/>
+                      <a:headEnd type="none" w="med" len="med"/>
+                      <a:tailEnd type="none" w="med" len="med"/>
+                    </a:lnT>
+                    <a:lnB w="9525" cap="flat" cmpd="sng" algn="ctr">
+                      <a:solidFill>
+                        <a:srgbClr val="DDDDDD"/>
+                      </a:solidFill>
+                      <a:prstDash val="solid"/>
+                      <a:round/>
+                      <a:headEnd type="none" w="med" len="med"/>
+                      <a:tailEnd type="none" w="med" len="med"/>
+                    </a:lnB>
+                    <a:solidFill>
+                      <a:srgbClr val="FFFFFF"/>
+                    </a:solidFill>
+                  </a:tcPr>
+                </a:tc>
+                <a:tc>
+                  <a:txBody>
+                    <a:bodyPr/>
+                    <a:lstStyle/>
+                    <a:p>
+                      <a:r>
+                        <a:rPr lang="en-GB" sz="1400">
+                          <a:effectLst/>
+                        </a:rPr>
+                        <a:t>0.654</a:t>
+                      </a:r>
+                    </a:p>
+                  </a:txBody>
+                  <a:tcPr marL="98136" marR="98136" marT="45293" marB="45293" anchor="ctr">
+                    <a:lnL w="9525" cap="flat" cmpd="sng" algn="ctr">
+                      <a:solidFill>
+                        <a:srgbClr val="DDDDDD"/>
+                      </a:solidFill>
+                      <a:prstDash val="solid"/>
+                      <a:round/>
+                      <a:headEnd type="none" w="med" len="med"/>
+                      <a:tailEnd type="none" w="med" len="med"/>
+                    </a:lnL>
+                    <a:lnR w="9525" cap="flat" cmpd="sng" algn="ctr">
+                      <a:solidFill>
+                        <a:srgbClr val="DDDDDD"/>
+                      </a:solidFill>
+                      <a:prstDash val="solid"/>
+                      <a:round/>
+                      <a:headEnd type="none" w="med" len="med"/>
+                      <a:tailEnd type="none" w="med" len="med"/>
+                    </a:lnR>
+                    <a:lnT w="9525" cap="flat" cmpd="sng" algn="ctr">
+                      <a:solidFill>
+                        <a:srgbClr val="DDDDDD"/>
+                      </a:solidFill>
+                      <a:prstDash val="solid"/>
+                      <a:round/>
+                      <a:headEnd type="none" w="med" len="med"/>
+                      <a:tailEnd type="none" w="med" len="med"/>
+                    </a:lnT>
+                    <a:lnB w="9525" cap="flat" cmpd="sng" algn="ctr">
+                      <a:solidFill>
+                        <a:srgbClr val="DDDDDD"/>
+                      </a:solidFill>
+                      <a:prstDash val="solid"/>
+                      <a:round/>
+                      <a:headEnd type="none" w="med" len="med"/>
+                      <a:tailEnd type="none" w="med" len="med"/>
+                    </a:lnB>
+                    <a:solidFill>
+                      <a:srgbClr val="FFFFFF"/>
+                    </a:solidFill>
+                  </a:tcPr>
+                </a:tc>
+                <a:tc>
+                  <a:txBody>
+                    <a:bodyPr/>
+                    <a:lstStyle/>
+                    <a:p>
+                      <a:r>
+                        <a:rPr lang="en-GB" sz="1400">
+                          <a:effectLst/>
+                        </a:rPr>
+                        <a:t>0.654</a:t>
+                      </a:r>
+                    </a:p>
+                  </a:txBody>
+                  <a:tcPr marL="98136" marR="98136" marT="45293" marB="45293" anchor="ctr">
+                    <a:lnL w="9525" cap="flat" cmpd="sng" algn="ctr">
+                      <a:solidFill>
+                        <a:srgbClr val="DDDDDD"/>
+                      </a:solidFill>
+                      <a:prstDash val="solid"/>
+                      <a:round/>
+                      <a:headEnd type="none" w="med" len="med"/>
+                      <a:tailEnd type="none" w="med" len="med"/>
+                    </a:lnL>
+                    <a:lnR w="9525" cap="flat" cmpd="sng" algn="ctr">
+                      <a:solidFill>
+                        <a:srgbClr val="DDDDDD"/>
+                      </a:solidFill>
+                      <a:prstDash val="solid"/>
+                      <a:round/>
+                      <a:headEnd type="none" w="med" len="med"/>
+                      <a:tailEnd type="none" w="med" len="med"/>
+                    </a:lnR>
+                    <a:lnT w="9525" cap="flat" cmpd="sng" algn="ctr">
+                      <a:solidFill>
+                        <a:srgbClr val="DDDDDD"/>
+                      </a:solidFill>
+                      <a:prstDash val="solid"/>
+                      <a:round/>
+                      <a:headEnd type="none" w="med" len="med"/>
+                      <a:tailEnd type="none" w="med" len="med"/>
+                    </a:lnT>
+                    <a:lnB w="9525" cap="flat" cmpd="sng" algn="ctr">
+                      <a:solidFill>
+                        <a:srgbClr val="DDDDDD"/>
+                      </a:solidFill>
+                      <a:prstDash val="solid"/>
+                      <a:round/>
+                      <a:headEnd type="none" w="med" len="med"/>
+                      <a:tailEnd type="none" w="med" len="med"/>
+                    </a:lnB>
+                    <a:solidFill>
+                      <a:srgbClr val="FFFFFF"/>
+                    </a:solidFill>
+                  </a:tcPr>
+                </a:tc>
+                <a:tc>
+                  <a:txBody>
+                    <a:bodyPr/>
+                    <a:lstStyle/>
+                    <a:p>
+                      <a:r>
+                        <a:rPr lang="en-GB" sz="1400">
+                          <a:effectLst/>
+                        </a:rPr>
+                        <a:t>0.654</a:t>
+                      </a:r>
+                    </a:p>
+                  </a:txBody>
+                  <a:tcPr marL="98136" marR="98136" marT="45293" marB="45293" anchor="ctr">
+                    <a:lnL w="9525" cap="flat" cmpd="sng" algn="ctr">
+                      <a:solidFill>
+                        <a:srgbClr val="DDDDDD"/>
+                      </a:solidFill>
+                      <a:prstDash val="solid"/>
+                      <a:round/>
+                      <a:headEnd type="none" w="med" len="med"/>
+                      <a:tailEnd type="none" w="med" len="med"/>
+                    </a:lnL>
+                    <a:lnR w="9525" cap="flat" cmpd="sng" algn="ctr">
+                      <a:solidFill>
+                        <a:srgbClr val="DDDDDD"/>
+                      </a:solidFill>
+                      <a:prstDash val="solid"/>
+                      <a:round/>
+                      <a:headEnd type="none" w="med" len="med"/>
+                      <a:tailEnd type="none" w="med" len="med"/>
+                    </a:lnR>
+                    <a:lnT w="9525" cap="flat" cmpd="sng" algn="ctr">
+                      <a:solidFill>
+                        <a:srgbClr val="DDDDDD"/>
+                      </a:solidFill>
+                      <a:prstDash val="solid"/>
+                      <a:round/>
+                      <a:headEnd type="none" w="med" len="med"/>
+                      <a:tailEnd type="none" w="med" len="med"/>
+                    </a:lnT>
+                    <a:lnB w="9525" cap="flat" cmpd="sng" algn="ctr">
+                      <a:solidFill>
+                        <a:srgbClr val="DDDDDD"/>
+                      </a:solidFill>
+                      <a:prstDash val="solid"/>
+                      <a:round/>
+                      <a:headEnd type="none" w="med" len="med"/>
+                      <a:tailEnd type="none" w="med" len="med"/>
+                    </a:lnB>
+                    <a:solidFill>
+                      <a:srgbClr val="FFFFFF"/>
+                    </a:solidFill>
+                  </a:tcPr>
+                </a:tc>
+                <a:tc>
+                  <a:txBody>
+                    <a:bodyPr/>
+                    <a:lstStyle/>
+                    <a:p>
+                      <a:r>
+                        <a:rPr lang="en-GB" sz="1400" dirty="0">
+                          <a:effectLst/>
+                        </a:rPr>
+                        <a:t>0.654</a:t>
+                      </a:r>
+                    </a:p>
+                  </a:txBody>
+                  <a:tcPr marL="98136" marR="98136" marT="45293" marB="45293" anchor="ctr">
+                    <a:lnL w="9525" cap="flat" cmpd="sng" algn="ctr">
+                      <a:solidFill>
+                        <a:srgbClr val="DDDDDD"/>
+                      </a:solidFill>
+                      <a:prstDash val="solid"/>
+                      <a:round/>
+                      <a:headEnd type="none" w="med" len="med"/>
+                      <a:tailEnd type="none" w="med" len="med"/>
+                    </a:lnL>
+                    <a:lnR w="9525" cap="flat" cmpd="sng" algn="ctr">
+                      <a:solidFill>
+                        <a:srgbClr val="DDDDDD"/>
+                      </a:solidFill>
+                      <a:prstDash val="solid"/>
+                      <a:round/>
+                      <a:headEnd type="none" w="med" len="med"/>
+                      <a:tailEnd type="none" w="med" len="med"/>
+                    </a:lnR>
+                    <a:lnT w="9525" cap="flat" cmpd="sng" algn="ctr">
+                      <a:solidFill>
+                        <a:srgbClr val="DDDDDD"/>
+                      </a:solidFill>
+                      <a:prstDash val="solid"/>
+                      <a:round/>
+                      <a:headEnd type="none" w="med" len="med"/>
+                      <a:tailEnd type="none" w="med" len="med"/>
+                    </a:lnT>
+                    <a:lnB w="9525" cap="flat" cmpd="sng" algn="ctr">
+                      <a:solidFill>
+                        <a:srgbClr val="DDDDDD"/>
+                      </a:solidFill>
+                      <a:prstDash val="solid"/>
+                      <a:round/>
+                      <a:headEnd type="none" w="med" len="med"/>
+                      <a:tailEnd type="none" w="med" len="med"/>
+                    </a:lnB>
+                    <a:solidFill>
+                      <a:srgbClr val="FFFFFF"/>
+                    </a:solidFill>
+                  </a:tcPr>
+                </a:tc>
+                <a:extLst>
+                  <a:ext uri="{0D108BD9-81ED-4DB2-BD59-A6C34878D82A}">
+                    <a16:rowId xmlns:a16="http://schemas.microsoft.com/office/drawing/2014/main" val="1056669445"/>
+                  </a:ext>
+                </a:extLst>
+              </a:tr>
+            </a:tbl>
+          </a:graphicData>
+        </a:graphic>
+      </p:graphicFrame>
+    </p:spTree>
+    <p:extLst>
+      <p:ext uri="{BB962C8B-B14F-4D97-AF65-F5344CB8AC3E}">
+        <p14:creationId xmlns:p14="http://schemas.microsoft.com/office/powerpoint/2010/main" val="311147691"/>
       </p:ext>
     </p:extLst>
   </p:cSld>

--- a/slides.pptx
+++ b/slides.pptx
@@ -5,7 +5,7 @@
     <p:sldMasterId id="2147483648" r:id="rId1"/>
   </p:sldMasterIdLst>
   <p:notesMasterIdLst>
-    <p:notesMasterId r:id="rId14"/>
+    <p:notesMasterId r:id="rId16"/>
   </p:notesMasterIdLst>
   <p:sldIdLst>
     <p:sldId id="256" r:id="rId2"/>
@@ -20,6 +20,8 @@
     <p:sldId id="266" r:id="rId11"/>
     <p:sldId id="265" r:id="rId12"/>
     <p:sldId id="267" r:id="rId13"/>
+    <p:sldId id="268" r:id="rId14"/>
+    <p:sldId id="269" r:id="rId15"/>
   </p:sldIdLst>
   <p:sldSz cx="12192000" cy="6858000"/>
   <p:notesSz cx="6858000" cy="9144000"/>
@@ -4081,7 +4083,7 @@
         </p:spPr>
         <p:txBody>
           <a:bodyPr>
-            <a:normAutofit lnSpcReduction="10000"/>
+            <a:normAutofit fontScale="92500"/>
           </a:bodyPr>
           <a:lstStyle/>
           <a:p>
@@ -4090,7 +4092,7 @@
             </a:pPr>
             <a:r>
               <a:rPr lang="en-GB" dirty="0"/>
-              <a:t>Hypothesis: Using a 3 stage pipeline will reduce the total cycles by up to a maximum factor of 3. The less taken branches the closer it will be to the maximum of 3 (a taken branch flushes the pipeline).</a:t>
+              <a:t>Hypothesis: Using a 3 stage pipeline will reduce the total cycles by up to a maximum factor of 3. The fewer taken branches the closer it will be to the maximum of 3 (because a taken branch flushes the pipeline).</a:t>
             </a:r>
           </a:p>
           <a:p>
@@ -4099,7 +4101,7 @@
             </a:pPr>
             <a:r>
               <a:rPr lang="en-GB" dirty="0"/>
-              <a:t>Experiment: I wrote two versions of the same function, one with and one without an unrolled loop, so that the unrolled has a lower number of branches taken. I tested both with and without the pipeline enabled.</a:t>
+              <a:t>Experiment: I wrote two versions of the same function, one with and one without an unrolled loop (because the unrolled version will have a lower number of branches taken). I tested both with and without the pipeline enabled.</a:t>
             </a:r>
           </a:p>
           <a:p>
@@ -4126,17 +4128,17 @@
             </a:pPr>
             <a:r>
               <a:rPr lang="en-GB" dirty="0"/>
-              <a:t>Result: Both programs did result in a reduction of cycles, but of less than 3x. The version with less taken branches had a very small improvement in the cycle reduction when enabling the pipelined mode.</a:t>
+              <a:t>Result: Both programs did result in a reduction of cycles, each of less than 3x. The version with fewer taken branches had a noticeable improvement in the cycle reduction when enabling the pipelined mode.</a:t>
             </a:r>
           </a:p>
         </p:txBody>
       </p:sp>
       <p:graphicFrame>
         <p:nvGraphicFramePr>
-          <p:cNvPr id="5" name="Table 4">
-            <a:extLst>
-              <a:ext uri="{FF2B5EF4-FFF2-40B4-BE49-F238E27FC236}">
-                <a16:creationId xmlns:a16="http://schemas.microsoft.com/office/drawing/2014/main" id="{F599E938-98B3-4946-B648-B7F1D5749B2B}"/>
+          <p:cNvPr id="2" name="Table 1">
+            <a:extLst>
+              <a:ext uri="{FF2B5EF4-FFF2-40B4-BE49-F238E27FC236}">
+                <a16:creationId xmlns:a16="http://schemas.microsoft.com/office/drawing/2014/main" id="{106DE14E-38C9-4323-AD43-49EB4D570A7D}"/>
               </a:ext>
             </a:extLst>
           </p:cNvPr>
@@ -4146,14 +4148,14 @@
           <p:nvPr>
             <p:extLst>
               <p:ext uri="{D42A27DB-BD31-4B8C-83A1-F6EECF244321}">
-                <p14:modId xmlns:p14="http://schemas.microsoft.com/office/powerpoint/2010/main" val="4178991436"/>
+                <p14:modId xmlns:p14="http://schemas.microsoft.com/office/powerpoint/2010/main" val="3630545709"/>
               </p:ext>
             </p:extLst>
           </p:nvPr>
         </p:nvGraphicFramePr>
         <p:xfrm>
-          <a:off x="838200" y="3122856"/>
-          <a:ext cx="10515600" cy="1131643"/>
+          <a:off x="838200" y="3533235"/>
+          <a:ext cx="10515600" cy="1141392"/>
         </p:xfrm>
         <a:graphic>
           <a:graphicData uri="http://schemas.openxmlformats.org/drawingml/2006/table">
@@ -4163,47 +4165,47 @@
                 <a:gridCol w="1752600">
                   <a:extLst>
                     <a:ext uri="{9D8B030D-6E8A-4147-A177-3AD203B41FA5}">
-                      <a16:colId xmlns:a16="http://schemas.microsoft.com/office/drawing/2014/main" val="817624562"/>
+                      <a16:colId xmlns:a16="http://schemas.microsoft.com/office/drawing/2014/main" val="724891409"/>
                     </a:ext>
                   </a:extLst>
                 </a:gridCol>
                 <a:gridCol w="1752600">
                   <a:extLst>
                     <a:ext uri="{9D8B030D-6E8A-4147-A177-3AD203B41FA5}">
-                      <a16:colId xmlns:a16="http://schemas.microsoft.com/office/drawing/2014/main" val="507680696"/>
+                      <a16:colId xmlns:a16="http://schemas.microsoft.com/office/drawing/2014/main" val="1205455976"/>
                     </a:ext>
                   </a:extLst>
                 </a:gridCol>
                 <a:gridCol w="1752600">
                   <a:extLst>
                     <a:ext uri="{9D8B030D-6E8A-4147-A177-3AD203B41FA5}">
-                      <a16:colId xmlns:a16="http://schemas.microsoft.com/office/drawing/2014/main" val="831206348"/>
+                      <a16:colId xmlns:a16="http://schemas.microsoft.com/office/drawing/2014/main" val="3674586618"/>
                     </a:ext>
                   </a:extLst>
                 </a:gridCol>
                 <a:gridCol w="1752600">
                   <a:extLst>
                     <a:ext uri="{9D8B030D-6E8A-4147-A177-3AD203B41FA5}">
-                      <a16:colId xmlns:a16="http://schemas.microsoft.com/office/drawing/2014/main" val="3198983261"/>
+                      <a16:colId xmlns:a16="http://schemas.microsoft.com/office/drawing/2014/main" val="2017374536"/>
                     </a:ext>
                   </a:extLst>
                 </a:gridCol>
                 <a:gridCol w="1752600">
                   <a:extLst>
                     <a:ext uri="{9D8B030D-6E8A-4147-A177-3AD203B41FA5}">
-                      <a16:colId xmlns:a16="http://schemas.microsoft.com/office/drawing/2014/main" val="4266044807"/>
+                      <a16:colId xmlns:a16="http://schemas.microsoft.com/office/drawing/2014/main" val="3586202148"/>
                     </a:ext>
                   </a:extLst>
                 </a:gridCol>
                 <a:gridCol w="1752600">
                   <a:extLst>
                     <a:ext uri="{9D8B030D-6E8A-4147-A177-3AD203B41FA5}">
-                      <a16:colId xmlns:a16="http://schemas.microsoft.com/office/drawing/2014/main" val="2335363580"/>
+                      <a16:colId xmlns:a16="http://schemas.microsoft.com/office/drawing/2014/main" val="4183598899"/>
                     </a:ext>
                   </a:extLst>
                 </a:gridCol>
               </a:tblGrid>
-              <a:tr h="520915">
+              <a:tr h="525402">
                 <a:tc>
                   <a:txBody>
                     <a:bodyPr/>
@@ -4217,7 +4219,7 @@
                       </a:r>
                     </a:p>
                   </a:txBody>
-                  <a:tcPr marL="97297" marR="97297" marT="44906" marB="44906" anchor="ctr">
+                  <a:tcPr marL="98136" marR="98136" marT="45293" marB="45293" anchor="ctr">
                     <a:lnL w="9525" cap="flat" cmpd="sng" algn="ctr">
                       <a:solidFill>
                         <a:srgbClr val="DDDDDD"/>
@@ -4265,14 +4267,14 @@
                     <a:lstStyle/>
                     <a:p>
                       <a:r>
-                        <a:rPr lang="en-GB" sz="1400" b="1" dirty="0">
+                        <a:rPr lang="en-GB" sz="1400" b="1">
                           <a:effectLst/>
                         </a:rPr>
                         <a:t>Instructions</a:t>
                       </a:r>
                     </a:p>
                   </a:txBody>
-                  <a:tcPr marL="97297" marR="97297" marT="44906" marB="44906" anchor="ctr">
+                  <a:tcPr marL="98136" marR="98136" marT="45293" marB="45293" anchor="ctr">
                     <a:lnL w="9525" cap="flat" cmpd="sng" algn="ctr">
                       <a:solidFill>
                         <a:srgbClr val="DDDDDD"/>
@@ -4327,7 +4329,7 @@
                       </a:r>
                     </a:p>
                   </a:txBody>
-                  <a:tcPr marL="97297" marR="97297" marT="44906" marB="44906" anchor="ctr">
+                  <a:tcPr marL="98136" marR="98136" marT="45293" marB="45293" anchor="ctr">
                     <a:lnL w="9525" cap="flat" cmpd="sng" algn="ctr">
                       <a:solidFill>
                         <a:srgbClr val="DDDDDD"/>
@@ -4382,7 +4384,7 @@
                       </a:r>
                     </a:p>
                   </a:txBody>
-                  <a:tcPr marL="97297" marR="97297" marT="44906" marB="44906" anchor="ctr">
+                  <a:tcPr marL="98136" marR="98136" marT="45293" marB="45293" anchor="ctr">
                     <a:lnL w="9525" cap="flat" cmpd="sng" algn="ctr">
                       <a:solidFill>
                         <a:srgbClr val="DDDDDD"/>
@@ -4437,7 +4439,7 @@
                       </a:r>
                     </a:p>
                   </a:txBody>
-                  <a:tcPr marL="97297" marR="97297" marT="44906" marB="44906" anchor="ctr">
+                  <a:tcPr marL="98136" marR="98136" marT="45293" marB="45293" anchor="ctr">
                     <a:lnL w="9525" cap="flat" cmpd="sng" algn="ctr">
                       <a:solidFill>
                         <a:srgbClr val="DDDDDD"/>
@@ -4492,7 +4494,7 @@
                       </a:r>
                     </a:p>
                   </a:txBody>
-                  <a:tcPr marL="97297" marR="97297" marT="44906" marB="44906" anchor="ctr">
+                  <a:tcPr marL="98136" marR="98136" marT="45293" marB="45293" anchor="ctr">
                     <a:lnL w="9525" cap="flat" cmpd="sng" algn="ctr">
                       <a:solidFill>
                         <a:srgbClr val="DDDDDD"/>
@@ -4536,25 +4538,31 @@
                 </a:tc>
                 <a:extLst>
                   <a:ext uri="{0D108BD9-81ED-4DB2-BD59-A6C34878D82A}">
-                    <a16:rowId xmlns:a16="http://schemas.microsoft.com/office/drawing/2014/main" val="2876953063"/>
+                    <a16:rowId xmlns:a16="http://schemas.microsoft.com/office/drawing/2014/main" val="1932664550"/>
                   </a:ext>
                 </a:extLst>
               </a:tr>
-              <a:tr h="305364">
+              <a:tr h="307995">
                 <a:tc>
                   <a:txBody>
                     <a:bodyPr/>
                     <a:lstStyle/>
                     <a:p>
                       <a:r>
-                        <a:rPr lang="en-GB" sz="1400">
+                        <a:rPr lang="en-GB" sz="1400" dirty="0" err="1">
                           <a:effectLst/>
                         </a:rPr>
                         <a:t>Bitcount</a:t>
                       </a:r>
+                      <a:r>
+                        <a:rPr lang="en-GB" sz="1400" dirty="0">
+                          <a:effectLst/>
+                        </a:rPr>
+                        <a:t> O3</a:t>
+                      </a:r>
                     </a:p>
                   </a:txBody>
-                  <a:tcPr marL="97297" marR="97297" marT="44906" marB="44906" anchor="ctr">
+                  <a:tcPr marL="98136" marR="98136" marT="45293" marB="45293" anchor="ctr">
                     <a:lnL w="9525" cap="flat" cmpd="sng" algn="ctr">
                       <a:solidFill>
                         <a:srgbClr val="DDDDDD"/>
@@ -4605,11 +4613,11 @@
                         <a:rPr lang="en-GB" sz="1400">
                           <a:effectLst/>
                         </a:rPr>
-                        <a:t>1611</a:t>
+                        <a:t>630</a:t>
                       </a:r>
                     </a:p>
                   </a:txBody>
-                  <a:tcPr marL="97297" marR="97297" marT="44906" marB="44906" anchor="ctr">
+                  <a:tcPr marL="98136" marR="98136" marT="45293" marB="45293" anchor="ctr">
                     <a:lnL w="9525" cap="flat" cmpd="sng" algn="ctr">
                       <a:solidFill>
                         <a:srgbClr val="DDDDDD"/>
@@ -4660,11 +4668,11 @@
                         <a:rPr lang="en-GB" sz="1400">
                           <a:effectLst/>
                         </a:rPr>
-                        <a:t>100</a:t>
+                        <a:t>62</a:t>
                       </a:r>
                     </a:p>
                   </a:txBody>
-                  <a:tcPr marL="97297" marR="97297" marT="44906" marB="44906" anchor="ctr">
+                  <a:tcPr marL="98136" marR="98136" marT="45293" marB="45293" anchor="ctr">
                     <a:lnL w="9525" cap="flat" cmpd="sng" algn="ctr">
                       <a:solidFill>
                         <a:srgbClr val="DDDDDD"/>
@@ -4715,11 +4723,11 @@
                         <a:rPr lang="en-GB" sz="1400">
                           <a:effectLst/>
                         </a:rPr>
-                        <a:t>5467</a:t>
+                        <a:t>1896</a:t>
                       </a:r>
                     </a:p>
                   </a:txBody>
-                  <a:tcPr marL="97297" marR="97297" marT="44906" marB="44906" anchor="ctr">
+                  <a:tcPr marL="98136" marR="98136" marT="45293" marB="45293" anchor="ctr">
                     <a:lnL w="9525" cap="flat" cmpd="sng" algn="ctr">
                       <a:solidFill>
                         <a:srgbClr val="DDDDDD"/>
@@ -4770,11 +4778,11 @@
                         <a:rPr lang="en-GB" sz="1400">
                           <a:effectLst/>
                         </a:rPr>
-                        <a:t>2447</a:t>
+                        <a:t>762</a:t>
                       </a:r>
                     </a:p>
                   </a:txBody>
-                  <a:tcPr marL="97297" marR="97297" marT="44906" marB="44906" anchor="ctr">
+                  <a:tcPr marL="98136" marR="98136" marT="45293" marB="45293" anchor="ctr">
                     <a:lnL w="9525" cap="flat" cmpd="sng" algn="ctr">
                       <a:solidFill>
                         <a:srgbClr val="DDDDDD"/>
@@ -4825,11 +4833,11 @@
                         <a:rPr lang="en-GB" sz="1400">
                           <a:effectLst/>
                         </a:rPr>
-                        <a:t>2.234</a:t>
+                        <a:t>2.488</a:t>
                       </a:r>
                     </a:p>
                   </a:txBody>
-                  <a:tcPr marL="97297" marR="97297" marT="44906" marB="44906" anchor="ctr">
+                  <a:tcPr marL="98136" marR="98136" marT="45293" marB="45293" anchor="ctr">
                     <a:lnL w="9525" cap="flat" cmpd="sng" algn="ctr">
                       <a:solidFill>
                         <a:srgbClr val="DDDDDD"/>
@@ -4873,25 +4881,31 @@
                 </a:tc>
                 <a:extLst>
                   <a:ext uri="{0D108BD9-81ED-4DB2-BD59-A6C34878D82A}">
-                    <a16:rowId xmlns:a16="http://schemas.microsoft.com/office/drawing/2014/main" val="1803007872"/>
+                    <a16:rowId xmlns:a16="http://schemas.microsoft.com/office/drawing/2014/main" val="3886687307"/>
                   </a:ext>
                 </a:extLst>
               </a:tr>
-              <a:tr h="305364">
+              <a:tr h="307995">
                 <a:tc>
                   <a:txBody>
                     <a:bodyPr/>
                     <a:lstStyle/>
                     <a:p>
                       <a:r>
-                        <a:rPr lang="en-GB" sz="1400">
+                        <a:rPr lang="en-GB" sz="1400" dirty="0" err="1">
                           <a:effectLst/>
                         </a:rPr>
-                        <a:t>Bitcount Unrolled</a:t>
+                        <a:t>Bitcount</a:t>
+                      </a:r>
+                      <a:r>
+                        <a:rPr lang="en-GB" sz="1400" dirty="0">
+                          <a:effectLst/>
+                        </a:rPr>
+                        <a:t> Unrolled O3</a:t>
                       </a:r>
                     </a:p>
                   </a:txBody>
-                  <a:tcPr marL="97297" marR="97297" marT="44906" marB="44906" anchor="ctr">
+                  <a:tcPr marL="98136" marR="98136" marT="45293" marB="45293" anchor="ctr">
                     <a:lnL w="9525" cap="flat" cmpd="sng" algn="ctr">
                       <a:solidFill>
                         <a:srgbClr val="DDDDDD"/>
@@ -4942,11 +4956,11 @@
                         <a:rPr lang="en-GB" sz="1400">
                           <a:effectLst/>
                         </a:rPr>
-                        <a:t>1067</a:t>
+                        <a:t>433</a:t>
                       </a:r>
                     </a:p>
                   </a:txBody>
-                  <a:tcPr marL="97297" marR="97297" marT="44906" marB="44906" anchor="ctr">
+                  <a:tcPr marL="98136" marR="98136" marT="45293" marB="45293" anchor="ctr">
                     <a:lnL w="9525" cap="flat" cmpd="sng" algn="ctr">
                       <a:solidFill>
                         <a:srgbClr val="DDDDDD"/>
@@ -4997,11 +5011,66 @@
                         <a:rPr lang="en-GB" sz="1400">
                           <a:effectLst/>
                         </a:rPr>
-                        <a:t>56</a:t>
+                        <a:t>16</a:t>
                       </a:r>
                     </a:p>
                   </a:txBody>
-                  <a:tcPr marL="97297" marR="97297" marT="44906" marB="44906" anchor="ctr">
+                  <a:tcPr marL="98136" marR="98136" marT="45293" marB="45293" anchor="ctr">
+                    <a:lnL w="9525" cap="flat" cmpd="sng" algn="ctr">
+                      <a:solidFill>
+                        <a:srgbClr val="DDDDDD"/>
+                      </a:solidFill>
+                      <a:prstDash val="solid"/>
+                      <a:round/>
+                      <a:headEnd type="none" w="med" len="med"/>
+                      <a:tailEnd type="none" w="med" len="med"/>
+                    </a:lnL>
+                    <a:lnR w="9525" cap="flat" cmpd="sng" algn="ctr">
+                      <a:solidFill>
+                        <a:srgbClr val="DDDDDD"/>
+                      </a:solidFill>
+                      <a:prstDash val="solid"/>
+                      <a:round/>
+                      <a:headEnd type="none" w="med" len="med"/>
+                      <a:tailEnd type="none" w="med" len="med"/>
+                    </a:lnR>
+                    <a:lnT w="9525" cap="flat" cmpd="sng" algn="ctr">
+                      <a:solidFill>
+                        <a:srgbClr val="DDDDDD"/>
+                      </a:solidFill>
+                      <a:prstDash val="solid"/>
+                      <a:round/>
+                      <a:headEnd type="none" w="med" len="med"/>
+                      <a:tailEnd type="none" w="med" len="med"/>
+                    </a:lnT>
+                    <a:lnB w="9525" cap="flat" cmpd="sng" algn="ctr">
+                      <a:solidFill>
+                        <a:srgbClr val="DDDDDD"/>
+                      </a:solidFill>
+                      <a:prstDash val="solid"/>
+                      <a:round/>
+                      <a:headEnd type="none" w="med" len="med"/>
+                      <a:tailEnd type="none" w="med" len="med"/>
+                    </a:lnB>
+                    <a:solidFill>
+                      <a:srgbClr val="FFFFFF"/>
+                    </a:solidFill>
+                  </a:tcPr>
+                </a:tc>
+                <a:tc>
+                  <a:txBody>
+                    <a:bodyPr/>
+                    <a:lstStyle/>
+                    <a:p>
+                      <a:r>
+                        <a:rPr lang="en-GB" sz="1400" dirty="0">
+                          <a:effectLst/>
+                        </a:rPr>
+                        <a:t>1306</a:t>
+                      </a:r>
+                    </a:p>
+                  </a:txBody>
+                  <a:tcPr marL="98136" marR="98136" marT="45293" marB="45293" anchor="ctr">
                     <a:lnL w="9525" cap="flat" cmpd="sng" algn="ctr">
                       <a:solidFill>
                         <a:srgbClr val="DDDDDD"/>
@@ -5052,66 +5121,11 @@
                         <a:rPr lang="en-GB" sz="1400">
                           <a:effectLst/>
                         </a:rPr>
-                        <a:t>3649</a:t>
+                        <a:t>474</a:t>
                       </a:r>
                     </a:p>
                   </a:txBody>
-                  <a:tcPr marL="97297" marR="97297" marT="44906" marB="44906" anchor="ctr">
-                    <a:lnL w="9525" cap="flat" cmpd="sng" algn="ctr">
-                      <a:solidFill>
-                        <a:srgbClr val="DDDDDD"/>
-                      </a:solidFill>
-                      <a:prstDash val="solid"/>
-                      <a:round/>
-                      <a:headEnd type="none" w="med" len="med"/>
-                      <a:tailEnd type="none" w="med" len="med"/>
-                    </a:lnL>
-                    <a:lnR w="9525" cap="flat" cmpd="sng" algn="ctr">
-                      <a:solidFill>
-                        <a:srgbClr val="DDDDDD"/>
-                      </a:solidFill>
-                      <a:prstDash val="solid"/>
-                      <a:round/>
-                      <a:headEnd type="none" w="med" len="med"/>
-                      <a:tailEnd type="none" w="med" len="med"/>
-                    </a:lnR>
-                    <a:lnT w="9525" cap="flat" cmpd="sng" algn="ctr">
-                      <a:solidFill>
-                        <a:srgbClr val="DDDDDD"/>
-                      </a:solidFill>
-                      <a:prstDash val="solid"/>
-                      <a:round/>
-                      <a:headEnd type="none" w="med" len="med"/>
-                      <a:tailEnd type="none" w="med" len="med"/>
-                    </a:lnT>
-                    <a:lnB w="9525" cap="flat" cmpd="sng" algn="ctr">
-                      <a:solidFill>
-                        <a:srgbClr val="DDDDDD"/>
-                      </a:solidFill>
-                      <a:prstDash val="solid"/>
-                      <a:round/>
-                      <a:headEnd type="none" w="med" len="med"/>
-                      <a:tailEnd type="none" w="med" len="med"/>
-                    </a:lnB>
-                    <a:solidFill>
-                      <a:srgbClr val="FFFFFF"/>
-                    </a:solidFill>
-                  </a:tcPr>
-                </a:tc>
-                <a:tc>
-                  <a:txBody>
-                    <a:bodyPr/>
-                    <a:lstStyle/>
-                    <a:p>
-                      <a:r>
-                        <a:rPr lang="en-GB" sz="1400">
-                          <a:effectLst/>
-                        </a:rPr>
-                        <a:t>1629</a:t>
-                      </a:r>
-                    </a:p>
-                  </a:txBody>
-                  <a:tcPr marL="97297" marR="97297" marT="44906" marB="44906" anchor="ctr">
+                  <a:tcPr marL="98136" marR="98136" marT="45293" marB="45293" anchor="ctr">
                     <a:lnL w="9525" cap="flat" cmpd="sng" algn="ctr">
                       <a:solidFill>
                         <a:srgbClr val="DDDDDD"/>
@@ -5162,11 +5176,11 @@
                         <a:rPr lang="en-GB" sz="1400" dirty="0">
                           <a:effectLst/>
                         </a:rPr>
-                        <a:t>2.240</a:t>
+                        <a:t>2.755</a:t>
                       </a:r>
                     </a:p>
                   </a:txBody>
-                  <a:tcPr marL="97297" marR="97297" marT="44906" marB="44906" anchor="ctr">
+                  <a:tcPr marL="98136" marR="98136" marT="45293" marB="45293" anchor="ctr">
                     <a:lnL w="9525" cap="flat" cmpd="sng" algn="ctr">
                       <a:solidFill>
                         <a:srgbClr val="DDDDDD"/>
@@ -5210,7 +5224,7 @@
                 </a:tc>
                 <a:extLst>
                   <a:ext uri="{0D108BD9-81ED-4DB2-BD59-A6C34878D82A}">
-                    <a16:rowId xmlns:a16="http://schemas.microsoft.com/office/drawing/2014/main" val="1629050902"/>
+                    <a16:rowId xmlns:a16="http://schemas.microsoft.com/office/drawing/2014/main" val="1171996665"/>
                   </a:ext>
                 </a:extLst>
               </a:tr>
@@ -7222,6 +7236,1110 @@
 </p:sld>
 </file>
 
+<file path=ppt/slides/slide13.xml><?xml version="1.0" encoding="utf-8"?>
+<p:sld xmlns:a="http://schemas.openxmlformats.org/drawingml/2006/main" xmlns:r="http://schemas.openxmlformats.org/officeDocument/2006/relationships" xmlns:p="http://schemas.openxmlformats.org/presentationml/2006/main">
+  <p:cSld>
+    <p:spTree>
+      <p:nvGrpSpPr>
+        <p:cNvPr id="1" name=""/>
+        <p:cNvGrpSpPr/>
+        <p:nvPr/>
+      </p:nvGrpSpPr>
+      <p:grpSpPr>
+        <a:xfrm>
+          <a:off x="0" y="0"/>
+          <a:ext cx="0" cy="0"/>
+          <a:chOff x="0" y="0"/>
+          <a:chExt cx="0" cy="0"/>
+        </a:xfrm>
+      </p:grpSpPr>
+      <p:sp>
+        <p:nvSpPr>
+          <p:cNvPr id="3" name="Content Placeholder 2">
+            <a:extLst>
+              <a:ext uri="{FF2B5EF4-FFF2-40B4-BE49-F238E27FC236}">
+                <a16:creationId xmlns:a16="http://schemas.microsoft.com/office/drawing/2014/main" id="{C117342A-5411-4766-A79A-8305A34CF3D5}"/>
+              </a:ext>
+            </a:extLst>
+          </p:cNvPr>
+          <p:cNvSpPr>
+            <a:spLocks noGrp="1"/>
+          </p:cNvSpPr>
+          <p:nvPr>
+            <p:ph idx="1"/>
+          </p:nvPr>
+        </p:nvSpPr>
+        <p:spPr>
+          <a:xfrm>
+            <a:off x="661715" y="410546"/>
+            <a:ext cx="10515600" cy="6251509"/>
+          </a:xfrm>
+        </p:spPr>
+        <p:txBody>
+          <a:bodyPr>
+            <a:normAutofit lnSpcReduction="10000"/>
+          </a:bodyPr>
+          <a:lstStyle/>
+          <a:p>
+            <a:pPr marL="0" indent="0">
+              <a:buNone/>
+            </a:pPr>
+            <a:r>
+              <a:rPr lang="en-GB" dirty="0"/>
+              <a:t>Hypothesis: Using loop unrolling to increase instruction level parallelism will lead to a greater improvement in cycle rate when adding additional execution units.</a:t>
+            </a:r>
+          </a:p>
+          <a:p>
+            <a:pPr marL="0" indent="0">
+              <a:buNone/>
+            </a:pPr>
+            <a:r>
+              <a:rPr lang="en-GB" dirty="0"/>
+              <a:t>Experiment: I compared the regular </a:t>
+            </a:r>
+            <a:r>
+              <a:rPr lang="en-GB" dirty="0" err="1"/>
+              <a:t>bitcount</a:t>
+            </a:r>
+            <a:r>
+              <a:rPr lang="en-GB" dirty="0"/>
+              <a:t> and unrolled version, when run in order (1 unit) and out of order (4 units). (I am using the unoptimized version because I don’t want the compiler to make unexpected optimizations that may diminish the difference between the two versions).</a:t>
+            </a:r>
+          </a:p>
+          <a:p>
+            <a:pPr marL="0" indent="0">
+              <a:buNone/>
+            </a:pPr>
+            <a:endParaRPr lang="en-GB" dirty="0"/>
+          </a:p>
+          <a:p>
+            <a:pPr marL="0" indent="0">
+              <a:buNone/>
+            </a:pPr>
+            <a:endParaRPr lang="en-GB" dirty="0"/>
+          </a:p>
+          <a:p>
+            <a:pPr marL="0" indent="0">
+              <a:buNone/>
+            </a:pPr>
+            <a:r>
+              <a:rPr lang="en-GB" dirty="0"/>
+              <a:t>Result: Enabling out of order execution increases the performance for both, but with only a very small increase in change for the unrolled version. Perhaps this is because the unrolled instructions mainly consist of single cycle arithmetic operations, that when combined with single issue do not create many chances for overtaking / out of order execution.</a:t>
+            </a:r>
+          </a:p>
+        </p:txBody>
+      </p:sp>
+      <p:graphicFrame>
+        <p:nvGraphicFramePr>
+          <p:cNvPr id="2" name="Table 1">
+            <a:extLst>
+              <a:ext uri="{FF2B5EF4-FFF2-40B4-BE49-F238E27FC236}">
+                <a16:creationId xmlns:a16="http://schemas.microsoft.com/office/drawing/2014/main" id="{2D9CC9EC-55E3-4ACA-8DCA-B069A178AE18}"/>
+              </a:ext>
+            </a:extLst>
+          </p:cNvPr>
+          <p:cNvGraphicFramePr>
+            <a:graphicFrameLocks noGrp="1"/>
+          </p:cNvGraphicFramePr>
+          <p:nvPr>
+            <p:extLst>
+              <p:ext uri="{D42A27DB-BD31-4B8C-83A1-F6EECF244321}">
+                <p14:modId xmlns:p14="http://schemas.microsoft.com/office/powerpoint/2010/main" val="518732843"/>
+              </p:ext>
+            </p:extLst>
+          </p:nvPr>
+        </p:nvGraphicFramePr>
+        <p:xfrm>
+          <a:off x="838200" y="3352689"/>
+          <a:ext cx="10515600" cy="923985"/>
+        </p:xfrm>
+        <a:graphic>
+          <a:graphicData uri="http://schemas.openxmlformats.org/drawingml/2006/table">
+            <a:tbl>
+              <a:tblPr/>
+              <a:tblGrid>
+                <a:gridCol w="2103120">
+                  <a:extLst>
+                    <a:ext uri="{9D8B030D-6E8A-4147-A177-3AD203B41FA5}">
+                      <a16:colId xmlns:a16="http://schemas.microsoft.com/office/drawing/2014/main" val="1193474835"/>
+                    </a:ext>
+                  </a:extLst>
+                </a:gridCol>
+                <a:gridCol w="2103120">
+                  <a:extLst>
+                    <a:ext uri="{9D8B030D-6E8A-4147-A177-3AD203B41FA5}">
+                      <a16:colId xmlns:a16="http://schemas.microsoft.com/office/drawing/2014/main" val="4045946371"/>
+                    </a:ext>
+                  </a:extLst>
+                </a:gridCol>
+                <a:gridCol w="2103120">
+                  <a:extLst>
+                    <a:ext uri="{9D8B030D-6E8A-4147-A177-3AD203B41FA5}">
+                      <a16:colId xmlns:a16="http://schemas.microsoft.com/office/drawing/2014/main" val="3040330338"/>
+                    </a:ext>
+                  </a:extLst>
+                </a:gridCol>
+                <a:gridCol w="2103120">
+                  <a:extLst>
+                    <a:ext uri="{9D8B030D-6E8A-4147-A177-3AD203B41FA5}">
+                      <a16:colId xmlns:a16="http://schemas.microsoft.com/office/drawing/2014/main" val="3145190331"/>
+                    </a:ext>
+                  </a:extLst>
+                </a:gridCol>
+                <a:gridCol w="2103120">
+                  <a:extLst>
+                    <a:ext uri="{9D8B030D-6E8A-4147-A177-3AD203B41FA5}">
+                      <a16:colId xmlns:a16="http://schemas.microsoft.com/office/drawing/2014/main" val="2645790318"/>
+                    </a:ext>
+                  </a:extLst>
+                </a:gridCol>
+              </a:tblGrid>
+              <a:tr h="307995">
+                <a:tc>
+                  <a:txBody>
+                    <a:bodyPr/>
+                    <a:lstStyle/>
+                    <a:p>
+                      <a:r>
+                        <a:rPr lang="en-GB" sz="1400" b="1">
+                          <a:effectLst/>
+                        </a:rPr>
+                        <a:t>Program</a:t>
+                      </a:r>
+                    </a:p>
+                  </a:txBody>
+                  <a:tcPr marL="98136" marR="98136" marT="45293" marB="45293" anchor="ctr">
+                    <a:lnL w="9525" cap="flat" cmpd="sng" algn="ctr">
+                      <a:solidFill>
+                        <a:srgbClr val="DDDDDD"/>
+                      </a:solidFill>
+                      <a:prstDash val="solid"/>
+                      <a:round/>
+                      <a:headEnd type="none" w="med" len="med"/>
+                      <a:tailEnd type="none" w="med" len="med"/>
+                    </a:lnL>
+                    <a:lnR w="9525" cap="flat" cmpd="sng" algn="ctr">
+                      <a:solidFill>
+                        <a:srgbClr val="DDDDDD"/>
+                      </a:solidFill>
+                      <a:prstDash val="solid"/>
+                      <a:round/>
+                      <a:headEnd type="none" w="med" len="med"/>
+                      <a:tailEnd type="none" w="med" len="med"/>
+                    </a:lnR>
+                    <a:lnT w="9525" cap="flat" cmpd="sng" algn="ctr">
+                      <a:solidFill>
+                        <a:srgbClr val="DDDDDD"/>
+                      </a:solidFill>
+                      <a:prstDash val="solid"/>
+                      <a:round/>
+                      <a:headEnd type="none" w="med" len="med"/>
+                      <a:tailEnd type="none" w="med" len="med"/>
+                    </a:lnT>
+                    <a:lnB w="9525" cap="flat" cmpd="sng" algn="ctr">
+                      <a:solidFill>
+                        <a:srgbClr val="DDDDDD"/>
+                      </a:solidFill>
+                      <a:prstDash val="solid"/>
+                      <a:round/>
+                      <a:headEnd type="none" w="med" len="med"/>
+                      <a:tailEnd type="none" w="med" len="med"/>
+                    </a:lnB>
+                    <a:solidFill>
+                      <a:srgbClr val="FFFFFF"/>
+                    </a:solidFill>
+                  </a:tcPr>
+                </a:tc>
+                <a:tc>
+                  <a:txBody>
+                    <a:bodyPr/>
+                    <a:lstStyle/>
+                    <a:p>
+                      <a:r>
+                        <a:rPr lang="en-GB" sz="1400" b="1" dirty="0">
+                          <a:effectLst/>
+                        </a:rPr>
+                        <a:t>Instructions</a:t>
+                      </a:r>
+                    </a:p>
+                  </a:txBody>
+                  <a:tcPr marL="98136" marR="98136" marT="45293" marB="45293" anchor="ctr">
+                    <a:lnL w="9525" cap="flat" cmpd="sng" algn="ctr">
+                      <a:solidFill>
+                        <a:srgbClr val="DDDDDD"/>
+                      </a:solidFill>
+                      <a:prstDash val="solid"/>
+                      <a:round/>
+                      <a:headEnd type="none" w="med" len="med"/>
+                      <a:tailEnd type="none" w="med" len="med"/>
+                    </a:lnL>
+                    <a:lnR w="9525" cap="flat" cmpd="sng" algn="ctr">
+                      <a:solidFill>
+                        <a:srgbClr val="DDDDDD"/>
+                      </a:solidFill>
+                      <a:prstDash val="solid"/>
+                      <a:round/>
+                      <a:headEnd type="none" w="med" len="med"/>
+                      <a:tailEnd type="none" w="med" len="med"/>
+                    </a:lnR>
+                    <a:lnT w="9525" cap="flat" cmpd="sng" algn="ctr">
+                      <a:solidFill>
+                        <a:srgbClr val="DDDDDD"/>
+                      </a:solidFill>
+                      <a:prstDash val="solid"/>
+                      <a:round/>
+                      <a:headEnd type="none" w="med" len="med"/>
+                      <a:tailEnd type="none" w="med" len="med"/>
+                    </a:lnT>
+                    <a:lnB w="9525" cap="flat" cmpd="sng" algn="ctr">
+                      <a:solidFill>
+                        <a:srgbClr val="DDDDDD"/>
+                      </a:solidFill>
+                      <a:prstDash val="solid"/>
+                      <a:round/>
+                      <a:headEnd type="none" w="med" len="med"/>
+                      <a:tailEnd type="none" w="med" len="med"/>
+                    </a:lnB>
+                    <a:solidFill>
+                      <a:srgbClr val="FFFFFF"/>
+                    </a:solidFill>
+                  </a:tcPr>
+                </a:tc>
+                <a:tc>
+                  <a:txBody>
+                    <a:bodyPr/>
+                    <a:lstStyle/>
+                    <a:p>
+                      <a:r>
+                        <a:rPr lang="en-GB" sz="1400" b="1">
+                          <a:effectLst/>
+                        </a:rPr>
+                        <a:t>1 Unit</a:t>
+                      </a:r>
+                    </a:p>
+                  </a:txBody>
+                  <a:tcPr marL="98136" marR="98136" marT="45293" marB="45293" anchor="ctr">
+                    <a:lnL w="9525" cap="flat" cmpd="sng" algn="ctr">
+                      <a:solidFill>
+                        <a:srgbClr val="DDDDDD"/>
+                      </a:solidFill>
+                      <a:prstDash val="solid"/>
+                      <a:round/>
+                      <a:headEnd type="none" w="med" len="med"/>
+                      <a:tailEnd type="none" w="med" len="med"/>
+                    </a:lnL>
+                    <a:lnR w="9525" cap="flat" cmpd="sng" algn="ctr">
+                      <a:solidFill>
+                        <a:srgbClr val="DDDDDD"/>
+                      </a:solidFill>
+                      <a:prstDash val="solid"/>
+                      <a:round/>
+                      <a:headEnd type="none" w="med" len="med"/>
+                      <a:tailEnd type="none" w="med" len="med"/>
+                    </a:lnR>
+                    <a:lnT w="9525" cap="flat" cmpd="sng" algn="ctr">
+                      <a:solidFill>
+                        <a:srgbClr val="DDDDDD"/>
+                      </a:solidFill>
+                      <a:prstDash val="solid"/>
+                      <a:round/>
+                      <a:headEnd type="none" w="med" len="med"/>
+                      <a:tailEnd type="none" w="med" len="med"/>
+                    </a:lnT>
+                    <a:lnB w="9525" cap="flat" cmpd="sng" algn="ctr">
+                      <a:solidFill>
+                        <a:srgbClr val="DDDDDD"/>
+                      </a:solidFill>
+                      <a:prstDash val="solid"/>
+                      <a:round/>
+                      <a:headEnd type="none" w="med" len="med"/>
+                      <a:tailEnd type="none" w="med" len="med"/>
+                    </a:lnB>
+                    <a:solidFill>
+                      <a:srgbClr val="FFFFFF"/>
+                    </a:solidFill>
+                  </a:tcPr>
+                </a:tc>
+                <a:tc>
+                  <a:txBody>
+                    <a:bodyPr/>
+                    <a:lstStyle/>
+                    <a:p>
+                      <a:r>
+                        <a:rPr lang="en-GB" sz="1400" b="1">
+                          <a:effectLst/>
+                        </a:rPr>
+                        <a:t>4 Units</a:t>
+                      </a:r>
+                    </a:p>
+                  </a:txBody>
+                  <a:tcPr marL="98136" marR="98136" marT="45293" marB="45293" anchor="ctr">
+                    <a:lnL w="9525" cap="flat" cmpd="sng" algn="ctr">
+                      <a:solidFill>
+                        <a:srgbClr val="DDDDDD"/>
+                      </a:solidFill>
+                      <a:prstDash val="solid"/>
+                      <a:round/>
+                      <a:headEnd type="none" w="med" len="med"/>
+                      <a:tailEnd type="none" w="med" len="med"/>
+                    </a:lnL>
+                    <a:lnR w="9525" cap="flat" cmpd="sng" algn="ctr">
+                      <a:solidFill>
+                        <a:srgbClr val="DDDDDD"/>
+                      </a:solidFill>
+                      <a:prstDash val="solid"/>
+                      <a:round/>
+                      <a:headEnd type="none" w="med" len="med"/>
+                      <a:tailEnd type="none" w="med" len="med"/>
+                    </a:lnR>
+                    <a:lnT w="9525" cap="flat" cmpd="sng" algn="ctr">
+                      <a:solidFill>
+                        <a:srgbClr val="DDDDDD"/>
+                      </a:solidFill>
+                      <a:prstDash val="solid"/>
+                      <a:round/>
+                      <a:headEnd type="none" w="med" len="med"/>
+                      <a:tailEnd type="none" w="med" len="med"/>
+                    </a:lnT>
+                    <a:lnB w="9525" cap="flat" cmpd="sng" algn="ctr">
+                      <a:solidFill>
+                        <a:srgbClr val="DDDDDD"/>
+                      </a:solidFill>
+                      <a:prstDash val="solid"/>
+                      <a:round/>
+                      <a:headEnd type="none" w="med" len="med"/>
+                      <a:tailEnd type="none" w="med" len="med"/>
+                    </a:lnB>
+                    <a:solidFill>
+                      <a:srgbClr val="FFFFFF"/>
+                    </a:solidFill>
+                  </a:tcPr>
+                </a:tc>
+                <a:tc>
+                  <a:txBody>
+                    <a:bodyPr/>
+                    <a:lstStyle/>
+                    <a:p>
+                      <a:r>
+                        <a:rPr lang="en-GB" sz="1400" b="1">
+                          <a:effectLst/>
+                        </a:rPr>
+                        <a:t>Change</a:t>
+                      </a:r>
+                    </a:p>
+                  </a:txBody>
+                  <a:tcPr marL="98136" marR="98136" marT="45293" marB="45293" anchor="ctr">
+                    <a:lnL w="9525" cap="flat" cmpd="sng" algn="ctr">
+                      <a:solidFill>
+                        <a:srgbClr val="DDDDDD"/>
+                      </a:solidFill>
+                      <a:prstDash val="solid"/>
+                      <a:round/>
+                      <a:headEnd type="none" w="med" len="med"/>
+                      <a:tailEnd type="none" w="med" len="med"/>
+                    </a:lnL>
+                    <a:lnR w="9525" cap="flat" cmpd="sng" algn="ctr">
+                      <a:solidFill>
+                        <a:srgbClr val="DDDDDD"/>
+                      </a:solidFill>
+                      <a:prstDash val="solid"/>
+                      <a:round/>
+                      <a:headEnd type="none" w="med" len="med"/>
+                      <a:tailEnd type="none" w="med" len="med"/>
+                    </a:lnR>
+                    <a:lnT w="9525" cap="flat" cmpd="sng" algn="ctr">
+                      <a:solidFill>
+                        <a:srgbClr val="DDDDDD"/>
+                      </a:solidFill>
+                      <a:prstDash val="solid"/>
+                      <a:round/>
+                      <a:headEnd type="none" w="med" len="med"/>
+                      <a:tailEnd type="none" w="med" len="med"/>
+                    </a:lnT>
+                    <a:lnB w="9525" cap="flat" cmpd="sng" algn="ctr">
+                      <a:solidFill>
+                        <a:srgbClr val="DDDDDD"/>
+                      </a:solidFill>
+                      <a:prstDash val="solid"/>
+                      <a:round/>
+                      <a:headEnd type="none" w="med" len="med"/>
+                      <a:tailEnd type="none" w="med" len="med"/>
+                    </a:lnB>
+                    <a:solidFill>
+                      <a:srgbClr val="FFFFFF"/>
+                    </a:solidFill>
+                  </a:tcPr>
+                </a:tc>
+                <a:extLst>
+                  <a:ext uri="{0D108BD9-81ED-4DB2-BD59-A6C34878D82A}">
+                    <a16:rowId xmlns:a16="http://schemas.microsoft.com/office/drawing/2014/main" val="805053054"/>
+                  </a:ext>
+                </a:extLst>
+              </a:tr>
+              <a:tr h="307995">
+                <a:tc>
+                  <a:txBody>
+                    <a:bodyPr/>
+                    <a:lstStyle/>
+                    <a:p>
+                      <a:r>
+                        <a:rPr lang="en-GB" sz="1400">
+                          <a:effectLst/>
+                        </a:rPr>
+                        <a:t>Bitcount O0</a:t>
+                      </a:r>
+                    </a:p>
+                  </a:txBody>
+                  <a:tcPr marL="98136" marR="98136" marT="45293" marB="45293" anchor="ctr">
+                    <a:lnL w="9525" cap="flat" cmpd="sng" algn="ctr">
+                      <a:solidFill>
+                        <a:srgbClr val="DDDDDD"/>
+                      </a:solidFill>
+                      <a:prstDash val="solid"/>
+                      <a:round/>
+                      <a:headEnd type="none" w="med" len="med"/>
+                      <a:tailEnd type="none" w="med" len="med"/>
+                    </a:lnL>
+                    <a:lnR w="9525" cap="flat" cmpd="sng" algn="ctr">
+                      <a:solidFill>
+                        <a:srgbClr val="DDDDDD"/>
+                      </a:solidFill>
+                      <a:prstDash val="solid"/>
+                      <a:round/>
+                      <a:headEnd type="none" w="med" len="med"/>
+                      <a:tailEnd type="none" w="med" len="med"/>
+                    </a:lnR>
+                    <a:lnT w="9525" cap="flat" cmpd="sng" algn="ctr">
+                      <a:solidFill>
+                        <a:srgbClr val="DDDDDD"/>
+                      </a:solidFill>
+                      <a:prstDash val="solid"/>
+                      <a:round/>
+                      <a:headEnd type="none" w="med" len="med"/>
+                      <a:tailEnd type="none" w="med" len="med"/>
+                    </a:lnT>
+                    <a:lnB w="9525" cap="flat" cmpd="sng" algn="ctr">
+                      <a:solidFill>
+                        <a:srgbClr val="DDDDDD"/>
+                      </a:solidFill>
+                      <a:prstDash val="solid"/>
+                      <a:round/>
+                      <a:headEnd type="none" w="med" len="med"/>
+                      <a:tailEnd type="none" w="med" len="med"/>
+                    </a:lnB>
+                    <a:solidFill>
+                      <a:srgbClr val="FFFFFF"/>
+                    </a:solidFill>
+                  </a:tcPr>
+                </a:tc>
+                <a:tc>
+                  <a:txBody>
+                    <a:bodyPr/>
+                    <a:lstStyle/>
+                    <a:p>
+                      <a:r>
+                        <a:rPr lang="en-GB" sz="1400">
+                          <a:effectLst/>
+                        </a:rPr>
+                        <a:t>1611</a:t>
+                      </a:r>
+                    </a:p>
+                  </a:txBody>
+                  <a:tcPr marL="98136" marR="98136" marT="45293" marB="45293" anchor="ctr">
+                    <a:lnL w="9525" cap="flat" cmpd="sng" algn="ctr">
+                      <a:solidFill>
+                        <a:srgbClr val="DDDDDD"/>
+                      </a:solidFill>
+                      <a:prstDash val="solid"/>
+                      <a:round/>
+                      <a:headEnd type="none" w="med" len="med"/>
+                      <a:tailEnd type="none" w="med" len="med"/>
+                    </a:lnL>
+                    <a:lnR w="9525" cap="flat" cmpd="sng" algn="ctr">
+                      <a:solidFill>
+                        <a:srgbClr val="DDDDDD"/>
+                      </a:solidFill>
+                      <a:prstDash val="solid"/>
+                      <a:round/>
+                      <a:headEnd type="none" w="med" len="med"/>
+                      <a:tailEnd type="none" w="med" len="med"/>
+                    </a:lnR>
+                    <a:lnT w="9525" cap="flat" cmpd="sng" algn="ctr">
+                      <a:solidFill>
+                        <a:srgbClr val="DDDDDD"/>
+                      </a:solidFill>
+                      <a:prstDash val="solid"/>
+                      <a:round/>
+                      <a:headEnd type="none" w="med" len="med"/>
+                      <a:tailEnd type="none" w="med" len="med"/>
+                    </a:lnT>
+                    <a:lnB w="9525" cap="flat" cmpd="sng" algn="ctr">
+                      <a:solidFill>
+                        <a:srgbClr val="DDDDDD"/>
+                      </a:solidFill>
+                      <a:prstDash val="solid"/>
+                      <a:round/>
+                      <a:headEnd type="none" w="med" len="med"/>
+                      <a:tailEnd type="none" w="med" len="med"/>
+                    </a:lnB>
+                    <a:solidFill>
+                      <a:srgbClr val="FFFFFF"/>
+                    </a:solidFill>
+                  </a:tcPr>
+                </a:tc>
+                <a:tc>
+                  <a:txBody>
+                    <a:bodyPr/>
+                    <a:lstStyle/>
+                    <a:p>
+                      <a:r>
+                        <a:rPr lang="en-GB" sz="1400" dirty="0">
+                          <a:effectLst/>
+                        </a:rPr>
+                        <a:t>0.647</a:t>
+                      </a:r>
+                    </a:p>
+                  </a:txBody>
+                  <a:tcPr marL="98136" marR="98136" marT="45293" marB="45293" anchor="ctr">
+                    <a:lnL w="9525" cap="flat" cmpd="sng" algn="ctr">
+                      <a:solidFill>
+                        <a:srgbClr val="DDDDDD"/>
+                      </a:solidFill>
+                      <a:prstDash val="solid"/>
+                      <a:round/>
+                      <a:headEnd type="none" w="med" len="med"/>
+                      <a:tailEnd type="none" w="med" len="med"/>
+                    </a:lnL>
+                    <a:lnR w="9525" cap="flat" cmpd="sng" algn="ctr">
+                      <a:solidFill>
+                        <a:srgbClr val="DDDDDD"/>
+                      </a:solidFill>
+                      <a:prstDash val="solid"/>
+                      <a:round/>
+                      <a:headEnd type="none" w="med" len="med"/>
+                      <a:tailEnd type="none" w="med" len="med"/>
+                    </a:lnR>
+                    <a:lnT w="9525" cap="flat" cmpd="sng" algn="ctr">
+                      <a:solidFill>
+                        <a:srgbClr val="DDDDDD"/>
+                      </a:solidFill>
+                      <a:prstDash val="solid"/>
+                      <a:round/>
+                      <a:headEnd type="none" w="med" len="med"/>
+                      <a:tailEnd type="none" w="med" len="med"/>
+                    </a:lnT>
+                    <a:lnB w="9525" cap="flat" cmpd="sng" algn="ctr">
+                      <a:solidFill>
+                        <a:srgbClr val="DDDDDD"/>
+                      </a:solidFill>
+                      <a:prstDash val="solid"/>
+                      <a:round/>
+                      <a:headEnd type="none" w="med" len="med"/>
+                      <a:tailEnd type="none" w="med" len="med"/>
+                    </a:lnB>
+                    <a:solidFill>
+                      <a:srgbClr val="FFFFFF"/>
+                    </a:solidFill>
+                  </a:tcPr>
+                </a:tc>
+                <a:tc>
+                  <a:txBody>
+                    <a:bodyPr/>
+                    <a:lstStyle/>
+                    <a:p>
+                      <a:r>
+                        <a:rPr lang="en-GB" sz="1400">
+                          <a:effectLst/>
+                        </a:rPr>
+                        <a:t>0.840</a:t>
+                      </a:r>
+                    </a:p>
+                  </a:txBody>
+                  <a:tcPr marL="98136" marR="98136" marT="45293" marB="45293" anchor="ctr">
+                    <a:lnL w="9525" cap="flat" cmpd="sng" algn="ctr">
+                      <a:solidFill>
+                        <a:srgbClr val="DDDDDD"/>
+                      </a:solidFill>
+                      <a:prstDash val="solid"/>
+                      <a:round/>
+                      <a:headEnd type="none" w="med" len="med"/>
+                      <a:tailEnd type="none" w="med" len="med"/>
+                    </a:lnL>
+                    <a:lnR w="9525" cap="flat" cmpd="sng" algn="ctr">
+                      <a:solidFill>
+                        <a:srgbClr val="DDDDDD"/>
+                      </a:solidFill>
+                      <a:prstDash val="solid"/>
+                      <a:round/>
+                      <a:headEnd type="none" w="med" len="med"/>
+                      <a:tailEnd type="none" w="med" len="med"/>
+                    </a:lnR>
+                    <a:lnT w="9525" cap="flat" cmpd="sng" algn="ctr">
+                      <a:solidFill>
+                        <a:srgbClr val="DDDDDD"/>
+                      </a:solidFill>
+                      <a:prstDash val="solid"/>
+                      <a:round/>
+                      <a:headEnd type="none" w="med" len="med"/>
+                      <a:tailEnd type="none" w="med" len="med"/>
+                    </a:lnT>
+                    <a:lnB w="9525" cap="flat" cmpd="sng" algn="ctr">
+                      <a:solidFill>
+                        <a:srgbClr val="DDDDDD"/>
+                      </a:solidFill>
+                      <a:prstDash val="solid"/>
+                      <a:round/>
+                      <a:headEnd type="none" w="med" len="med"/>
+                      <a:tailEnd type="none" w="med" len="med"/>
+                    </a:lnB>
+                    <a:solidFill>
+                      <a:srgbClr val="FFFFFF"/>
+                    </a:solidFill>
+                  </a:tcPr>
+                </a:tc>
+                <a:tc>
+                  <a:txBody>
+                    <a:bodyPr/>
+                    <a:lstStyle/>
+                    <a:p>
+                      <a:r>
+                        <a:rPr lang="en-GB" sz="1400">
+                          <a:effectLst/>
+                        </a:rPr>
+                        <a:t>+29.8%</a:t>
+                      </a:r>
+                    </a:p>
+                  </a:txBody>
+                  <a:tcPr marL="98136" marR="98136" marT="45293" marB="45293" anchor="ctr">
+                    <a:lnL w="9525" cap="flat" cmpd="sng" algn="ctr">
+                      <a:solidFill>
+                        <a:srgbClr val="DDDDDD"/>
+                      </a:solidFill>
+                      <a:prstDash val="solid"/>
+                      <a:round/>
+                      <a:headEnd type="none" w="med" len="med"/>
+                      <a:tailEnd type="none" w="med" len="med"/>
+                    </a:lnL>
+                    <a:lnR w="9525" cap="flat" cmpd="sng" algn="ctr">
+                      <a:solidFill>
+                        <a:srgbClr val="DDDDDD"/>
+                      </a:solidFill>
+                      <a:prstDash val="solid"/>
+                      <a:round/>
+                      <a:headEnd type="none" w="med" len="med"/>
+                      <a:tailEnd type="none" w="med" len="med"/>
+                    </a:lnR>
+                    <a:lnT w="9525" cap="flat" cmpd="sng" algn="ctr">
+                      <a:solidFill>
+                        <a:srgbClr val="DDDDDD"/>
+                      </a:solidFill>
+                      <a:prstDash val="solid"/>
+                      <a:round/>
+                      <a:headEnd type="none" w="med" len="med"/>
+                      <a:tailEnd type="none" w="med" len="med"/>
+                    </a:lnT>
+                    <a:lnB w="9525" cap="flat" cmpd="sng" algn="ctr">
+                      <a:solidFill>
+                        <a:srgbClr val="DDDDDD"/>
+                      </a:solidFill>
+                      <a:prstDash val="solid"/>
+                      <a:round/>
+                      <a:headEnd type="none" w="med" len="med"/>
+                      <a:tailEnd type="none" w="med" len="med"/>
+                    </a:lnB>
+                    <a:solidFill>
+                      <a:srgbClr val="FFFFFF"/>
+                    </a:solidFill>
+                  </a:tcPr>
+                </a:tc>
+                <a:extLst>
+                  <a:ext uri="{0D108BD9-81ED-4DB2-BD59-A6C34878D82A}">
+                    <a16:rowId xmlns:a16="http://schemas.microsoft.com/office/drawing/2014/main" val="2786497867"/>
+                  </a:ext>
+                </a:extLst>
+              </a:tr>
+              <a:tr h="307995">
+                <a:tc>
+                  <a:txBody>
+                    <a:bodyPr/>
+                    <a:lstStyle/>
+                    <a:p>
+                      <a:r>
+                        <a:rPr lang="en-GB" sz="1400">
+                          <a:effectLst/>
+                        </a:rPr>
+                        <a:t>Bitcount Unrolled O0</a:t>
+                      </a:r>
+                    </a:p>
+                  </a:txBody>
+                  <a:tcPr marL="98136" marR="98136" marT="45293" marB="45293" anchor="ctr">
+                    <a:lnL w="9525" cap="flat" cmpd="sng" algn="ctr">
+                      <a:solidFill>
+                        <a:srgbClr val="DDDDDD"/>
+                      </a:solidFill>
+                      <a:prstDash val="solid"/>
+                      <a:round/>
+                      <a:headEnd type="none" w="med" len="med"/>
+                      <a:tailEnd type="none" w="med" len="med"/>
+                    </a:lnL>
+                    <a:lnR w="9525" cap="flat" cmpd="sng" algn="ctr">
+                      <a:solidFill>
+                        <a:srgbClr val="DDDDDD"/>
+                      </a:solidFill>
+                      <a:prstDash val="solid"/>
+                      <a:round/>
+                      <a:headEnd type="none" w="med" len="med"/>
+                      <a:tailEnd type="none" w="med" len="med"/>
+                    </a:lnR>
+                    <a:lnT w="9525" cap="flat" cmpd="sng" algn="ctr">
+                      <a:solidFill>
+                        <a:srgbClr val="DDDDDD"/>
+                      </a:solidFill>
+                      <a:prstDash val="solid"/>
+                      <a:round/>
+                      <a:headEnd type="none" w="med" len="med"/>
+                      <a:tailEnd type="none" w="med" len="med"/>
+                    </a:lnT>
+                    <a:lnB w="9525" cap="flat" cmpd="sng" algn="ctr">
+                      <a:solidFill>
+                        <a:srgbClr val="DDDDDD"/>
+                      </a:solidFill>
+                      <a:prstDash val="solid"/>
+                      <a:round/>
+                      <a:headEnd type="none" w="med" len="med"/>
+                      <a:tailEnd type="none" w="med" len="med"/>
+                    </a:lnB>
+                    <a:solidFill>
+                      <a:srgbClr val="FFFFFF"/>
+                    </a:solidFill>
+                  </a:tcPr>
+                </a:tc>
+                <a:tc>
+                  <a:txBody>
+                    <a:bodyPr/>
+                    <a:lstStyle/>
+                    <a:p>
+                      <a:r>
+                        <a:rPr lang="en-GB" sz="1400" dirty="0">
+                          <a:effectLst/>
+                        </a:rPr>
+                        <a:t>1067</a:t>
+                      </a:r>
+                    </a:p>
+                  </a:txBody>
+                  <a:tcPr marL="98136" marR="98136" marT="45293" marB="45293" anchor="ctr">
+                    <a:lnL w="9525" cap="flat" cmpd="sng" algn="ctr">
+                      <a:solidFill>
+                        <a:srgbClr val="DDDDDD"/>
+                      </a:solidFill>
+                      <a:prstDash val="solid"/>
+                      <a:round/>
+                      <a:headEnd type="none" w="med" len="med"/>
+                      <a:tailEnd type="none" w="med" len="med"/>
+                    </a:lnL>
+                    <a:lnR w="9525" cap="flat" cmpd="sng" algn="ctr">
+                      <a:solidFill>
+                        <a:srgbClr val="DDDDDD"/>
+                      </a:solidFill>
+                      <a:prstDash val="solid"/>
+                      <a:round/>
+                      <a:headEnd type="none" w="med" len="med"/>
+                      <a:tailEnd type="none" w="med" len="med"/>
+                    </a:lnR>
+                    <a:lnT w="9525" cap="flat" cmpd="sng" algn="ctr">
+                      <a:solidFill>
+                        <a:srgbClr val="DDDDDD"/>
+                      </a:solidFill>
+                      <a:prstDash val="solid"/>
+                      <a:round/>
+                      <a:headEnd type="none" w="med" len="med"/>
+                      <a:tailEnd type="none" w="med" len="med"/>
+                    </a:lnT>
+                    <a:lnB w="9525" cap="flat" cmpd="sng" algn="ctr">
+                      <a:solidFill>
+                        <a:srgbClr val="DDDDDD"/>
+                      </a:solidFill>
+                      <a:prstDash val="solid"/>
+                      <a:round/>
+                      <a:headEnd type="none" w="med" len="med"/>
+                      <a:tailEnd type="none" w="med" len="med"/>
+                    </a:lnB>
+                    <a:solidFill>
+                      <a:srgbClr val="FFFFFF"/>
+                    </a:solidFill>
+                  </a:tcPr>
+                </a:tc>
+                <a:tc>
+                  <a:txBody>
+                    <a:bodyPr/>
+                    <a:lstStyle/>
+                    <a:p>
+                      <a:r>
+                        <a:rPr lang="en-GB" sz="1400">
+                          <a:effectLst/>
+                        </a:rPr>
+                        <a:t>0.637</a:t>
+                      </a:r>
+                    </a:p>
+                  </a:txBody>
+                  <a:tcPr marL="98136" marR="98136" marT="45293" marB="45293" anchor="ctr">
+                    <a:lnL w="9525" cap="flat" cmpd="sng" algn="ctr">
+                      <a:solidFill>
+                        <a:srgbClr val="DDDDDD"/>
+                      </a:solidFill>
+                      <a:prstDash val="solid"/>
+                      <a:round/>
+                      <a:headEnd type="none" w="med" len="med"/>
+                      <a:tailEnd type="none" w="med" len="med"/>
+                    </a:lnL>
+                    <a:lnR w="9525" cap="flat" cmpd="sng" algn="ctr">
+                      <a:solidFill>
+                        <a:srgbClr val="DDDDDD"/>
+                      </a:solidFill>
+                      <a:prstDash val="solid"/>
+                      <a:round/>
+                      <a:headEnd type="none" w="med" len="med"/>
+                      <a:tailEnd type="none" w="med" len="med"/>
+                    </a:lnR>
+                    <a:lnT w="9525" cap="flat" cmpd="sng" algn="ctr">
+                      <a:solidFill>
+                        <a:srgbClr val="DDDDDD"/>
+                      </a:solidFill>
+                      <a:prstDash val="solid"/>
+                      <a:round/>
+                      <a:headEnd type="none" w="med" len="med"/>
+                      <a:tailEnd type="none" w="med" len="med"/>
+                    </a:lnT>
+                    <a:lnB w="9525" cap="flat" cmpd="sng" algn="ctr">
+                      <a:solidFill>
+                        <a:srgbClr val="DDDDDD"/>
+                      </a:solidFill>
+                      <a:prstDash val="solid"/>
+                      <a:round/>
+                      <a:headEnd type="none" w="med" len="med"/>
+                      <a:tailEnd type="none" w="med" len="med"/>
+                    </a:lnB>
+                    <a:solidFill>
+                      <a:srgbClr val="FFFFFF"/>
+                    </a:solidFill>
+                  </a:tcPr>
+                </a:tc>
+                <a:tc>
+                  <a:txBody>
+                    <a:bodyPr/>
+                    <a:lstStyle/>
+                    <a:p>
+                      <a:r>
+                        <a:rPr lang="en-GB" sz="1400">
+                          <a:effectLst/>
+                        </a:rPr>
+                        <a:t>0.836</a:t>
+                      </a:r>
+                    </a:p>
+                  </a:txBody>
+                  <a:tcPr marL="98136" marR="98136" marT="45293" marB="45293" anchor="ctr">
+                    <a:lnL w="9525" cap="flat" cmpd="sng" algn="ctr">
+                      <a:solidFill>
+                        <a:srgbClr val="DDDDDD"/>
+                      </a:solidFill>
+                      <a:prstDash val="solid"/>
+                      <a:round/>
+                      <a:headEnd type="none" w="med" len="med"/>
+                      <a:tailEnd type="none" w="med" len="med"/>
+                    </a:lnL>
+                    <a:lnR w="9525" cap="flat" cmpd="sng" algn="ctr">
+                      <a:solidFill>
+                        <a:srgbClr val="DDDDDD"/>
+                      </a:solidFill>
+                      <a:prstDash val="solid"/>
+                      <a:round/>
+                      <a:headEnd type="none" w="med" len="med"/>
+                      <a:tailEnd type="none" w="med" len="med"/>
+                    </a:lnR>
+                    <a:lnT w="9525" cap="flat" cmpd="sng" algn="ctr">
+                      <a:solidFill>
+                        <a:srgbClr val="DDDDDD"/>
+                      </a:solidFill>
+                      <a:prstDash val="solid"/>
+                      <a:round/>
+                      <a:headEnd type="none" w="med" len="med"/>
+                      <a:tailEnd type="none" w="med" len="med"/>
+                    </a:lnT>
+                    <a:lnB w="9525" cap="flat" cmpd="sng" algn="ctr">
+                      <a:solidFill>
+                        <a:srgbClr val="DDDDDD"/>
+                      </a:solidFill>
+                      <a:prstDash val="solid"/>
+                      <a:round/>
+                      <a:headEnd type="none" w="med" len="med"/>
+                      <a:tailEnd type="none" w="med" len="med"/>
+                    </a:lnB>
+                    <a:solidFill>
+                      <a:srgbClr val="FFFFFF"/>
+                    </a:solidFill>
+                  </a:tcPr>
+                </a:tc>
+                <a:tc>
+                  <a:txBody>
+                    <a:bodyPr/>
+                    <a:lstStyle/>
+                    <a:p>
+                      <a:r>
+                        <a:rPr lang="en-GB" sz="1400" dirty="0">
+                          <a:effectLst/>
+                        </a:rPr>
+                        <a:t>+31.3%</a:t>
+                      </a:r>
+                    </a:p>
+                  </a:txBody>
+                  <a:tcPr marL="98136" marR="98136" marT="45293" marB="45293" anchor="ctr">
+                    <a:lnL w="9525" cap="flat" cmpd="sng" algn="ctr">
+                      <a:solidFill>
+                        <a:srgbClr val="DDDDDD"/>
+                      </a:solidFill>
+                      <a:prstDash val="solid"/>
+                      <a:round/>
+                      <a:headEnd type="none" w="med" len="med"/>
+                      <a:tailEnd type="none" w="med" len="med"/>
+                    </a:lnL>
+                    <a:lnR w="9525" cap="flat" cmpd="sng" algn="ctr">
+                      <a:solidFill>
+                        <a:srgbClr val="DDDDDD"/>
+                      </a:solidFill>
+                      <a:prstDash val="solid"/>
+                      <a:round/>
+                      <a:headEnd type="none" w="med" len="med"/>
+                      <a:tailEnd type="none" w="med" len="med"/>
+                    </a:lnR>
+                    <a:lnT w="9525" cap="flat" cmpd="sng" algn="ctr">
+                      <a:solidFill>
+                        <a:srgbClr val="DDDDDD"/>
+                      </a:solidFill>
+                      <a:prstDash val="solid"/>
+                      <a:round/>
+                      <a:headEnd type="none" w="med" len="med"/>
+                      <a:tailEnd type="none" w="med" len="med"/>
+                    </a:lnT>
+                    <a:lnB w="9525" cap="flat" cmpd="sng" algn="ctr">
+                      <a:solidFill>
+                        <a:srgbClr val="DDDDDD"/>
+                      </a:solidFill>
+                      <a:prstDash val="solid"/>
+                      <a:round/>
+                      <a:headEnd type="none" w="med" len="med"/>
+                      <a:tailEnd type="none" w="med" len="med"/>
+                    </a:lnB>
+                    <a:solidFill>
+                      <a:srgbClr val="FFFFFF"/>
+                    </a:solidFill>
+                  </a:tcPr>
+                </a:tc>
+                <a:extLst>
+                  <a:ext uri="{0D108BD9-81ED-4DB2-BD59-A6C34878D82A}">
+                    <a16:rowId xmlns:a16="http://schemas.microsoft.com/office/drawing/2014/main" val="2336695696"/>
+                  </a:ext>
+                </a:extLst>
+              </a:tr>
+            </a:tbl>
+          </a:graphicData>
+        </a:graphic>
+      </p:graphicFrame>
+    </p:spTree>
+    <p:extLst>
+      <p:ext uri="{BB962C8B-B14F-4D97-AF65-F5344CB8AC3E}">
+        <p14:creationId xmlns:p14="http://schemas.microsoft.com/office/powerpoint/2010/main" val="3472961141"/>
+      </p:ext>
+    </p:extLst>
+  </p:cSld>
+  <p:clrMapOvr>
+    <a:masterClrMapping/>
+  </p:clrMapOvr>
+</p:sld>
+</file>
+
+<file path=ppt/slides/slide14.xml><?xml version="1.0" encoding="utf-8"?>
+<p:sld xmlns:a="http://schemas.openxmlformats.org/drawingml/2006/main" xmlns:r="http://schemas.openxmlformats.org/officeDocument/2006/relationships" xmlns:p="http://schemas.openxmlformats.org/presentationml/2006/main">
+  <p:cSld>
+    <p:spTree>
+      <p:nvGrpSpPr>
+        <p:cNvPr id="1" name=""/>
+        <p:cNvGrpSpPr/>
+        <p:nvPr/>
+      </p:nvGrpSpPr>
+      <p:grpSpPr>
+        <a:xfrm>
+          <a:off x="0" y="0"/>
+          <a:ext cx="0" cy="0"/>
+          <a:chOff x="0" y="0"/>
+          <a:chExt cx="0" cy="0"/>
+        </a:xfrm>
+      </p:grpSpPr>
+      <p:sp>
+        <p:nvSpPr>
+          <p:cNvPr id="4" name="Title 3">
+            <a:extLst>
+              <a:ext uri="{FF2B5EF4-FFF2-40B4-BE49-F238E27FC236}">
+                <a16:creationId xmlns:a16="http://schemas.microsoft.com/office/drawing/2014/main" id="{DFCF2F37-059F-44CA-B469-F8057D30394E}"/>
+              </a:ext>
+            </a:extLst>
+          </p:cNvPr>
+          <p:cNvSpPr>
+            <a:spLocks noGrp="1"/>
+          </p:cNvSpPr>
+          <p:nvPr>
+            <p:ph type="ctrTitle"/>
+          </p:nvPr>
+        </p:nvSpPr>
+        <p:spPr/>
+        <p:txBody>
+          <a:bodyPr/>
+          <a:lstStyle/>
+          <a:p>
+            <a:r>
+              <a:rPr lang="en-GB" dirty="0"/>
+              <a:t>(End)</a:t>
+            </a:r>
+          </a:p>
+        </p:txBody>
+      </p:sp>
+      <p:sp>
+        <p:nvSpPr>
+          <p:cNvPr id="5" name="Subtitle 4">
+            <a:extLst>
+              <a:ext uri="{FF2B5EF4-FFF2-40B4-BE49-F238E27FC236}">
+                <a16:creationId xmlns:a16="http://schemas.microsoft.com/office/drawing/2014/main" id="{7CAE175A-3115-4A45-BA57-92F6F55C5961}"/>
+              </a:ext>
+            </a:extLst>
+          </p:cNvPr>
+          <p:cNvSpPr>
+            <a:spLocks noGrp="1"/>
+          </p:cNvSpPr>
+          <p:nvPr>
+            <p:ph type="subTitle" idx="1"/>
+          </p:nvPr>
+        </p:nvSpPr>
+        <p:spPr/>
+        <p:txBody>
+          <a:bodyPr/>
+          <a:lstStyle/>
+          <a:p>
+            <a:endParaRPr lang="en-GB"/>
+          </a:p>
+        </p:txBody>
+      </p:sp>
+    </p:spTree>
+    <p:extLst>
+      <p:ext uri="{BB962C8B-B14F-4D97-AF65-F5344CB8AC3E}">
+        <p14:creationId xmlns:p14="http://schemas.microsoft.com/office/powerpoint/2010/main" val="3450062975"/>
+      </p:ext>
+    </p:extLst>
+  </p:cSld>
+  <p:clrMapOvr>
+    <a:masterClrMapping/>
+  </p:clrMapOvr>
+</p:sld>
+</file>
+
 <file path=ppt/slides/slide2.xml><?xml version="1.0" encoding="utf-8"?>
 <p:sld xmlns:a="http://schemas.openxmlformats.org/drawingml/2006/main" xmlns:r="http://schemas.openxmlformats.org/officeDocument/2006/relationships" xmlns:p="http://schemas.openxmlformats.org/presentationml/2006/main">
   <p:cSld>
@@ -11062,6 +12180,41 @@
           </a:fontRef>
         </p:style>
       </p:cxnSp>
+      <p:sp>
+        <p:nvSpPr>
+          <p:cNvPr id="40" name="TextBox 39">
+            <a:extLst>
+              <a:ext uri="{FF2B5EF4-FFF2-40B4-BE49-F238E27FC236}">
+                <a16:creationId xmlns:a16="http://schemas.microsoft.com/office/drawing/2014/main" id="{A9EED729-02E6-424B-AA90-EA5856E0C084}"/>
+              </a:ext>
+            </a:extLst>
+          </p:cNvPr>
+          <p:cNvSpPr txBox="1"/>
+          <p:nvPr/>
+        </p:nvSpPr>
+        <p:spPr>
+          <a:xfrm>
+            <a:off x="8986868" y="4396910"/>
+            <a:ext cx="2297506" cy="430887"/>
+          </a:xfrm>
+          <a:prstGeom prst="rect">
+            <a:avLst/>
+          </a:prstGeom>
+          <a:noFill/>
+        </p:spPr>
+        <p:txBody>
+          <a:bodyPr wrap="square" rtlCol="0">
+            <a:spAutoFit/>
+          </a:bodyPr>
+          <a:lstStyle/>
+          <a:p>
+            <a:r>
+              <a:rPr lang="en-GB" sz="1100" dirty="0"/>
+              <a:t>If there is a free station then issue the instruction at top of queue</a:t>
+            </a:r>
+          </a:p>
+        </p:txBody>
+      </p:sp>
     </p:spTree>
     <p:extLst>
       <p:ext uri="{BB962C8B-B14F-4D97-AF65-F5344CB8AC3E}">
@@ -13489,7 +14642,7 @@
         <p:spPr>
           <a:xfrm>
             <a:off x="8534399" y="4423386"/>
-            <a:ext cx="2812447" cy="430887"/>
+            <a:ext cx="2812447" cy="600164"/>
           </a:xfrm>
           <a:prstGeom prst="rect">
             <a:avLst/>
@@ -13504,7 +14657,7 @@
           <a:p>
             <a:r>
               <a:rPr lang="en-GB" sz="1100" dirty="0"/>
-              <a:t>If there is a free station and there are no control hazards issue the instruction</a:t>
+              <a:t>If there is a free station and there are no control hazards issue the instruction at top of queue</a:t>
             </a:r>
           </a:p>
         </p:txBody>
